--- a/2022.01.21/On-Device Training.pptx
+++ b/2022.01.21/On-Device Training.pptx
@@ -5,7 +5,7 @@
     <p:sldMasterId id="2147483648" r:id="rId1"/>
   </p:sldMasterIdLst>
   <p:notesMasterIdLst>
-    <p:notesMasterId r:id="rId18"/>
+    <p:notesMasterId r:id="rId41"/>
   </p:notesMasterIdLst>
   <p:sldIdLst>
     <p:sldId id="259" r:id="rId2"/>
@@ -20,10 +20,33 @@
     <p:sldId id="285" r:id="rId11"/>
     <p:sldId id="277" r:id="rId12"/>
     <p:sldId id="287" r:id="rId13"/>
-    <p:sldId id="286" r:id="rId14"/>
-    <p:sldId id="288" r:id="rId15"/>
-    <p:sldId id="289" r:id="rId16"/>
-    <p:sldId id="273" r:id="rId17"/>
+    <p:sldId id="291" r:id="rId14"/>
+    <p:sldId id="292" r:id="rId15"/>
+    <p:sldId id="293" r:id="rId16"/>
+    <p:sldId id="306" r:id="rId17"/>
+    <p:sldId id="294" r:id="rId18"/>
+    <p:sldId id="295" r:id="rId19"/>
+    <p:sldId id="313" r:id="rId20"/>
+    <p:sldId id="314" r:id="rId21"/>
+    <p:sldId id="315" r:id="rId22"/>
+    <p:sldId id="298" r:id="rId23"/>
+    <p:sldId id="308" r:id="rId24"/>
+    <p:sldId id="299" r:id="rId25"/>
+    <p:sldId id="309" r:id="rId26"/>
+    <p:sldId id="310" r:id="rId27"/>
+    <p:sldId id="311" r:id="rId28"/>
+    <p:sldId id="296" r:id="rId29"/>
+    <p:sldId id="312" r:id="rId30"/>
+    <p:sldId id="300" r:id="rId31"/>
+    <p:sldId id="301" r:id="rId32"/>
+    <p:sldId id="302" r:id="rId33"/>
+    <p:sldId id="303" r:id="rId34"/>
+    <p:sldId id="304" r:id="rId35"/>
+    <p:sldId id="305" r:id="rId36"/>
+    <p:sldId id="286" r:id="rId37"/>
+    <p:sldId id="288" r:id="rId38"/>
+    <p:sldId id="289" r:id="rId39"/>
+    <p:sldId id="273" r:id="rId40"/>
   </p:sldIdLst>
   <p:sldSz cx="12192000" cy="6858000"/>
   <p:notesSz cx="6858000" cy="9144000"/>
@@ -2596,6 +2619,174 @@
 </p:notesMaster>
 </file>
 
+<file path=ppt/notesSlides/notesSlide1.xml><?xml version="1.0" encoding="utf-8"?>
+<p:notes xmlns:a="http://schemas.openxmlformats.org/drawingml/2006/main" xmlns:r="http://schemas.openxmlformats.org/officeDocument/2006/relationships" xmlns:p="http://schemas.openxmlformats.org/presentationml/2006/main">
+  <p:cSld>
+    <p:spTree>
+      <p:nvGrpSpPr>
+        <p:cNvPr id="1" name=""/>
+        <p:cNvGrpSpPr/>
+        <p:nvPr/>
+      </p:nvGrpSpPr>
+      <p:grpSpPr>
+        <a:xfrm>
+          <a:off x="0" y="0"/>
+          <a:ext cx="0" cy="0"/>
+          <a:chOff x="0" y="0"/>
+          <a:chExt cx="0" cy="0"/>
+        </a:xfrm>
+      </p:grpSpPr>
+      <p:sp>
+        <p:nvSpPr>
+          <p:cNvPr id="2" name="슬라이드 이미지 개체 틀 1"/>
+          <p:cNvSpPr>
+            <a:spLocks noGrp="1" noRot="1" noChangeAspect="1"/>
+          </p:cNvSpPr>
+          <p:nvPr>
+            <p:ph type="sldImg"/>
+          </p:nvPr>
+        </p:nvSpPr>
+        <p:spPr/>
+      </p:sp>
+      <p:sp>
+        <p:nvSpPr>
+          <p:cNvPr id="3" name="슬라이드 노트 개체 틀 2"/>
+          <p:cNvSpPr>
+            <a:spLocks noGrp="1"/>
+          </p:cNvSpPr>
+          <p:nvPr>
+            <p:ph type="body" idx="1"/>
+          </p:nvPr>
+        </p:nvSpPr>
+        <p:spPr/>
+        <p:txBody>
+          <a:bodyPr/>
+          <a:lstStyle/>
+          <a:p>
+            <a:endParaRPr lang="ko-KR" altLang="en-US" dirty="0"/>
+          </a:p>
+        </p:txBody>
+      </p:sp>
+      <p:sp>
+        <p:nvSpPr>
+          <p:cNvPr id="4" name="슬라이드 번호 개체 틀 3"/>
+          <p:cNvSpPr>
+            <a:spLocks noGrp="1"/>
+          </p:cNvSpPr>
+          <p:nvPr>
+            <p:ph type="sldNum" sz="quarter" idx="5"/>
+          </p:nvPr>
+        </p:nvSpPr>
+        <p:spPr/>
+        <p:txBody>
+          <a:bodyPr/>
+          <a:lstStyle/>
+          <a:p>
+            <a:fld id="{87F9F377-0814-42D2-AAC0-CB43F8F02991}" type="slidenum">
+              <a:rPr lang="ko-KR" altLang="en-US" smtClean="0"/>
+              <a:t>14</a:t>
+            </a:fld>
+            <a:endParaRPr lang="ko-KR" altLang="en-US"/>
+          </a:p>
+        </p:txBody>
+      </p:sp>
+    </p:spTree>
+    <p:extLst>
+      <p:ext uri="{BB962C8B-B14F-4D97-AF65-F5344CB8AC3E}">
+        <p14:creationId xmlns:p14="http://schemas.microsoft.com/office/powerpoint/2010/main" val="816979025"/>
+      </p:ext>
+    </p:extLst>
+  </p:cSld>
+  <p:clrMapOvr>
+    <a:masterClrMapping/>
+  </p:clrMapOvr>
+</p:notes>
+</file>
+
+<file path=ppt/notesSlides/notesSlide2.xml><?xml version="1.0" encoding="utf-8"?>
+<p:notes xmlns:a="http://schemas.openxmlformats.org/drawingml/2006/main" xmlns:r="http://schemas.openxmlformats.org/officeDocument/2006/relationships" xmlns:p="http://schemas.openxmlformats.org/presentationml/2006/main">
+  <p:cSld>
+    <p:spTree>
+      <p:nvGrpSpPr>
+        <p:cNvPr id="1" name=""/>
+        <p:cNvGrpSpPr/>
+        <p:nvPr/>
+      </p:nvGrpSpPr>
+      <p:grpSpPr>
+        <a:xfrm>
+          <a:off x="0" y="0"/>
+          <a:ext cx="0" cy="0"/>
+          <a:chOff x="0" y="0"/>
+          <a:chExt cx="0" cy="0"/>
+        </a:xfrm>
+      </p:grpSpPr>
+      <p:sp>
+        <p:nvSpPr>
+          <p:cNvPr id="2" name="슬라이드 이미지 개체 틀 1"/>
+          <p:cNvSpPr>
+            <a:spLocks noGrp="1" noRot="1" noChangeAspect="1"/>
+          </p:cNvSpPr>
+          <p:nvPr>
+            <p:ph type="sldImg"/>
+          </p:nvPr>
+        </p:nvSpPr>
+        <p:spPr/>
+      </p:sp>
+      <p:sp>
+        <p:nvSpPr>
+          <p:cNvPr id="3" name="슬라이드 노트 개체 틀 2"/>
+          <p:cNvSpPr>
+            <a:spLocks noGrp="1"/>
+          </p:cNvSpPr>
+          <p:nvPr>
+            <p:ph type="body" idx="1"/>
+          </p:nvPr>
+        </p:nvSpPr>
+        <p:spPr/>
+        <p:txBody>
+          <a:bodyPr/>
+          <a:lstStyle/>
+          <a:p>
+            <a:endParaRPr lang="ko-KR" altLang="en-US" dirty="0"/>
+          </a:p>
+        </p:txBody>
+      </p:sp>
+      <p:sp>
+        <p:nvSpPr>
+          <p:cNvPr id="4" name="슬라이드 번호 개체 틀 3"/>
+          <p:cNvSpPr>
+            <a:spLocks noGrp="1"/>
+          </p:cNvSpPr>
+          <p:nvPr>
+            <p:ph type="sldNum" sz="quarter" idx="5"/>
+          </p:nvPr>
+        </p:nvSpPr>
+        <p:spPr/>
+        <p:txBody>
+          <a:bodyPr/>
+          <a:lstStyle/>
+          <a:p>
+            <a:fld id="{87F9F377-0814-42D2-AAC0-CB43F8F02991}" type="slidenum">
+              <a:rPr lang="ko-KR" altLang="en-US" smtClean="0"/>
+              <a:t>16</a:t>
+            </a:fld>
+            <a:endParaRPr lang="ko-KR" altLang="en-US"/>
+          </a:p>
+        </p:txBody>
+      </p:sp>
+    </p:spTree>
+    <p:extLst>
+      <p:ext uri="{BB962C8B-B14F-4D97-AF65-F5344CB8AC3E}">
+        <p14:creationId xmlns:p14="http://schemas.microsoft.com/office/powerpoint/2010/main" val="691565956"/>
+      </p:ext>
+    </p:extLst>
+  </p:cSld>
+  <p:clrMapOvr>
+    <a:masterClrMapping/>
+  </p:clrMapOvr>
+</p:notes>
+</file>
+
 <file path=ppt/slideLayouts/slideLayout1.xml><?xml version="1.0" encoding="utf-8"?>
 <p:sldLayout xmlns:a="http://schemas.openxmlformats.org/drawingml/2006/main" xmlns:r="http://schemas.openxmlformats.org/officeDocument/2006/relationships" xmlns:p="http://schemas.openxmlformats.org/presentationml/2006/main" type="title" preserve="1">
   <p:cSld name="제목 슬라이드">
@@ -4776,12 +4967,12 @@
           <a:lstStyle/>
           <a:p>
             <a:r>
-              <a:rPr lang="ko-KR" altLang="en-US">
+              <a:rPr lang="ko-KR" altLang="en-US" dirty="0">
                 <a:ea typeface="맑은 고딕"/>
               </a:rPr>
               <a:t>소스코드 분석</a:t>
             </a:r>
-            <a:endParaRPr lang="ko-KR" altLang="en-US"/>
+            <a:endParaRPr lang="ko-KR" altLang="en-US" dirty="0"/>
           </a:p>
         </p:txBody>
       </p:sp>
@@ -4809,48 +5000,36 @@
           <a:lstStyle/>
           <a:p>
             <a:r>
-              <a:rPr lang="ko-KR" altLang="en-US">
-                <a:ea typeface="맑은 고딕"/>
+              <a:rPr lang="en-US" altLang="ko-KR" dirty="0"/>
+              <a:t>TF Lite </a:t>
+            </a:r>
+            <a:r>
+              <a:rPr lang="ko-KR" altLang="en-US" dirty="0"/>
+              <a:t>예제 앱 </a:t>
+            </a:r>
+            <a:r>
+              <a:rPr lang="en-US" altLang="ko-KR" dirty="0"/>
+              <a:t>: On-device training</a:t>
+            </a:r>
+          </a:p>
+          <a:p>
+            <a:pPr lvl="1"/>
+            <a:r>
+              <a:rPr lang="en-US" altLang="ko-KR" dirty="0">
+                <a:hlinkClick r:id="rId2"/>
               </a:rPr>
-              <a:t>재하가 </a:t>
-            </a:r>
-            <a:r>
-              <a:rPr lang="ko-KR" altLang="en-US" err="1">
-                <a:ea typeface="맑은 고딕"/>
-              </a:rPr>
-              <a:t>한거</a:t>
-            </a:r>
-            <a:r>
-              <a:rPr lang="ko-KR" altLang="en-US">
-                <a:ea typeface="맑은 고딕"/>
-              </a:rPr>
-              <a:t> </a:t>
-            </a:r>
-            <a:r>
-              <a:rPr lang="ko-KR" altLang="en-US" err="1">
-                <a:ea typeface="맑은 고딕"/>
-              </a:rPr>
-              <a:t>채울거임</a:t>
-            </a:r>
-            <a:r>
-              <a:rPr lang="ko-KR" altLang="en-US">
-                <a:ea typeface="맑은 고딕"/>
-              </a:rPr>
-              <a:t> 여기는 </a:t>
-            </a:r>
-            <a:r>
-              <a:rPr lang="ko-KR" altLang="en-US" err="1">
-                <a:ea typeface="맑은 고딕"/>
-              </a:rPr>
-              <a:t>ㅇㅇ</a:t>
-            </a:r>
-            <a:r>
-              <a:rPr lang="ko-KR" altLang="en-US">
-                <a:ea typeface="맑은 고딕"/>
-              </a:rPr>
-              <a:t> </a:t>
-            </a:r>
-            <a:endParaRPr lang="ko-KR" altLang="en-US"/>
+              <a:t>https://github.com/tensorflow/examples/tree/master/lite/examples/model_personalization</a:t>
+            </a:r>
+            <a:endParaRPr lang="en-US" altLang="ko-KR" dirty="0"/>
+          </a:p>
+          <a:p>
+            <a:endParaRPr lang="en-US" altLang="ko-KR" dirty="0"/>
+          </a:p>
+          <a:p>
+            <a:pPr marL="311400" lvl="1" indent="0">
+              <a:buNone/>
+            </a:pPr>
+            <a:endParaRPr lang="en-US" altLang="ko-KR" dirty="0"/>
           </a:p>
         </p:txBody>
       </p:sp>
@@ -4956,6 +5135,4866 @@
           <p:cNvPr id="2" name="제목 1">
             <a:extLst>
               <a:ext uri="{FF2B5EF4-FFF2-40B4-BE49-F238E27FC236}">
+                <a16:creationId xmlns:a16="http://schemas.microsoft.com/office/drawing/2014/main" id="{2EB0A747-C32B-4851-BB32-DC3E152E8FB3}"/>
+              </a:ext>
+            </a:extLst>
+          </p:cNvPr>
+          <p:cNvSpPr>
+            <a:spLocks noGrp="1"/>
+          </p:cNvSpPr>
+          <p:nvPr>
+            <p:ph type="title"/>
+          </p:nvPr>
+        </p:nvSpPr>
+        <p:spPr/>
+        <p:txBody>
+          <a:bodyPr/>
+          <a:lstStyle/>
+          <a:p>
+            <a:r>
+              <a:rPr lang="ko-KR" altLang="en-US" dirty="0">
+                <a:ea typeface="맑은 고딕"/>
+              </a:rPr>
+              <a:t>소스코드 분석</a:t>
+            </a:r>
+            <a:endParaRPr lang="ko-KR" altLang="en-US" dirty="0"/>
+          </a:p>
+        </p:txBody>
+      </p:sp>
+      <p:sp>
+        <p:nvSpPr>
+          <p:cNvPr id="3" name="내용 개체 틀 2">
+            <a:extLst>
+              <a:ext uri="{FF2B5EF4-FFF2-40B4-BE49-F238E27FC236}">
+                <a16:creationId xmlns:a16="http://schemas.microsoft.com/office/drawing/2014/main" id="{996EFA0E-F84A-42A4-9A50-24D03F83E3EE}"/>
+              </a:ext>
+            </a:extLst>
+          </p:cNvPr>
+          <p:cNvSpPr>
+            <a:spLocks noGrp="1"/>
+          </p:cNvSpPr>
+          <p:nvPr>
+            <p:ph idx="1"/>
+          </p:nvPr>
+        </p:nvSpPr>
+        <p:spPr/>
+        <p:txBody>
+          <a:bodyPr/>
+          <a:lstStyle/>
+          <a:p>
+            <a:r>
+              <a:rPr lang="en-US" altLang="ko-KR" dirty="0" err="1"/>
+              <a:t>CameraFragment</a:t>
+            </a:r>
+            <a:endParaRPr lang="ko-KR" altLang="en-US" dirty="0"/>
+          </a:p>
+        </p:txBody>
+      </p:sp>
+      <p:sp>
+        <p:nvSpPr>
+          <p:cNvPr id="4" name="날짜 개체 틀 3">
+            <a:extLst>
+              <a:ext uri="{FF2B5EF4-FFF2-40B4-BE49-F238E27FC236}">
+                <a16:creationId xmlns:a16="http://schemas.microsoft.com/office/drawing/2014/main" id="{8A90AC18-88BC-4BC0-86A7-89E5299D1624}"/>
+              </a:ext>
+            </a:extLst>
+          </p:cNvPr>
+          <p:cNvSpPr>
+            <a:spLocks noGrp="1"/>
+          </p:cNvSpPr>
+          <p:nvPr>
+            <p:ph type="dt" sz="half" idx="10"/>
+          </p:nvPr>
+        </p:nvSpPr>
+        <p:spPr/>
+        <p:txBody>
+          <a:bodyPr/>
+          <a:lstStyle/>
+          <a:p>
+            <a:r>
+              <a:rPr lang="ko-KR" altLang="en-US"/>
+              <a:t>권철현</a:t>
+            </a:r>
+            <a:r>
+              <a:rPr lang="en-US" altLang="ko-KR"/>
+              <a:t>, </a:t>
+            </a:r>
+            <a:r>
+              <a:rPr lang="ko-KR" altLang="en-US"/>
+              <a:t>신재하</a:t>
+            </a:r>
+          </a:p>
+        </p:txBody>
+      </p:sp>
+      <p:sp>
+        <p:nvSpPr>
+          <p:cNvPr id="5" name="슬라이드 번호 개체 틀 4">
+            <a:extLst>
+              <a:ext uri="{FF2B5EF4-FFF2-40B4-BE49-F238E27FC236}">
+                <a16:creationId xmlns:a16="http://schemas.microsoft.com/office/drawing/2014/main" id="{53A7A304-6F06-42E4-856D-960E7C27707D}"/>
+              </a:ext>
+            </a:extLst>
+          </p:cNvPr>
+          <p:cNvSpPr>
+            <a:spLocks noGrp="1"/>
+          </p:cNvSpPr>
+          <p:nvPr>
+            <p:ph type="sldNum" sz="quarter" idx="12"/>
+          </p:nvPr>
+        </p:nvSpPr>
+        <p:spPr/>
+        <p:txBody>
+          <a:bodyPr/>
+          <a:lstStyle/>
+          <a:p>
+            <a:fld id="{5FF72CB3-86FB-4DBB-A7AC-E8F6F3DA156B}" type="slidenum">
+              <a:rPr lang="ko-KR" altLang="en-US" smtClean="0"/>
+              <a:pPr/>
+              <a:t>13</a:t>
+            </a:fld>
+            <a:endParaRPr lang="ko-KR" altLang="en-US"/>
+          </a:p>
+        </p:txBody>
+      </p:sp>
+      <p:pic>
+        <p:nvPicPr>
+          <p:cNvPr id="9" name="그림 8">
+            <a:extLst>
+              <a:ext uri="{FF2B5EF4-FFF2-40B4-BE49-F238E27FC236}">
+                <a16:creationId xmlns:a16="http://schemas.microsoft.com/office/drawing/2014/main" id="{BA91172F-89F3-4DA6-998B-901AC15560D8}"/>
+              </a:ext>
+            </a:extLst>
+          </p:cNvPr>
+          <p:cNvPicPr>
+            <a:picLocks noChangeAspect="1"/>
+          </p:cNvPicPr>
+          <p:nvPr/>
+        </p:nvPicPr>
+        <p:blipFill>
+          <a:blip r:embed="rId2"/>
+          <a:stretch>
+            <a:fillRect/>
+          </a:stretch>
+        </p:blipFill>
+        <p:spPr>
+          <a:xfrm>
+            <a:off x="701386" y="2741901"/>
+            <a:ext cx="9791700" cy="2066925"/>
+          </a:xfrm>
+          <a:prstGeom prst="rect">
+            <a:avLst/>
+          </a:prstGeom>
+        </p:spPr>
+      </p:pic>
+      <p:sp>
+        <p:nvSpPr>
+          <p:cNvPr id="10" name="직사각형 9">
+            <a:extLst>
+              <a:ext uri="{FF2B5EF4-FFF2-40B4-BE49-F238E27FC236}">
+                <a16:creationId xmlns:a16="http://schemas.microsoft.com/office/drawing/2014/main" id="{A31691F8-9E87-4AD1-8F4F-80DCE0CE6D79}"/>
+              </a:ext>
+            </a:extLst>
+          </p:cNvPr>
+          <p:cNvSpPr/>
+          <p:nvPr/>
+        </p:nvSpPr>
+        <p:spPr>
+          <a:xfrm>
+            <a:off x="881980" y="3775363"/>
+            <a:ext cx="5597237" cy="237276"/>
+          </a:xfrm>
+          <a:prstGeom prst="rect">
+            <a:avLst/>
+          </a:prstGeom>
+          <a:noFill/>
+          <a:ln w="38100">
+            <a:solidFill>
+              <a:srgbClr val="FF0000"/>
+            </a:solidFill>
+          </a:ln>
+        </p:spPr>
+        <p:style>
+          <a:lnRef idx="2">
+            <a:schemeClr val="accent1">
+              <a:shade val="50000"/>
+            </a:schemeClr>
+          </a:lnRef>
+          <a:fillRef idx="1">
+            <a:schemeClr val="accent1"/>
+          </a:fillRef>
+          <a:effectRef idx="0">
+            <a:schemeClr val="accent1"/>
+          </a:effectRef>
+          <a:fontRef idx="minor">
+            <a:schemeClr val="lt1"/>
+          </a:fontRef>
+        </p:style>
+        <p:txBody>
+          <a:bodyPr rtlCol="0" anchor="ctr"/>
+          <a:lstStyle/>
+          <a:p>
+            <a:pPr algn="ctr"/>
+            <a:endParaRPr lang="ko-KR" altLang="en-US"/>
+          </a:p>
+        </p:txBody>
+      </p:sp>
+    </p:spTree>
+    <p:extLst>
+      <p:ext uri="{BB962C8B-B14F-4D97-AF65-F5344CB8AC3E}">
+        <p14:creationId xmlns:p14="http://schemas.microsoft.com/office/powerpoint/2010/main" val="2191229215"/>
+      </p:ext>
+    </p:extLst>
+  </p:cSld>
+  <p:clrMapOvr>
+    <a:masterClrMapping/>
+  </p:clrMapOvr>
+</p:sld>
+</file>
+
+<file path=ppt/slides/slide14.xml><?xml version="1.0" encoding="utf-8"?>
+<p:sld xmlns:a="http://schemas.openxmlformats.org/drawingml/2006/main" xmlns:r="http://schemas.openxmlformats.org/officeDocument/2006/relationships" xmlns:p="http://schemas.openxmlformats.org/presentationml/2006/main">
+  <p:cSld>
+    <p:spTree>
+      <p:nvGrpSpPr>
+        <p:cNvPr id="1" name=""/>
+        <p:cNvGrpSpPr/>
+        <p:nvPr/>
+      </p:nvGrpSpPr>
+      <p:grpSpPr>
+        <a:xfrm>
+          <a:off x="0" y="0"/>
+          <a:ext cx="0" cy="0"/>
+          <a:chOff x="0" y="0"/>
+          <a:chExt cx="0" cy="0"/>
+        </a:xfrm>
+      </p:grpSpPr>
+      <p:sp>
+        <p:nvSpPr>
+          <p:cNvPr id="2" name="제목 1">
+            <a:extLst>
+              <a:ext uri="{FF2B5EF4-FFF2-40B4-BE49-F238E27FC236}">
+                <a16:creationId xmlns:a16="http://schemas.microsoft.com/office/drawing/2014/main" id="{2EB0A747-C32B-4851-BB32-DC3E152E8FB3}"/>
+              </a:ext>
+            </a:extLst>
+          </p:cNvPr>
+          <p:cNvSpPr>
+            <a:spLocks noGrp="1"/>
+          </p:cNvSpPr>
+          <p:nvPr>
+            <p:ph type="title"/>
+          </p:nvPr>
+        </p:nvSpPr>
+        <p:spPr/>
+        <p:txBody>
+          <a:bodyPr/>
+          <a:lstStyle/>
+          <a:p>
+            <a:r>
+              <a:rPr lang="ko-KR" altLang="en-US" dirty="0">
+                <a:ea typeface="맑은 고딕"/>
+              </a:rPr>
+              <a:t>소스코드 분석</a:t>
+            </a:r>
+            <a:endParaRPr lang="ko-KR" altLang="en-US" dirty="0"/>
+          </a:p>
+        </p:txBody>
+      </p:sp>
+      <p:sp>
+        <p:nvSpPr>
+          <p:cNvPr id="3" name="내용 개체 틀 2">
+            <a:extLst>
+              <a:ext uri="{FF2B5EF4-FFF2-40B4-BE49-F238E27FC236}">
+                <a16:creationId xmlns:a16="http://schemas.microsoft.com/office/drawing/2014/main" id="{996EFA0E-F84A-42A4-9A50-24D03F83E3EE}"/>
+              </a:ext>
+            </a:extLst>
+          </p:cNvPr>
+          <p:cNvSpPr>
+            <a:spLocks noGrp="1"/>
+          </p:cNvSpPr>
+          <p:nvPr>
+            <p:ph idx="1"/>
+          </p:nvPr>
+        </p:nvSpPr>
+        <p:spPr/>
+        <p:txBody>
+          <a:bodyPr/>
+          <a:lstStyle/>
+          <a:p>
+            <a:r>
+              <a:rPr lang="en-US" altLang="ko-KR" dirty="0" err="1"/>
+              <a:t>TransLearningModelWrapper</a:t>
+            </a:r>
+            <a:endParaRPr lang="ko-KR" altLang="en-US" dirty="0"/>
+          </a:p>
+        </p:txBody>
+      </p:sp>
+      <p:sp>
+        <p:nvSpPr>
+          <p:cNvPr id="4" name="날짜 개체 틀 3">
+            <a:extLst>
+              <a:ext uri="{FF2B5EF4-FFF2-40B4-BE49-F238E27FC236}">
+                <a16:creationId xmlns:a16="http://schemas.microsoft.com/office/drawing/2014/main" id="{8A90AC18-88BC-4BC0-86A7-89E5299D1624}"/>
+              </a:ext>
+            </a:extLst>
+          </p:cNvPr>
+          <p:cNvSpPr>
+            <a:spLocks noGrp="1"/>
+          </p:cNvSpPr>
+          <p:nvPr>
+            <p:ph type="dt" sz="half" idx="10"/>
+          </p:nvPr>
+        </p:nvSpPr>
+        <p:spPr/>
+        <p:txBody>
+          <a:bodyPr/>
+          <a:lstStyle/>
+          <a:p>
+            <a:r>
+              <a:rPr lang="ko-KR" altLang="en-US"/>
+              <a:t>권철현</a:t>
+            </a:r>
+            <a:r>
+              <a:rPr lang="en-US" altLang="ko-KR"/>
+              <a:t>, </a:t>
+            </a:r>
+            <a:r>
+              <a:rPr lang="ko-KR" altLang="en-US"/>
+              <a:t>신재하</a:t>
+            </a:r>
+          </a:p>
+        </p:txBody>
+      </p:sp>
+      <p:sp>
+        <p:nvSpPr>
+          <p:cNvPr id="5" name="슬라이드 번호 개체 틀 4">
+            <a:extLst>
+              <a:ext uri="{FF2B5EF4-FFF2-40B4-BE49-F238E27FC236}">
+                <a16:creationId xmlns:a16="http://schemas.microsoft.com/office/drawing/2014/main" id="{53A7A304-6F06-42E4-856D-960E7C27707D}"/>
+              </a:ext>
+            </a:extLst>
+          </p:cNvPr>
+          <p:cNvSpPr>
+            <a:spLocks noGrp="1"/>
+          </p:cNvSpPr>
+          <p:nvPr>
+            <p:ph type="sldNum" sz="quarter" idx="12"/>
+          </p:nvPr>
+        </p:nvSpPr>
+        <p:spPr/>
+        <p:txBody>
+          <a:bodyPr/>
+          <a:lstStyle/>
+          <a:p>
+            <a:fld id="{5FF72CB3-86FB-4DBB-A7AC-E8F6F3DA156B}" type="slidenum">
+              <a:rPr lang="ko-KR" altLang="en-US" smtClean="0"/>
+              <a:pPr/>
+              <a:t>14</a:t>
+            </a:fld>
+            <a:endParaRPr lang="ko-KR" altLang="en-US"/>
+          </a:p>
+        </p:txBody>
+      </p:sp>
+      <p:pic>
+        <p:nvPicPr>
+          <p:cNvPr id="7" name="그림 6">
+            <a:extLst>
+              <a:ext uri="{FF2B5EF4-FFF2-40B4-BE49-F238E27FC236}">
+                <a16:creationId xmlns:a16="http://schemas.microsoft.com/office/drawing/2014/main" id="{91591F39-0DB4-4FD1-9E6A-5912F61D8005}"/>
+              </a:ext>
+            </a:extLst>
+          </p:cNvPr>
+          <p:cNvPicPr>
+            <a:picLocks noChangeAspect="1"/>
+          </p:cNvPicPr>
+          <p:nvPr/>
+        </p:nvPicPr>
+        <p:blipFill rotWithShape="1">
+          <a:blip r:embed="rId3"/>
+          <a:srcRect t="4886"/>
+          <a:stretch/>
+        </p:blipFill>
+        <p:spPr>
+          <a:xfrm>
+            <a:off x="1277674" y="2167128"/>
+            <a:ext cx="9757720" cy="4015954"/>
+          </a:xfrm>
+          <a:prstGeom prst="rect">
+            <a:avLst/>
+          </a:prstGeom>
+        </p:spPr>
+      </p:pic>
+      <p:sp>
+        <p:nvSpPr>
+          <p:cNvPr id="9" name="직사각형 8">
+            <a:extLst>
+              <a:ext uri="{FF2B5EF4-FFF2-40B4-BE49-F238E27FC236}">
+                <a16:creationId xmlns:a16="http://schemas.microsoft.com/office/drawing/2014/main" id="{8A79D4C5-455A-490A-B8EB-49356BF48B86}"/>
+              </a:ext>
+            </a:extLst>
+          </p:cNvPr>
+          <p:cNvSpPr/>
+          <p:nvPr/>
+        </p:nvSpPr>
+        <p:spPr>
+          <a:xfrm>
+            <a:off x="1736538" y="2602906"/>
+            <a:ext cx="7297734" cy="487766"/>
+          </a:xfrm>
+          <a:prstGeom prst="rect">
+            <a:avLst/>
+          </a:prstGeom>
+          <a:noFill/>
+          <a:ln w="38100">
+            <a:solidFill>
+              <a:srgbClr val="FF0000"/>
+            </a:solidFill>
+          </a:ln>
+        </p:spPr>
+        <p:style>
+          <a:lnRef idx="2">
+            <a:schemeClr val="accent1">
+              <a:shade val="50000"/>
+            </a:schemeClr>
+          </a:lnRef>
+          <a:fillRef idx="1">
+            <a:schemeClr val="accent1"/>
+          </a:fillRef>
+          <a:effectRef idx="0">
+            <a:schemeClr val="accent1"/>
+          </a:effectRef>
+          <a:fontRef idx="minor">
+            <a:schemeClr val="lt1"/>
+          </a:fontRef>
+        </p:style>
+        <p:txBody>
+          <a:bodyPr rtlCol="0" anchor="ctr"/>
+          <a:lstStyle/>
+          <a:p>
+            <a:pPr algn="ctr"/>
+            <a:endParaRPr lang="ko-KR" altLang="en-US"/>
+          </a:p>
+        </p:txBody>
+      </p:sp>
+    </p:spTree>
+    <p:extLst>
+      <p:ext uri="{BB962C8B-B14F-4D97-AF65-F5344CB8AC3E}">
+        <p14:creationId xmlns:p14="http://schemas.microsoft.com/office/powerpoint/2010/main" val="2854918073"/>
+      </p:ext>
+    </p:extLst>
+  </p:cSld>
+  <p:clrMapOvr>
+    <a:masterClrMapping/>
+  </p:clrMapOvr>
+</p:sld>
+</file>
+
+<file path=ppt/slides/slide15.xml><?xml version="1.0" encoding="utf-8"?>
+<p:sld xmlns:a="http://schemas.openxmlformats.org/drawingml/2006/main" xmlns:r="http://schemas.openxmlformats.org/officeDocument/2006/relationships" xmlns:p="http://schemas.openxmlformats.org/presentationml/2006/main">
+  <p:cSld>
+    <p:spTree>
+      <p:nvGrpSpPr>
+        <p:cNvPr id="1" name=""/>
+        <p:cNvGrpSpPr/>
+        <p:nvPr/>
+      </p:nvGrpSpPr>
+      <p:grpSpPr>
+        <a:xfrm>
+          <a:off x="0" y="0"/>
+          <a:ext cx="0" cy="0"/>
+          <a:chOff x="0" y="0"/>
+          <a:chExt cx="0" cy="0"/>
+        </a:xfrm>
+      </p:grpSpPr>
+      <p:sp>
+        <p:nvSpPr>
+          <p:cNvPr id="2" name="제목 1">
+            <a:extLst>
+              <a:ext uri="{FF2B5EF4-FFF2-40B4-BE49-F238E27FC236}">
+                <a16:creationId xmlns:a16="http://schemas.microsoft.com/office/drawing/2014/main" id="{2EB0A747-C32B-4851-BB32-DC3E152E8FB3}"/>
+              </a:ext>
+            </a:extLst>
+          </p:cNvPr>
+          <p:cNvSpPr>
+            <a:spLocks noGrp="1"/>
+          </p:cNvSpPr>
+          <p:nvPr>
+            <p:ph type="title"/>
+          </p:nvPr>
+        </p:nvSpPr>
+        <p:spPr/>
+        <p:txBody>
+          <a:bodyPr/>
+          <a:lstStyle/>
+          <a:p>
+            <a:r>
+              <a:rPr lang="ko-KR" altLang="en-US" dirty="0">
+                <a:ea typeface="맑은 고딕"/>
+              </a:rPr>
+              <a:t>소스코드 분석</a:t>
+            </a:r>
+            <a:endParaRPr lang="ko-KR" altLang="en-US" dirty="0"/>
+          </a:p>
+        </p:txBody>
+      </p:sp>
+      <p:sp>
+        <p:nvSpPr>
+          <p:cNvPr id="3" name="내용 개체 틀 2">
+            <a:extLst>
+              <a:ext uri="{FF2B5EF4-FFF2-40B4-BE49-F238E27FC236}">
+                <a16:creationId xmlns:a16="http://schemas.microsoft.com/office/drawing/2014/main" id="{996EFA0E-F84A-42A4-9A50-24D03F83E3EE}"/>
+              </a:ext>
+            </a:extLst>
+          </p:cNvPr>
+          <p:cNvSpPr>
+            <a:spLocks noGrp="1"/>
+          </p:cNvSpPr>
+          <p:nvPr>
+            <p:ph idx="1"/>
+          </p:nvPr>
+        </p:nvSpPr>
+        <p:spPr/>
+        <p:txBody>
+          <a:bodyPr/>
+          <a:lstStyle/>
+          <a:p>
+            <a:r>
+              <a:rPr lang="en-US" altLang="ko-KR" dirty="0" err="1"/>
+              <a:t>TransferLearningModel</a:t>
+            </a:r>
+            <a:endParaRPr lang="ko-KR" altLang="en-US" dirty="0"/>
+          </a:p>
+        </p:txBody>
+      </p:sp>
+      <p:sp>
+        <p:nvSpPr>
+          <p:cNvPr id="4" name="날짜 개체 틀 3">
+            <a:extLst>
+              <a:ext uri="{FF2B5EF4-FFF2-40B4-BE49-F238E27FC236}">
+                <a16:creationId xmlns:a16="http://schemas.microsoft.com/office/drawing/2014/main" id="{8A90AC18-88BC-4BC0-86A7-89E5299D1624}"/>
+              </a:ext>
+            </a:extLst>
+          </p:cNvPr>
+          <p:cNvSpPr>
+            <a:spLocks noGrp="1"/>
+          </p:cNvSpPr>
+          <p:nvPr>
+            <p:ph type="dt" sz="half" idx="10"/>
+          </p:nvPr>
+        </p:nvSpPr>
+        <p:spPr/>
+        <p:txBody>
+          <a:bodyPr/>
+          <a:lstStyle/>
+          <a:p>
+            <a:r>
+              <a:rPr lang="ko-KR" altLang="en-US"/>
+              <a:t>권철현</a:t>
+            </a:r>
+            <a:r>
+              <a:rPr lang="en-US" altLang="ko-KR"/>
+              <a:t>, </a:t>
+            </a:r>
+            <a:r>
+              <a:rPr lang="ko-KR" altLang="en-US"/>
+              <a:t>신재하</a:t>
+            </a:r>
+          </a:p>
+        </p:txBody>
+      </p:sp>
+      <p:sp>
+        <p:nvSpPr>
+          <p:cNvPr id="5" name="슬라이드 번호 개체 틀 4">
+            <a:extLst>
+              <a:ext uri="{FF2B5EF4-FFF2-40B4-BE49-F238E27FC236}">
+                <a16:creationId xmlns:a16="http://schemas.microsoft.com/office/drawing/2014/main" id="{53A7A304-6F06-42E4-856D-960E7C27707D}"/>
+              </a:ext>
+            </a:extLst>
+          </p:cNvPr>
+          <p:cNvSpPr>
+            <a:spLocks noGrp="1"/>
+          </p:cNvSpPr>
+          <p:nvPr>
+            <p:ph type="sldNum" sz="quarter" idx="12"/>
+          </p:nvPr>
+        </p:nvSpPr>
+        <p:spPr/>
+        <p:txBody>
+          <a:bodyPr/>
+          <a:lstStyle/>
+          <a:p>
+            <a:fld id="{5FF72CB3-86FB-4DBB-A7AC-E8F6F3DA156B}" type="slidenum">
+              <a:rPr lang="ko-KR" altLang="en-US" smtClean="0"/>
+              <a:pPr/>
+              <a:t>15</a:t>
+            </a:fld>
+            <a:endParaRPr lang="ko-KR" altLang="en-US"/>
+          </a:p>
+        </p:txBody>
+      </p:sp>
+      <p:pic>
+        <p:nvPicPr>
+          <p:cNvPr id="7" name="그림 6">
+            <a:extLst>
+              <a:ext uri="{FF2B5EF4-FFF2-40B4-BE49-F238E27FC236}">
+                <a16:creationId xmlns:a16="http://schemas.microsoft.com/office/drawing/2014/main" id="{FCDC36F9-7B88-4684-9337-1928C203DAA8}"/>
+              </a:ext>
+            </a:extLst>
+          </p:cNvPr>
+          <p:cNvPicPr>
+            <a:picLocks noChangeAspect="1"/>
+          </p:cNvPicPr>
+          <p:nvPr/>
+        </p:nvPicPr>
+        <p:blipFill>
+          <a:blip r:embed="rId2"/>
+          <a:stretch>
+            <a:fillRect/>
+          </a:stretch>
+        </p:blipFill>
+        <p:spPr>
+          <a:xfrm>
+            <a:off x="1275422" y="2173138"/>
+            <a:ext cx="9148738" cy="4028175"/>
+          </a:xfrm>
+          <a:prstGeom prst="rect">
+            <a:avLst/>
+          </a:prstGeom>
+        </p:spPr>
+      </p:pic>
+      <p:sp>
+        <p:nvSpPr>
+          <p:cNvPr id="8" name="직사각형 7">
+            <a:extLst>
+              <a:ext uri="{FF2B5EF4-FFF2-40B4-BE49-F238E27FC236}">
+                <a16:creationId xmlns:a16="http://schemas.microsoft.com/office/drawing/2014/main" id="{6D1F098B-847F-4F4A-86E2-60EB90F266EC}"/>
+              </a:ext>
+            </a:extLst>
+          </p:cNvPr>
+          <p:cNvSpPr/>
+          <p:nvPr/>
+        </p:nvSpPr>
+        <p:spPr>
+          <a:xfrm>
+            <a:off x="1553658" y="2557186"/>
+            <a:ext cx="5862126" cy="634070"/>
+          </a:xfrm>
+          <a:prstGeom prst="rect">
+            <a:avLst/>
+          </a:prstGeom>
+          <a:noFill/>
+          <a:ln w="38100">
+            <a:solidFill>
+              <a:srgbClr val="FF0000"/>
+            </a:solidFill>
+          </a:ln>
+        </p:spPr>
+        <p:style>
+          <a:lnRef idx="2">
+            <a:schemeClr val="accent1">
+              <a:shade val="50000"/>
+            </a:schemeClr>
+          </a:lnRef>
+          <a:fillRef idx="1">
+            <a:schemeClr val="accent1"/>
+          </a:fillRef>
+          <a:effectRef idx="0">
+            <a:schemeClr val="accent1"/>
+          </a:effectRef>
+          <a:fontRef idx="minor">
+            <a:schemeClr val="lt1"/>
+          </a:fontRef>
+        </p:style>
+        <p:txBody>
+          <a:bodyPr rtlCol="0" anchor="ctr"/>
+          <a:lstStyle/>
+          <a:p>
+            <a:pPr algn="ctr"/>
+            <a:endParaRPr lang="ko-KR" altLang="en-US"/>
+          </a:p>
+        </p:txBody>
+      </p:sp>
+    </p:spTree>
+    <p:extLst>
+      <p:ext uri="{BB962C8B-B14F-4D97-AF65-F5344CB8AC3E}">
+        <p14:creationId xmlns:p14="http://schemas.microsoft.com/office/powerpoint/2010/main" val="3003515103"/>
+      </p:ext>
+    </p:extLst>
+  </p:cSld>
+  <p:clrMapOvr>
+    <a:masterClrMapping/>
+  </p:clrMapOvr>
+</p:sld>
+</file>
+
+<file path=ppt/slides/slide16.xml><?xml version="1.0" encoding="utf-8"?>
+<p:sld xmlns:a="http://schemas.openxmlformats.org/drawingml/2006/main" xmlns:r="http://schemas.openxmlformats.org/officeDocument/2006/relationships" xmlns:p="http://schemas.openxmlformats.org/presentationml/2006/main">
+  <p:cSld>
+    <p:spTree>
+      <p:nvGrpSpPr>
+        <p:cNvPr id="1" name=""/>
+        <p:cNvGrpSpPr/>
+        <p:nvPr/>
+      </p:nvGrpSpPr>
+      <p:grpSpPr>
+        <a:xfrm>
+          <a:off x="0" y="0"/>
+          <a:ext cx="0" cy="0"/>
+          <a:chOff x="0" y="0"/>
+          <a:chExt cx="0" cy="0"/>
+        </a:xfrm>
+      </p:grpSpPr>
+      <p:sp>
+        <p:nvSpPr>
+          <p:cNvPr id="2" name="제목 1">
+            <a:extLst>
+              <a:ext uri="{FF2B5EF4-FFF2-40B4-BE49-F238E27FC236}">
+                <a16:creationId xmlns:a16="http://schemas.microsoft.com/office/drawing/2014/main" id="{2EB0A747-C32B-4851-BB32-DC3E152E8FB3}"/>
+              </a:ext>
+            </a:extLst>
+          </p:cNvPr>
+          <p:cNvSpPr>
+            <a:spLocks noGrp="1"/>
+          </p:cNvSpPr>
+          <p:nvPr>
+            <p:ph type="title"/>
+          </p:nvPr>
+        </p:nvSpPr>
+        <p:spPr/>
+        <p:txBody>
+          <a:bodyPr/>
+          <a:lstStyle/>
+          <a:p>
+            <a:r>
+              <a:rPr lang="ko-KR" altLang="en-US" dirty="0">
+                <a:ea typeface="맑은 고딕"/>
+              </a:rPr>
+              <a:t>소스코드 분석</a:t>
+            </a:r>
+            <a:endParaRPr lang="ko-KR" altLang="en-US" dirty="0"/>
+          </a:p>
+        </p:txBody>
+      </p:sp>
+      <p:sp>
+        <p:nvSpPr>
+          <p:cNvPr id="3" name="내용 개체 틀 2">
+            <a:extLst>
+              <a:ext uri="{FF2B5EF4-FFF2-40B4-BE49-F238E27FC236}">
+                <a16:creationId xmlns:a16="http://schemas.microsoft.com/office/drawing/2014/main" id="{996EFA0E-F84A-42A4-9A50-24D03F83E3EE}"/>
+              </a:ext>
+            </a:extLst>
+          </p:cNvPr>
+          <p:cNvSpPr>
+            <a:spLocks noGrp="1"/>
+          </p:cNvSpPr>
+          <p:nvPr>
+            <p:ph idx="1"/>
+          </p:nvPr>
+        </p:nvSpPr>
+        <p:spPr/>
+        <p:txBody>
+          <a:bodyPr/>
+          <a:lstStyle/>
+          <a:p>
+            <a:r>
+              <a:rPr lang="en-US" altLang="ko-KR" dirty="0" err="1"/>
+              <a:t>TransferLearningModelWrapper</a:t>
+            </a:r>
+            <a:endParaRPr lang="ko-KR" altLang="en-US" dirty="0"/>
+          </a:p>
+        </p:txBody>
+      </p:sp>
+      <p:sp>
+        <p:nvSpPr>
+          <p:cNvPr id="4" name="날짜 개체 틀 3">
+            <a:extLst>
+              <a:ext uri="{FF2B5EF4-FFF2-40B4-BE49-F238E27FC236}">
+                <a16:creationId xmlns:a16="http://schemas.microsoft.com/office/drawing/2014/main" id="{8A90AC18-88BC-4BC0-86A7-89E5299D1624}"/>
+              </a:ext>
+            </a:extLst>
+          </p:cNvPr>
+          <p:cNvSpPr>
+            <a:spLocks noGrp="1"/>
+          </p:cNvSpPr>
+          <p:nvPr>
+            <p:ph type="dt" sz="half" idx="10"/>
+          </p:nvPr>
+        </p:nvSpPr>
+        <p:spPr/>
+        <p:txBody>
+          <a:bodyPr/>
+          <a:lstStyle/>
+          <a:p>
+            <a:r>
+              <a:rPr lang="ko-KR" altLang="en-US"/>
+              <a:t>권철현</a:t>
+            </a:r>
+            <a:r>
+              <a:rPr lang="en-US" altLang="ko-KR"/>
+              <a:t>, </a:t>
+            </a:r>
+            <a:r>
+              <a:rPr lang="ko-KR" altLang="en-US"/>
+              <a:t>신재하</a:t>
+            </a:r>
+          </a:p>
+        </p:txBody>
+      </p:sp>
+      <p:sp>
+        <p:nvSpPr>
+          <p:cNvPr id="5" name="슬라이드 번호 개체 틀 4">
+            <a:extLst>
+              <a:ext uri="{FF2B5EF4-FFF2-40B4-BE49-F238E27FC236}">
+                <a16:creationId xmlns:a16="http://schemas.microsoft.com/office/drawing/2014/main" id="{53A7A304-6F06-42E4-856D-960E7C27707D}"/>
+              </a:ext>
+            </a:extLst>
+          </p:cNvPr>
+          <p:cNvSpPr>
+            <a:spLocks noGrp="1"/>
+          </p:cNvSpPr>
+          <p:nvPr>
+            <p:ph type="sldNum" sz="quarter" idx="12"/>
+          </p:nvPr>
+        </p:nvSpPr>
+        <p:spPr/>
+        <p:txBody>
+          <a:bodyPr/>
+          <a:lstStyle/>
+          <a:p>
+            <a:fld id="{5FF72CB3-86FB-4DBB-A7AC-E8F6F3DA156B}" type="slidenum">
+              <a:rPr lang="ko-KR" altLang="en-US" smtClean="0"/>
+              <a:pPr/>
+              <a:t>16</a:t>
+            </a:fld>
+            <a:endParaRPr lang="ko-KR" altLang="en-US"/>
+          </a:p>
+        </p:txBody>
+      </p:sp>
+      <p:pic>
+        <p:nvPicPr>
+          <p:cNvPr id="7" name="그림 6">
+            <a:extLst>
+              <a:ext uri="{FF2B5EF4-FFF2-40B4-BE49-F238E27FC236}">
+                <a16:creationId xmlns:a16="http://schemas.microsoft.com/office/drawing/2014/main" id="{91591F39-0DB4-4FD1-9E6A-5912F61D8005}"/>
+              </a:ext>
+            </a:extLst>
+          </p:cNvPr>
+          <p:cNvPicPr>
+            <a:picLocks noChangeAspect="1"/>
+          </p:cNvPicPr>
+          <p:nvPr/>
+        </p:nvPicPr>
+        <p:blipFill rotWithShape="1">
+          <a:blip r:embed="rId3"/>
+          <a:srcRect t="5752"/>
+          <a:stretch/>
+        </p:blipFill>
+        <p:spPr>
+          <a:xfrm>
+            <a:off x="1277674" y="2203704"/>
+            <a:ext cx="9757720" cy="3979378"/>
+          </a:xfrm>
+          <a:prstGeom prst="rect">
+            <a:avLst/>
+          </a:prstGeom>
+        </p:spPr>
+      </p:pic>
+      <p:sp>
+        <p:nvSpPr>
+          <p:cNvPr id="9" name="직사각형 8">
+            <a:extLst>
+              <a:ext uri="{FF2B5EF4-FFF2-40B4-BE49-F238E27FC236}">
+                <a16:creationId xmlns:a16="http://schemas.microsoft.com/office/drawing/2014/main" id="{8A79D4C5-455A-490A-B8EB-49356BF48B86}"/>
+              </a:ext>
+            </a:extLst>
+          </p:cNvPr>
+          <p:cNvSpPr/>
+          <p:nvPr/>
+        </p:nvSpPr>
+        <p:spPr>
+          <a:xfrm>
+            <a:off x="1847374" y="4114800"/>
+            <a:ext cx="9188020" cy="274320"/>
+          </a:xfrm>
+          <a:prstGeom prst="rect">
+            <a:avLst/>
+          </a:prstGeom>
+          <a:noFill/>
+          <a:ln w="38100">
+            <a:solidFill>
+              <a:srgbClr val="FF0000"/>
+            </a:solidFill>
+          </a:ln>
+        </p:spPr>
+        <p:style>
+          <a:lnRef idx="2">
+            <a:schemeClr val="accent1">
+              <a:shade val="50000"/>
+            </a:schemeClr>
+          </a:lnRef>
+          <a:fillRef idx="1">
+            <a:schemeClr val="accent1"/>
+          </a:fillRef>
+          <a:effectRef idx="0">
+            <a:schemeClr val="accent1"/>
+          </a:effectRef>
+          <a:fontRef idx="minor">
+            <a:schemeClr val="lt1"/>
+          </a:fontRef>
+        </p:style>
+        <p:txBody>
+          <a:bodyPr rtlCol="0" anchor="ctr"/>
+          <a:lstStyle/>
+          <a:p>
+            <a:pPr algn="ctr"/>
+            <a:endParaRPr lang="ko-KR" altLang="en-US"/>
+          </a:p>
+        </p:txBody>
+      </p:sp>
+    </p:spTree>
+    <p:extLst>
+      <p:ext uri="{BB962C8B-B14F-4D97-AF65-F5344CB8AC3E}">
+        <p14:creationId xmlns:p14="http://schemas.microsoft.com/office/powerpoint/2010/main" val="2371740800"/>
+      </p:ext>
+    </p:extLst>
+  </p:cSld>
+  <p:clrMapOvr>
+    <a:masterClrMapping/>
+  </p:clrMapOvr>
+</p:sld>
+</file>
+
+<file path=ppt/slides/slide17.xml><?xml version="1.0" encoding="utf-8"?>
+<p:sld xmlns:a="http://schemas.openxmlformats.org/drawingml/2006/main" xmlns:r="http://schemas.openxmlformats.org/officeDocument/2006/relationships" xmlns:p="http://schemas.openxmlformats.org/presentationml/2006/main">
+  <p:cSld>
+    <p:spTree>
+      <p:nvGrpSpPr>
+        <p:cNvPr id="1" name=""/>
+        <p:cNvGrpSpPr/>
+        <p:nvPr/>
+      </p:nvGrpSpPr>
+      <p:grpSpPr>
+        <a:xfrm>
+          <a:off x="0" y="0"/>
+          <a:ext cx="0" cy="0"/>
+          <a:chOff x="0" y="0"/>
+          <a:chExt cx="0" cy="0"/>
+        </a:xfrm>
+      </p:grpSpPr>
+      <p:sp>
+        <p:nvSpPr>
+          <p:cNvPr id="2" name="제목 1">
+            <a:extLst>
+              <a:ext uri="{FF2B5EF4-FFF2-40B4-BE49-F238E27FC236}">
+                <a16:creationId xmlns:a16="http://schemas.microsoft.com/office/drawing/2014/main" id="{2EB0A747-C32B-4851-BB32-DC3E152E8FB3}"/>
+              </a:ext>
+            </a:extLst>
+          </p:cNvPr>
+          <p:cNvSpPr>
+            <a:spLocks noGrp="1"/>
+          </p:cNvSpPr>
+          <p:nvPr>
+            <p:ph type="title"/>
+          </p:nvPr>
+        </p:nvSpPr>
+        <p:spPr/>
+        <p:txBody>
+          <a:bodyPr/>
+          <a:lstStyle/>
+          <a:p>
+            <a:r>
+              <a:rPr lang="ko-KR" altLang="en-US" dirty="0">
+                <a:ea typeface="맑은 고딕"/>
+              </a:rPr>
+              <a:t>소스코드 분석</a:t>
+            </a:r>
+            <a:endParaRPr lang="ko-KR" altLang="en-US" dirty="0"/>
+          </a:p>
+        </p:txBody>
+      </p:sp>
+      <p:sp>
+        <p:nvSpPr>
+          <p:cNvPr id="3" name="내용 개체 틀 2">
+            <a:extLst>
+              <a:ext uri="{FF2B5EF4-FFF2-40B4-BE49-F238E27FC236}">
+                <a16:creationId xmlns:a16="http://schemas.microsoft.com/office/drawing/2014/main" id="{996EFA0E-F84A-42A4-9A50-24D03F83E3EE}"/>
+              </a:ext>
+            </a:extLst>
+          </p:cNvPr>
+          <p:cNvSpPr>
+            <a:spLocks noGrp="1"/>
+          </p:cNvSpPr>
+          <p:nvPr>
+            <p:ph idx="1"/>
+          </p:nvPr>
+        </p:nvSpPr>
+        <p:spPr/>
+        <p:txBody>
+          <a:bodyPr/>
+          <a:lstStyle/>
+          <a:p>
+            <a:r>
+              <a:rPr lang="en-US" altLang="ko-KR" dirty="0" err="1"/>
+              <a:t>TransferLearningModelWrapper</a:t>
+            </a:r>
+            <a:endParaRPr lang="ko-KR" altLang="en-US" dirty="0"/>
+          </a:p>
+        </p:txBody>
+      </p:sp>
+      <p:sp>
+        <p:nvSpPr>
+          <p:cNvPr id="4" name="날짜 개체 틀 3">
+            <a:extLst>
+              <a:ext uri="{FF2B5EF4-FFF2-40B4-BE49-F238E27FC236}">
+                <a16:creationId xmlns:a16="http://schemas.microsoft.com/office/drawing/2014/main" id="{8A90AC18-88BC-4BC0-86A7-89E5299D1624}"/>
+              </a:ext>
+            </a:extLst>
+          </p:cNvPr>
+          <p:cNvSpPr>
+            <a:spLocks noGrp="1"/>
+          </p:cNvSpPr>
+          <p:nvPr>
+            <p:ph type="dt" sz="half" idx="10"/>
+          </p:nvPr>
+        </p:nvSpPr>
+        <p:spPr/>
+        <p:txBody>
+          <a:bodyPr/>
+          <a:lstStyle/>
+          <a:p>
+            <a:r>
+              <a:rPr lang="ko-KR" altLang="en-US"/>
+              <a:t>권철현</a:t>
+            </a:r>
+            <a:r>
+              <a:rPr lang="en-US" altLang="ko-KR"/>
+              <a:t>, </a:t>
+            </a:r>
+            <a:r>
+              <a:rPr lang="ko-KR" altLang="en-US"/>
+              <a:t>신재하</a:t>
+            </a:r>
+          </a:p>
+        </p:txBody>
+      </p:sp>
+      <p:sp>
+        <p:nvSpPr>
+          <p:cNvPr id="5" name="슬라이드 번호 개체 틀 4">
+            <a:extLst>
+              <a:ext uri="{FF2B5EF4-FFF2-40B4-BE49-F238E27FC236}">
+                <a16:creationId xmlns:a16="http://schemas.microsoft.com/office/drawing/2014/main" id="{53A7A304-6F06-42E4-856D-960E7C27707D}"/>
+              </a:ext>
+            </a:extLst>
+          </p:cNvPr>
+          <p:cNvSpPr>
+            <a:spLocks noGrp="1"/>
+          </p:cNvSpPr>
+          <p:nvPr>
+            <p:ph type="sldNum" sz="quarter" idx="12"/>
+          </p:nvPr>
+        </p:nvSpPr>
+        <p:spPr/>
+        <p:txBody>
+          <a:bodyPr/>
+          <a:lstStyle/>
+          <a:p>
+            <a:fld id="{5FF72CB3-86FB-4DBB-A7AC-E8F6F3DA156B}" type="slidenum">
+              <a:rPr lang="ko-KR" altLang="en-US" smtClean="0"/>
+              <a:pPr/>
+              <a:t>17</a:t>
+            </a:fld>
+            <a:endParaRPr lang="ko-KR" altLang="en-US"/>
+          </a:p>
+        </p:txBody>
+      </p:sp>
+      <p:pic>
+        <p:nvPicPr>
+          <p:cNvPr id="7" name="그림 6">
+            <a:extLst>
+              <a:ext uri="{FF2B5EF4-FFF2-40B4-BE49-F238E27FC236}">
+                <a16:creationId xmlns:a16="http://schemas.microsoft.com/office/drawing/2014/main" id="{362154CD-94A6-4944-A3D6-0C2840572274}"/>
+              </a:ext>
+            </a:extLst>
+          </p:cNvPr>
+          <p:cNvPicPr>
+            <a:picLocks noChangeAspect="1"/>
+          </p:cNvPicPr>
+          <p:nvPr/>
+        </p:nvPicPr>
+        <p:blipFill rotWithShape="1">
+          <a:blip r:embed="rId2"/>
+          <a:srcRect t="7800"/>
+          <a:stretch/>
+        </p:blipFill>
+        <p:spPr>
+          <a:xfrm>
+            <a:off x="500151" y="2478023"/>
+            <a:ext cx="10286824" cy="3119213"/>
+          </a:xfrm>
+          <a:prstGeom prst="rect">
+            <a:avLst/>
+          </a:prstGeom>
+        </p:spPr>
+      </p:pic>
+      <p:sp>
+        <p:nvSpPr>
+          <p:cNvPr id="8" name="직사각형 7">
+            <a:extLst>
+              <a:ext uri="{FF2B5EF4-FFF2-40B4-BE49-F238E27FC236}">
+                <a16:creationId xmlns:a16="http://schemas.microsoft.com/office/drawing/2014/main" id="{C8488027-4409-4158-B08A-28836FD94EC0}"/>
+              </a:ext>
+            </a:extLst>
+          </p:cNvPr>
+          <p:cNvSpPr/>
+          <p:nvPr/>
+        </p:nvSpPr>
+        <p:spPr>
+          <a:xfrm>
+            <a:off x="794427" y="3079437"/>
+            <a:ext cx="4802808" cy="321853"/>
+          </a:xfrm>
+          <a:prstGeom prst="rect">
+            <a:avLst/>
+          </a:prstGeom>
+          <a:noFill/>
+          <a:ln w="38100">
+            <a:solidFill>
+              <a:srgbClr val="FF0000"/>
+            </a:solidFill>
+          </a:ln>
+        </p:spPr>
+        <p:style>
+          <a:lnRef idx="2">
+            <a:schemeClr val="accent1">
+              <a:shade val="50000"/>
+            </a:schemeClr>
+          </a:lnRef>
+          <a:fillRef idx="1">
+            <a:schemeClr val="accent1"/>
+          </a:fillRef>
+          <a:effectRef idx="0">
+            <a:schemeClr val="accent1"/>
+          </a:effectRef>
+          <a:fontRef idx="minor">
+            <a:schemeClr val="lt1"/>
+          </a:fontRef>
+        </p:style>
+        <p:txBody>
+          <a:bodyPr rtlCol="0" anchor="ctr"/>
+          <a:lstStyle/>
+          <a:p>
+            <a:pPr algn="ctr"/>
+            <a:endParaRPr lang="ko-KR" altLang="en-US"/>
+          </a:p>
+        </p:txBody>
+      </p:sp>
+    </p:spTree>
+    <p:extLst>
+      <p:ext uri="{BB962C8B-B14F-4D97-AF65-F5344CB8AC3E}">
+        <p14:creationId xmlns:p14="http://schemas.microsoft.com/office/powerpoint/2010/main" val="2791653274"/>
+      </p:ext>
+    </p:extLst>
+  </p:cSld>
+  <p:clrMapOvr>
+    <a:masterClrMapping/>
+  </p:clrMapOvr>
+</p:sld>
+</file>
+
+<file path=ppt/slides/slide18.xml><?xml version="1.0" encoding="utf-8"?>
+<p:sld xmlns:a="http://schemas.openxmlformats.org/drawingml/2006/main" xmlns:r="http://schemas.openxmlformats.org/officeDocument/2006/relationships" xmlns:p="http://schemas.openxmlformats.org/presentationml/2006/main">
+  <p:cSld>
+    <p:spTree>
+      <p:nvGrpSpPr>
+        <p:cNvPr id="1" name=""/>
+        <p:cNvGrpSpPr/>
+        <p:nvPr/>
+      </p:nvGrpSpPr>
+      <p:grpSpPr>
+        <a:xfrm>
+          <a:off x="0" y="0"/>
+          <a:ext cx="0" cy="0"/>
+          <a:chOff x="0" y="0"/>
+          <a:chExt cx="0" cy="0"/>
+        </a:xfrm>
+      </p:grpSpPr>
+      <p:sp>
+        <p:nvSpPr>
+          <p:cNvPr id="2" name="제목 1">
+            <a:extLst>
+              <a:ext uri="{FF2B5EF4-FFF2-40B4-BE49-F238E27FC236}">
+                <a16:creationId xmlns:a16="http://schemas.microsoft.com/office/drawing/2014/main" id="{2EB0A747-C32B-4851-BB32-DC3E152E8FB3}"/>
+              </a:ext>
+            </a:extLst>
+          </p:cNvPr>
+          <p:cNvSpPr>
+            <a:spLocks noGrp="1"/>
+          </p:cNvSpPr>
+          <p:nvPr>
+            <p:ph type="title"/>
+          </p:nvPr>
+        </p:nvSpPr>
+        <p:spPr/>
+        <p:txBody>
+          <a:bodyPr/>
+          <a:lstStyle/>
+          <a:p>
+            <a:r>
+              <a:rPr lang="ko-KR" altLang="en-US" dirty="0">
+                <a:ea typeface="맑은 고딕"/>
+              </a:rPr>
+              <a:t>소스코드 분석</a:t>
+            </a:r>
+            <a:endParaRPr lang="ko-KR" altLang="en-US" dirty="0"/>
+          </a:p>
+        </p:txBody>
+      </p:sp>
+      <p:sp>
+        <p:nvSpPr>
+          <p:cNvPr id="3" name="내용 개체 틀 2">
+            <a:extLst>
+              <a:ext uri="{FF2B5EF4-FFF2-40B4-BE49-F238E27FC236}">
+                <a16:creationId xmlns:a16="http://schemas.microsoft.com/office/drawing/2014/main" id="{996EFA0E-F84A-42A4-9A50-24D03F83E3EE}"/>
+              </a:ext>
+            </a:extLst>
+          </p:cNvPr>
+          <p:cNvSpPr>
+            <a:spLocks noGrp="1"/>
+          </p:cNvSpPr>
+          <p:nvPr>
+            <p:ph idx="1"/>
+          </p:nvPr>
+        </p:nvSpPr>
+        <p:spPr/>
+        <p:txBody>
+          <a:bodyPr/>
+          <a:lstStyle/>
+          <a:p>
+            <a:r>
+              <a:rPr lang="en-US" altLang="ko-KR" dirty="0" err="1"/>
+              <a:t>TransferLearningModel</a:t>
+            </a:r>
+            <a:endParaRPr lang="ko-KR" altLang="en-US" dirty="0"/>
+          </a:p>
+        </p:txBody>
+      </p:sp>
+      <p:sp>
+        <p:nvSpPr>
+          <p:cNvPr id="4" name="날짜 개체 틀 3">
+            <a:extLst>
+              <a:ext uri="{FF2B5EF4-FFF2-40B4-BE49-F238E27FC236}">
+                <a16:creationId xmlns:a16="http://schemas.microsoft.com/office/drawing/2014/main" id="{8A90AC18-88BC-4BC0-86A7-89E5299D1624}"/>
+              </a:ext>
+            </a:extLst>
+          </p:cNvPr>
+          <p:cNvSpPr>
+            <a:spLocks noGrp="1"/>
+          </p:cNvSpPr>
+          <p:nvPr>
+            <p:ph type="dt" sz="half" idx="10"/>
+          </p:nvPr>
+        </p:nvSpPr>
+        <p:spPr/>
+        <p:txBody>
+          <a:bodyPr/>
+          <a:lstStyle/>
+          <a:p>
+            <a:r>
+              <a:rPr lang="ko-KR" altLang="en-US"/>
+              <a:t>권철현</a:t>
+            </a:r>
+            <a:r>
+              <a:rPr lang="en-US" altLang="ko-KR"/>
+              <a:t>, </a:t>
+            </a:r>
+            <a:r>
+              <a:rPr lang="ko-KR" altLang="en-US"/>
+              <a:t>신재하</a:t>
+            </a:r>
+          </a:p>
+        </p:txBody>
+      </p:sp>
+      <p:sp>
+        <p:nvSpPr>
+          <p:cNvPr id="5" name="슬라이드 번호 개체 틀 4">
+            <a:extLst>
+              <a:ext uri="{FF2B5EF4-FFF2-40B4-BE49-F238E27FC236}">
+                <a16:creationId xmlns:a16="http://schemas.microsoft.com/office/drawing/2014/main" id="{53A7A304-6F06-42E4-856D-960E7C27707D}"/>
+              </a:ext>
+            </a:extLst>
+          </p:cNvPr>
+          <p:cNvSpPr>
+            <a:spLocks noGrp="1"/>
+          </p:cNvSpPr>
+          <p:nvPr>
+            <p:ph type="sldNum" sz="quarter" idx="12"/>
+          </p:nvPr>
+        </p:nvSpPr>
+        <p:spPr/>
+        <p:txBody>
+          <a:bodyPr/>
+          <a:lstStyle/>
+          <a:p>
+            <a:fld id="{5FF72CB3-86FB-4DBB-A7AC-E8F6F3DA156B}" type="slidenum">
+              <a:rPr lang="ko-KR" altLang="en-US" smtClean="0"/>
+              <a:pPr/>
+              <a:t>18</a:t>
+            </a:fld>
+            <a:endParaRPr lang="ko-KR" altLang="en-US"/>
+          </a:p>
+        </p:txBody>
+      </p:sp>
+      <p:pic>
+        <p:nvPicPr>
+          <p:cNvPr id="7" name="그림 6">
+            <a:extLst>
+              <a:ext uri="{FF2B5EF4-FFF2-40B4-BE49-F238E27FC236}">
+                <a16:creationId xmlns:a16="http://schemas.microsoft.com/office/drawing/2014/main" id="{E24F9B22-1763-4724-A8B8-66620DD3CA3C}"/>
+              </a:ext>
+            </a:extLst>
+          </p:cNvPr>
+          <p:cNvPicPr>
+            <a:picLocks noChangeAspect="1"/>
+          </p:cNvPicPr>
+          <p:nvPr/>
+        </p:nvPicPr>
+        <p:blipFill>
+          <a:blip r:embed="rId2"/>
+          <a:stretch>
+            <a:fillRect/>
+          </a:stretch>
+        </p:blipFill>
+        <p:spPr>
+          <a:xfrm>
+            <a:off x="666750" y="2628900"/>
+            <a:ext cx="10858500" cy="1600200"/>
+          </a:xfrm>
+          <a:prstGeom prst="rect">
+            <a:avLst/>
+          </a:prstGeom>
+        </p:spPr>
+      </p:pic>
+    </p:spTree>
+    <p:extLst>
+      <p:ext uri="{BB962C8B-B14F-4D97-AF65-F5344CB8AC3E}">
+        <p14:creationId xmlns:p14="http://schemas.microsoft.com/office/powerpoint/2010/main" val="3192884927"/>
+      </p:ext>
+    </p:extLst>
+  </p:cSld>
+  <p:clrMapOvr>
+    <a:masterClrMapping/>
+  </p:clrMapOvr>
+</p:sld>
+</file>
+
+<file path=ppt/slides/slide19.xml><?xml version="1.0" encoding="utf-8"?>
+<p:sld xmlns:a="http://schemas.openxmlformats.org/drawingml/2006/main" xmlns:r="http://schemas.openxmlformats.org/officeDocument/2006/relationships" xmlns:p="http://schemas.openxmlformats.org/presentationml/2006/main">
+  <p:cSld>
+    <p:spTree>
+      <p:nvGrpSpPr>
+        <p:cNvPr id="1" name=""/>
+        <p:cNvGrpSpPr/>
+        <p:nvPr/>
+      </p:nvGrpSpPr>
+      <p:grpSpPr>
+        <a:xfrm>
+          <a:off x="0" y="0"/>
+          <a:ext cx="0" cy="0"/>
+          <a:chOff x="0" y="0"/>
+          <a:chExt cx="0" cy="0"/>
+        </a:xfrm>
+      </p:grpSpPr>
+      <p:sp>
+        <p:nvSpPr>
+          <p:cNvPr id="2" name="제목 1">
+            <a:extLst>
+              <a:ext uri="{FF2B5EF4-FFF2-40B4-BE49-F238E27FC236}">
+                <a16:creationId xmlns:a16="http://schemas.microsoft.com/office/drawing/2014/main" id="{47F7BEB6-068A-4BAD-8249-8D987A4FF203}"/>
+              </a:ext>
+            </a:extLst>
+          </p:cNvPr>
+          <p:cNvSpPr>
+            <a:spLocks noGrp="1"/>
+          </p:cNvSpPr>
+          <p:nvPr>
+            <p:ph type="title"/>
+          </p:nvPr>
+        </p:nvSpPr>
+        <p:spPr/>
+        <p:txBody>
+          <a:bodyPr/>
+          <a:lstStyle/>
+          <a:p>
+            <a:r>
+              <a:rPr lang="ko-KR" altLang="en-US" dirty="0"/>
+              <a:t>소스코드 분석</a:t>
+            </a:r>
+          </a:p>
+        </p:txBody>
+      </p:sp>
+      <p:sp>
+        <p:nvSpPr>
+          <p:cNvPr id="3" name="내용 개체 틀 2">
+            <a:extLst>
+              <a:ext uri="{FF2B5EF4-FFF2-40B4-BE49-F238E27FC236}">
+                <a16:creationId xmlns:a16="http://schemas.microsoft.com/office/drawing/2014/main" id="{5B23A47A-7BB4-498D-86C9-FCFA2242C850}"/>
+              </a:ext>
+            </a:extLst>
+          </p:cNvPr>
+          <p:cNvSpPr>
+            <a:spLocks noGrp="1"/>
+          </p:cNvSpPr>
+          <p:nvPr>
+            <p:ph idx="1"/>
+          </p:nvPr>
+        </p:nvSpPr>
+        <p:spPr/>
+        <p:txBody>
+          <a:bodyPr/>
+          <a:lstStyle/>
+          <a:p>
+            <a:r>
+              <a:rPr lang="en-US" altLang="ko-KR" dirty="0" err="1"/>
+              <a:t>CameraFragment</a:t>
+            </a:r>
+            <a:endParaRPr lang="ko-KR" altLang="en-US" dirty="0"/>
+          </a:p>
+        </p:txBody>
+      </p:sp>
+      <p:sp>
+        <p:nvSpPr>
+          <p:cNvPr id="4" name="날짜 개체 틀 3">
+            <a:extLst>
+              <a:ext uri="{FF2B5EF4-FFF2-40B4-BE49-F238E27FC236}">
+                <a16:creationId xmlns:a16="http://schemas.microsoft.com/office/drawing/2014/main" id="{6F509CAB-2ADF-4D5C-BB7A-3E414A3DA4A0}"/>
+              </a:ext>
+            </a:extLst>
+          </p:cNvPr>
+          <p:cNvSpPr>
+            <a:spLocks noGrp="1"/>
+          </p:cNvSpPr>
+          <p:nvPr>
+            <p:ph type="dt" sz="half" idx="10"/>
+          </p:nvPr>
+        </p:nvSpPr>
+        <p:spPr/>
+        <p:txBody>
+          <a:bodyPr/>
+          <a:lstStyle/>
+          <a:p>
+            <a:r>
+              <a:rPr lang="ko-KR" altLang="en-US"/>
+              <a:t>권철현</a:t>
+            </a:r>
+            <a:r>
+              <a:rPr lang="en-US" altLang="ko-KR"/>
+              <a:t>, </a:t>
+            </a:r>
+            <a:r>
+              <a:rPr lang="ko-KR" altLang="en-US"/>
+              <a:t>신재하</a:t>
+            </a:r>
+          </a:p>
+        </p:txBody>
+      </p:sp>
+      <p:sp>
+        <p:nvSpPr>
+          <p:cNvPr id="5" name="슬라이드 번호 개체 틀 4">
+            <a:extLst>
+              <a:ext uri="{FF2B5EF4-FFF2-40B4-BE49-F238E27FC236}">
+                <a16:creationId xmlns:a16="http://schemas.microsoft.com/office/drawing/2014/main" id="{5080FF07-B61E-4378-A28B-E7D534E774F8}"/>
+              </a:ext>
+            </a:extLst>
+          </p:cNvPr>
+          <p:cNvSpPr>
+            <a:spLocks noGrp="1"/>
+          </p:cNvSpPr>
+          <p:nvPr>
+            <p:ph type="sldNum" sz="quarter" idx="12"/>
+          </p:nvPr>
+        </p:nvSpPr>
+        <p:spPr/>
+        <p:txBody>
+          <a:bodyPr/>
+          <a:lstStyle/>
+          <a:p>
+            <a:fld id="{5FF72CB3-86FB-4DBB-A7AC-E8F6F3DA156B}" type="slidenum">
+              <a:rPr lang="ko-KR" altLang="en-US" smtClean="0"/>
+              <a:pPr/>
+              <a:t>19</a:t>
+            </a:fld>
+            <a:endParaRPr lang="ko-KR" altLang="en-US"/>
+          </a:p>
+        </p:txBody>
+      </p:sp>
+      <p:pic>
+        <p:nvPicPr>
+          <p:cNvPr id="7" name="그림 6">
+            <a:extLst>
+              <a:ext uri="{FF2B5EF4-FFF2-40B4-BE49-F238E27FC236}">
+                <a16:creationId xmlns:a16="http://schemas.microsoft.com/office/drawing/2014/main" id="{546D5C0D-BC84-4974-9241-1ED7441241FB}"/>
+              </a:ext>
+            </a:extLst>
+          </p:cNvPr>
+          <p:cNvPicPr>
+            <a:picLocks noChangeAspect="1"/>
+          </p:cNvPicPr>
+          <p:nvPr/>
+        </p:nvPicPr>
+        <p:blipFill>
+          <a:blip r:embed="rId2"/>
+          <a:stretch>
+            <a:fillRect/>
+          </a:stretch>
+        </p:blipFill>
+        <p:spPr>
+          <a:xfrm>
+            <a:off x="766328" y="2986611"/>
+            <a:ext cx="10687050" cy="1352550"/>
+          </a:xfrm>
+          <a:prstGeom prst="rect">
+            <a:avLst/>
+          </a:prstGeom>
+        </p:spPr>
+      </p:pic>
+      <p:sp>
+        <p:nvSpPr>
+          <p:cNvPr id="8" name="직사각형 7">
+            <a:extLst>
+              <a:ext uri="{FF2B5EF4-FFF2-40B4-BE49-F238E27FC236}">
+                <a16:creationId xmlns:a16="http://schemas.microsoft.com/office/drawing/2014/main" id="{DE02A5BA-AA4C-46E2-845B-EAA57DD9F8C8}"/>
+              </a:ext>
+            </a:extLst>
+          </p:cNvPr>
+          <p:cNvSpPr/>
+          <p:nvPr/>
+        </p:nvSpPr>
+        <p:spPr>
+          <a:xfrm>
+            <a:off x="5879591" y="3502152"/>
+            <a:ext cx="2460843" cy="248701"/>
+          </a:xfrm>
+          <a:prstGeom prst="rect">
+            <a:avLst/>
+          </a:prstGeom>
+          <a:noFill/>
+          <a:ln w="38100">
+            <a:solidFill>
+              <a:srgbClr val="FF0000"/>
+            </a:solidFill>
+          </a:ln>
+        </p:spPr>
+        <p:style>
+          <a:lnRef idx="2">
+            <a:schemeClr val="accent1">
+              <a:shade val="50000"/>
+            </a:schemeClr>
+          </a:lnRef>
+          <a:fillRef idx="1">
+            <a:schemeClr val="accent1"/>
+          </a:fillRef>
+          <a:effectRef idx="0">
+            <a:schemeClr val="accent1"/>
+          </a:effectRef>
+          <a:fontRef idx="minor">
+            <a:schemeClr val="lt1"/>
+          </a:fontRef>
+        </p:style>
+        <p:txBody>
+          <a:bodyPr rtlCol="0" anchor="ctr"/>
+          <a:lstStyle/>
+          <a:p>
+            <a:pPr algn="ctr"/>
+            <a:endParaRPr lang="ko-KR" altLang="en-US"/>
+          </a:p>
+        </p:txBody>
+      </p:sp>
+    </p:spTree>
+    <p:extLst>
+      <p:ext uri="{BB962C8B-B14F-4D97-AF65-F5344CB8AC3E}">
+        <p14:creationId xmlns:p14="http://schemas.microsoft.com/office/powerpoint/2010/main" val="2393587513"/>
+      </p:ext>
+    </p:extLst>
+  </p:cSld>
+  <p:clrMapOvr>
+    <a:masterClrMapping/>
+  </p:clrMapOvr>
+</p:sld>
+</file>
+
+<file path=ppt/slides/slide2.xml><?xml version="1.0" encoding="utf-8"?>
+<p:sld xmlns:a="http://schemas.openxmlformats.org/drawingml/2006/main" xmlns:r="http://schemas.openxmlformats.org/officeDocument/2006/relationships" xmlns:p="http://schemas.openxmlformats.org/presentationml/2006/main">
+  <p:cSld>
+    <p:spTree>
+      <p:nvGrpSpPr>
+        <p:cNvPr id="1" name=""/>
+        <p:cNvGrpSpPr/>
+        <p:nvPr/>
+      </p:nvGrpSpPr>
+      <p:grpSpPr>
+        <a:xfrm>
+          <a:off x="0" y="0"/>
+          <a:ext cx="0" cy="0"/>
+          <a:chOff x="0" y="0"/>
+          <a:chExt cx="0" cy="0"/>
+        </a:xfrm>
+      </p:grpSpPr>
+      <p:sp>
+        <p:nvSpPr>
+          <p:cNvPr id="2" name="제목 1">
+            <a:extLst>
+              <a:ext uri="{FF2B5EF4-FFF2-40B4-BE49-F238E27FC236}">
+                <a16:creationId xmlns:a16="http://schemas.microsoft.com/office/drawing/2014/main" id="{11F83E43-441A-4CAB-9B42-23E94B6D4FA7}"/>
+              </a:ext>
+            </a:extLst>
+          </p:cNvPr>
+          <p:cNvSpPr>
+            <a:spLocks noGrp="1"/>
+          </p:cNvSpPr>
+          <p:nvPr>
+            <p:ph type="title"/>
+          </p:nvPr>
+        </p:nvSpPr>
+        <p:spPr/>
+        <p:txBody>
+          <a:bodyPr/>
+          <a:lstStyle/>
+          <a:p>
+            <a:r>
+              <a:rPr lang="ko-KR" altLang="en-US" err="1">
+                <a:ea typeface="맑은 고딕"/>
+              </a:rPr>
+              <a:t>Contents</a:t>
+            </a:r>
+            <a:endParaRPr lang="ko-KR" err="1"/>
+          </a:p>
+        </p:txBody>
+      </p:sp>
+      <p:sp>
+        <p:nvSpPr>
+          <p:cNvPr id="3" name="내용 개체 틀 2">
+            <a:extLst>
+              <a:ext uri="{FF2B5EF4-FFF2-40B4-BE49-F238E27FC236}">
+                <a16:creationId xmlns:a16="http://schemas.microsoft.com/office/drawing/2014/main" id="{EB3BC60C-77C1-4385-BA7D-A25E0086EA85}"/>
+              </a:ext>
+            </a:extLst>
+          </p:cNvPr>
+          <p:cNvSpPr>
+            <a:spLocks noGrp="1"/>
+          </p:cNvSpPr>
+          <p:nvPr>
+            <p:ph idx="1"/>
+          </p:nvPr>
+        </p:nvSpPr>
+        <p:spPr/>
+        <p:txBody>
+          <a:bodyPr vert="horz" lIns="91440" tIns="45720" rIns="91440" bIns="45720" rtlCol="0" anchor="t">
+            <a:normAutofit/>
+          </a:bodyPr>
+          <a:lstStyle/>
+          <a:p>
+            <a:r>
+              <a:rPr lang="ko-KR" altLang="en-US">
+                <a:ea typeface="맑은 고딕"/>
+              </a:rPr>
+              <a:t>기존 실험 오류 및 변경사항</a:t>
+            </a:r>
+            <a:endParaRPr lang="ko-KR" altLang="en-US">
+              <a:ea typeface="맑은 고딕" panose="020B0503020000020004" pitchFamily="34" charset="-127"/>
+            </a:endParaRPr>
+          </a:p>
+          <a:p>
+            <a:r>
+              <a:rPr lang="ko-KR" err="1">
+                <a:solidFill>
+                  <a:srgbClr val="B8B8B8"/>
+                </a:solidFill>
+                <a:ea typeface="+mn-lt"/>
+                <a:cs typeface="+mn-lt"/>
+              </a:rPr>
+              <a:t>On-Device</a:t>
+            </a:r>
+            <a:r>
+              <a:rPr lang="ko-KR">
+                <a:solidFill>
+                  <a:srgbClr val="B8B8B8"/>
+                </a:solidFill>
+                <a:ea typeface="+mn-lt"/>
+                <a:cs typeface="+mn-lt"/>
+              </a:rPr>
+              <a:t> 학습</a:t>
+            </a:r>
+            <a:endParaRPr lang="ko-KR" altLang="en-US">
+              <a:solidFill>
+                <a:srgbClr val="B8B8B8"/>
+              </a:solidFill>
+              <a:ea typeface="맑은 고딕"/>
+            </a:endParaRPr>
+          </a:p>
+          <a:p>
+            <a:r>
+              <a:rPr lang="ko-KR" altLang="en-US">
+                <a:solidFill>
+                  <a:srgbClr val="B8B8B8"/>
+                </a:solidFill>
+                <a:ea typeface="맑은 고딕"/>
+              </a:rPr>
+              <a:t>전이학습</a:t>
+            </a:r>
+            <a:endParaRPr lang="ko-KR"/>
+          </a:p>
+          <a:p>
+            <a:r>
+              <a:rPr lang="ko-KR" altLang="en-US">
+                <a:solidFill>
+                  <a:srgbClr val="B8B8B8"/>
+                </a:solidFill>
+                <a:ea typeface="맑은 고딕"/>
+              </a:rPr>
+              <a:t>소스코드 분석 및 수정 </a:t>
+            </a:r>
+          </a:p>
+          <a:p>
+            <a:endParaRPr lang="ko-KR" altLang="en-US">
+              <a:solidFill>
+                <a:srgbClr val="B8B8B8"/>
+              </a:solidFill>
+              <a:ea typeface="맑은 고딕"/>
+            </a:endParaRPr>
+          </a:p>
+        </p:txBody>
+      </p:sp>
+      <p:sp>
+        <p:nvSpPr>
+          <p:cNvPr id="4" name="날짜 개체 틀 3">
+            <a:extLst>
+              <a:ext uri="{FF2B5EF4-FFF2-40B4-BE49-F238E27FC236}">
+                <a16:creationId xmlns:a16="http://schemas.microsoft.com/office/drawing/2014/main" id="{39336E6A-855E-4512-A92A-DCF2AC9BC911}"/>
+              </a:ext>
+            </a:extLst>
+          </p:cNvPr>
+          <p:cNvSpPr>
+            <a:spLocks noGrp="1"/>
+          </p:cNvSpPr>
+          <p:nvPr>
+            <p:ph type="dt" sz="half" idx="10"/>
+          </p:nvPr>
+        </p:nvSpPr>
+        <p:spPr/>
+        <p:txBody>
+          <a:bodyPr/>
+          <a:lstStyle/>
+          <a:p>
+            <a:r>
+              <a:rPr lang="ko-KR" altLang="en-US"/>
+              <a:t>권철현</a:t>
+            </a:r>
+            <a:r>
+              <a:rPr lang="en-US" altLang="ko-KR"/>
+              <a:t>, </a:t>
+            </a:r>
+            <a:r>
+              <a:rPr lang="ko-KR" altLang="en-US" err="1"/>
+              <a:t>신재하</a:t>
+            </a:r>
+            <a:endParaRPr lang="ko-KR" altLang="en-US"/>
+          </a:p>
+        </p:txBody>
+      </p:sp>
+      <p:sp>
+        <p:nvSpPr>
+          <p:cNvPr id="5" name="슬라이드 번호 개체 틀 4">
+            <a:extLst>
+              <a:ext uri="{FF2B5EF4-FFF2-40B4-BE49-F238E27FC236}">
+                <a16:creationId xmlns:a16="http://schemas.microsoft.com/office/drawing/2014/main" id="{D00B90F8-6D44-4A78-8C2E-5C6E628A2BFB}"/>
+              </a:ext>
+            </a:extLst>
+          </p:cNvPr>
+          <p:cNvSpPr>
+            <a:spLocks noGrp="1"/>
+          </p:cNvSpPr>
+          <p:nvPr>
+            <p:ph type="sldNum" sz="quarter" idx="12"/>
+          </p:nvPr>
+        </p:nvSpPr>
+        <p:spPr/>
+        <p:txBody>
+          <a:bodyPr/>
+          <a:lstStyle/>
+          <a:p>
+            <a:fld id="{5FF72CB3-86FB-4DBB-A7AC-E8F6F3DA156B}" type="slidenum">
+              <a:rPr lang="ko-KR" altLang="en-US" smtClean="0"/>
+              <a:pPr/>
+              <a:t>2</a:t>
+            </a:fld>
+            <a:endParaRPr lang="ko-KR" altLang="en-US"/>
+          </a:p>
+        </p:txBody>
+      </p:sp>
+    </p:spTree>
+    <p:extLst>
+      <p:ext uri="{BB962C8B-B14F-4D97-AF65-F5344CB8AC3E}">
+        <p14:creationId xmlns:p14="http://schemas.microsoft.com/office/powerpoint/2010/main" val="4183651871"/>
+      </p:ext>
+    </p:extLst>
+  </p:cSld>
+  <p:clrMapOvr>
+    <a:masterClrMapping/>
+  </p:clrMapOvr>
+</p:sld>
+</file>
+
+<file path=ppt/slides/slide20.xml><?xml version="1.0" encoding="utf-8"?>
+<p:sld xmlns:a="http://schemas.openxmlformats.org/drawingml/2006/main" xmlns:r="http://schemas.openxmlformats.org/officeDocument/2006/relationships" xmlns:p="http://schemas.openxmlformats.org/presentationml/2006/main">
+  <p:cSld>
+    <p:spTree>
+      <p:nvGrpSpPr>
+        <p:cNvPr id="1" name=""/>
+        <p:cNvGrpSpPr/>
+        <p:nvPr/>
+      </p:nvGrpSpPr>
+      <p:grpSpPr>
+        <a:xfrm>
+          <a:off x="0" y="0"/>
+          <a:ext cx="0" cy="0"/>
+          <a:chOff x="0" y="0"/>
+          <a:chExt cx="0" cy="0"/>
+        </a:xfrm>
+      </p:grpSpPr>
+      <p:sp>
+        <p:nvSpPr>
+          <p:cNvPr id="2" name="제목 1">
+            <a:extLst>
+              <a:ext uri="{FF2B5EF4-FFF2-40B4-BE49-F238E27FC236}">
+                <a16:creationId xmlns:a16="http://schemas.microsoft.com/office/drawing/2014/main" id="{47F7BEB6-068A-4BAD-8249-8D987A4FF203}"/>
+              </a:ext>
+            </a:extLst>
+          </p:cNvPr>
+          <p:cNvSpPr>
+            <a:spLocks noGrp="1"/>
+          </p:cNvSpPr>
+          <p:nvPr>
+            <p:ph type="title"/>
+          </p:nvPr>
+        </p:nvSpPr>
+        <p:spPr/>
+        <p:txBody>
+          <a:bodyPr/>
+          <a:lstStyle/>
+          <a:p>
+            <a:r>
+              <a:rPr lang="ko-KR" altLang="en-US" dirty="0"/>
+              <a:t>소스코드 분석</a:t>
+            </a:r>
+          </a:p>
+        </p:txBody>
+      </p:sp>
+      <p:sp>
+        <p:nvSpPr>
+          <p:cNvPr id="3" name="내용 개체 틀 2">
+            <a:extLst>
+              <a:ext uri="{FF2B5EF4-FFF2-40B4-BE49-F238E27FC236}">
+                <a16:creationId xmlns:a16="http://schemas.microsoft.com/office/drawing/2014/main" id="{5B23A47A-7BB4-498D-86C9-FCFA2242C850}"/>
+              </a:ext>
+            </a:extLst>
+          </p:cNvPr>
+          <p:cNvSpPr>
+            <a:spLocks noGrp="1"/>
+          </p:cNvSpPr>
+          <p:nvPr>
+            <p:ph idx="1"/>
+          </p:nvPr>
+        </p:nvSpPr>
+        <p:spPr/>
+        <p:txBody>
+          <a:bodyPr/>
+          <a:lstStyle/>
+          <a:p>
+            <a:r>
+              <a:rPr lang="en-US" altLang="ko-KR" dirty="0" err="1"/>
+              <a:t>CameraFragment</a:t>
+            </a:r>
+            <a:endParaRPr lang="ko-KR" altLang="en-US" dirty="0"/>
+          </a:p>
+        </p:txBody>
+      </p:sp>
+      <p:sp>
+        <p:nvSpPr>
+          <p:cNvPr id="4" name="날짜 개체 틀 3">
+            <a:extLst>
+              <a:ext uri="{FF2B5EF4-FFF2-40B4-BE49-F238E27FC236}">
+                <a16:creationId xmlns:a16="http://schemas.microsoft.com/office/drawing/2014/main" id="{6F509CAB-2ADF-4D5C-BB7A-3E414A3DA4A0}"/>
+              </a:ext>
+            </a:extLst>
+          </p:cNvPr>
+          <p:cNvSpPr>
+            <a:spLocks noGrp="1"/>
+          </p:cNvSpPr>
+          <p:nvPr>
+            <p:ph type="dt" sz="half" idx="10"/>
+          </p:nvPr>
+        </p:nvSpPr>
+        <p:spPr/>
+        <p:txBody>
+          <a:bodyPr/>
+          <a:lstStyle/>
+          <a:p>
+            <a:r>
+              <a:rPr lang="ko-KR" altLang="en-US"/>
+              <a:t>권철현</a:t>
+            </a:r>
+            <a:r>
+              <a:rPr lang="en-US" altLang="ko-KR"/>
+              <a:t>, </a:t>
+            </a:r>
+            <a:r>
+              <a:rPr lang="ko-KR" altLang="en-US"/>
+              <a:t>신재하</a:t>
+            </a:r>
+          </a:p>
+        </p:txBody>
+      </p:sp>
+      <p:sp>
+        <p:nvSpPr>
+          <p:cNvPr id="5" name="슬라이드 번호 개체 틀 4">
+            <a:extLst>
+              <a:ext uri="{FF2B5EF4-FFF2-40B4-BE49-F238E27FC236}">
+                <a16:creationId xmlns:a16="http://schemas.microsoft.com/office/drawing/2014/main" id="{5080FF07-B61E-4378-A28B-E7D534E774F8}"/>
+              </a:ext>
+            </a:extLst>
+          </p:cNvPr>
+          <p:cNvSpPr>
+            <a:spLocks noGrp="1"/>
+          </p:cNvSpPr>
+          <p:nvPr>
+            <p:ph type="sldNum" sz="quarter" idx="12"/>
+          </p:nvPr>
+        </p:nvSpPr>
+        <p:spPr/>
+        <p:txBody>
+          <a:bodyPr/>
+          <a:lstStyle/>
+          <a:p>
+            <a:fld id="{5FF72CB3-86FB-4DBB-A7AC-E8F6F3DA156B}" type="slidenum">
+              <a:rPr lang="ko-KR" altLang="en-US" smtClean="0"/>
+              <a:pPr/>
+              <a:t>20</a:t>
+            </a:fld>
+            <a:endParaRPr lang="ko-KR" altLang="en-US"/>
+          </a:p>
+        </p:txBody>
+      </p:sp>
+      <p:pic>
+        <p:nvPicPr>
+          <p:cNvPr id="9" name="그림 8">
+            <a:extLst>
+              <a:ext uri="{FF2B5EF4-FFF2-40B4-BE49-F238E27FC236}">
+                <a16:creationId xmlns:a16="http://schemas.microsoft.com/office/drawing/2014/main" id="{F0636FF7-CD7D-4289-8E4C-3F04D084C7F3}"/>
+              </a:ext>
+            </a:extLst>
+          </p:cNvPr>
+          <p:cNvPicPr>
+            <a:picLocks noChangeAspect="1"/>
+          </p:cNvPicPr>
+          <p:nvPr/>
+        </p:nvPicPr>
+        <p:blipFill>
+          <a:blip r:embed="rId2"/>
+          <a:stretch>
+            <a:fillRect/>
+          </a:stretch>
+        </p:blipFill>
+        <p:spPr>
+          <a:xfrm>
+            <a:off x="719137" y="2719387"/>
+            <a:ext cx="10753725" cy="1419225"/>
+          </a:xfrm>
+          <a:prstGeom prst="rect">
+            <a:avLst/>
+          </a:prstGeom>
+        </p:spPr>
+      </p:pic>
+    </p:spTree>
+    <p:extLst>
+      <p:ext uri="{BB962C8B-B14F-4D97-AF65-F5344CB8AC3E}">
+        <p14:creationId xmlns:p14="http://schemas.microsoft.com/office/powerpoint/2010/main" val="146477537"/>
+      </p:ext>
+    </p:extLst>
+  </p:cSld>
+  <p:clrMapOvr>
+    <a:masterClrMapping/>
+  </p:clrMapOvr>
+</p:sld>
+</file>
+
+<file path=ppt/slides/slide21.xml><?xml version="1.0" encoding="utf-8"?>
+<p:sld xmlns:a="http://schemas.openxmlformats.org/drawingml/2006/main" xmlns:r="http://schemas.openxmlformats.org/officeDocument/2006/relationships" xmlns:p="http://schemas.openxmlformats.org/presentationml/2006/main">
+  <p:cSld>
+    <p:spTree>
+      <p:nvGrpSpPr>
+        <p:cNvPr id="1" name=""/>
+        <p:cNvGrpSpPr/>
+        <p:nvPr/>
+      </p:nvGrpSpPr>
+      <p:grpSpPr>
+        <a:xfrm>
+          <a:off x="0" y="0"/>
+          <a:ext cx="0" cy="0"/>
+          <a:chOff x="0" y="0"/>
+          <a:chExt cx="0" cy="0"/>
+        </a:xfrm>
+      </p:grpSpPr>
+      <p:sp>
+        <p:nvSpPr>
+          <p:cNvPr id="2" name="제목 1">
+            <a:extLst>
+              <a:ext uri="{FF2B5EF4-FFF2-40B4-BE49-F238E27FC236}">
+                <a16:creationId xmlns:a16="http://schemas.microsoft.com/office/drawing/2014/main" id="{47F7BEB6-068A-4BAD-8249-8D987A4FF203}"/>
+              </a:ext>
+            </a:extLst>
+          </p:cNvPr>
+          <p:cNvSpPr>
+            <a:spLocks noGrp="1"/>
+          </p:cNvSpPr>
+          <p:nvPr>
+            <p:ph type="title"/>
+          </p:nvPr>
+        </p:nvSpPr>
+        <p:spPr/>
+        <p:txBody>
+          <a:bodyPr/>
+          <a:lstStyle/>
+          <a:p>
+            <a:r>
+              <a:rPr lang="ko-KR" altLang="en-US" dirty="0"/>
+              <a:t>소스코드 분석</a:t>
+            </a:r>
+          </a:p>
+        </p:txBody>
+      </p:sp>
+      <p:sp>
+        <p:nvSpPr>
+          <p:cNvPr id="3" name="내용 개체 틀 2">
+            <a:extLst>
+              <a:ext uri="{FF2B5EF4-FFF2-40B4-BE49-F238E27FC236}">
+                <a16:creationId xmlns:a16="http://schemas.microsoft.com/office/drawing/2014/main" id="{5B23A47A-7BB4-498D-86C9-FCFA2242C850}"/>
+              </a:ext>
+            </a:extLst>
+          </p:cNvPr>
+          <p:cNvSpPr>
+            <a:spLocks noGrp="1"/>
+          </p:cNvSpPr>
+          <p:nvPr>
+            <p:ph idx="1"/>
+          </p:nvPr>
+        </p:nvSpPr>
+        <p:spPr/>
+        <p:txBody>
+          <a:bodyPr/>
+          <a:lstStyle/>
+          <a:p>
+            <a:r>
+              <a:rPr lang="en-US" altLang="ko-KR" dirty="0" err="1"/>
+              <a:t>CameraFragment</a:t>
+            </a:r>
+            <a:endParaRPr lang="ko-KR" altLang="en-US" dirty="0"/>
+          </a:p>
+        </p:txBody>
+      </p:sp>
+      <p:sp>
+        <p:nvSpPr>
+          <p:cNvPr id="4" name="날짜 개체 틀 3">
+            <a:extLst>
+              <a:ext uri="{FF2B5EF4-FFF2-40B4-BE49-F238E27FC236}">
+                <a16:creationId xmlns:a16="http://schemas.microsoft.com/office/drawing/2014/main" id="{6F509CAB-2ADF-4D5C-BB7A-3E414A3DA4A0}"/>
+              </a:ext>
+            </a:extLst>
+          </p:cNvPr>
+          <p:cNvSpPr>
+            <a:spLocks noGrp="1"/>
+          </p:cNvSpPr>
+          <p:nvPr>
+            <p:ph type="dt" sz="half" idx="10"/>
+          </p:nvPr>
+        </p:nvSpPr>
+        <p:spPr/>
+        <p:txBody>
+          <a:bodyPr/>
+          <a:lstStyle/>
+          <a:p>
+            <a:r>
+              <a:rPr lang="ko-KR" altLang="en-US"/>
+              <a:t>권철현</a:t>
+            </a:r>
+            <a:r>
+              <a:rPr lang="en-US" altLang="ko-KR"/>
+              <a:t>, </a:t>
+            </a:r>
+            <a:r>
+              <a:rPr lang="ko-KR" altLang="en-US"/>
+              <a:t>신재하</a:t>
+            </a:r>
+          </a:p>
+        </p:txBody>
+      </p:sp>
+      <p:sp>
+        <p:nvSpPr>
+          <p:cNvPr id="5" name="슬라이드 번호 개체 틀 4">
+            <a:extLst>
+              <a:ext uri="{FF2B5EF4-FFF2-40B4-BE49-F238E27FC236}">
+                <a16:creationId xmlns:a16="http://schemas.microsoft.com/office/drawing/2014/main" id="{5080FF07-B61E-4378-A28B-E7D534E774F8}"/>
+              </a:ext>
+            </a:extLst>
+          </p:cNvPr>
+          <p:cNvSpPr>
+            <a:spLocks noGrp="1"/>
+          </p:cNvSpPr>
+          <p:nvPr>
+            <p:ph type="sldNum" sz="quarter" idx="12"/>
+          </p:nvPr>
+        </p:nvSpPr>
+        <p:spPr/>
+        <p:txBody>
+          <a:bodyPr/>
+          <a:lstStyle/>
+          <a:p>
+            <a:fld id="{5FF72CB3-86FB-4DBB-A7AC-E8F6F3DA156B}" type="slidenum">
+              <a:rPr lang="ko-KR" altLang="en-US" smtClean="0"/>
+              <a:pPr/>
+              <a:t>21</a:t>
+            </a:fld>
+            <a:endParaRPr lang="ko-KR" altLang="en-US"/>
+          </a:p>
+        </p:txBody>
+      </p:sp>
+      <p:pic>
+        <p:nvPicPr>
+          <p:cNvPr id="7" name="그림 6">
+            <a:extLst>
+              <a:ext uri="{FF2B5EF4-FFF2-40B4-BE49-F238E27FC236}">
+                <a16:creationId xmlns:a16="http://schemas.microsoft.com/office/drawing/2014/main" id="{546D5C0D-BC84-4974-9241-1ED7441241FB}"/>
+              </a:ext>
+            </a:extLst>
+          </p:cNvPr>
+          <p:cNvPicPr>
+            <a:picLocks noChangeAspect="1"/>
+          </p:cNvPicPr>
+          <p:nvPr/>
+        </p:nvPicPr>
+        <p:blipFill>
+          <a:blip r:embed="rId2"/>
+          <a:stretch>
+            <a:fillRect/>
+          </a:stretch>
+        </p:blipFill>
+        <p:spPr>
+          <a:xfrm>
+            <a:off x="766328" y="2986611"/>
+            <a:ext cx="10687050" cy="1352550"/>
+          </a:xfrm>
+          <a:prstGeom prst="rect">
+            <a:avLst/>
+          </a:prstGeom>
+        </p:spPr>
+      </p:pic>
+      <p:sp>
+        <p:nvSpPr>
+          <p:cNvPr id="8" name="직사각형 7">
+            <a:extLst>
+              <a:ext uri="{FF2B5EF4-FFF2-40B4-BE49-F238E27FC236}">
+                <a16:creationId xmlns:a16="http://schemas.microsoft.com/office/drawing/2014/main" id="{DE02A5BA-AA4C-46E2-845B-EAA57DD9F8C8}"/>
+              </a:ext>
+            </a:extLst>
+          </p:cNvPr>
+          <p:cNvSpPr/>
+          <p:nvPr/>
+        </p:nvSpPr>
+        <p:spPr>
+          <a:xfrm>
+            <a:off x="5907023" y="3781351"/>
+            <a:ext cx="2460843" cy="248701"/>
+          </a:xfrm>
+          <a:prstGeom prst="rect">
+            <a:avLst/>
+          </a:prstGeom>
+          <a:noFill/>
+          <a:ln w="38100">
+            <a:solidFill>
+              <a:srgbClr val="FF0000"/>
+            </a:solidFill>
+          </a:ln>
+        </p:spPr>
+        <p:style>
+          <a:lnRef idx="2">
+            <a:schemeClr val="accent1">
+              <a:shade val="50000"/>
+            </a:schemeClr>
+          </a:lnRef>
+          <a:fillRef idx="1">
+            <a:schemeClr val="accent1"/>
+          </a:fillRef>
+          <a:effectRef idx="0">
+            <a:schemeClr val="accent1"/>
+          </a:effectRef>
+          <a:fontRef idx="minor">
+            <a:schemeClr val="lt1"/>
+          </a:fontRef>
+        </p:style>
+        <p:txBody>
+          <a:bodyPr rtlCol="0" anchor="ctr"/>
+          <a:lstStyle/>
+          <a:p>
+            <a:pPr algn="ctr"/>
+            <a:endParaRPr lang="ko-KR" altLang="en-US"/>
+          </a:p>
+        </p:txBody>
+      </p:sp>
+    </p:spTree>
+    <p:extLst>
+      <p:ext uri="{BB962C8B-B14F-4D97-AF65-F5344CB8AC3E}">
+        <p14:creationId xmlns:p14="http://schemas.microsoft.com/office/powerpoint/2010/main" val="3345761083"/>
+      </p:ext>
+    </p:extLst>
+  </p:cSld>
+  <p:clrMapOvr>
+    <a:masterClrMapping/>
+  </p:clrMapOvr>
+</p:sld>
+</file>
+
+<file path=ppt/slides/slide22.xml><?xml version="1.0" encoding="utf-8"?>
+<p:sld xmlns:a="http://schemas.openxmlformats.org/drawingml/2006/main" xmlns:r="http://schemas.openxmlformats.org/officeDocument/2006/relationships" xmlns:p="http://schemas.openxmlformats.org/presentationml/2006/main">
+  <p:cSld>
+    <p:spTree>
+      <p:nvGrpSpPr>
+        <p:cNvPr id="1" name=""/>
+        <p:cNvGrpSpPr/>
+        <p:nvPr/>
+      </p:nvGrpSpPr>
+      <p:grpSpPr>
+        <a:xfrm>
+          <a:off x="0" y="0"/>
+          <a:ext cx="0" cy="0"/>
+          <a:chOff x="0" y="0"/>
+          <a:chExt cx="0" cy="0"/>
+        </a:xfrm>
+      </p:grpSpPr>
+      <p:sp>
+        <p:nvSpPr>
+          <p:cNvPr id="2" name="제목 1">
+            <a:extLst>
+              <a:ext uri="{FF2B5EF4-FFF2-40B4-BE49-F238E27FC236}">
+                <a16:creationId xmlns:a16="http://schemas.microsoft.com/office/drawing/2014/main" id="{2EB0A747-C32B-4851-BB32-DC3E152E8FB3}"/>
+              </a:ext>
+            </a:extLst>
+          </p:cNvPr>
+          <p:cNvSpPr>
+            <a:spLocks noGrp="1"/>
+          </p:cNvSpPr>
+          <p:nvPr>
+            <p:ph type="title"/>
+          </p:nvPr>
+        </p:nvSpPr>
+        <p:spPr/>
+        <p:txBody>
+          <a:bodyPr/>
+          <a:lstStyle/>
+          <a:p>
+            <a:r>
+              <a:rPr lang="ko-KR" altLang="en-US" dirty="0">
+                <a:ea typeface="맑은 고딕"/>
+              </a:rPr>
+              <a:t>소스코드 분석</a:t>
+            </a:r>
+            <a:endParaRPr lang="ko-KR" altLang="en-US" dirty="0"/>
+          </a:p>
+        </p:txBody>
+      </p:sp>
+      <p:sp>
+        <p:nvSpPr>
+          <p:cNvPr id="3" name="내용 개체 틀 2">
+            <a:extLst>
+              <a:ext uri="{FF2B5EF4-FFF2-40B4-BE49-F238E27FC236}">
+                <a16:creationId xmlns:a16="http://schemas.microsoft.com/office/drawing/2014/main" id="{996EFA0E-F84A-42A4-9A50-24D03F83E3EE}"/>
+              </a:ext>
+            </a:extLst>
+          </p:cNvPr>
+          <p:cNvSpPr>
+            <a:spLocks noGrp="1"/>
+          </p:cNvSpPr>
+          <p:nvPr>
+            <p:ph idx="1"/>
+          </p:nvPr>
+        </p:nvSpPr>
+        <p:spPr/>
+        <p:txBody>
+          <a:bodyPr/>
+          <a:lstStyle/>
+          <a:p>
+            <a:r>
+              <a:rPr lang="en-US" altLang="ko-KR" dirty="0" err="1"/>
+              <a:t>CameraFragment</a:t>
+            </a:r>
+            <a:endParaRPr lang="ko-KR" altLang="en-US" dirty="0"/>
+          </a:p>
+        </p:txBody>
+      </p:sp>
+      <p:sp>
+        <p:nvSpPr>
+          <p:cNvPr id="4" name="날짜 개체 틀 3">
+            <a:extLst>
+              <a:ext uri="{FF2B5EF4-FFF2-40B4-BE49-F238E27FC236}">
+                <a16:creationId xmlns:a16="http://schemas.microsoft.com/office/drawing/2014/main" id="{8A90AC18-88BC-4BC0-86A7-89E5299D1624}"/>
+              </a:ext>
+            </a:extLst>
+          </p:cNvPr>
+          <p:cNvSpPr>
+            <a:spLocks noGrp="1"/>
+          </p:cNvSpPr>
+          <p:nvPr>
+            <p:ph type="dt" sz="half" idx="10"/>
+          </p:nvPr>
+        </p:nvSpPr>
+        <p:spPr/>
+        <p:txBody>
+          <a:bodyPr/>
+          <a:lstStyle/>
+          <a:p>
+            <a:r>
+              <a:rPr lang="ko-KR" altLang="en-US"/>
+              <a:t>권철현</a:t>
+            </a:r>
+            <a:r>
+              <a:rPr lang="en-US" altLang="ko-KR"/>
+              <a:t>, </a:t>
+            </a:r>
+            <a:r>
+              <a:rPr lang="ko-KR" altLang="en-US"/>
+              <a:t>신재하</a:t>
+            </a:r>
+          </a:p>
+        </p:txBody>
+      </p:sp>
+      <p:sp>
+        <p:nvSpPr>
+          <p:cNvPr id="5" name="슬라이드 번호 개체 틀 4">
+            <a:extLst>
+              <a:ext uri="{FF2B5EF4-FFF2-40B4-BE49-F238E27FC236}">
+                <a16:creationId xmlns:a16="http://schemas.microsoft.com/office/drawing/2014/main" id="{53A7A304-6F06-42E4-856D-960E7C27707D}"/>
+              </a:ext>
+            </a:extLst>
+          </p:cNvPr>
+          <p:cNvSpPr>
+            <a:spLocks noGrp="1"/>
+          </p:cNvSpPr>
+          <p:nvPr>
+            <p:ph type="sldNum" sz="quarter" idx="12"/>
+          </p:nvPr>
+        </p:nvSpPr>
+        <p:spPr/>
+        <p:txBody>
+          <a:bodyPr/>
+          <a:lstStyle/>
+          <a:p>
+            <a:fld id="{5FF72CB3-86FB-4DBB-A7AC-E8F6F3DA156B}" type="slidenum">
+              <a:rPr lang="ko-KR" altLang="en-US" smtClean="0"/>
+              <a:pPr/>
+              <a:t>22</a:t>
+            </a:fld>
+            <a:endParaRPr lang="ko-KR" altLang="en-US"/>
+          </a:p>
+        </p:txBody>
+      </p:sp>
+      <p:pic>
+        <p:nvPicPr>
+          <p:cNvPr id="7" name="그림 6">
+            <a:extLst>
+              <a:ext uri="{FF2B5EF4-FFF2-40B4-BE49-F238E27FC236}">
+                <a16:creationId xmlns:a16="http://schemas.microsoft.com/office/drawing/2014/main" id="{D3A7894A-4E5C-4ED0-A098-1FCD71189314}"/>
+              </a:ext>
+            </a:extLst>
+          </p:cNvPr>
+          <p:cNvPicPr>
+            <a:picLocks noChangeAspect="1"/>
+          </p:cNvPicPr>
+          <p:nvPr/>
+        </p:nvPicPr>
+        <p:blipFill>
+          <a:blip r:embed="rId2"/>
+          <a:stretch>
+            <a:fillRect/>
+          </a:stretch>
+        </p:blipFill>
+        <p:spPr>
+          <a:xfrm>
+            <a:off x="2033016" y="2208124"/>
+            <a:ext cx="7622826" cy="4285405"/>
+          </a:xfrm>
+          <a:prstGeom prst="rect">
+            <a:avLst/>
+          </a:prstGeom>
+        </p:spPr>
+      </p:pic>
+    </p:spTree>
+    <p:extLst>
+      <p:ext uri="{BB962C8B-B14F-4D97-AF65-F5344CB8AC3E}">
+        <p14:creationId xmlns:p14="http://schemas.microsoft.com/office/powerpoint/2010/main" val="2461833008"/>
+      </p:ext>
+    </p:extLst>
+  </p:cSld>
+  <p:clrMapOvr>
+    <a:masterClrMapping/>
+  </p:clrMapOvr>
+</p:sld>
+</file>
+
+<file path=ppt/slides/slide23.xml><?xml version="1.0" encoding="utf-8"?>
+<p:sld xmlns:a="http://schemas.openxmlformats.org/drawingml/2006/main" xmlns:r="http://schemas.openxmlformats.org/officeDocument/2006/relationships" xmlns:p="http://schemas.openxmlformats.org/presentationml/2006/main">
+  <p:cSld>
+    <p:spTree>
+      <p:nvGrpSpPr>
+        <p:cNvPr id="1" name=""/>
+        <p:cNvGrpSpPr/>
+        <p:nvPr/>
+      </p:nvGrpSpPr>
+      <p:grpSpPr>
+        <a:xfrm>
+          <a:off x="0" y="0"/>
+          <a:ext cx="0" cy="0"/>
+          <a:chOff x="0" y="0"/>
+          <a:chExt cx="0" cy="0"/>
+        </a:xfrm>
+      </p:grpSpPr>
+      <p:sp>
+        <p:nvSpPr>
+          <p:cNvPr id="2" name="제목 1">
+            <a:extLst>
+              <a:ext uri="{FF2B5EF4-FFF2-40B4-BE49-F238E27FC236}">
+                <a16:creationId xmlns:a16="http://schemas.microsoft.com/office/drawing/2014/main" id="{2EB0A747-C32B-4851-BB32-DC3E152E8FB3}"/>
+              </a:ext>
+            </a:extLst>
+          </p:cNvPr>
+          <p:cNvSpPr>
+            <a:spLocks noGrp="1"/>
+          </p:cNvSpPr>
+          <p:nvPr>
+            <p:ph type="title"/>
+          </p:nvPr>
+        </p:nvSpPr>
+        <p:spPr/>
+        <p:txBody>
+          <a:bodyPr/>
+          <a:lstStyle/>
+          <a:p>
+            <a:r>
+              <a:rPr lang="ko-KR" altLang="en-US" dirty="0">
+                <a:ea typeface="맑은 고딕"/>
+              </a:rPr>
+              <a:t>소스코드 분석</a:t>
+            </a:r>
+            <a:endParaRPr lang="ko-KR" altLang="en-US" dirty="0"/>
+          </a:p>
+        </p:txBody>
+      </p:sp>
+      <p:sp>
+        <p:nvSpPr>
+          <p:cNvPr id="3" name="내용 개체 틀 2">
+            <a:extLst>
+              <a:ext uri="{FF2B5EF4-FFF2-40B4-BE49-F238E27FC236}">
+                <a16:creationId xmlns:a16="http://schemas.microsoft.com/office/drawing/2014/main" id="{996EFA0E-F84A-42A4-9A50-24D03F83E3EE}"/>
+              </a:ext>
+            </a:extLst>
+          </p:cNvPr>
+          <p:cNvSpPr>
+            <a:spLocks noGrp="1"/>
+          </p:cNvSpPr>
+          <p:nvPr>
+            <p:ph idx="1"/>
+          </p:nvPr>
+        </p:nvSpPr>
+        <p:spPr/>
+        <p:txBody>
+          <a:bodyPr/>
+          <a:lstStyle/>
+          <a:p>
+            <a:r>
+              <a:rPr lang="en-US" altLang="ko-KR" dirty="0" err="1"/>
+              <a:t>CameraFragment</a:t>
+            </a:r>
+            <a:endParaRPr lang="ko-KR" altLang="en-US" dirty="0"/>
+          </a:p>
+          <a:p>
+            <a:endParaRPr lang="ko-KR" altLang="en-US" dirty="0"/>
+          </a:p>
+        </p:txBody>
+      </p:sp>
+      <p:sp>
+        <p:nvSpPr>
+          <p:cNvPr id="4" name="날짜 개체 틀 3">
+            <a:extLst>
+              <a:ext uri="{FF2B5EF4-FFF2-40B4-BE49-F238E27FC236}">
+                <a16:creationId xmlns:a16="http://schemas.microsoft.com/office/drawing/2014/main" id="{8A90AC18-88BC-4BC0-86A7-89E5299D1624}"/>
+              </a:ext>
+            </a:extLst>
+          </p:cNvPr>
+          <p:cNvSpPr>
+            <a:spLocks noGrp="1"/>
+          </p:cNvSpPr>
+          <p:nvPr>
+            <p:ph type="dt" sz="half" idx="10"/>
+          </p:nvPr>
+        </p:nvSpPr>
+        <p:spPr/>
+        <p:txBody>
+          <a:bodyPr/>
+          <a:lstStyle/>
+          <a:p>
+            <a:r>
+              <a:rPr lang="ko-KR" altLang="en-US"/>
+              <a:t>권철현</a:t>
+            </a:r>
+            <a:r>
+              <a:rPr lang="en-US" altLang="ko-KR"/>
+              <a:t>, </a:t>
+            </a:r>
+            <a:r>
+              <a:rPr lang="ko-KR" altLang="en-US"/>
+              <a:t>신재하</a:t>
+            </a:r>
+          </a:p>
+        </p:txBody>
+      </p:sp>
+      <p:sp>
+        <p:nvSpPr>
+          <p:cNvPr id="5" name="슬라이드 번호 개체 틀 4">
+            <a:extLst>
+              <a:ext uri="{FF2B5EF4-FFF2-40B4-BE49-F238E27FC236}">
+                <a16:creationId xmlns:a16="http://schemas.microsoft.com/office/drawing/2014/main" id="{53A7A304-6F06-42E4-856D-960E7C27707D}"/>
+              </a:ext>
+            </a:extLst>
+          </p:cNvPr>
+          <p:cNvSpPr>
+            <a:spLocks noGrp="1"/>
+          </p:cNvSpPr>
+          <p:nvPr>
+            <p:ph type="sldNum" sz="quarter" idx="12"/>
+          </p:nvPr>
+        </p:nvSpPr>
+        <p:spPr/>
+        <p:txBody>
+          <a:bodyPr/>
+          <a:lstStyle/>
+          <a:p>
+            <a:fld id="{5FF72CB3-86FB-4DBB-A7AC-E8F6F3DA156B}" type="slidenum">
+              <a:rPr lang="ko-KR" altLang="en-US" smtClean="0"/>
+              <a:pPr/>
+              <a:t>23</a:t>
+            </a:fld>
+            <a:endParaRPr lang="ko-KR" altLang="en-US"/>
+          </a:p>
+        </p:txBody>
+      </p:sp>
+      <p:pic>
+        <p:nvPicPr>
+          <p:cNvPr id="7" name="그림 6">
+            <a:extLst>
+              <a:ext uri="{FF2B5EF4-FFF2-40B4-BE49-F238E27FC236}">
+                <a16:creationId xmlns:a16="http://schemas.microsoft.com/office/drawing/2014/main" id="{6F249C90-90A6-465E-B9BD-46ECB39EE5D1}"/>
+              </a:ext>
+            </a:extLst>
+          </p:cNvPr>
+          <p:cNvPicPr>
+            <a:picLocks noChangeAspect="1"/>
+          </p:cNvPicPr>
+          <p:nvPr/>
+        </p:nvPicPr>
+        <p:blipFill>
+          <a:blip r:embed="rId2"/>
+          <a:stretch>
+            <a:fillRect/>
+          </a:stretch>
+        </p:blipFill>
+        <p:spPr>
+          <a:xfrm>
+            <a:off x="1481137" y="2157412"/>
+            <a:ext cx="9229725" cy="2543175"/>
+          </a:xfrm>
+          <a:prstGeom prst="rect">
+            <a:avLst/>
+          </a:prstGeom>
+        </p:spPr>
+      </p:pic>
+    </p:spTree>
+    <p:extLst>
+      <p:ext uri="{BB962C8B-B14F-4D97-AF65-F5344CB8AC3E}">
+        <p14:creationId xmlns:p14="http://schemas.microsoft.com/office/powerpoint/2010/main" val="82362475"/>
+      </p:ext>
+    </p:extLst>
+  </p:cSld>
+  <p:clrMapOvr>
+    <a:masterClrMapping/>
+  </p:clrMapOvr>
+</p:sld>
+</file>
+
+<file path=ppt/slides/slide24.xml><?xml version="1.0" encoding="utf-8"?>
+<p:sld xmlns:a="http://schemas.openxmlformats.org/drawingml/2006/main" xmlns:r="http://schemas.openxmlformats.org/officeDocument/2006/relationships" xmlns:p="http://schemas.openxmlformats.org/presentationml/2006/main">
+  <p:cSld>
+    <p:spTree>
+      <p:nvGrpSpPr>
+        <p:cNvPr id="1" name=""/>
+        <p:cNvGrpSpPr/>
+        <p:nvPr/>
+      </p:nvGrpSpPr>
+      <p:grpSpPr>
+        <a:xfrm>
+          <a:off x="0" y="0"/>
+          <a:ext cx="0" cy="0"/>
+          <a:chOff x="0" y="0"/>
+          <a:chExt cx="0" cy="0"/>
+        </a:xfrm>
+      </p:grpSpPr>
+      <p:sp>
+        <p:nvSpPr>
+          <p:cNvPr id="2" name="제목 1">
+            <a:extLst>
+              <a:ext uri="{FF2B5EF4-FFF2-40B4-BE49-F238E27FC236}">
+                <a16:creationId xmlns:a16="http://schemas.microsoft.com/office/drawing/2014/main" id="{2EB0A747-C32B-4851-BB32-DC3E152E8FB3}"/>
+              </a:ext>
+            </a:extLst>
+          </p:cNvPr>
+          <p:cNvSpPr>
+            <a:spLocks noGrp="1"/>
+          </p:cNvSpPr>
+          <p:nvPr>
+            <p:ph type="title"/>
+          </p:nvPr>
+        </p:nvSpPr>
+        <p:spPr/>
+        <p:txBody>
+          <a:bodyPr/>
+          <a:lstStyle/>
+          <a:p>
+            <a:r>
+              <a:rPr lang="ko-KR" altLang="en-US" dirty="0">
+                <a:ea typeface="맑은 고딕"/>
+              </a:rPr>
+              <a:t>소스코드 분석</a:t>
+            </a:r>
+            <a:endParaRPr lang="ko-KR" altLang="en-US" dirty="0"/>
+          </a:p>
+        </p:txBody>
+      </p:sp>
+      <p:sp>
+        <p:nvSpPr>
+          <p:cNvPr id="3" name="내용 개체 틀 2">
+            <a:extLst>
+              <a:ext uri="{FF2B5EF4-FFF2-40B4-BE49-F238E27FC236}">
+                <a16:creationId xmlns:a16="http://schemas.microsoft.com/office/drawing/2014/main" id="{996EFA0E-F84A-42A4-9A50-24D03F83E3EE}"/>
+              </a:ext>
+            </a:extLst>
+          </p:cNvPr>
+          <p:cNvSpPr>
+            <a:spLocks noGrp="1"/>
+          </p:cNvSpPr>
+          <p:nvPr>
+            <p:ph idx="1"/>
+          </p:nvPr>
+        </p:nvSpPr>
+        <p:spPr/>
+        <p:txBody>
+          <a:bodyPr/>
+          <a:lstStyle/>
+          <a:p>
+            <a:endParaRPr lang="ko-KR" altLang="en-US" dirty="0"/>
+          </a:p>
+        </p:txBody>
+      </p:sp>
+      <p:sp>
+        <p:nvSpPr>
+          <p:cNvPr id="4" name="날짜 개체 틀 3">
+            <a:extLst>
+              <a:ext uri="{FF2B5EF4-FFF2-40B4-BE49-F238E27FC236}">
+                <a16:creationId xmlns:a16="http://schemas.microsoft.com/office/drawing/2014/main" id="{8A90AC18-88BC-4BC0-86A7-89E5299D1624}"/>
+              </a:ext>
+            </a:extLst>
+          </p:cNvPr>
+          <p:cNvSpPr>
+            <a:spLocks noGrp="1"/>
+          </p:cNvSpPr>
+          <p:nvPr>
+            <p:ph type="dt" sz="half" idx="10"/>
+          </p:nvPr>
+        </p:nvSpPr>
+        <p:spPr/>
+        <p:txBody>
+          <a:bodyPr/>
+          <a:lstStyle/>
+          <a:p>
+            <a:r>
+              <a:rPr lang="ko-KR" altLang="en-US"/>
+              <a:t>권철현</a:t>
+            </a:r>
+            <a:r>
+              <a:rPr lang="en-US" altLang="ko-KR"/>
+              <a:t>, </a:t>
+            </a:r>
+            <a:r>
+              <a:rPr lang="ko-KR" altLang="en-US"/>
+              <a:t>신재하</a:t>
+            </a:r>
+          </a:p>
+        </p:txBody>
+      </p:sp>
+      <p:sp>
+        <p:nvSpPr>
+          <p:cNvPr id="5" name="슬라이드 번호 개체 틀 4">
+            <a:extLst>
+              <a:ext uri="{FF2B5EF4-FFF2-40B4-BE49-F238E27FC236}">
+                <a16:creationId xmlns:a16="http://schemas.microsoft.com/office/drawing/2014/main" id="{53A7A304-6F06-42E4-856D-960E7C27707D}"/>
+              </a:ext>
+            </a:extLst>
+          </p:cNvPr>
+          <p:cNvSpPr>
+            <a:spLocks noGrp="1"/>
+          </p:cNvSpPr>
+          <p:nvPr>
+            <p:ph type="sldNum" sz="quarter" idx="12"/>
+          </p:nvPr>
+        </p:nvSpPr>
+        <p:spPr/>
+        <p:txBody>
+          <a:bodyPr/>
+          <a:lstStyle/>
+          <a:p>
+            <a:fld id="{5FF72CB3-86FB-4DBB-A7AC-E8F6F3DA156B}" type="slidenum">
+              <a:rPr lang="ko-KR" altLang="en-US" smtClean="0"/>
+              <a:pPr/>
+              <a:t>24</a:t>
+            </a:fld>
+            <a:endParaRPr lang="ko-KR" altLang="en-US"/>
+          </a:p>
+        </p:txBody>
+      </p:sp>
+    </p:spTree>
+    <p:extLst>
+      <p:ext uri="{BB962C8B-B14F-4D97-AF65-F5344CB8AC3E}">
+        <p14:creationId xmlns:p14="http://schemas.microsoft.com/office/powerpoint/2010/main" val="672917549"/>
+      </p:ext>
+    </p:extLst>
+  </p:cSld>
+  <p:clrMapOvr>
+    <a:masterClrMapping/>
+  </p:clrMapOvr>
+</p:sld>
+</file>
+
+<file path=ppt/slides/slide25.xml><?xml version="1.0" encoding="utf-8"?>
+<p:sld xmlns:a="http://schemas.openxmlformats.org/drawingml/2006/main" xmlns:r="http://schemas.openxmlformats.org/officeDocument/2006/relationships" xmlns:p="http://schemas.openxmlformats.org/presentationml/2006/main">
+  <p:cSld>
+    <p:spTree>
+      <p:nvGrpSpPr>
+        <p:cNvPr id="1" name=""/>
+        <p:cNvGrpSpPr/>
+        <p:nvPr/>
+      </p:nvGrpSpPr>
+      <p:grpSpPr>
+        <a:xfrm>
+          <a:off x="0" y="0"/>
+          <a:ext cx="0" cy="0"/>
+          <a:chOff x="0" y="0"/>
+          <a:chExt cx="0" cy="0"/>
+        </a:xfrm>
+      </p:grpSpPr>
+      <p:sp>
+        <p:nvSpPr>
+          <p:cNvPr id="2" name="제목 1">
+            <a:extLst>
+              <a:ext uri="{FF2B5EF4-FFF2-40B4-BE49-F238E27FC236}">
+                <a16:creationId xmlns:a16="http://schemas.microsoft.com/office/drawing/2014/main" id="{2EB0A747-C32B-4851-BB32-DC3E152E8FB3}"/>
+              </a:ext>
+            </a:extLst>
+          </p:cNvPr>
+          <p:cNvSpPr>
+            <a:spLocks noGrp="1"/>
+          </p:cNvSpPr>
+          <p:nvPr>
+            <p:ph type="title"/>
+          </p:nvPr>
+        </p:nvSpPr>
+        <p:spPr/>
+        <p:txBody>
+          <a:bodyPr/>
+          <a:lstStyle/>
+          <a:p>
+            <a:r>
+              <a:rPr lang="ko-KR" altLang="en-US" dirty="0">
+                <a:ea typeface="맑은 고딕"/>
+              </a:rPr>
+              <a:t>소스코드 분석</a:t>
+            </a:r>
+            <a:endParaRPr lang="ko-KR" altLang="en-US" dirty="0"/>
+          </a:p>
+        </p:txBody>
+      </p:sp>
+      <p:sp>
+        <p:nvSpPr>
+          <p:cNvPr id="3" name="내용 개체 틀 2">
+            <a:extLst>
+              <a:ext uri="{FF2B5EF4-FFF2-40B4-BE49-F238E27FC236}">
+                <a16:creationId xmlns:a16="http://schemas.microsoft.com/office/drawing/2014/main" id="{996EFA0E-F84A-42A4-9A50-24D03F83E3EE}"/>
+              </a:ext>
+            </a:extLst>
+          </p:cNvPr>
+          <p:cNvSpPr>
+            <a:spLocks noGrp="1"/>
+          </p:cNvSpPr>
+          <p:nvPr>
+            <p:ph idx="1"/>
+          </p:nvPr>
+        </p:nvSpPr>
+        <p:spPr/>
+        <p:txBody>
+          <a:bodyPr/>
+          <a:lstStyle/>
+          <a:p>
+            <a:endParaRPr lang="ko-KR" altLang="en-US" dirty="0"/>
+          </a:p>
+        </p:txBody>
+      </p:sp>
+      <p:sp>
+        <p:nvSpPr>
+          <p:cNvPr id="4" name="날짜 개체 틀 3">
+            <a:extLst>
+              <a:ext uri="{FF2B5EF4-FFF2-40B4-BE49-F238E27FC236}">
+                <a16:creationId xmlns:a16="http://schemas.microsoft.com/office/drawing/2014/main" id="{8A90AC18-88BC-4BC0-86A7-89E5299D1624}"/>
+              </a:ext>
+            </a:extLst>
+          </p:cNvPr>
+          <p:cNvSpPr>
+            <a:spLocks noGrp="1"/>
+          </p:cNvSpPr>
+          <p:nvPr>
+            <p:ph type="dt" sz="half" idx="10"/>
+          </p:nvPr>
+        </p:nvSpPr>
+        <p:spPr/>
+        <p:txBody>
+          <a:bodyPr/>
+          <a:lstStyle/>
+          <a:p>
+            <a:r>
+              <a:rPr lang="ko-KR" altLang="en-US"/>
+              <a:t>권철현</a:t>
+            </a:r>
+            <a:r>
+              <a:rPr lang="en-US" altLang="ko-KR"/>
+              <a:t>, </a:t>
+            </a:r>
+            <a:r>
+              <a:rPr lang="ko-KR" altLang="en-US"/>
+              <a:t>신재하</a:t>
+            </a:r>
+          </a:p>
+        </p:txBody>
+      </p:sp>
+      <p:sp>
+        <p:nvSpPr>
+          <p:cNvPr id="5" name="슬라이드 번호 개체 틀 4">
+            <a:extLst>
+              <a:ext uri="{FF2B5EF4-FFF2-40B4-BE49-F238E27FC236}">
+                <a16:creationId xmlns:a16="http://schemas.microsoft.com/office/drawing/2014/main" id="{53A7A304-6F06-42E4-856D-960E7C27707D}"/>
+              </a:ext>
+            </a:extLst>
+          </p:cNvPr>
+          <p:cNvSpPr>
+            <a:spLocks noGrp="1"/>
+          </p:cNvSpPr>
+          <p:nvPr>
+            <p:ph type="sldNum" sz="quarter" idx="12"/>
+          </p:nvPr>
+        </p:nvSpPr>
+        <p:spPr/>
+        <p:txBody>
+          <a:bodyPr/>
+          <a:lstStyle/>
+          <a:p>
+            <a:fld id="{5FF72CB3-86FB-4DBB-A7AC-E8F6F3DA156B}" type="slidenum">
+              <a:rPr lang="ko-KR" altLang="en-US" smtClean="0"/>
+              <a:pPr/>
+              <a:t>25</a:t>
+            </a:fld>
+            <a:endParaRPr lang="ko-KR" altLang="en-US"/>
+          </a:p>
+        </p:txBody>
+      </p:sp>
+      <p:pic>
+        <p:nvPicPr>
+          <p:cNvPr id="7" name="그림 6">
+            <a:extLst>
+              <a:ext uri="{FF2B5EF4-FFF2-40B4-BE49-F238E27FC236}">
+                <a16:creationId xmlns:a16="http://schemas.microsoft.com/office/drawing/2014/main" id="{72516365-641B-43BB-AE56-BBF3A4D12148}"/>
+              </a:ext>
+            </a:extLst>
+          </p:cNvPr>
+          <p:cNvPicPr>
+            <a:picLocks noChangeAspect="1"/>
+          </p:cNvPicPr>
+          <p:nvPr/>
+        </p:nvPicPr>
+        <p:blipFill>
+          <a:blip r:embed="rId2"/>
+          <a:stretch>
+            <a:fillRect/>
+          </a:stretch>
+        </p:blipFill>
+        <p:spPr>
+          <a:xfrm>
+            <a:off x="1620982" y="1699819"/>
+            <a:ext cx="8950036" cy="4411766"/>
+          </a:xfrm>
+          <a:prstGeom prst="rect">
+            <a:avLst/>
+          </a:prstGeom>
+        </p:spPr>
+      </p:pic>
+    </p:spTree>
+    <p:extLst>
+      <p:ext uri="{BB962C8B-B14F-4D97-AF65-F5344CB8AC3E}">
+        <p14:creationId xmlns:p14="http://schemas.microsoft.com/office/powerpoint/2010/main" val="475297399"/>
+      </p:ext>
+    </p:extLst>
+  </p:cSld>
+  <p:clrMapOvr>
+    <a:masterClrMapping/>
+  </p:clrMapOvr>
+</p:sld>
+</file>
+
+<file path=ppt/slides/slide26.xml><?xml version="1.0" encoding="utf-8"?>
+<p:sld xmlns:a="http://schemas.openxmlformats.org/drawingml/2006/main" xmlns:r="http://schemas.openxmlformats.org/officeDocument/2006/relationships" xmlns:p="http://schemas.openxmlformats.org/presentationml/2006/main">
+  <p:cSld>
+    <p:spTree>
+      <p:nvGrpSpPr>
+        <p:cNvPr id="1" name=""/>
+        <p:cNvGrpSpPr/>
+        <p:nvPr/>
+      </p:nvGrpSpPr>
+      <p:grpSpPr>
+        <a:xfrm>
+          <a:off x="0" y="0"/>
+          <a:ext cx="0" cy="0"/>
+          <a:chOff x="0" y="0"/>
+          <a:chExt cx="0" cy="0"/>
+        </a:xfrm>
+      </p:grpSpPr>
+      <p:sp>
+        <p:nvSpPr>
+          <p:cNvPr id="2" name="제목 1">
+            <a:extLst>
+              <a:ext uri="{FF2B5EF4-FFF2-40B4-BE49-F238E27FC236}">
+                <a16:creationId xmlns:a16="http://schemas.microsoft.com/office/drawing/2014/main" id="{2EB0A747-C32B-4851-BB32-DC3E152E8FB3}"/>
+              </a:ext>
+            </a:extLst>
+          </p:cNvPr>
+          <p:cNvSpPr>
+            <a:spLocks noGrp="1"/>
+          </p:cNvSpPr>
+          <p:nvPr>
+            <p:ph type="title"/>
+          </p:nvPr>
+        </p:nvSpPr>
+        <p:spPr/>
+        <p:txBody>
+          <a:bodyPr/>
+          <a:lstStyle/>
+          <a:p>
+            <a:r>
+              <a:rPr lang="ko-KR" altLang="en-US" dirty="0">
+                <a:ea typeface="맑은 고딕"/>
+              </a:rPr>
+              <a:t>소스코드 분석</a:t>
+            </a:r>
+            <a:endParaRPr lang="ko-KR" altLang="en-US" dirty="0"/>
+          </a:p>
+        </p:txBody>
+      </p:sp>
+      <p:sp>
+        <p:nvSpPr>
+          <p:cNvPr id="3" name="내용 개체 틀 2">
+            <a:extLst>
+              <a:ext uri="{FF2B5EF4-FFF2-40B4-BE49-F238E27FC236}">
+                <a16:creationId xmlns:a16="http://schemas.microsoft.com/office/drawing/2014/main" id="{996EFA0E-F84A-42A4-9A50-24D03F83E3EE}"/>
+              </a:ext>
+            </a:extLst>
+          </p:cNvPr>
+          <p:cNvSpPr>
+            <a:spLocks noGrp="1"/>
+          </p:cNvSpPr>
+          <p:nvPr>
+            <p:ph idx="1"/>
+          </p:nvPr>
+        </p:nvSpPr>
+        <p:spPr/>
+        <p:txBody>
+          <a:bodyPr/>
+          <a:lstStyle/>
+          <a:p>
+            <a:endParaRPr lang="ko-KR" altLang="en-US" dirty="0"/>
+          </a:p>
+        </p:txBody>
+      </p:sp>
+      <p:sp>
+        <p:nvSpPr>
+          <p:cNvPr id="4" name="날짜 개체 틀 3">
+            <a:extLst>
+              <a:ext uri="{FF2B5EF4-FFF2-40B4-BE49-F238E27FC236}">
+                <a16:creationId xmlns:a16="http://schemas.microsoft.com/office/drawing/2014/main" id="{8A90AC18-88BC-4BC0-86A7-89E5299D1624}"/>
+              </a:ext>
+            </a:extLst>
+          </p:cNvPr>
+          <p:cNvSpPr>
+            <a:spLocks noGrp="1"/>
+          </p:cNvSpPr>
+          <p:nvPr>
+            <p:ph type="dt" sz="half" idx="10"/>
+          </p:nvPr>
+        </p:nvSpPr>
+        <p:spPr/>
+        <p:txBody>
+          <a:bodyPr/>
+          <a:lstStyle/>
+          <a:p>
+            <a:r>
+              <a:rPr lang="ko-KR" altLang="en-US"/>
+              <a:t>권철현</a:t>
+            </a:r>
+            <a:r>
+              <a:rPr lang="en-US" altLang="ko-KR"/>
+              <a:t>, </a:t>
+            </a:r>
+            <a:r>
+              <a:rPr lang="ko-KR" altLang="en-US"/>
+              <a:t>신재하</a:t>
+            </a:r>
+          </a:p>
+        </p:txBody>
+      </p:sp>
+      <p:sp>
+        <p:nvSpPr>
+          <p:cNvPr id="5" name="슬라이드 번호 개체 틀 4">
+            <a:extLst>
+              <a:ext uri="{FF2B5EF4-FFF2-40B4-BE49-F238E27FC236}">
+                <a16:creationId xmlns:a16="http://schemas.microsoft.com/office/drawing/2014/main" id="{53A7A304-6F06-42E4-856D-960E7C27707D}"/>
+              </a:ext>
+            </a:extLst>
+          </p:cNvPr>
+          <p:cNvSpPr>
+            <a:spLocks noGrp="1"/>
+          </p:cNvSpPr>
+          <p:nvPr>
+            <p:ph type="sldNum" sz="quarter" idx="12"/>
+          </p:nvPr>
+        </p:nvSpPr>
+        <p:spPr/>
+        <p:txBody>
+          <a:bodyPr/>
+          <a:lstStyle/>
+          <a:p>
+            <a:fld id="{5FF72CB3-86FB-4DBB-A7AC-E8F6F3DA156B}" type="slidenum">
+              <a:rPr lang="ko-KR" altLang="en-US" smtClean="0"/>
+              <a:pPr/>
+              <a:t>26</a:t>
+            </a:fld>
+            <a:endParaRPr lang="ko-KR" altLang="en-US"/>
+          </a:p>
+        </p:txBody>
+      </p:sp>
+      <p:pic>
+        <p:nvPicPr>
+          <p:cNvPr id="7" name="그림 6">
+            <a:extLst>
+              <a:ext uri="{FF2B5EF4-FFF2-40B4-BE49-F238E27FC236}">
+                <a16:creationId xmlns:a16="http://schemas.microsoft.com/office/drawing/2014/main" id="{DBDA4BB2-7ABC-42BA-8A8E-2AAB7CA45465}"/>
+              </a:ext>
+            </a:extLst>
+          </p:cNvPr>
+          <p:cNvPicPr>
+            <a:picLocks noChangeAspect="1"/>
+          </p:cNvPicPr>
+          <p:nvPr/>
+        </p:nvPicPr>
+        <p:blipFill>
+          <a:blip r:embed="rId2"/>
+          <a:stretch>
+            <a:fillRect/>
+          </a:stretch>
+        </p:blipFill>
+        <p:spPr>
+          <a:xfrm>
+            <a:off x="1914144" y="1578526"/>
+            <a:ext cx="8089392" cy="4680784"/>
+          </a:xfrm>
+          <a:prstGeom prst="rect">
+            <a:avLst/>
+          </a:prstGeom>
+        </p:spPr>
+      </p:pic>
+    </p:spTree>
+    <p:extLst>
+      <p:ext uri="{BB962C8B-B14F-4D97-AF65-F5344CB8AC3E}">
+        <p14:creationId xmlns:p14="http://schemas.microsoft.com/office/powerpoint/2010/main" val="1735092863"/>
+      </p:ext>
+    </p:extLst>
+  </p:cSld>
+  <p:clrMapOvr>
+    <a:masterClrMapping/>
+  </p:clrMapOvr>
+</p:sld>
+</file>
+
+<file path=ppt/slides/slide27.xml><?xml version="1.0" encoding="utf-8"?>
+<p:sld xmlns:a="http://schemas.openxmlformats.org/drawingml/2006/main" xmlns:r="http://schemas.openxmlformats.org/officeDocument/2006/relationships" xmlns:p="http://schemas.openxmlformats.org/presentationml/2006/main">
+  <p:cSld>
+    <p:spTree>
+      <p:nvGrpSpPr>
+        <p:cNvPr id="1" name=""/>
+        <p:cNvGrpSpPr/>
+        <p:nvPr/>
+      </p:nvGrpSpPr>
+      <p:grpSpPr>
+        <a:xfrm>
+          <a:off x="0" y="0"/>
+          <a:ext cx="0" cy="0"/>
+          <a:chOff x="0" y="0"/>
+          <a:chExt cx="0" cy="0"/>
+        </a:xfrm>
+      </p:grpSpPr>
+      <p:sp>
+        <p:nvSpPr>
+          <p:cNvPr id="2" name="제목 1">
+            <a:extLst>
+              <a:ext uri="{FF2B5EF4-FFF2-40B4-BE49-F238E27FC236}">
+                <a16:creationId xmlns:a16="http://schemas.microsoft.com/office/drawing/2014/main" id="{2EB0A747-C32B-4851-BB32-DC3E152E8FB3}"/>
+              </a:ext>
+            </a:extLst>
+          </p:cNvPr>
+          <p:cNvSpPr>
+            <a:spLocks noGrp="1"/>
+          </p:cNvSpPr>
+          <p:nvPr>
+            <p:ph type="title"/>
+          </p:nvPr>
+        </p:nvSpPr>
+        <p:spPr/>
+        <p:txBody>
+          <a:bodyPr/>
+          <a:lstStyle/>
+          <a:p>
+            <a:r>
+              <a:rPr lang="ko-KR" altLang="en-US" dirty="0">
+                <a:ea typeface="맑은 고딕"/>
+              </a:rPr>
+              <a:t>소스코드 분석</a:t>
+            </a:r>
+            <a:endParaRPr lang="ko-KR" altLang="en-US" dirty="0"/>
+          </a:p>
+        </p:txBody>
+      </p:sp>
+      <p:sp>
+        <p:nvSpPr>
+          <p:cNvPr id="3" name="내용 개체 틀 2">
+            <a:extLst>
+              <a:ext uri="{FF2B5EF4-FFF2-40B4-BE49-F238E27FC236}">
+                <a16:creationId xmlns:a16="http://schemas.microsoft.com/office/drawing/2014/main" id="{996EFA0E-F84A-42A4-9A50-24D03F83E3EE}"/>
+              </a:ext>
+            </a:extLst>
+          </p:cNvPr>
+          <p:cNvSpPr>
+            <a:spLocks noGrp="1"/>
+          </p:cNvSpPr>
+          <p:nvPr>
+            <p:ph idx="1"/>
+          </p:nvPr>
+        </p:nvSpPr>
+        <p:spPr/>
+        <p:txBody>
+          <a:bodyPr/>
+          <a:lstStyle/>
+          <a:p>
+            <a:endParaRPr lang="ko-KR" altLang="en-US" dirty="0"/>
+          </a:p>
+        </p:txBody>
+      </p:sp>
+      <p:sp>
+        <p:nvSpPr>
+          <p:cNvPr id="4" name="날짜 개체 틀 3">
+            <a:extLst>
+              <a:ext uri="{FF2B5EF4-FFF2-40B4-BE49-F238E27FC236}">
+                <a16:creationId xmlns:a16="http://schemas.microsoft.com/office/drawing/2014/main" id="{8A90AC18-88BC-4BC0-86A7-89E5299D1624}"/>
+              </a:ext>
+            </a:extLst>
+          </p:cNvPr>
+          <p:cNvSpPr>
+            <a:spLocks noGrp="1"/>
+          </p:cNvSpPr>
+          <p:nvPr>
+            <p:ph type="dt" sz="half" idx="10"/>
+          </p:nvPr>
+        </p:nvSpPr>
+        <p:spPr/>
+        <p:txBody>
+          <a:bodyPr/>
+          <a:lstStyle/>
+          <a:p>
+            <a:r>
+              <a:rPr lang="ko-KR" altLang="en-US"/>
+              <a:t>권철현</a:t>
+            </a:r>
+            <a:r>
+              <a:rPr lang="en-US" altLang="ko-KR"/>
+              <a:t>, </a:t>
+            </a:r>
+            <a:r>
+              <a:rPr lang="ko-KR" altLang="en-US"/>
+              <a:t>신재하</a:t>
+            </a:r>
+          </a:p>
+        </p:txBody>
+      </p:sp>
+      <p:sp>
+        <p:nvSpPr>
+          <p:cNvPr id="5" name="슬라이드 번호 개체 틀 4">
+            <a:extLst>
+              <a:ext uri="{FF2B5EF4-FFF2-40B4-BE49-F238E27FC236}">
+                <a16:creationId xmlns:a16="http://schemas.microsoft.com/office/drawing/2014/main" id="{53A7A304-6F06-42E4-856D-960E7C27707D}"/>
+              </a:ext>
+            </a:extLst>
+          </p:cNvPr>
+          <p:cNvSpPr>
+            <a:spLocks noGrp="1"/>
+          </p:cNvSpPr>
+          <p:nvPr>
+            <p:ph type="sldNum" sz="quarter" idx="12"/>
+          </p:nvPr>
+        </p:nvSpPr>
+        <p:spPr/>
+        <p:txBody>
+          <a:bodyPr/>
+          <a:lstStyle/>
+          <a:p>
+            <a:fld id="{5FF72CB3-86FB-4DBB-A7AC-E8F6F3DA156B}" type="slidenum">
+              <a:rPr lang="ko-KR" altLang="en-US" smtClean="0"/>
+              <a:pPr/>
+              <a:t>27</a:t>
+            </a:fld>
+            <a:endParaRPr lang="ko-KR" altLang="en-US"/>
+          </a:p>
+        </p:txBody>
+      </p:sp>
+      <p:pic>
+        <p:nvPicPr>
+          <p:cNvPr id="7" name="그림 6">
+            <a:extLst>
+              <a:ext uri="{FF2B5EF4-FFF2-40B4-BE49-F238E27FC236}">
+                <a16:creationId xmlns:a16="http://schemas.microsoft.com/office/drawing/2014/main" id="{B4809957-8EC6-48A8-A8D1-EA5664E42667}"/>
+              </a:ext>
+            </a:extLst>
+          </p:cNvPr>
+          <p:cNvPicPr>
+            <a:picLocks noChangeAspect="1"/>
+          </p:cNvPicPr>
+          <p:nvPr/>
+        </p:nvPicPr>
+        <p:blipFill>
+          <a:blip r:embed="rId2"/>
+          <a:stretch>
+            <a:fillRect/>
+          </a:stretch>
+        </p:blipFill>
+        <p:spPr>
+          <a:xfrm>
+            <a:off x="981075" y="2862714"/>
+            <a:ext cx="9839325" cy="2085975"/>
+          </a:xfrm>
+          <a:prstGeom prst="rect">
+            <a:avLst/>
+          </a:prstGeom>
+        </p:spPr>
+      </p:pic>
+      <p:sp>
+        <p:nvSpPr>
+          <p:cNvPr id="8" name="직사각형 7">
+            <a:extLst>
+              <a:ext uri="{FF2B5EF4-FFF2-40B4-BE49-F238E27FC236}">
+                <a16:creationId xmlns:a16="http://schemas.microsoft.com/office/drawing/2014/main" id="{F6AAFC46-DCCB-4EA0-96AD-D27C8D6BB1F8}"/>
+              </a:ext>
+            </a:extLst>
+          </p:cNvPr>
+          <p:cNvSpPr/>
+          <p:nvPr/>
+        </p:nvSpPr>
+        <p:spPr>
+          <a:xfrm>
+            <a:off x="1151042" y="3859981"/>
+            <a:ext cx="5642949" cy="283464"/>
+          </a:xfrm>
+          <a:prstGeom prst="rect">
+            <a:avLst/>
+          </a:prstGeom>
+          <a:noFill/>
+          <a:ln w="38100">
+            <a:solidFill>
+              <a:srgbClr val="FF0000"/>
+            </a:solidFill>
+          </a:ln>
+        </p:spPr>
+        <p:style>
+          <a:lnRef idx="2">
+            <a:schemeClr val="accent1">
+              <a:shade val="50000"/>
+            </a:schemeClr>
+          </a:lnRef>
+          <a:fillRef idx="1">
+            <a:schemeClr val="accent1"/>
+          </a:fillRef>
+          <a:effectRef idx="0">
+            <a:schemeClr val="accent1"/>
+          </a:effectRef>
+          <a:fontRef idx="minor">
+            <a:schemeClr val="lt1"/>
+          </a:fontRef>
+        </p:style>
+        <p:txBody>
+          <a:bodyPr rtlCol="0" anchor="ctr"/>
+          <a:lstStyle/>
+          <a:p>
+            <a:pPr algn="ctr"/>
+            <a:endParaRPr lang="ko-KR" altLang="en-US"/>
+          </a:p>
+        </p:txBody>
+      </p:sp>
+    </p:spTree>
+    <p:extLst>
+      <p:ext uri="{BB962C8B-B14F-4D97-AF65-F5344CB8AC3E}">
+        <p14:creationId xmlns:p14="http://schemas.microsoft.com/office/powerpoint/2010/main" val="1879953902"/>
+      </p:ext>
+    </p:extLst>
+  </p:cSld>
+  <p:clrMapOvr>
+    <a:masterClrMapping/>
+  </p:clrMapOvr>
+</p:sld>
+</file>
+
+<file path=ppt/slides/slide28.xml><?xml version="1.0" encoding="utf-8"?>
+<p:sld xmlns:a="http://schemas.openxmlformats.org/drawingml/2006/main" xmlns:r="http://schemas.openxmlformats.org/officeDocument/2006/relationships" xmlns:p="http://schemas.openxmlformats.org/presentationml/2006/main">
+  <p:cSld>
+    <p:spTree>
+      <p:nvGrpSpPr>
+        <p:cNvPr id="1" name=""/>
+        <p:cNvGrpSpPr/>
+        <p:nvPr/>
+      </p:nvGrpSpPr>
+      <p:grpSpPr>
+        <a:xfrm>
+          <a:off x="0" y="0"/>
+          <a:ext cx="0" cy="0"/>
+          <a:chOff x="0" y="0"/>
+          <a:chExt cx="0" cy="0"/>
+        </a:xfrm>
+      </p:grpSpPr>
+      <p:sp>
+        <p:nvSpPr>
+          <p:cNvPr id="2" name="제목 1">
+            <a:extLst>
+              <a:ext uri="{FF2B5EF4-FFF2-40B4-BE49-F238E27FC236}">
+                <a16:creationId xmlns:a16="http://schemas.microsoft.com/office/drawing/2014/main" id="{2EB0A747-C32B-4851-BB32-DC3E152E8FB3}"/>
+              </a:ext>
+            </a:extLst>
+          </p:cNvPr>
+          <p:cNvSpPr>
+            <a:spLocks noGrp="1"/>
+          </p:cNvSpPr>
+          <p:nvPr>
+            <p:ph type="title"/>
+          </p:nvPr>
+        </p:nvSpPr>
+        <p:spPr/>
+        <p:txBody>
+          <a:bodyPr/>
+          <a:lstStyle/>
+          <a:p>
+            <a:r>
+              <a:rPr lang="ko-KR" altLang="en-US" dirty="0">
+                <a:ea typeface="맑은 고딕"/>
+              </a:rPr>
+              <a:t>소스코드 분석</a:t>
+            </a:r>
+            <a:endParaRPr lang="ko-KR" altLang="en-US" dirty="0"/>
+          </a:p>
+        </p:txBody>
+      </p:sp>
+      <p:sp>
+        <p:nvSpPr>
+          <p:cNvPr id="3" name="내용 개체 틀 2">
+            <a:extLst>
+              <a:ext uri="{FF2B5EF4-FFF2-40B4-BE49-F238E27FC236}">
+                <a16:creationId xmlns:a16="http://schemas.microsoft.com/office/drawing/2014/main" id="{996EFA0E-F84A-42A4-9A50-24D03F83E3EE}"/>
+              </a:ext>
+            </a:extLst>
+          </p:cNvPr>
+          <p:cNvSpPr>
+            <a:spLocks noGrp="1"/>
+          </p:cNvSpPr>
+          <p:nvPr>
+            <p:ph idx="1"/>
+          </p:nvPr>
+        </p:nvSpPr>
+        <p:spPr/>
+        <p:txBody>
+          <a:bodyPr/>
+          <a:lstStyle/>
+          <a:p>
+            <a:endParaRPr lang="ko-KR" altLang="en-US" dirty="0"/>
+          </a:p>
+        </p:txBody>
+      </p:sp>
+      <p:sp>
+        <p:nvSpPr>
+          <p:cNvPr id="4" name="날짜 개체 틀 3">
+            <a:extLst>
+              <a:ext uri="{FF2B5EF4-FFF2-40B4-BE49-F238E27FC236}">
+                <a16:creationId xmlns:a16="http://schemas.microsoft.com/office/drawing/2014/main" id="{8A90AC18-88BC-4BC0-86A7-89E5299D1624}"/>
+              </a:ext>
+            </a:extLst>
+          </p:cNvPr>
+          <p:cNvSpPr>
+            <a:spLocks noGrp="1"/>
+          </p:cNvSpPr>
+          <p:nvPr>
+            <p:ph type="dt" sz="half" idx="10"/>
+          </p:nvPr>
+        </p:nvSpPr>
+        <p:spPr/>
+        <p:txBody>
+          <a:bodyPr/>
+          <a:lstStyle/>
+          <a:p>
+            <a:r>
+              <a:rPr lang="ko-KR" altLang="en-US"/>
+              <a:t>권철현</a:t>
+            </a:r>
+            <a:r>
+              <a:rPr lang="en-US" altLang="ko-KR"/>
+              <a:t>, </a:t>
+            </a:r>
+            <a:r>
+              <a:rPr lang="ko-KR" altLang="en-US"/>
+              <a:t>신재하</a:t>
+            </a:r>
+          </a:p>
+        </p:txBody>
+      </p:sp>
+      <p:sp>
+        <p:nvSpPr>
+          <p:cNvPr id="5" name="슬라이드 번호 개체 틀 4">
+            <a:extLst>
+              <a:ext uri="{FF2B5EF4-FFF2-40B4-BE49-F238E27FC236}">
+                <a16:creationId xmlns:a16="http://schemas.microsoft.com/office/drawing/2014/main" id="{53A7A304-6F06-42E4-856D-960E7C27707D}"/>
+              </a:ext>
+            </a:extLst>
+          </p:cNvPr>
+          <p:cNvSpPr>
+            <a:spLocks noGrp="1"/>
+          </p:cNvSpPr>
+          <p:nvPr>
+            <p:ph type="sldNum" sz="quarter" idx="12"/>
+          </p:nvPr>
+        </p:nvSpPr>
+        <p:spPr/>
+        <p:txBody>
+          <a:bodyPr/>
+          <a:lstStyle/>
+          <a:p>
+            <a:fld id="{5FF72CB3-86FB-4DBB-A7AC-E8F6F3DA156B}" type="slidenum">
+              <a:rPr lang="ko-KR" altLang="en-US" smtClean="0"/>
+              <a:pPr/>
+              <a:t>28</a:t>
+            </a:fld>
+            <a:endParaRPr lang="ko-KR" altLang="en-US"/>
+          </a:p>
+        </p:txBody>
+      </p:sp>
+      <p:pic>
+        <p:nvPicPr>
+          <p:cNvPr id="7" name="그림 6">
+            <a:extLst>
+              <a:ext uri="{FF2B5EF4-FFF2-40B4-BE49-F238E27FC236}">
+                <a16:creationId xmlns:a16="http://schemas.microsoft.com/office/drawing/2014/main" id="{9830E00E-D7C7-4B5E-BBDD-5DF030AD2C9B}"/>
+              </a:ext>
+            </a:extLst>
+          </p:cNvPr>
+          <p:cNvPicPr>
+            <a:picLocks noChangeAspect="1"/>
+          </p:cNvPicPr>
+          <p:nvPr/>
+        </p:nvPicPr>
+        <p:blipFill>
+          <a:blip r:embed="rId2"/>
+          <a:stretch>
+            <a:fillRect/>
+          </a:stretch>
+        </p:blipFill>
+        <p:spPr>
+          <a:xfrm>
+            <a:off x="961789" y="2114899"/>
+            <a:ext cx="10065875" cy="4150788"/>
+          </a:xfrm>
+          <a:prstGeom prst="rect">
+            <a:avLst/>
+          </a:prstGeom>
+        </p:spPr>
+      </p:pic>
+    </p:spTree>
+    <p:extLst>
+      <p:ext uri="{BB962C8B-B14F-4D97-AF65-F5344CB8AC3E}">
+        <p14:creationId xmlns:p14="http://schemas.microsoft.com/office/powerpoint/2010/main" val="93619173"/>
+      </p:ext>
+    </p:extLst>
+  </p:cSld>
+  <p:clrMapOvr>
+    <a:masterClrMapping/>
+  </p:clrMapOvr>
+</p:sld>
+</file>
+
+<file path=ppt/slides/slide29.xml><?xml version="1.0" encoding="utf-8"?>
+<p:sld xmlns:a="http://schemas.openxmlformats.org/drawingml/2006/main" xmlns:r="http://schemas.openxmlformats.org/officeDocument/2006/relationships" xmlns:p="http://schemas.openxmlformats.org/presentationml/2006/main">
+  <p:cSld>
+    <p:spTree>
+      <p:nvGrpSpPr>
+        <p:cNvPr id="1" name=""/>
+        <p:cNvGrpSpPr/>
+        <p:nvPr/>
+      </p:nvGrpSpPr>
+      <p:grpSpPr>
+        <a:xfrm>
+          <a:off x="0" y="0"/>
+          <a:ext cx="0" cy="0"/>
+          <a:chOff x="0" y="0"/>
+          <a:chExt cx="0" cy="0"/>
+        </a:xfrm>
+      </p:grpSpPr>
+      <p:sp>
+        <p:nvSpPr>
+          <p:cNvPr id="2" name="제목 1">
+            <a:extLst>
+              <a:ext uri="{FF2B5EF4-FFF2-40B4-BE49-F238E27FC236}">
+                <a16:creationId xmlns:a16="http://schemas.microsoft.com/office/drawing/2014/main" id="{2EB0A747-C32B-4851-BB32-DC3E152E8FB3}"/>
+              </a:ext>
+            </a:extLst>
+          </p:cNvPr>
+          <p:cNvSpPr>
+            <a:spLocks noGrp="1"/>
+          </p:cNvSpPr>
+          <p:nvPr>
+            <p:ph type="title"/>
+          </p:nvPr>
+        </p:nvSpPr>
+        <p:spPr/>
+        <p:txBody>
+          <a:bodyPr/>
+          <a:lstStyle/>
+          <a:p>
+            <a:r>
+              <a:rPr lang="ko-KR" altLang="en-US" dirty="0">
+                <a:ea typeface="맑은 고딕"/>
+              </a:rPr>
+              <a:t>소스코드 분석</a:t>
+            </a:r>
+            <a:endParaRPr lang="ko-KR" altLang="en-US" dirty="0"/>
+          </a:p>
+        </p:txBody>
+      </p:sp>
+      <p:sp>
+        <p:nvSpPr>
+          <p:cNvPr id="3" name="내용 개체 틀 2">
+            <a:extLst>
+              <a:ext uri="{FF2B5EF4-FFF2-40B4-BE49-F238E27FC236}">
+                <a16:creationId xmlns:a16="http://schemas.microsoft.com/office/drawing/2014/main" id="{996EFA0E-F84A-42A4-9A50-24D03F83E3EE}"/>
+              </a:ext>
+            </a:extLst>
+          </p:cNvPr>
+          <p:cNvSpPr>
+            <a:spLocks noGrp="1"/>
+          </p:cNvSpPr>
+          <p:nvPr>
+            <p:ph idx="1"/>
+          </p:nvPr>
+        </p:nvSpPr>
+        <p:spPr/>
+        <p:txBody>
+          <a:bodyPr/>
+          <a:lstStyle/>
+          <a:p>
+            <a:endParaRPr lang="ko-KR" altLang="en-US" dirty="0"/>
+          </a:p>
+        </p:txBody>
+      </p:sp>
+      <p:sp>
+        <p:nvSpPr>
+          <p:cNvPr id="4" name="날짜 개체 틀 3">
+            <a:extLst>
+              <a:ext uri="{FF2B5EF4-FFF2-40B4-BE49-F238E27FC236}">
+                <a16:creationId xmlns:a16="http://schemas.microsoft.com/office/drawing/2014/main" id="{8A90AC18-88BC-4BC0-86A7-89E5299D1624}"/>
+              </a:ext>
+            </a:extLst>
+          </p:cNvPr>
+          <p:cNvSpPr>
+            <a:spLocks noGrp="1"/>
+          </p:cNvSpPr>
+          <p:nvPr>
+            <p:ph type="dt" sz="half" idx="10"/>
+          </p:nvPr>
+        </p:nvSpPr>
+        <p:spPr/>
+        <p:txBody>
+          <a:bodyPr/>
+          <a:lstStyle/>
+          <a:p>
+            <a:r>
+              <a:rPr lang="ko-KR" altLang="en-US"/>
+              <a:t>권철현</a:t>
+            </a:r>
+            <a:r>
+              <a:rPr lang="en-US" altLang="ko-KR"/>
+              <a:t>, </a:t>
+            </a:r>
+            <a:r>
+              <a:rPr lang="ko-KR" altLang="en-US"/>
+              <a:t>신재하</a:t>
+            </a:r>
+          </a:p>
+        </p:txBody>
+      </p:sp>
+      <p:sp>
+        <p:nvSpPr>
+          <p:cNvPr id="5" name="슬라이드 번호 개체 틀 4">
+            <a:extLst>
+              <a:ext uri="{FF2B5EF4-FFF2-40B4-BE49-F238E27FC236}">
+                <a16:creationId xmlns:a16="http://schemas.microsoft.com/office/drawing/2014/main" id="{53A7A304-6F06-42E4-856D-960E7C27707D}"/>
+              </a:ext>
+            </a:extLst>
+          </p:cNvPr>
+          <p:cNvSpPr>
+            <a:spLocks noGrp="1"/>
+          </p:cNvSpPr>
+          <p:nvPr>
+            <p:ph type="sldNum" sz="quarter" idx="12"/>
+          </p:nvPr>
+        </p:nvSpPr>
+        <p:spPr/>
+        <p:txBody>
+          <a:bodyPr/>
+          <a:lstStyle/>
+          <a:p>
+            <a:fld id="{5FF72CB3-86FB-4DBB-A7AC-E8F6F3DA156B}" type="slidenum">
+              <a:rPr lang="ko-KR" altLang="en-US" smtClean="0"/>
+              <a:pPr/>
+              <a:t>29</a:t>
+            </a:fld>
+            <a:endParaRPr lang="ko-KR" altLang="en-US"/>
+          </a:p>
+        </p:txBody>
+      </p:sp>
+      <p:pic>
+        <p:nvPicPr>
+          <p:cNvPr id="7" name="그림 6">
+            <a:extLst>
+              <a:ext uri="{FF2B5EF4-FFF2-40B4-BE49-F238E27FC236}">
+                <a16:creationId xmlns:a16="http://schemas.microsoft.com/office/drawing/2014/main" id="{B4809957-8EC6-48A8-A8D1-EA5664E42667}"/>
+              </a:ext>
+            </a:extLst>
+          </p:cNvPr>
+          <p:cNvPicPr>
+            <a:picLocks noChangeAspect="1"/>
+          </p:cNvPicPr>
+          <p:nvPr/>
+        </p:nvPicPr>
+        <p:blipFill>
+          <a:blip r:embed="rId2"/>
+          <a:stretch>
+            <a:fillRect/>
+          </a:stretch>
+        </p:blipFill>
+        <p:spPr>
+          <a:xfrm>
+            <a:off x="981075" y="2862714"/>
+            <a:ext cx="9839325" cy="2085975"/>
+          </a:xfrm>
+          <a:prstGeom prst="rect">
+            <a:avLst/>
+          </a:prstGeom>
+        </p:spPr>
+      </p:pic>
+      <p:sp>
+        <p:nvSpPr>
+          <p:cNvPr id="8" name="직사각형 7">
+            <a:extLst>
+              <a:ext uri="{FF2B5EF4-FFF2-40B4-BE49-F238E27FC236}">
+                <a16:creationId xmlns:a16="http://schemas.microsoft.com/office/drawing/2014/main" id="{F6AAFC46-DCCB-4EA0-96AD-D27C8D6BB1F8}"/>
+              </a:ext>
+            </a:extLst>
+          </p:cNvPr>
+          <p:cNvSpPr/>
+          <p:nvPr/>
+        </p:nvSpPr>
+        <p:spPr>
+          <a:xfrm>
+            <a:off x="1151042" y="4353757"/>
+            <a:ext cx="5642949" cy="283464"/>
+          </a:xfrm>
+          <a:prstGeom prst="rect">
+            <a:avLst/>
+          </a:prstGeom>
+          <a:noFill/>
+          <a:ln w="38100">
+            <a:solidFill>
+              <a:srgbClr val="FF0000"/>
+            </a:solidFill>
+          </a:ln>
+        </p:spPr>
+        <p:style>
+          <a:lnRef idx="2">
+            <a:schemeClr val="accent1">
+              <a:shade val="50000"/>
+            </a:schemeClr>
+          </a:lnRef>
+          <a:fillRef idx="1">
+            <a:schemeClr val="accent1"/>
+          </a:fillRef>
+          <a:effectRef idx="0">
+            <a:schemeClr val="accent1"/>
+          </a:effectRef>
+          <a:fontRef idx="minor">
+            <a:schemeClr val="lt1"/>
+          </a:fontRef>
+        </p:style>
+        <p:txBody>
+          <a:bodyPr rtlCol="0" anchor="ctr"/>
+          <a:lstStyle/>
+          <a:p>
+            <a:pPr algn="ctr"/>
+            <a:endParaRPr lang="ko-KR" altLang="en-US"/>
+          </a:p>
+        </p:txBody>
+      </p:sp>
+    </p:spTree>
+    <p:extLst>
+      <p:ext uri="{BB962C8B-B14F-4D97-AF65-F5344CB8AC3E}">
+        <p14:creationId xmlns:p14="http://schemas.microsoft.com/office/powerpoint/2010/main" val="708707801"/>
+      </p:ext>
+    </p:extLst>
+  </p:cSld>
+  <p:clrMapOvr>
+    <a:masterClrMapping/>
+  </p:clrMapOvr>
+</p:sld>
+</file>
+
+<file path=ppt/slides/slide3.xml><?xml version="1.0" encoding="utf-8"?>
+<p:sld xmlns:a="http://schemas.openxmlformats.org/drawingml/2006/main" xmlns:r="http://schemas.openxmlformats.org/officeDocument/2006/relationships" xmlns:p="http://schemas.openxmlformats.org/presentationml/2006/main">
+  <p:cSld>
+    <p:spTree>
+      <p:nvGrpSpPr>
+        <p:cNvPr id="1" name=""/>
+        <p:cNvGrpSpPr/>
+        <p:nvPr/>
+      </p:nvGrpSpPr>
+      <p:grpSpPr>
+        <a:xfrm>
+          <a:off x="0" y="0"/>
+          <a:ext cx="0" cy="0"/>
+          <a:chOff x="0" y="0"/>
+          <a:chExt cx="0" cy="0"/>
+        </a:xfrm>
+      </p:grpSpPr>
+      <p:sp>
+        <p:nvSpPr>
+          <p:cNvPr id="2" name="제목 1">
+            <a:extLst>
+              <a:ext uri="{FF2B5EF4-FFF2-40B4-BE49-F238E27FC236}">
+                <a16:creationId xmlns:a16="http://schemas.microsoft.com/office/drawing/2014/main" id="{1E294F90-4D97-465A-B117-644373B47ED5}"/>
+              </a:ext>
+            </a:extLst>
+          </p:cNvPr>
+          <p:cNvSpPr>
+            <a:spLocks noGrp="1"/>
+          </p:cNvSpPr>
+          <p:nvPr>
+            <p:ph type="title"/>
+          </p:nvPr>
+        </p:nvSpPr>
+        <p:spPr/>
+        <p:txBody>
+          <a:bodyPr>
+            <a:normAutofit/>
+          </a:bodyPr>
+          <a:lstStyle/>
+          <a:p>
+            <a:r>
+              <a:rPr lang="ko-KR" altLang="en-US">
+                <a:ea typeface="맑은 고딕"/>
+              </a:rPr>
+              <a:t>기존 실험 결과</a:t>
+            </a:r>
+          </a:p>
+        </p:txBody>
+      </p:sp>
+      <p:graphicFrame>
+        <p:nvGraphicFramePr>
+          <p:cNvPr id="8" name="내용 개체 틀 7">
+            <a:extLst>
+              <a:ext uri="{FF2B5EF4-FFF2-40B4-BE49-F238E27FC236}">
+                <a16:creationId xmlns:a16="http://schemas.microsoft.com/office/drawing/2014/main" id="{37FC643F-225D-4D30-B4F0-375393A8AD38}"/>
+              </a:ext>
+            </a:extLst>
+          </p:cNvPr>
+          <p:cNvGraphicFramePr>
+            <a:graphicFrameLocks noGrp="1"/>
+          </p:cNvGraphicFramePr>
+          <p:nvPr>
+            <p:ph idx="1"/>
+            <p:extLst>
+              <p:ext uri="{D42A27DB-BD31-4B8C-83A1-F6EECF244321}">
+                <p14:modId xmlns:p14="http://schemas.microsoft.com/office/powerpoint/2010/main" val="1191980012"/>
+              </p:ext>
+            </p:extLst>
+          </p:nvPr>
+        </p:nvGraphicFramePr>
+        <p:xfrm>
+          <a:off x="215900" y="1476375"/>
+          <a:ext cx="11787188" cy="4857750"/>
+        </p:xfrm>
+        <a:graphic>
+          <a:graphicData uri="http://schemas.openxmlformats.org/drawingml/2006/chart">
+            <c:chart xmlns:c="http://schemas.openxmlformats.org/drawingml/2006/chart" xmlns:r="http://schemas.openxmlformats.org/officeDocument/2006/relationships" r:id="rId2"/>
+          </a:graphicData>
+        </a:graphic>
+      </p:graphicFrame>
+      <p:sp>
+        <p:nvSpPr>
+          <p:cNvPr id="4" name="날짜 개체 틀 3">
+            <a:extLst>
+              <a:ext uri="{FF2B5EF4-FFF2-40B4-BE49-F238E27FC236}">
+                <a16:creationId xmlns:a16="http://schemas.microsoft.com/office/drawing/2014/main" id="{505B09A7-4CA2-4B44-B86B-74D7F304B5E8}"/>
+              </a:ext>
+            </a:extLst>
+          </p:cNvPr>
+          <p:cNvSpPr>
+            <a:spLocks noGrp="1"/>
+          </p:cNvSpPr>
+          <p:nvPr>
+            <p:ph type="dt" sz="half" idx="10"/>
+          </p:nvPr>
+        </p:nvSpPr>
+        <p:spPr/>
+        <p:txBody>
+          <a:bodyPr/>
+          <a:lstStyle/>
+          <a:p>
+            <a:r>
+              <a:rPr lang="ko-KR" altLang="en-US"/>
+              <a:t>권철현</a:t>
+            </a:r>
+            <a:r>
+              <a:rPr lang="en-US" altLang="ko-KR"/>
+              <a:t>, </a:t>
+            </a:r>
+            <a:r>
+              <a:rPr lang="ko-KR" altLang="en-US"/>
+              <a:t>신재하</a:t>
+            </a:r>
+          </a:p>
+        </p:txBody>
+      </p:sp>
+      <p:sp>
+        <p:nvSpPr>
+          <p:cNvPr id="5" name="슬라이드 번호 개체 틀 4">
+            <a:extLst>
+              <a:ext uri="{FF2B5EF4-FFF2-40B4-BE49-F238E27FC236}">
+                <a16:creationId xmlns:a16="http://schemas.microsoft.com/office/drawing/2014/main" id="{4E825693-1623-4F2C-8D92-7B582987CEDC}"/>
+              </a:ext>
+            </a:extLst>
+          </p:cNvPr>
+          <p:cNvSpPr>
+            <a:spLocks noGrp="1"/>
+          </p:cNvSpPr>
+          <p:nvPr>
+            <p:ph type="sldNum" sz="quarter" idx="12"/>
+          </p:nvPr>
+        </p:nvSpPr>
+        <p:spPr/>
+        <p:txBody>
+          <a:bodyPr/>
+          <a:lstStyle/>
+          <a:p>
+            <a:fld id="{5FF72CB3-86FB-4DBB-A7AC-E8F6F3DA156B}" type="slidenum">
+              <a:rPr lang="ko-KR" altLang="en-US" smtClean="0"/>
+              <a:pPr/>
+              <a:t>3</a:t>
+            </a:fld>
+            <a:endParaRPr lang="ko-KR" altLang="en-US"/>
+          </a:p>
+        </p:txBody>
+      </p:sp>
+    </p:spTree>
+    <p:extLst>
+      <p:ext uri="{BB962C8B-B14F-4D97-AF65-F5344CB8AC3E}">
+        <p14:creationId xmlns:p14="http://schemas.microsoft.com/office/powerpoint/2010/main" val="687934675"/>
+      </p:ext>
+    </p:extLst>
+  </p:cSld>
+  <p:clrMapOvr>
+    <a:masterClrMapping/>
+  </p:clrMapOvr>
+</p:sld>
+</file>
+
+<file path=ppt/slides/slide30.xml><?xml version="1.0" encoding="utf-8"?>
+<p:sld xmlns:a="http://schemas.openxmlformats.org/drawingml/2006/main" xmlns:r="http://schemas.openxmlformats.org/officeDocument/2006/relationships" xmlns:p="http://schemas.openxmlformats.org/presentationml/2006/main">
+  <p:cSld>
+    <p:spTree>
+      <p:nvGrpSpPr>
+        <p:cNvPr id="1" name=""/>
+        <p:cNvGrpSpPr/>
+        <p:nvPr/>
+      </p:nvGrpSpPr>
+      <p:grpSpPr>
+        <a:xfrm>
+          <a:off x="0" y="0"/>
+          <a:ext cx="0" cy="0"/>
+          <a:chOff x="0" y="0"/>
+          <a:chExt cx="0" cy="0"/>
+        </a:xfrm>
+      </p:grpSpPr>
+      <p:sp>
+        <p:nvSpPr>
+          <p:cNvPr id="2" name="제목 1">
+            <a:extLst>
+              <a:ext uri="{FF2B5EF4-FFF2-40B4-BE49-F238E27FC236}">
+                <a16:creationId xmlns:a16="http://schemas.microsoft.com/office/drawing/2014/main" id="{2EB0A747-C32B-4851-BB32-DC3E152E8FB3}"/>
+              </a:ext>
+            </a:extLst>
+          </p:cNvPr>
+          <p:cNvSpPr>
+            <a:spLocks noGrp="1"/>
+          </p:cNvSpPr>
+          <p:nvPr>
+            <p:ph type="title"/>
+          </p:nvPr>
+        </p:nvSpPr>
+        <p:spPr/>
+        <p:txBody>
+          <a:bodyPr/>
+          <a:lstStyle/>
+          <a:p>
+            <a:r>
+              <a:rPr lang="ko-KR" altLang="en-US" dirty="0">
+                <a:ea typeface="맑은 고딕"/>
+              </a:rPr>
+              <a:t>소스코드 분석</a:t>
+            </a:r>
+            <a:endParaRPr lang="ko-KR" altLang="en-US" dirty="0"/>
+          </a:p>
+        </p:txBody>
+      </p:sp>
+      <p:sp>
+        <p:nvSpPr>
+          <p:cNvPr id="3" name="내용 개체 틀 2">
+            <a:extLst>
+              <a:ext uri="{FF2B5EF4-FFF2-40B4-BE49-F238E27FC236}">
+                <a16:creationId xmlns:a16="http://schemas.microsoft.com/office/drawing/2014/main" id="{996EFA0E-F84A-42A4-9A50-24D03F83E3EE}"/>
+              </a:ext>
+            </a:extLst>
+          </p:cNvPr>
+          <p:cNvSpPr>
+            <a:spLocks noGrp="1"/>
+          </p:cNvSpPr>
+          <p:nvPr>
+            <p:ph idx="1"/>
+          </p:nvPr>
+        </p:nvSpPr>
+        <p:spPr/>
+        <p:txBody>
+          <a:bodyPr/>
+          <a:lstStyle/>
+          <a:p>
+            <a:endParaRPr lang="ko-KR" altLang="en-US" dirty="0"/>
+          </a:p>
+        </p:txBody>
+      </p:sp>
+      <p:sp>
+        <p:nvSpPr>
+          <p:cNvPr id="4" name="날짜 개체 틀 3">
+            <a:extLst>
+              <a:ext uri="{FF2B5EF4-FFF2-40B4-BE49-F238E27FC236}">
+                <a16:creationId xmlns:a16="http://schemas.microsoft.com/office/drawing/2014/main" id="{8A90AC18-88BC-4BC0-86A7-89E5299D1624}"/>
+              </a:ext>
+            </a:extLst>
+          </p:cNvPr>
+          <p:cNvSpPr>
+            <a:spLocks noGrp="1"/>
+          </p:cNvSpPr>
+          <p:nvPr>
+            <p:ph type="dt" sz="half" idx="10"/>
+          </p:nvPr>
+        </p:nvSpPr>
+        <p:spPr/>
+        <p:txBody>
+          <a:bodyPr/>
+          <a:lstStyle/>
+          <a:p>
+            <a:r>
+              <a:rPr lang="ko-KR" altLang="en-US"/>
+              <a:t>권철현</a:t>
+            </a:r>
+            <a:r>
+              <a:rPr lang="en-US" altLang="ko-KR"/>
+              <a:t>, </a:t>
+            </a:r>
+            <a:r>
+              <a:rPr lang="ko-KR" altLang="en-US"/>
+              <a:t>신재하</a:t>
+            </a:r>
+          </a:p>
+        </p:txBody>
+      </p:sp>
+      <p:sp>
+        <p:nvSpPr>
+          <p:cNvPr id="5" name="슬라이드 번호 개체 틀 4">
+            <a:extLst>
+              <a:ext uri="{FF2B5EF4-FFF2-40B4-BE49-F238E27FC236}">
+                <a16:creationId xmlns:a16="http://schemas.microsoft.com/office/drawing/2014/main" id="{53A7A304-6F06-42E4-856D-960E7C27707D}"/>
+              </a:ext>
+            </a:extLst>
+          </p:cNvPr>
+          <p:cNvSpPr>
+            <a:spLocks noGrp="1"/>
+          </p:cNvSpPr>
+          <p:nvPr>
+            <p:ph type="sldNum" sz="quarter" idx="12"/>
+          </p:nvPr>
+        </p:nvSpPr>
+        <p:spPr/>
+        <p:txBody>
+          <a:bodyPr/>
+          <a:lstStyle/>
+          <a:p>
+            <a:fld id="{5FF72CB3-86FB-4DBB-A7AC-E8F6F3DA156B}" type="slidenum">
+              <a:rPr lang="ko-KR" altLang="en-US" smtClean="0"/>
+              <a:pPr/>
+              <a:t>30</a:t>
+            </a:fld>
+            <a:endParaRPr lang="ko-KR" altLang="en-US"/>
+          </a:p>
+        </p:txBody>
+      </p:sp>
+    </p:spTree>
+    <p:extLst>
+      <p:ext uri="{BB962C8B-B14F-4D97-AF65-F5344CB8AC3E}">
+        <p14:creationId xmlns:p14="http://schemas.microsoft.com/office/powerpoint/2010/main" val="1182302909"/>
+      </p:ext>
+    </p:extLst>
+  </p:cSld>
+  <p:clrMapOvr>
+    <a:masterClrMapping/>
+  </p:clrMapOvr>
+</p:sld>
+</file>
+
+<file path=ppt/slides/slide31.xml><?xml version="1.0" encoding="utf-8"?>
+<p:sld xmlns:a="http://schemas.openxmlformats.org/drawingml/2006/main" xmlns:r="http://schemas.openxmlformats.org/officeDocument/2006/relationships" xmlns:p="http://schemas.openxmlformats.org/presentationml/2006/main">
+  <p:cSld>
+    <p:spTree>
+      <p:nvGrpSpPr>
+        <p:cNvPr id="1" name=""/>
+        <p:cNvGrpSpPr/>
+        <p:nvPr/>
+      </p:nvGrpSpPr>
+      <p:grpSpPr>
+        <a:xfrm>
+          <a:off x="0" y="0"/>
+          <a:ext cx="0" cy="0"/>
+          <a:chOff x="0" y="0"/>
+          <a:chExt cx="0" cy="0"/>
+        </a:xfrm>
+      </p:grpSpPr>
+      <p:sp>
+        <p:nvSpPr>
+          <p:cNvPr id="2" name="제목 1">
+            <a:extLst>
+              <a:ext uri="{FF2B5EF4-FFF2-40B4-BE49-F238E27FC236}">
+                <a16:creationId xmlns:a16="http://schemas.microsoft.com/office/drawing/2014/main" id="{2EB0A747-C32B-4851-BB32-DC3E152E8FB3}"/>
+              </a:ext>
+            </a:extLst>
+          </p:cNvPr>
+          <p:cNvSpPr>
+            <a:spLocks noGrp="1"/>
+          </p:cNvSpPr>
+          <p:nvPr>
+            <p:ph type="title"/>
+          </p:nvPr>
+        </p:nvSpPr>
+        <p:spPr/>
+        <p:txBody>
+          <a:bodyPr/>
+          <a:lstStyle/>
+          <a:p>
+            <a:r>
+              <a:rPr lang="ko-KR" altLang="en-US" dirty="0">
+                <a:ea typeface="맑은 고딕"/>
+              </a:rPr>
+              <a:t>소스코드 분석</a:t>
+            </a:r>
+            <a:endParaRPr lang="ko-KR" altLang="en-US" dirty="0"/>
+          </a:p>
+        </p:txBody>
+      </p:sp>
+      <p:sp>
+        <p:nvSpPr>
+          <p:cNvPr id="3" name="내용 개체 틀 2">
+            <a:extLst>
+              <a:ext uri="{FF2B5EF4-FFF2-40B4-BE49-F238E27FC236}">
+                <a16:creationId xmlns:a16="http://schemas.microsoft.com/office/drawing/2014/main" id="{996EFA0E-F84A-42A4-9A50-24D03F83E3EE}"/>
+              </a:ext>
+            </a:extLst>
+          </p:cNvPr>
+          <p:cNvSpPr>
+            <a:spLocks noGrp="1"/>
+          </p:cNvSpPr>
+          <p:nvPr>
+            <p:ph idx="1"/>
+          </p:nvPr>
+        </p:nvSpPr>
+        <p:spPr/>
+        <p:txBody>
+          <a:bodyPr/>
+          <a:lstStyle/>
+          <a:p>
+            <a:endParaRPr lang="ko-KR" altLang="en-US" dirty="0"/>
+          </a:p>
+        </p:txBody>
+      </p:sp>
+      <p:sp>
+        <p:nvSpPr>
+          <p:cNvPr id="4" name="날짜 개체 틀 3">
+            <a:extLst>
+              <a:ext uri="{FF2B5EF4-FFF2-40B4-BE49-F238E27FC236}">
+                <a16:creationId xmlns:a16="http://schemas.microsoft.com/office/drawing/2014/main" id="{8A90AC18-88BC-4BC0-86A7-89E5299D1624}"/>
+              </a:ext>
+            </a:extLst>
+          </p:cNvPr>
+          <p:cNvSpPr>
+            <a:spLocks noGrp="1"/>
+          </p:cNvSpPr>
+          <p:nvPr>
+            <p:ph type="dt" sz="half" idx="10"/>
+          </p:nvPr>
+        </p:nvSpPr>
+        <p:spPr/>
+        <p:txBody>
+          <a:bodyPr/>
+          <a:lstStyle/>
+          <a:p>
+            <a:r>
+              <a:rPr lang="ko-KR" altLang="en-US"/>
+              <a:t>권철현</a:t>
+            </a:r>
+            <a:r>
+              <a:rPr lang="en-US" altLang="ko-KR"/>
+              <a:t>, </a:t>
+            </a:r>
+            <a:r>
+              <a:rPr lang="ko-KR" altLang="en-US"/>
+              <a:t>신재하</a:t>
+            </a:r>
+          </a:p>
+        </p:txBody>
+      </p:sp>
+      <p:sp>
+        <p:nvSpPr>
+          <p:cNvPr id="5" name="슬라이드 번호 개체 틀 4">
+            <a:extLst>
+              <a:ext uri="{FF2B5EF4-FFF2-40B4-BE49-F238E27FC236}">
+                <a16:creationId xmlns:a16="http://schemas.microsoft.com/office/drawing/2014/main" id="{53A7A304-6F06-42E4-856D-960E7C27707D}"/>
+              </a:ext>
+            </a:extLst>
+          </p:cNvPr>
+          <p:cNvSpPr>
+            <a:spLocks noGrp="1"/>
+          </p:cNvSpPr>
+          <p:nvPr>
+            <p:ph type="sldNum" sz="quarter" idx="12"/>
+          </p:nvPr>
+        </p:nvSpPr>
+        <p:spPr/>
+        <p:txBody>
+          <a:bodyPr/>
+          <a:lstStyle/>
+          <a:p>
+            <a:fld id="{5FF72CB3-86FB-4DBB-A7AC-E8F6F3DA156B}" type="slidenum">
+              <a:rPr lang="ko-KR" altLang="en-US" smtClean="0"/>
+              <a:pPr/>
+              <a:t>31</a:t>
+            </a:fld>
+            <a:endParaRPr lang="ko-KR" altLang="en-US"/>
+          </a:p>
+        </p:txBody>
+      </p:sp>
+    </p:spTree>
+    <p:extLst>
+      <p:ext uri="{BB962C8B-B14F-4D97-AF65-F5344CB8AC3E}">
+        <p14:creationId xmlns:p14="http://schemas.microsoft.com/office/powerpoint/2010/main" val="2444577897"/>
+      </p:ext>
+    </p:extLst>
+  </p:cSld>
+  <p:clrMapOvr>
+    <a:masterClrMapping/>
+  </p:clrMapOvr>
+</p:sld>
+</file>
+
+<file path=ppt/slides/slide32.xml><?xml version="1.0" encoding="utf-8"?>
+<p:sld xmlns:a="http://schemas.openxmlformats.org/drawingml/2006/main" xmlns:r="http://schemas.openxmlformats.org/officeDocument/2006/relationships" xmlns:p="http://schemas.openxmlformats.org/presentationml/2006/main">
+  <p:cSld>
+    <p:spTree>
+      <p:nvGrpSpPr>
+        <p:cNvPr id="1" name=""/>
+        <p:cNvGrpSpPr/>
+        <p:nvPr/>
+      </p:nvGrpSpPr>
+      <p:grpSpPr>
+        <a:xfrm>
+          <a:off x="0" y="0"/>
+          <a:ext cx="0" cy="0"/>
+          <a:chOff x="0" y="0"/>
+          <a:chExt cx="0" cy="0"/>
+        </a:xfrm>
+      </p:grpSpPr>
+      <p:sp>
+        <p:nvSpPr>
+          <p:cNvPr id="2" name="제목 1">
+            <a:extLst>
+              <a:ext uri="{FF2B5EF4-FFF2-40B4-BE49-F238E27FC236}">
+                <a16:creationId xmlns:a16="http://schemas.microsoft.com/office/drawing/2014/main" id="{2EB0A747-C32B-4851-BB32-DC3E152E8FB3}"/>
+              </a:ext>
+            </a:extLst>
+          </p:cNvPr>
+          <p:cNvSpPr>
+            <a:spLocks noGrp="1"/>
+          </p:cNvSpPr>
+          <p:nvPr>
+            <p:ph type="title"/>
+          </p:nvPr>
+        </p:nvSpPr>
+        <p:spPr/>
+        <p:txBody>
+          <a:bodyPr/>
+          <a:lstStyle/>
+          <a:p>
+            <a:r>
+              <a:rPr lang="ko-KR" altLang="en-US" dirty="0">
+                <a:ea typeface="맑은 고딕"/>
+              </a:rPr>
+              <a:t>소스코드 분석</a:t>
+            </a:r>
+            <a:endParaRPr lang="ko-KR" altLang="en-US" dirty="0"/>
+          </a:p>
+        </p:txBody>
+      </p:sp>
+      <p:sp>
+        <p:nvSpPr>
+          <p:cNvPr id="3" name="내용 개체 틀 2">
+            <a:extLst>
+              <a:ext uri="{FF2B5EF4-FFF2-40B4-BE49-F238E27FC236}">
+                <a16:creationId xmlns:a16="http://schemas.microsoft.com/office/drawing/2014/main" id="{996EFA0E-F84A-42A4-9A50-24D03F83E3EE}"/>
+              </a:ext>
+            </a:extLst>
+          </p:cNvPr>
+          <p:cNvSpPr>
+            <a:spLocks noGrp="1"/>
+          </p:cNvSpPr>
+          <p:nvPr>
+            <p:ph idx="1"/>
+          </p:nvPr>
+        </p:nvSpPr>
+        <p:spPr/>
+        <p:txBody>
+          <a:bodyPr/>
+          <a:lstStyle/>
+          <a:p>
+            <a:endParaRPr lang="ko-KR" altLang="en-US" dirty="0"/>
+          </a:p>
+        </p:txBody>
+      </p:sp>
+      <p:sp>
+        <p:nvSpPr>
+          <p:cNvPr id="4" name="날짜 개체 틀 3">
+            <a:extLst>
+              <a:ext uri="{FF2B5EF4-FFF2-40B4-BE49-F238E27FC236}">
+                <a16:creationId xmlns:a16="http://schemas.microsoft.com/office/drawing/2014/main" id="{8A90AC18-88BC-4BC0-86A7-89E5299D1624}"/>
+              </a:ext>
+            </a:extLst>
+          </p:cNvPr>
+          <p:cNvSpPr>
+            <a:spLocks noGrp="1"/>
+          </p:cNvSpPr>
+          <p:nvPr>
+            <p:ph type="dt" sz="half" idx="10"/>
+          </p:nvPr>
+        </p:nvSpPr>
+        <p:spPr/>
+        <p:txBody>
+          <a:bodyPr/>
+          <a:lstStyle/>
+          <a:p>
+            <a:r>
+              <a:rPr lang="ko-KR" altLang="en-US"/>
+              <a:t>권철현</a:t>
+            </a:r>
+            <a:r>
+              <a:rPr lang="en-US" altLang="ko-KR"/>
+              <a:t>, </a:t>
+            </a:r>
+            <a:r>
+              <a:rPr lang="ko-KR" altLang="en-US"/>
+              <a:t>신재하</a:t>
+            </a:r>
+          </a:p>
+        </p:txBody>
+      </p:sp>
+      <p:sp>
+        <p:nvSpPr>
+          <p:cNvPr id="5" name="슬라이드 번호 개체 틀 4">
+            <a:extLst>
+              <a:ext uri="{FF2B5EF4-FFF2-40B4-BE49-F238E27FC236}">
+                <a16:creationId xmlns:a16="http://schemas.microsoft.com/office/drawing/2014/main" id="{53A7A304-6F06-42E4-856D-960E7C27707D}"/>
+              </a:ext>
+            </a:extLst>
+          </p:cNvPr>
+          <p:cNvSpPr>
+            <a:spLocks noGrp="1"/>
+          </p:cNvSpPr>
+          <p:nvPr>
+            <p:ph type="sldNum" sz="quarter" idx="12"/>
+          </p:nvPr>
+        </p:nvSpPr>
+        <p:spPr/>
+        <p:txBody>
+          <a:bodyPr/>
+          <a:lstStyle/>
+          <a:p>
+            <a:fld id="{5FF72CB3-86FB-4DBB-A7AC-E8F6F3DA156B}" type="slidenum">
+              <a:rPr lang="ko-KR" altLang="en-US" smtClean="0"/>
+              <a:pPr/>
+              <a:t>32</a:t>
+            </a:fld>
+            <a:endParaRPr lang="ko-KR" altLang="en-US"/>
+          </a:p>
+        </p:txBody>
+      </p:sp>
+    </p:spTree>
+    <p:extLst>
+      <p:ext uri="{BB962C8B-B14F-4D97-AF65-F5344CB8AC3E}">
+        <p14:creationId xmlns:p14="http://schemas.microsoft.com/office/powerpoint/2010/main" val="1238394557"/>
+      </p:ext>
+    </p:extLst>
+  </p:cSld>
+  <p:clrMapOvr>
+    <a:masterClrMapping/>
+  </p:clrMapOvr>
+</p:sld>
+</file>
+
+<file path=ppt/slides/slide33.xml><?xml version="1.0" encoding="utf-8"?>
+<p:sld xmlns:a="http://schemas.openxmlformats.org/drawingml/2006/main" xmlns:r="http://schemas.openxmlformats.org/officeDocument/2006/relationships" xmlns:p="http://schemas.openxmlformats.org/presentationml/2006/main">
+  <p:cSld>
+    <p:spTree>
+      <p:nvGrpSpPr>
+        <p:cNvPr id="1" name=""/>
+        <p:cNvGrpSpPr/>
+        <p:nvPr/>
+      </p:nvGrpSpPr>
+      <p:grpSpPr>
+        <a:xfrm>
+          <a:off x="0" y="0"/>
+          <a:ext cx="0" cy="0"/>
+          <a:chOff x="0" y="0"/>
+          <a:chExt cx="0" cy="0"/>
+        </a:xfrm>
+      </p:grpSpPr>
+      <p:sp>
+        <p:nvSpPr>
+          <p:cNvPr id="2" name="제목 1">
+            <a:extLst>
+              <a:ext uri="{FF2B5EF4-FFF2-40B4-BE49-F238E27FC236}">
+                <a16:creationId xmlns:a16="http://schemas.microsoft.com/office/drawing/2014/main" id="{2EB0A747-C32B-4851-BB32-DC3E152E8FB3}"/>
+              </a:ext>
+            </a:extLst>
+          </p:cNvPr>
+          <p:cNvSpPr>
+            <a:spLocks noGrp="1"/>
+          </p:cNvSpPr>
+          <p:nvPr>
+            <p:ph type="title"/>
+          </p:nvPr>
+        </p:nvSpPr>
+        <p:spPr/>
+        <p:txBody>
+          <a:bodyPr/>
+          <a:lstStyle/>
+          <a:p>
+            <a:r>
+              <a:rPr lang="ko-KR" altLang="en-US" dirty="0">
+                <a:ea typeface="맑은 고딕"/>
+              </a:rPr>
+              <a:t>소스코드 분석</a:t>
+            </a:r>
+            <a:endParaRPr lang="ko-KR" altLang="en-US" dirty="0"/>
+          </a:p>
+        </p:txBody>
+      </p:sp>
+      <p:sp>
+        <p:nvSpPr>
+          <p:cNvPr id="3" name="내용 개체 틀 2">
+            <a:extLst>
+              <a:ext uri="{FF2B5EF4-FFF2-40B4-BE49-F238E27FC236}">
+                <a16:creationId xmlns:a16="http://schemas.microsoft.com/office/drawing/2014/main" id="{996EFA0E-F84A-42A4-9A50-24D03F83E3EE}"/>
+              </a:ext>
+            </a:extLst>
+          </p:cNvPr>
+          <p:cNvSpPr>
+            <a:spLocks noGrp="1"/>
+          </p:cNvSpPr>
+          <p:nvPr>
+            <p:ph idx="1"/>
+          </p:nvPr>
+        </p:nvSpPr>
+        <p:spPr/>
+        <p:txBody>
+          <a:bodyPr/>
+          <a:lstStyle/>
+          <a:p>
+            <a:endParaRPr lang="ko-KR" altLang="en-US" dirty="0"/>
+          </a:p>
+        </p:txBody>
+      </p:sp>
+      <p:sp>
+        <p:nvSpPr>
+          <p:cNvPr id="4" name="날짜 개체 틀 3">
+            <a:extLst>
+              <a:ext uri="{FF2B5EF4-FFF2-40B4-BE49-F238E27FC236}">
+                <a16:creationId xmlns:a16="http://schemas.microsoft.com/office/drawing/2014/main" id="{8A90AC18-88BC-4BC0-86A7-89E5299D1624}"/>
+              </a:ext>
+            </a:extLst>
+          </p:cNvPr>
+          <p:cNvSpPr>
+            <a:spLocks noGrp="1"/>
+          </p:cNvSpPr>
+          <p:nvPr>
+            <p:ph type="dt" sz="half" idx="10"/>
+          </p:nvPr>
+        </p:nvSpPr>
+        <p:spPr/>
+        <p:txBody>
+          <a:bodyPr/>
+          <a:lstStyle/>
+          <a:p>
+            <a:r>
+              <a:rPr lang="ko-KR" altLang="en-US"/>
+              <a:t>권철현</a:t>
+            </a:r>
+            <a:r>
+              <a:rPr lang="en-US" altLang="ko-KR"/>
+              <a:t>, </a:t>
+            </a:r>
+            <a:r>
+              <a:rPr lang="ko-KR" altLang="en-US"/>
+              <a:t>신재하</a:t>
+            </a:r>
+          </a:p>
+        </p:txBody>
+      </p:sp>
+      <p:sp>
+        <p:nvSpPr>
+          <p:cNvPr id="5" name="슬라이드 번호 개체 틀 4">
+            <a:extLst>
+              <a:ext uri="{FF2B5EF4-FFF2-40B4-BE49-F238E27FC236}">
+                <a16:creationId xmlns:a16="http://schemas.microsoft.com/office/drawing/2014/main" id="{53A7A304-6F06-42E4-856D-960E7C27707D}"/>
+              </a:ext>
+            </a:extLst>
+          </p:cNvPr>
+          <p:cNvSpPr>
+            <a:spLocks noGrp="1"/>
+          </p:cNvSpPr>
+          <p:nvPr>
+            <p:ph type="sldNum" sz="quarter" idx="12"/>
+          </p:nvPr>
+        </p:nvSpPr>
+        <p:spPr/>
+        <p:txBody>
+          <a:bodyPr/>
+          <a:lstStyle/>
+          <a:p>
+            <a:fld id="{5FF72CB3-86FB-4DBB-A7AC-E8F6F3DA156B}" type="slidenum">
+              <a:rPr lang="ko-KR" altLang="en-US" smtClean="0"/>
+              <a:pPr/>
+              <a:t>33</a:t>
+            </a:fld>
+            <a:endParaRPr lang="ko-KR" altLang="en-US"/>
+          </a:p>
+        </p:txBody>
+      </p:sp>
+    </p:spTree>
+    <p:extLst>
+      <p:ext uri="{BB962C8B-B14F-4D97-AF65-F5344CB8AC3E}">
+        <p14:creationId xmlns:p14="http://schemas.microsoft.com/office/powerpoint/2010/main" val="473432429"/>
+      </p:ext>
+    </p:extLst>
+  </p:cSld>
+  <p:clrMapOvr>
+    <a:masterClrMapping/>
+  </p:clrMapOvr>
+</p:sld>
+</file>
+
+<file path=ppt/slides/slide34.xml><?xml version="1.0" encoding="utf-8"?>
+<p:sld xmlns:a="http://schemas.openxmlformats.org/drawingml/2006/main" xmlns:r="http://schemas.openxmlformats.org/officeDocument/2006/relationships" xmlns:p="http://schemas.openxmlformats.org/presentationml/2006/main">
+  <p:cSld>
+    <p:spTree>
+      <p:nvGrpSpPr>
+        <p:cNvPr id="1" name=""/>
+        <p:cNvGrpSpPr/>
+        <p:nvPr/>
+      </p:nvGrpSpPr>
+      <p:grpSpPr>
+        <a:xfrm>
+          <a:off x="0" y="0"/>
+          <a:ext cx="0" cy="0"/>
+          <a:chOff x="0" y="0"/>
+          <a:chExt cx="0" cy="0"/>
+        </a:xfrm>
+      </p:grpSpPr>
+      <p:sp>
+        <p:nvSpPr>
+          <p:cNvPr id="2" name="제목 1">
+            <a:extLst>
+              <a:ext uri="{FF2B5EF4-FFF2-40B4-BE49-F238E27FC236}">
+                <a16:creationId xmlns:a16="http://schemas.microsoft.com/office/drawing/2014/main" id="{2EB0A747-C32B-4851-BB32-DC3E152E8FB3}"/>
+              </a:ext>
+            </a:extLst>
+          </p:cNvPr>
+          <p:cNvSpPr>
+            <a:spLocks noGrp="1"/>
+          </p:cNvSpPr>
+          <p:nvPr>
+            <p:ph type="title"/>
+          </p:nvPr>
+        </p:nvSpPr>
+        <p:spPr/>
+        <p:txBody>
+          <a:bodyPr/>
+          <a:lstStyle/>
+          <a:p>
+            <a:r>
+              <a:rPr lang="ko-KR" altLang="en-US" dirty="0">
+                <a:ea typeface="맑은 고딕"/>
+              </a:rPr>
+              <a:t>소스코드 분석</a:t>
+            </a:r>
+            <a:endParaRPr lang="ko-KR" altLang="en-US" dirty="0"/>
+          </a:p>
+        </p:txBody>
+      </p:sp>
+      <p:sp>
+        <p:nvSpPr>
+          <p:cNvPr id="3" name="내용 개체 틀 2">
+            <a:extLst>
+              <a:ext uri="{FF2B5EF4-FFF2-40B4-BE49-F238E27FC236}">
+                <a16:creationId xmlns:a16="http://schemas.microsoft.com/office/drawing/2014/main" id="{996EFA0E-F84A-42A4-9A50-24D03F83E3EE}"/>
+              </a:ext>
+            </a:extLst>
+          </p:cNvPr>
+          <p:cNvSpPr>
+            <a:spLocks noGrp="1"/>
+          </p:cNvSpPr>
+          <p:nvPr>
+            <p:ph idx="1"/>
+          </p:nvPr>
+        </p:nvSpPr>
+        <p:spPr/>
+        <p:txBody>
+          <a:bodyPr/>
+          <a:lstStyle/>
+          <a:p>
+            <a:endParaRPr lang="ko-KR" altLang="en-US" dirty="0"/>
+          </a:p>
+        </p:txBody>
+      </p:sp>
+      <p:sp>
+        <p:nvSpPr>
+          <p:cNvPr id="4" name="날짜 개체 틀 3">
+            <a:extLst>
+              <a:ext uri="{FF2B5EF4-FFF2-40B4-BE49-F238E27FC236}">
+                <a16:creationId xmlns:a16="http://schemas.microsoft.com/office/drawing/2014/main" id="{8A90AC18-88BC-4BC0-86A7-89E5299D1624}"/>
+              </a:ext>
+            </a:extLst>
+          </p:cNvPr>
+          <p:cNvSpPr>
+            <a:spLocks noGrp="1"/>
+          </p:cNvSpPr>
+          <p:nvPr>
+            <p:ph type="dt" sz="half" idx="10"/>
+          </p:nvPr>
+        </p:nvSpPr>
+        <p:spPr/>
+        <p:txBody>
+          <a:bodyPr/>
+          <a:lstStyle/>
+          <a:p>
+            <a:r>
+              <a:rPr lang="ko-KR" altLang="en-US"/>
+              <a:t>권철현</a:t>
+            </a:r>
+            <a:r>
+              <a:rPr lang="en-US" altLang="ko-KR"/>
+              <a:t>, </a:t>
+            </a:r>
+            <a:r>
+              <a:rPr lang="ko-KR" altLang="en-US"/>
+              <a:t>신재하</a:t>
+            </a:r>
+          </a:p>
+        </p:txBody>
+      </p:sp>
+      <p:sp>
+        <p:nvSpPr>
+          <p:cNvPr id="5" name="슬라이드 번호 개체 틀 4">
+            <a:extLst>
+              <a:ext uri="{FF2B5EF4-FFF2-40B4-BE49-F238E27FC236}">
+                <a16:creationId xmlns:a16="http://schemas.microsoft.com/office/drawing/2014/main" id="{53A7A304-6F06-42E4-856D-960E7C27707D}"/>
+              </a:ext>
+            </a:extLst>
+          </p:cNvPr>
+          <p:cNvSpPr>
+            <a:spLocks noGrp="1"/>
+          </p:cNvSpPr>
+          <p:nvPr>
+            <p:ph type="sldNum" sz="quarter" idx="12"/>
+          </p:nvPr>
+        </p:nvSpPr>
+        <p:spPr/>
+        <p:txBody>
+          <a:bodyPr/>
+          <a:lstStyle/>
+          <a:p>
+            <a:fld id="{5FF72CB3-86FB-4DBB-A7AC-E8F6F3DA156B}" type="slidenum">
+              <a:rPr lang="ko-KR" altLang="en-US" smtClean="0"/>
+              <a:pPr/>
+              <a:t>34</a:t>
+            </a:fld>
+            <a:endParaRPr lang="ko-KR" altLang="en-US"/>
+          </a:p>
+        </p:txBody>
+      </p:sp>
+    </p:spTree>
+    <p:extLst>
+      <p:ext uri="{BB962C8B-B14F-4D97-AF65-F5344CB8AC3E}">
+        <p14:creationId xmlns:p14="http://schemas.microsoft.com/office/powerpoint/2010/main" val="2438199801"/>
+      </p:ext>
+    </p:extLst>
+  </p:cSld>
+  <p:clrMapOvr>
+    <a:masterClrMapping/>
+  </p:clrMapOvr>
+</p:sld>
+</file>
+
+<file path=ppt/slides/slide35.xml><?xml version="1.0" encoding="utf-8"?>
+<p:sld xmlns:a="http://schemas.openxmlformats.org/drawingml/2006/main" xmlns:r="http://schemas.openxmlformats.org/officeDocument/2006/relationships" xmlns:p="http://schemas.openxmlformats.org/presentationml/2006/main">
+  <p:cSld>
+    <p:spTree>
+      <p:nvGrpSpPr>
+        <p:cNvPr id="1" name=""/>
+        <p:cNvGrpSpPr/>
+        <p:nvPr/>
+      </p:nvGrpSpPr>
+      <p:grpSpPr>
+        <a:xfrm>
+          <a:off x="0" y="0"/>
+          <a:ext cx="0" cy="0"/>
+          <a:chOff x="0" y="0"/>
+          <a:chExt cx="0" cy="0"/>
+        </a:xfrm>
+      </p:grpSpPr>
+      <p:sp>
+        <p:nvSpPr>
+          <p:cNvPr id="2" name="제목 1">
+            <a:extLst>
+              <a:ext uri="{FF2B5EF4-FFF2-40B4-BE49-F238E27FC236}">
+                <a16:creationId xmlns:a16="http://schemas.microsoft.com/office/drawing/2014/main" id="{2EB0A747-C32B-4851-BB32-DC3E152E8FB3}"/>
+              </a:ext>
+            </a:extLst>
+          </p:cNvPr>
+          <p:cNvSpPr>
+            <a:spLocks noGrp="1"/>
+          </p:cNvSpPr>
+          <p:nvPr>
+            <p:ph type="title"/>
+          </p:nvPr>
+        </p:nvSpPr>
+        <p:spPr/>
+        <p:txBody>
+          <a:bodyPr/>
+          <a:lstStyle/>
+          <a:p>
+            <a:r>
+              <a:rPr lang="ko-KR" altLang="en-US" dirty="0">
+                <a:ea typeface="맑은 고딕"/>
+              </a:rPr>
+              <a:t>소스코드 분석</a:t>
+            </a:r>
+            <a:endParaRPr lang="ko-KR" altLang="en-US" dirty="0"/>
+          </a:p>
+        </p:txBody>
+      </p:sp>
+      <p:sp>
+        <p:nvSpPr>
+          <p:cNvPr id="3" name="내용 개체 틀 2">
+            <a:extLst>
+              <a:ext uri="{FF2B5EF4-FFF2-40B4-BE49-F238E27FC236}">
+                <a16:creationId xmlns:a16="http://schemas.microsoft.com/office/drawing/2014/main" id="{996EFA0E-F84A-42A4-9A50-24D03F83E3EE}"/>
+              </a:ext>
+            </a:extLst>
+          </p:cNvPr>
+          <p:cNvSpPr>
+            <a:spLocks noGrp="1"/>
+          </p:cNvSpPr>
+          <p:nvPr>
+            <p:ph idx="1"/>
+          </p:nvPr>
+        </p:nvSpPr>
+        <p:spPr/>
+        <p:txBody>
+          <a:bodyPr/>
+          <a:lstStyle/>
+          <a:p>
+            <a:endParaRPr lang="ko-KR" altLang="en-US" dirty="0"/>
+          </a:p>
+        </p:txBody>
+      </p:sp>
+      <p:sp>
+        <p:nvSpPr>
+          <p:cNvPr id="4" name="날짜 개체 틀 3">
+            <a:extLst>
+              <a:ext uri="{FF2B5EF4-FFF2-40B4-BE49-F238E27FC236}">
+                <a16:creationId xmlns:a16="http://schemas.microsoft.com/office/drawing/2014/main" id="{8A90AC18-88BC-4BC0-86A7-89E5299D1624}"/>
+              </a:ext>
+            </a:extLst>
+          </p:cNvPr>
+          <p:cNvSpPr>
+            <a:spLocks noGrp="1"/>
+          </p:cNvSpPr>
+          <p:nvPr>
+            <p:ph type="dt" sz="half" idx="10"/>
+          </p:nvPr>
+        </p:nvSpPr>
+        <p:spPr/>
+        <p:txBody>
+          <a:bodyPr/>
+          <a:lstStyle/>
+          <a:p>
+            <a:r>
+              <a:rPr lang="ko-KR" altLang="en-US"/>
+              <a:t>권철현</a:t>
+            </a:r>
+            <a:r>
+              <a:rPr lang="en-US" altLang="ko-KR"/>
+              <a:t>, </a:t>
+            </a:r>
+            <a:r>
+              <a:rPr lang="ko-KR" altLang="en-US"/>
+              <a:t>신재하</a:t>
+            </a:r>
+          </a:p>
+        </p:txBody>
+      </p:sp>
+      <p:sp>
+        <p:nvSpPr>
+          <p:cNvPr id="5" name="슬라이드 번호 개체 틀 4">
+            <a:extLst>
+              <a:ext uri="{FF2B5EF4-FFF2-40B4-BE49-F238E27FC236}">
+                <a16:creationId xmlns:a16="http://schemas.microsoft.com/office/drawing/2014/main" id="{53A7A304-6F06-42E4-856D-960E7C27707D}"/>
+              </a:ext>
+            </a:extLst>
+          </p:cNvPr>
+          <p:cNvSpPr>
+            <a:spLocks noGrp="1"/>
+          </p:cNvSpPr>
+          <p:nvPr>
+            <p:ph type="sldNum" sz="quarter" idx="12"/>
+          </p:nvPr>
+        </p:nvSpPr>
+        <p:spPr/>
+        <p:txBody>
+          <a:bodyPr/>
+          <a:lstStyle/>
+          <a:p>
+            <a:fld id="{5FF72CB3-86FB-4DBB-A7AC-E8F6F3DA156B}" type="slidenum">
+              <a:rPr lang="ko-KR" altLang="en-US" smtClean="0"/>
+              <a:pPr/>
+              <a:t>35</a:t>
+            </a:fld>
+            <a:endParaRPr lang="ko-KR" altLang="en-US"/>
+          </a:p>
+        </p:txBody>
+      </p:sp>
+    </p:spTree>
+    <p:extLst>
+      <p:ext uri="{BB962C8B-B14F-4D97-AF65-F5344CB8AC3E}">
+        <p14:creationId xmlns:p14="http://schemas.microsoft.com/office/powerpoint/2010/main" val="1075493075"/>
+      </p:ext>
+    </p:extLst>
+  </p:cSld>
+  <p:clrMapOvr>
+    <a:masterClrMapping/>
+  </p:clrMapOvr>
+</p:sld>
+</file>
+
+<file path=ppt/slides/slide36.xml><?xml version="1.0" encoding="utf-8"?>
+<p:sld xmlns:a="http://schemas.openxmlformats.org/drawingml/2006/main" xmlns:r="http://schemas.openxmlformats.org/officeDocument/2006/relationships" xmlns:p="http://schemas.openxmlformats.org/presentationml/2006/main">
+  <p:cSld>
+    <p:spTree>
+      <p:nvGrpSpPr>
+        <p:cNvPr id="1" name=""/>
+        <p:cNvGrpSpPr/>
+        <p:nvPr/>
+      </p:nvGrpSpPr>
+      <p:grpSpPr>
+        <a:xfrm>
+          <a:off x="0" y="0"/>
+          <a:ext cx="0" cy="0"/>
+          <a:chOff x="0" y="0"/>
+          <a:chExt cx="0" cy="0"/>
+        </a:xfrm>
+      </p:grpSpPr>
+      <p:sp>
+        <p:nvSpPr>
+          <p:cNvPr id="2" name="제목 1">
+            <a:extLst>
+              <a:ext uri="{FF2B5EF4-FFF2-40B4-BE49-F238E27FC236}">
                 <a16:creationId xmlns:a16="http://schemas.microsoft.com/office/drawing/2014/main" id="{F3DBE455-52A5-4CC6-956A-B7FFFAC6A491}"/>
               </a:ext>
             </a:extLst>
@@ -5108,7 +10147,7 @@
             <a:fld id="{5FF72CB3-86FB-4DBB-A7AC-E8F6F3DA156B}" type="slidenum">
               <a:rPr lang="ko-KR" altLang="en-US" smtClean="0"/>
               <a:pPr/>
-              <a:t>13</a:t>
+              <a:t>36</a:t>
             </a:fld>
             <a:endParaRPr lang="ko-KR" altLang="en-US"/>
           </a:p>
@@ -5187,7 +10226,7 @@
 </p:sld>
 </file>
 
-<file path=ppt/slides/slide14.xml><?xml version="1.0" encoding="utf-8"?>
+<file path=ppt/slides/slide37.xml><?xml version="1.0" encoding="utf-8"?>
 <p:sld xmlns:a="http://schemas.openxmlformats.org/drawingml/2006/main" xmlns:r="http://schemas.openxmlformats.org/officeDocument/2006/relationships" xmlns:p="http://schemas.openxmlformats.org/presentationml/2006/main">
   <p:cSld>
     <p:spTree>
@@ -5471,7 +10510,7 @@
             <a:fld id="{5FF72CB3-86FB-4DBB-A7AC-E8F6F3DA156B}" type="slidenum">
               <a:rPr lang="ko-KR" altLang="en-US" smtClean="0"/>
               <a:pPr/>
-              <a:t>14</a:t>
+              <a:t>37</a:t>
             </a:fld>
             <a:endParaRPr lang="ko-KR" altLang="en-US"/>
           </a:p>
@@ -5519,7 +10558,7 @@
 </p:sld>
 </file>
 
-<file path=ppt/slides/slide15.xml><?xml version="1.0" encoding="utf-8"?>
+<file path=ppt/slides/slide38.xml><?xml version="1.0" encoding="utf-8"?>
 <p:sld xmlns:a="http://schemas.openxmlformats.org/drawingml/2006/main" xmlns:r="http://schemas.openxmlformats.org/officeDocument/2006/relationships" xmlns:p="http://schemas.openxmlformats.org/presentationml/2006/main">
   <p:cSld>
     <p:spTree>
@@ -5682,7 +10721,7 @@
             <a:fld id="{5FF72CB3-86FB-4DBB-A7AC-E8F6F3DA156B}" type="slidenum">
               <a:rPr lang="ko-KR" altLang="en-US" smtClean="0"/>
               <a:pPr/>
-              <a:t>15</a:t>
+              <a:t>38</a:t>
             </a:fld>
             <a:endParaRPr lang="ko-KR" altLang="en-US"/>
           </a:p>
@@ -5701,7 +10740,7 @@
 </p:sld>
 </file>
 
-<file path=ppt/slides/slide16.xml><?xml version="1.0" encoding="utf-8"?>
+<file path=ppt/slides/slide39.xml><?xml version="1.0" encoding="utf-8"?>
 <p:sld xmlns:a="http://schemas.openxmlformats.org/drawingml/2006/main" xmlns:r="http://schemas.openxmlformats.org/officeDocument/2006/relationships" xmlns:p="http://schemas.openxmlformats.org/presentationml/2006/main">
   <p:cSld>
     <p:spTree>
@@ -5789,387 +10828,6 @@
     <p:extLst>
       <p:ext uri="{BB962C8B-B14F-4D97-AF65-F5344CB8AC3E}">
         <p14:creationId xmlns:p14="http://schemas.microsoft.com/office/powerpoint/2010/main" val="3743477804"/>
-      </p:ext>
-    </p:extLst>
-  </p:cSld>
-  <p:clrMapOvr>
-    <a:masterClrMapping/>
-  </p:clrMapOvr>
-</p:sld>
-</file>
-
-<file path=ppt/slides/slide2.xml><?xml version="1.0" encoding="utf-8"?>
-<p:sld xmlns:a="http://schemas.openxmlformats.org/drawingml/2006/main" xmlns:r="http://schemas.openxmlformats.org/officeDocument/2006/relationships" xmlns:p="http://schemas.openxmlformats.org/presentationml/2006/main">
-  <p:cSld>
-    <p:spTree>
-      <p:nvGrpSpPr>
-        <p:cNvPr id="1" name=""/>
-        <p:cNvGrpSpPr/>
-        <p:nvPr/>
-      </p:nvGrpSpPr>
-      <p:grpSpPr>
-        <a:xfrm>
-          <a:off x="0" y="0"/>
-          <a:ext cx="0" cy="0"/>
-          <a:chOff x="0" y="0"/>
-          <a:chExt cx="0" cy="0"/>
-        </a:xfrm>
-      </p:grpSpPr>
-      <p:sp>
-        <p:nvSpPr>
-          <p:cNvPr id="2" name="제목 1">
-            <a:extLst>
-              <a:ext uri="{FF2B5EF4-FFF2-40B4-BE49-F238E27FC236}">
-                <a16:creationId xmlns:a16="http://schemas.microsoft.com/office/drawing/2014/main" id="{11F83E43-441A-4CAB-9B42-23E94B6D4FA7}"/>
-              </a:ext>
-            </a:extLst>
-          </p:cNvPr>
-          <p:cNvSpPr>
-            <a:spLocks noGrp="1"/>
-          </p:cNvSpPr>
-          <p:nvPr>
-            <p:ph type="title"/>
-          </p:nvPr>
-        </p:nvSpPr>
-        <p:spPr/>
-        <p:txBody>
-          <a:bodyPr/>
-          <a:lstStyle/>
-          <a:p>
-            <a:r>
-              <a:rPr lang="ko-KR" altLang="en-US" err="1">
-                <a:ea typeface="맑은 고딕"/>
-              </a:rPr>
-              <a:t>Contents</a:t>
-            </a:r>
-            <a:endParaRPr lang="ko-KR" err="1"/>
-          </a:p>
-        </p:txBody>
-      </p:sp>
-      <p:sp>
-        <p:nvSpPr>
-          <p:cNvPr id="3" name="내용 개체 틀 2">
-            <a:extLst>
-              <a:ext uri="{FF2B5EF4-FFF2-40B4-BE49-F238E27FC236}">
-                <a16:creationId xmlns:a16="http://schemas.microsoft.com/office/drawing/2014/main" id="{EB3BC60C-77C1-4385-BA7D-A25E0086EA85}"/>
-              </a:ext>
-            </a:extLst>
-          </p:cNvPr>
-          <p:cNvSpPr>
-            <a:spLocks noGrp="1"/>
-          </p:cNvSpPr>
-          <p:nvPr>
-            <p:ph idx="1"/>
-          </p:nvPr>
-        </p:nvSpPr>
-        <p:spPr/>
-        <p:txBody>
-          <a:bodyPr vert="horz" lIns="91440" tIns="45720" rIns="91440" bIns="45720" rtlCol="0" anchor="t">
-            <a:normAutofit/>
-          </a:bodyPr>
-          <a:lstStyle/>
-          <a:p>
-            <a:r>
-              <a:rPr lang="ko-KR" altLang="en-US">
-                <a:ea typeface="맑은 고딕"/>
-              </a:rPr>
-              <a:t>기존 실험 오류 및 변경사항</a:t>
-            </a:r>
-            <a:endParaRPr lang="ko-KR" altLang="en-US">
-              <a:ea typeface="맑은 고딕" panose="020B0503020000020004" pitchFamily="34" charset="-127"/>
-            </a:endParaRPr>
-          </a:p>
-          <a:p>
-            <a:r>
-              <a:rPr lang="ko-KR" err="1">
-                <a:solidFill>
-                  <a:srgbClr val="B8B8B8"/>
-                </a:solidFill>
-                <a:ea typeface="+mn-lt"/>
-                <a:cs typeface="+mn-lt"/>
-              </a:rPr>
-              <a:t>On-Device</a:t>
-            </a:r>
-            <a:r>
-              <a:rPr lang="ko-KR">
-                <a:solidFill>
-                  <a:srgbClr val="B8B8B8"/>
-                </a:solidFill>
-                <a:ea typeface="+mn-lt"/>
-                <a:cs typeface="+mn-lt"/>
-              </a:rPr>
-              <a:t> 학습</a:t>
-            </a:r>
-            <a:endParaRPr lang="ko-KR" altLang="en-US">
-              <a:solidFill>
-                <a:srgbClr val="B8B8B8"/>
-              </a:solidFill>
-              <a:ea typeface="맑은 고딕"/>
-            </a:endParaRPr>
-          </a:p>
-          <a:p>
-            <a:r>
-              <a:rPr lang="ko-KR" altLang="en-US">
-                <a:solidFill>
-                  <a:srgbClr val="B8B8B8"/>
-                </a:solidFill>
-                <a:ea typeface="맑은 고딕"/>
-              </a:rPr>
-              <a:t>전이학습</a:t>
-            </a:r>
-            <a:endParaRPr lang="ko-KR"/>
-          </a:p>
-          <a:p>
-            <a:r>
-              <a:rPr lang="ko-KR" altLang="en-US">
-                <a:solidFill>
-                  <a:srgbClr val="B8B8B8"/>
-                </a:solidFill>
-                <a:ea typeface="맑은 고딕"/>
-              </a:rPr>
-              <a:t>소스코드 분석 및 수정 </a:t>
-            </a:r>
-          </a:p>
-          <a:p>
-            <a:endParaRPr lang="ko-KR" altLang="en-US">
-              <a:solidFill>
-                <a:srgbClr val="B8B8B8"/>
-              </a:solidFill>
-              <a:ea typeface="맑은 고딕"/>
-            </a:endParaRPr>
-          </a:p>
-        </p:txBody>
-      </p:sp>
-      <p:sp>
-        <p:nvSpPr>
-          <p:cNvPr id="4" name="날짜 개체 틀 3">
-            <a:extLst>
-              <a:ext uri="{FF2B5EF4-FFF2-40B4-BE49-F238E27FC236}">
-                <a16:creationId xmlns:a16="http://schemas.microsoft.com/office/drawing/2014/main" id="{39336E6A-855E-4512-A92A-DCF2AC9BC911}"/>
-              </a:ext>
-            </a:extLst>
-          </p:cNvPr>
-          <p:cNvSpPr>
-            <a:spLocks noGrp="1"/>
-          </p:cNvSpPr>
-          <p:nvPr>
-            <p:ph type="dt" sz="half" idx="10"/>
-          </p:nvPr>
-        </p:nvSpPr>
-        <p:spPr/>
-        <p:txBody>
-          <a:bodyPr/>
-          <a:lstStyle/>
-          <a:p>
-            <a:r>
-              <a:rPr lang="ko-KR" altLang="en-US"/>
-              <a:t>권철현</a:t>
-            </a:r>
-            <a:r>
-              <a:rPr lang="en-US" altLang="ko-KR"/>
-              <a:t>, </a:t>
-            </a:r>
-            <a:r>
-              <a:rPr lang="ko-KR" altLang="en-US" err="1"/>
-              <a:t>신재하</a:t>
-            </a:r>
-            <a:endParaRPr lang="ko-KR" altLang="en-US"/>
-          </a:p>
-        </p:txBody>
-      </p:sp>
-      <p:sp>
-        <p:nvSpPr>
-          <p:cNvPr id="5" name="슬라이드 번호 개체 틀 4">
-            <a:extLst>
-              <a:ext uri="{FF2B5EF4-FFF2-40B4-BE49-F238E27FC236}">
-                <a16:creationId xmlns:a16="http://schemas.microsoft.com/office/drawing/2014/main" id="{D00B90F8-6D44-4A78-8C2E-5C6E628A2BFB}"/>
-              </a:ext>
-            </a:extLst>
-          </p:cNvPr>
-          <p:cNvSpPr>
-            <a:spLocks noGrp="1"/>
-          </p:cNvSpPr>
-          <p:nvPr>
-            <p:ph type="sldNum" sz="quarter" idx="12"/>
-          </p:nvPr>
-        </p:nvSpPr>
-        <p:spPr/>
-        <p:txBody>
-          <a:bodyPr/>
-          <a:lstStyle/>
-          <a:p>
-            <a:fld id="{5FF72CB3-86FB-4DBB-A7AC-E8F6F3DA156B}" type="slidenum">
-              <a:rPr lang="ko-KR" altLang="en-US" smtClean="0"/>
-              <a:pPr/>
-              <a:t>2</a:t>
-            </a:fld>
-            <a:endParaRPr lang="ko-KR" altLang="en-US"/>
-          </a:p>
-        </p:txBody>
-      </p:sp>
-    </p:spTree>
-    <p:extLst>
-      <p:ext uri="{BB962C8B-B14F-4D97-AF65-F5344CB8AC3E}">
-        <p14:creationId xmlns:p14="http://schemas.microsoft.com/office/powerpoint/2010/main" val="4183651871"/>
-      </p:ext>
-    </p:extLst>
-  </p:cSld>
-  <p:clrMapOvr>
-    <a:masterClrMapping/>
-  </p:clrMapOvr>
-</p:sld>
-</file>
-
-<file path=ppt/slides/slide3.xml><?xml version="1.0" encoding="utf-8"?>
-<p:sld xmlns:a="http://schemas.openxmlformats.org/drawingml/2006/main" xmlns:r="http://schemas.openxmlformats.org/officeDocument/2006/relationships" xmlns:p="http://schemas.openxmlformats.org/presentationml/2006/main">
-  <p:cSld>
-    <p:spTree>
-      <p:nvGrpSpPr>
-        <p:cNvPr id="1" name=""/>
-        <p:cNvGrpSpPr/>
-        <p:nvPr/>
-      </p:nvGrpSpPr>
-      <p:grpSpPr>
-        <a:xfrm>
-          <a:off x="0" y="0"/>
-          <a:ext cx="0" cy="0"/>
-          <a:chOff x="0" y="0"/>
-          <a:chExt cx="0" cy="0"/>
-        </a:xfrm>
-      </p:grpSpPr>
-      <p:sp>
-        <p:nvSpPr>
-          <p:cNvPr id="2" name="제목 1">
-            <a:extLst>
-              <a:ext uri="{FF2B5EF4-FFF2-40B4-BE49-F238E27FC236}">
-                <a16:creationId xmlns:a16="http://schemas.microsoft.com/office/drawing/2014/main" id="{1E294F90-4D97-465A-B117-644373B47ED5}"/>
-              </a:ext>
-            </a:extLst>
-          </p:cNvPr>
-          <p:cNvSpPr>
-            <a:spLocks noGrp="1"/>
-          </p:cNvSpPr>
-          <p:nvPr>
-            <p:ph type="title"/>
-          </p:nvPr>
-        </p:nvSpPr>
-        <p:spPr/>
-        <p:txBody>
-          <a:bodyPr>
-            <a:normAutofit/>
-          </a:bodyPr>
-          <a:lstStyle/>
-          <a:p>
-            <a:r>
-              <a:rPr lang="ko-KR" altLang="en-US">
-                <a:ea typeface="맑은 고딕"/>
-              </a:rPr>
-              <a:t>기존 실험 결과</a:t>
-            </a:r>
-          </a:p>
-        </p:txBody>
-      </p:sp>
-      <p:graphicFrame>
-        <p:nvGraphicFramePr>
-          <p:cNvPr id="8" name="내용 개체 틀 7">
-            <a:extLst>
-              <a:ext uri="{FF2B5EF4-FFF2-40B4-BE49-F238E27FC236}">
-                <a16:creationId xmlns:a16="http://schemas.microsoft.com/office/drawing/2014/main" id="{37FC643F-225D-4D30-B4F0-375393A8AD38}"/>
-              </a:ext>
-            </a:extLst>
-          </p:cNvPr>
-          <p:cNvGraphicFramePr>
-            <a:graphicFrameLocks noGrp="1"/>
-          </p:cNvGraphicFramePr>
-          <p:nvPr>
-            <p:ph idx="1"/>
-            <p:extLst>
-              <p:ext uri="{D42A27DB-BD31-4B8C-83A1-F6EECF244321}">
-                <p14:modId xmlns:p14="http://schemas.microsoft.com/office/powerpoint/2010/main" val="1191980012"/>
-              </p:ext>
-            </p:extLst>
-          </p:nvPr>
-        </p:nvGraphicFramePr>
-        <p:xfrm>
-          <a:off x="215900" y="1476375"/>
-          <a:ext cx="11787188" cy="4857750"/>
-        </p:xfrm>
-        <a:graphic>
-          <a:graphicData uri="http://schemas.openxmlformats.org/drawingml/2006/chart">
-            <c:chart xmlns:c="http://schemas.openxmlformats.org/drawingml/2006/chart" xmlns:r="http://schemas.openxmlformats.org/officeDocument/2006/relationships" r:id="rId2"/>
-          </a:graphicData>
-        </a:graphic>
-      </p:graphicFrame>
-      <p:sp>
-        <p:nvSpPr>
-          <p:cNvPr id="4" name="날짜 개체 틀 3">
-            <a:extLst>
-              <a:ext uri="{FF2B5EF4-FFF2-40B4-BE49-F238E27FC236}">
-                <a16:creationId xmlns:a16="http://schemas.microsoft.com/office/drawing/2014/main" id="{505B09A7-4CA2-4B44-B86B-74D7F304B5E8}"/>
-              </a:ext>
-            </a:extLst>
-          </p:cNvPr>
-          <p:cNvSpPr>
-            <a:spLocks noGrp="1"/>
-          </p:cNvSpPr>
-          <p:nvPr>
-            <p:ph type="dt" sz="half" idx="10"/>
-          </p:nvPr>
-        </p:nvSpPr>
-        <p:spPr/>
-        <p:txBody>
-          <a:bodyPr/>
-          <a:lstStyle/>
-          <a:p>
-            <a:r>
-              <a:rPr lang="ko-KR" altLang="en-US"/>
-              <a:t>권철현</a:t>
-            </a:r>
-            <a:r>
-              <a:rPr lang="en-US" altLang="ko-KR"/>
-              <a:t>, </a:t>
-            </a:r>
-            <a:r>
-              <a:rPr lang="ko-KR" altLang="en-US"/>
-              <a:t>신재하</a:t>
-            </a:r>
-          </a:p>
-        </p:txBody>
-      </p:sp>
-      <p:sp>
-        <p:nvSpPr>
-          <p:cNvPr id="5" name="슬라이드 번호 개체 틀 4">
-            <a:extLst>
-              <a:ext uri="{FF2B5EF4-FFF2-40B4-BE49-F238E27FC236}">
-                <a16:creationId xmlns:a16="http://schemas.microsoft.com/office/drawing/2014/main" id="{4E825693-1623-4F2C-8D92-7B582987CEDC}"/>
-              </a:ext>
-            </a:extLst>
-          </p:cNvPr>
-          <p:cNvSpPr>
-            <a:spLocks noGrp="1"/>
-          </p:cNvSpPr>
-          <p:nvPr>
-            <p:ph type="sldNum" sz="quarter" idx="12"/>
-          </p:nvPr>
-        </p:nvSpPr>
-        <p:spPr/>
-        <p:txBody>
-          <a:bodyPr/>
-          <a:lstStyle/>
-          <a:p>
-            <a:fld id="{5FF72CB3-86FB-4DBB-A7AC-E8F6F3DA156B}" type="slidenum">
-              <a:rPr lang="ko-KR" altLang="en-US" smtClean="0"/>
-              <a:pPr/>
-              <a:t>3</a:t>
-            </a:fld>
-            <a:endParaRPr lang="ko-KR" altLang="en-US"/>
-          </a:p>
-        </p:txBody>
-      </p:sp>
-    </p:spTree>
-    <p:extLst>
-      <p:ext uri="{BB962C8B-B14F-4D97-AF65-F5344CB8AC3E}">
-        <p14:creationId xmlns:p14="http://schemas.microsoft.com/office/powerpoint/2010/main" val="687934675"/>
       </p:ext>
     </p:extLst>
   </p:cSld>
@@ -6250,52 +10908,52 @@
           <a:lstStyle/>
           <a:p>
             <a:r>
-              <a:rPr lang="ko-KR" sz="2500" err="1">
+              <a:rPr lang="ko-KR" sz="2500" dirty="0" err="1">
                 <a:ea typeface="+mn-lt"/>
                 <a:cs typeface="+mn-lt"/>
               </a:rPr>
               <a:t>On-Device에서</a:t>
             </a:r>
             <a:r>
-              <a:rPr lang="ko-KR" sz="2500">
+              <a:rPr lang="ko-KR" sz="2500" dirty="0">
                 <a:ea typeface="+mn-lt"/>
                 <a:cs typeface="+mn-lt"/>
               </a:rPr>
               <a:t> 전이학습을 진행할 때 메모리를 최적화하기</a:t>
             </a:r>
-            <a:endParaRPr lang="ko-KR" altLang="en-US" sz="2500">
+            <a:endParaRPr lang="ko-KR" altLang="en-US" sz="2500" dirty="0">
               <a:ea typeface="맑은 고딕"/>
             </a:endParaRPr>
           </a:p>
           <a:p>
             <a:r>
-              <a:rPr lang="ko-KR" altLang="en-US" sz="2500">
+              <a:rPr lang="ko-KR" altLang="en-US" sz="2500" dirty="0">
                 <a:ea typeface="맑은 고딕"/>
               </a:rPr>
               <a:t>현재는 약</a:t>
             </a:r>
             <a:r>
-              <a:rPr lang="ko-KR" altLang="en-US" sz="2500">
+              <a:rPr lang="ko-KR" altLang="en-US" sz="2500" dirty="0">
                 <a:ea typeface="+mn-lt"/>
                 <a:cs typeface="+mn-lt"/>
               </a:rPr>
               <a:t> 2000장의 학습 이미지만 보존 가능 </a:t>
             </a:r>
-            <a:endParaRPr lang="ko-KR" sz="2500">
+            <a:endParaRPr lang="ko-KR" sz="2500" dirty="0">
               <a:ea typeface="맑은 고딕"/>
             </a:endParaRPr>
           </a:p>
           <a:p>
             <a:pPr marL="539750" lvl="1"/>
             <a:r>
-              <a:rPr lang="ko-KR">
+              <a:rPr lang="ko-KR" dirty="0">
                 <a:ea typeface="+mn-lt"/>
                 <a:cs typeface="+mn-lt"/>
               </a:rPr>
               <a:t> </a:t>
             </a:r>
             <a:r>
-              <a:rPr lang="ko-KR" sz="2000" err="1">
+              <a:rPr lang="ko-KR" sz="2000" dirty="0" err="1">
                 <a:solidFill>
                   <a:srgbClr val="7030A0"/>
                 </a:solidFill>
@@ -6305,21 +10963,21 @@
               <a:t>android</a:t>
             </a:r>
             <a:r>
-              <a:rPr lang="ko-KR" sz="2000" err="1">
+              <a:rPr lang="ko-KR" sz="2000" dirty="0" err="1">
                 <a:ea typeface="+mn-lt"/>
                 <a:cs typeface="+mn-lt"/>
               </a:rPr>
               <a:t>:largeHeap</a:t>
             </a:r>
             <a:r>
-              <a:rPr lang="ko-KR" sz="2000">
+              <a:rPr lang="ko-KR" sz="2000" dirty="0">
                 <a:ea typeface="+mn-lt"/>
                 <a:cs typeface="+mn-lt"/>
               </a:rPr>
               <a:t>=</a:t>
             </a:r>
             <a:r>
-              <a:rPr lang="ko-KR" sz="2000">
+              <a:rPr lang="ko-KR" sz="2000" dirty="0">
                 <a:solidFill>
                   <a:schemeClr val="accent5"/>
                 </a:solidFill>
@@ -6329,7 +10987,7 @@
               <a:t>"</a:t>
             </a:r>
             <a:r>
-              <a:rPr lang="ko-KR" sz="2000" err="1">
+              <a:rPr lang="ko-KR" sz="2000" dirty="0" err="1">
                 <a:solidFill>
                   <a:schemeClr val="accent5"/>
                 </a:solidFill>
@@ -6339,7 +10997,7 @@
               <a:t>true</a:t>
             </a:r>
             <a:r>
-              <a:rPr lang="ko-KR" sz="2000">
+              <a:rPr lang="ko-KR" sz="2000" dirty="0">
                 <a:solidFill>
                   <a:schemeClr val="accent5"/>
                 </a:solidFill>
@@ -6349,14 +11007,14 @@
               <a:t>" </a:t>
             </a:r>
             <a:r>
-              <a:rPr lang="ko-KR" sz="2000">
+              <a:rPr lang="ko-KR" sz="2000" dirty="0">
                 <a:ea typeface="+mn-lt"/>
                 <a:cs typeface="+mn-lt"/>
               </a:rPr>
               <a:t>옵션을 적용했을 때</a:t>
             </a:r>
             <a:r>
-              <a:rPr lang="ko-KR" altLang="en-US" sz="2000">
+              <a:rPr lang="ko-KR" altLang="en-US" sz="2000" dirty="0">
                 <a:ea typeface="+mn-lt"/>
                 <a:cs typeface="+mn-lt"/>
               </a:rPr>
@@ -6365,28 +11023,28 @@
           </a:p>
           <a:p>
             <a:pPr marL="539750" lvl="1"/>
-            <a:endParaRPr lang="ko-KR" altLang="en-US">
+            <a:endParaRPr lang="ko-KR" altLang="en-US" dirty="0">
               <a:ea typeface="+mn-lt"/>
               <a:cs typeface="+mn-lt"/>
             </a:endParaRPr>
           </a:p>
           <a:p>
             <a:pPr marL="539750" lvl="1"/>
-            <a:endParaRPr lang="ko-KR" altLang="en-US">
+            <a:endParaRPr lang="ko-KR" altLang="en-US" dirty="0">
               <a:ea typeface="+mn-lt"/>
               <a:cs typeface="+mn-lt"/>
             </a:endParaRPr>
           </a:p>
           <a:p>
             <a:pPr marL="539750" lvl="1"/>
-            <a:endParaRPr lang="ko-KR" altLang="en-US">
+            <a:endParaRPr lang="ko-KR" altLang="en-US" dirty="0">
               <a:ea typeface="+mn-lt"/>
               <a:cs typeface="+mn-lt"/>
             </a:endParaRPr>
           </a:p>
           <a:p>
             <a:pPr marL="539750" lvl="1"/>
-            <a:endParaRPr lang="ko-KR" altLang="en-US">
+            <a:endParaRPr lang="ko-KR" altLang="en-US" dirty="0">
               <a:ea typeface="+mn-lt"/>
               <a:cs typeface="+mn-lt"/>
             </a:endParaRPr>
@@ -6397,62 +11055,62 @@
               <a:buChar char="§"/>
             </a:pPr>
             <a:r>
-              <a:rPr lang="ko-KR" sz="2500">
+              <a:rPr lang="ko-KR" sz="2500" dirty="0">
                 <a:ea typeface="+mn-lt"/>
                 <a:cs typeface="+mn-lt"/>
               </a:rPr>
               <a:t>학습에 사용되는 데이터의 일부를 </a:t>
             </a:r>
             <a:r>
-              <a:rPr lang="ko-KR" sz="2500" err="1">
+              <a:rPr lang="ko-KR" sz="2500" dirty="0" err="1">
                 <a:ea typeface="+mn-lt"/>
                 <a:cs typeface="+mn-lt"/>
               </a:rPr>
               <a:t>Storage</a:t>
             </a:r>
             <a:r>
-              <a:rPr lang="ko-KR" sz="2500">
+              <a:rPr lang="ko-KR" sz="2500" dirty="0">
                 <a:ea typeface="+mn-lt"/>
                 <a:cs typeface="+mn-lt"/>
               </a:rPr>
               <a:t> 에 저장 후 </a:t>
             </a:r>
             <a:r>
-              <a:rPr lang="ko-KR" altLang="en-US" sz="2500">
+              <a:rPr lang="ko-KR" altLang="en-US" sz="2500" dirty="0">
                 <a:ea typeface="+mn-lt"/>
                 <a:cs typeface="+mn-lt"/>
               </a:rPr>
               <a:t>학습을</a:t>
             </a:r>
             <a:r>
-              <a:rPr lang="ko-KR" sz="2500">
+              <a:rPr lang="ko-KR" sz="2500" dirty="0">
                 <a:ea typeface="+mn-lt"/>
                 <a:cs typeface="+mn-lt"/>
               </a:rPr>
               <a:t> 진행할 때 필요한 만큼만 메모리에 </a:t>
             </a:r>
             <a:r>
-              <a:rPr lang="ko-KR" sz="2500" err="1">
+              <a:rPr lang="ko-KR" sz="2500" dirty="0" err="1">
                 <a:ea typeface="+mn-lt"/>
                 <a:cs typeface="+mn-lt"/>
               </a:rPr>
               <a:t>Load</a:t>
             </a:r>
             <a:r>
-              <a:rPr lang="ko-KR" sz="2500">
+              <a:rPr lang="ko-KR" sz="2500" dirty="0">
                 <a:ea typeface="+mn-lt"/>
                 <a:cs typeface="+mn-lt"/>
               </a:rPr>
               <a:t> 해서 학습 진행 예정</a:t>
             </a:r>
-            <a:endParaRPr lang="en-US" altLang="ko-KR" sz="2500">
+            <a:endParaRPr lang="en-US" altLang="ko-KR" sz="2500" dirty="0">
               <a:ea typeface="+mn-lt"/>
               <a:cs typeface="+mn-lt"/>
             </a:endParaRPr>
           </a:p>
           <a:p>
             <a:pPr marL="539750" lvl="1"/>
-            <a:endParaRPr lang="ko-KR" altLang="en-US" sz="2500">
+            <a:endParaRPr lang="ko-KR" altLang="en-US" sz="2500" dirty="0">
               <a:ea typeface="+mn-lt"/>
               <a:cs typeface="+mn-lt"/>
             </a:endParaRPr>
@@ -6462,7 +11120,7 @@
               <a:buFont typeface="Wingdings" panose="020B0604020202020204" pitchFamily="34" charset="0"/>
               <a:buChar char="§"/>
             </a:pPr>
-            <a:endParaRPr lang="ko-KR" altLang="en-US">
+            <a:endParaRPr lang="ko-KR" altLang="en-US" dirty="0">
               <a:ea typeface="+mn-lt"/>
               <a:cs typeface="+mn-lt"/>
             </a:endParaRPr>
@@ -6878,23 +11536,23 @@
           <a:lstStyle/>
           <a:p>
             <a:r>
-              <a:rPr lang="ko-KR" altLang="en-US" err="1">
+              <a:rPr lang="ko-KR" altLang="en-US" dirty="0" err="1">
                 <a:ea typeface="맑은 고딕"/>
               </a:rPr>
               <a:t>머신러닝에는</a:t>
             </a:r>
             <a:r>
-              <a:rPr lang="ko-KR" altLang="en-US">
+              <a:rPr lang="ko-KR" altLang="en-US" dirty="0">
                 <a:ea typeface="맑은 고딕"/>
               </a:rPr>
               <a:t> 학습과 추론이 존재한다.</a:t>
             </a:r>
-            <a:endParaRPr lang="ko-KR"/>
+            <a:endParaRPr lang="ko-KR" dirty="0"/>
           </a:p>
           <a:p>
             <a:pPr marL="539750" lvl="1"/>
             <a:r>
-              <a:rPr lang="ko-KR" altLang="en-US">
+              <a:rPr lang="ko-KR" altLang="en-US" dirty="0">
                 <a:ea typeface="맑은 고딕"/>
               </a:rPr>
               <a:t>학습: 데이터를 이용해 모델을 최적화 시키는 것</a:t>
@@ -6903,7 +11561,7 @@
           <a:p>
             <a:pPr marL="539750" lvl="1"/>
             <a:r>
-              <a:rPr lang="ko-KR" altLang="en-US">
+              <a:rPr lang="ko-KR" altLang="en-US" dirty="0">
                 <a:ea typeface="맑은 고딕"/>
               </a:rPr>
               <a:t>추론: 학습된 모델을 통해 문제에 적용 시키는 것 </a:t>
@@ -6914,7 +11572,7 @@
               <a:buFont typeface="Wingdings" panose="020B0604020202020204" pitchFamily="34" charset="0"/>
               <a:buChar char="§"/>
             </a:pPr>
-            <a:endParaRPr lang="ko-KR" altLang="en-US">
+            <a:endParaRPr lang="ko-KR" altLang="en-US" dirty="0">
               <a:ea typeface="맑은 고딕"/>
             </a:endParaRPr>
           </a:p>
@@ -6924,13 +11582,13 @@
               <a:buChar char="§"/>
             </a:pPr>
             <a:r>
-              <a:rPr lang="ko-KR" altLang="en-US" err="1">
+              <a:rPr lang="ko-KR" altLang="en-US" dirty="0" err="1">
                 <a:ea typeface="맑은 고딕"/>
               </a:rPr>
               <a:t>On-Device</a:t>
             </a:r>
             <a:r>
-              <a:rPr lang="ko-KR" altLang="en-US">
+              <a:rPr lang="ko-KR" altLang="en-US" dirty="0">
                 <a:ea typeface="맑은 고딕"/>
               </a:rPr>
               <a:t> 학습</a:t>
@@ -6939,16 +11597,16 @@
           <a:p>
             <a:pPr marL="539750" lvl="1"/>
             <a:r>
-              <a:rPr lang="ko-KR" altLang="en-US">
+              <a:rPr lang="ko-KR" altLang="en-US" dirty="0">
                 <a:ea typeface="맑은 고딕"/>
               </a:rPr>
               <a:t> 모바일이나 임베디드 장치 등에서 학습 단계를 진행하는 것</a:t>
             </a:r>
-            <a:endParaRPr lang="ko-KR"/>
+            <a:endParaRPr lang="ko-KR" dirty="0"/>
           </a:p>
           <a:p>
             <a:pPr marL="539750" lvl="1"/>
-            <a:endParaRPr lang="ko-KR" altLang="en-US">
+            <a:endParaRPr lang="ko-KR" altLang="en-US" dirty="0">
               <a:ea typeface="맑은 고딕"/>
             </a:endParaRPr>
           </a:p>
@@ -7603,7 +12261,7 @@
           <a:lstStyle/>
           <a:p>
             <a:r>
-              <a:rPr lang="ko-KR" altLang="en-US">
+              <a:rPr lang="ko-KR" altLang="en-US" dirty="0">
                 <a:ea typeface="+mn-lt"/>
                 <a:cs typeface="+mn-lt"/>
               </a:rPr>
@@ -7611,7 +12269,7 @@
             </a:r>
           </a:p>
           <a:p>
-            <a:endParaRPr lang="ko-KR" altLang="en-US">
+            <a:endParaRPr lang="ko-KR" altLang="en-US" dirty="0">
               <a:ea typeface="맑은 고딕"/>
             </a:endParaRPr>
           </a:p>
@@ -7716,13 +12374,13 @@
           <a:lstStyle/>
           <a:p>
             <a:r>
-              <a:rPr lang="en-US" altLang="ko-KR" sz="900" err="1">
+              <a:rPr lang="en-US" altLang="ko-KR" sz="900" dirty="0" err="1">
                 <a:ea typeface="맑은 고딕"/>
               </a:rPr>
               <a:t>출처</a:t>
             </a:r>
             <a:r>
-              <a:rPr lang="en-US" altLang="ko-KR" sz="900">
+              <a:rPr lang="en-US" altLang="ko-KR" sz="900" dirty="0">
                 <a:ea typeface="맑은 고딕"/>
               </a:rPr>
               <a:t>: https://blog.lgcns.com/1563</a:t>

--- a/2022.01.21/On-Device Training.pptx
+++ b/2022.01.21/On-Device Training.pptx
@@ -5,7 +5,7 @@
     <p:sldMasterId id="2147483648" r:id="rId1"/>
   </p:sldMasterIdLst>
   <p:notesMasterIdLst>
-    <p:notesMasterId r:id="rId41"/>
+    <p:notesMasterId r:id="rId33"/>
   </p:notesMasterIdLst>
   <p:sldIdLst>
     <p:sldId id="259" r:id="rId2"/>
@@ -23,30 +23,22 @@
     <p:sldId id="291" r:id="rId14"/>
     <p:sldId id="292" r:id="rId15"/>
     <p:sldId id="293" r:id="rId16"/>
-    <p:sldId id="306" r:id="rId17"/>
-    <p:sldId id="294" r:id="rId18"/>
-    <p:sldId id="295" r:id="rId19"/>
-    <p:sldId id="313" r:id="rId20"/>
-    <p:sldId id="314" r:id="rId21"/>
-    <p:sldId id="315" r:id="rId22"/>
-    <p:sldId id="298" r:id="rId23"/>
-    <p:sldId id="308" r:id="rId24"/>
-    <p:sldId id="299" r:id="rId25"/>
-    <p:sldId id="309" r:id="rId26"/>
-    <p:sldId id="310" r:id="rId27"/>
-    <p:sldId id="311" r:id="rId28"/>
-    <p:sldId id="296" r:id="rId29"/>
-    <p:sldId id="312" r:id="rId30"/>
-    <p:sldId id="300" r:id="rId31"/>
-    <p:sldId id="301" r:id="rId32"/>
-    <p:sldId id="302" r:id="rId33"/>
-    <p:sldId id="303" r:id="rId34"/>
-    <p:sldId id="304" r:id="rId35"/>
-    <p:sldId id="305" r:id="rId36"/>
-    <p:sldId id="286" r:id="rId37"/>
-    <p:sldId id="288" r:id="rId38"/>
-    <p:sldId id="289" r:id="rId39"/>
-    <p:sldId id="273" r:id="rId40"/>
+    <p:sldId id="313" r:id="rId17"/>
+    <p:sldId id="314" r:id="rId18"/>
+    <p:sldId id="310" r:id="rId19"/>
+    <p:sldId id="318" r:id="rId20"/>
+    <p:sldId id="317" r:id="rId21"/>
+    <p:sldId id="319" r:id="rId22"/>
+    <p:sldId id="320" r:id="rId23"/>
+    <p:sldId id="321" r:id="rId24"/>
+    <p:sldId id="322" r:id="rId25"/>
+    <p:sldId id="324" r:id="rId26"/>
+    <p:sldId id="323" r:id="rId27"/>
+    <p:sldId id="286" r:id="rId28"/>
+    <p:sldId id="288" r:id="rId29"/>
+    <p:sldId id="289" r:id="rId30"/>
+    <p:sldId id="316" r:id="rId31"/>
+    <p:sldId id="273" r:id="rId32"/>
   </p:sldIdLst>
   <p:sldSz cx="12192000" cy="6858000"/>
   <p:notesSz cx="6858000" cy="9144000"/>
@@ -2352,7 +2344,7 @@
           <a:p>
             <a:fld id="{AA029DEA-9CF8-4959-9295-B32940863C1C}" type="datetimeFigureOut">
               <a:rPr lang="ko-KR" altLang="en-US" smtClean="0"/>
-              <a:t>2022-01-20</a:t>
+              <a:t>2022-01-21</a:t>
             </a:fld>
             <a:endParaRPr lang="ko-KR" altLang="en-US"/>
           </a:p>
@@ -2768,7 +2760,7 @@
           <a:p>
             <a:fld id="{87F9F377-0814-42D2-AAC0-CB43F8F02991}" type="slidenum">
               <a:rPr lang="ko-KR" altLang="en-US" smtClean="0"/>
-              <a:t>16</a:t>
+              <a:t>29</a:t>
             </a:fld>
             <a:endParaRPr lang="ko-KR" altLang="en-US"/>
           </a:p>
@@ -2777,7 +2769,7 @@
     </p:spTree>
     <p:extLst>
       <p:ext uri="{BB962C8B-B14F-4D97-AF65-F5344CB8AC3E}">
-        <p14:creationId xmlns:p14="http://schemas.microsoft.com/office/powerpoint/2010/main" val="691565956"/>
+        <p14:creationId xmlns:p14="http://schemas.microsoft.com/office/powerpoint/2010/main" val="3023203326"/>
       </p:ext>
     </p:extLst>
   </p:cSld>
@@ -4774,7 +4766,7 @@
           <a:lstStyle/>
           <a:p>
             <a:r>
-              <a:rPr lang="ko-KR" altLang="en-US">
+              <a:rPr lang="ko-KR" altLang="en-US" dirty="0">
                 <a:solidFill>
                   <a:srgbClr val="B8B8B8"/>
                 </a:solidFill>
@@ -4782,7 +4774,7 @@
               </a:rPr>
               <a:t>기존 실험 오류 및 변경사항</a:t>
             </a:r>
-            <a:endParaRPr lang="ko-KR" altLang="en-US">
+            <a:endParaRPr lang="ko-KR" altLang="en-US" dirty="0">
               <a:solidFill>
                 <a:srgbClr val="B8B8B8"/>
               </a:solidFill>
@@ -4791,7 +4783,7 @@
           </a:p>
           <a:p>
             <a:r>
-              <a:rPr lang="ko-KR" err="1">
+              <a:rPr lang="ko-KR" dirty="0" err="1">
                 <a:solidFill>
                   <a:srgbClr val="B8B8B8"/>
                 </a:solidFill>
@@ -4801,7 +4793,7 @@
               <a:t>On-Device</a:t>
             </a:r>
             <a:r>
-              <a:rPr lang="ko-KR">
+              <a:rPr lang="ko-KR" dirty="0">
                 <a:solidFill>
                   <a:srgbClr val="B8B8B8"/>
                 </a:solidFill>
@@ -4810,7 +4802,7 @@
               </a:rPr>
               <a:t> 학습</a:t>
             </a:r>
-            <a:endParaRPr lang="ko-KR" altLang="en-US">
+            <a:endParaRPr lang="ko-KR" altLang="en-US" dirty="0">
               <a:solidFill>
                 <a:srgbClr val="B8B8B8"/>
               </a:solidFill>
@@ -4820,7 +4812,7 @@
           </a:p>
           <a:p>
             <a:r>
-              <a:rPr lang="ko-KR" altLang="en-US">
+              <a:rPr lang="ko-KR" altLang="en-US" dirty="0">
                 <a:solidFill>
                   <a:srgbClr val="B8B8B8"/>
                 </a:solidFill>
@@ -4828,18 +4820,34 @@
               </a:rPr>
               <a:t>전이학습</a:t>
             </a:r>
-            <a:endParaRPr lang="ko-KR"/>
-          </a:p>
-          <a:p>
-            <a:r>
-              <a:rPr lang="ko-KR" altLang="en-US">
+            <a:endParaRPr lang="ko-KR" dirty="0"/>
+          </a:p>
+          <a:p>
+            <a:r>
+              <a:rPr lang="ko-KR" altLang="en-US" dirty="0">
                 <a:ea typeface="맑은 고딕"/>
               </a:rPr>
-              <a:t>소스코드 분석 및 수정 </a:t>
-            </a:r>
-          </a:p>
-          <a:p>
-            <a:endParaRPr lang="ko-KR" altLang="en-US">
+              <a:t>소스코드 분석 </a:t>
+            </a:r>
+            <a:endParaRPr lang="en-US" altLang="ko-KR" dirty="0">
+              <a:ea typeface="맑은 고딕"/>
+            </a:endParaRPr>
+          </a:p>
+          <a:p>
+            <a:r>
+              <a:rPr lang="ko-KR" altLang="en-US" dirty="0">
+                <a:solidFill>
+                  <a:schemeClr val="bg1">
+                    <a:lumMod val="75000"/>
+                  </a:schemeClr>
+                </a:solidFill>
+                <a:ea typeface="맑은 고딕"/>
+              </a:rPr>
+              <a:t>소스코드 수정 </a:t>
+            </a:r>
+          </a:p>
+          <a:p>
+            <a:endParaRPr lang="ko-KR" altLang="en-US" dirty="0">
               <a:solidFill>
                 <a:srgbClr val="B8B8B8"/>
               </a:solidFill>
@@ -5023,6 +5031,10 @@
             <a:endParaRPr lang="en-US" altLang="ko-KR" dirty="0"/>
           </a:p>
           <a:p>
+            <a:r>
+              <a:rPr lang="ko-KR" altLang="en-US" dirty="0"/>
+              <a:t>모델에 샘플 데이터 추가 과정을 중점으로 분석 </a:t>
+            </a:r>
             <a:endParaRPr lang="en-US" altLang="ko-KR" dirty="0"/>
           </a:p>
           <a:p>
@@ -5155,7 +5167,19 @@
               <a:rPr lang="ko-KR" altLang="en-US" dirty="0">
                 <a:ea typeface="맑은 고딕"/>
               </a:rPr>
-              <a:t>소스코드 분석</a:t>
+              <a:t>소스코드 분석 </a:t>
+            </a:r>
+            <a:r>
+              <a:rPr lang="en-US" altLang="ko-KR" dirty="0">
+                <a:ea typeface="맑은 고딕"/>
+              </a:rPr>
+              <a:t>– TF Lite </a:t>
+            </a:r>
+            <a:r>
+              <a:rPr lang="ko-KR" altLang="en-US" dirty="0">
+                <a:ea typeface="맑은 고딕"/>
+              </a:rPr>
+              <a:t>모델 불러오기</a:t>
             </a:r>
             <a:endParaRPr lang="ko-KR" altLang="en-US" dirty="0"/>
           </a:p>
@@ -5183,10 +5207,36 @@
           <a:lstStyle/>
           <a:p>
             <a:r>
+              <a:rPr lang="en-US" altLang="ko-KR" dirty="0"/>
+              <a:t>CameraFragment.java</a:t>
+            </a:r>
+          </a:p>
+          <a:p>
+            <a:pPr lvl="1"/>
+            <a:r>
               <a:rPr lang="en-US" altLang="ko-KR" dirty="0" err="1"/>
-              <a:t>CameraFragment</a:t>
-            </a:r>
-            <a:endParaRPr lang="ko-KR" altLang="en-US" dirty="0"/>
+              <a:t>OnCreate</a:t>
+            </a:r>
+            <a:r>
+              <a:rPr lang="en-US" altLang="ko-KR" dirty="0"/>
+              <a:t> </a:t>
+            </a:r>
+            <a:r>
+              <a:rPr lang="ko-KR" altLang="en-US" dirty="0"/>
+              <a:t>에서 </a:t>
+            </a:r>
+            <a:r>
+              <a:rPr lang="en-US" altLang="ko-KR" dirty="0" err="1"/>
+              <a:t>ModelWrapper</a:t>
+            </a:r>
+            <a:r>
+              <a:rPr lang="en-US" altLang="ko-KR" dirty="0"/>
+              <a:t> </a:t>
+            </a:r>
+            <a:r>
+              <a:rPr lang="ko-KR" altLang="en-US" dirty="0"/>
+              <a:t>생성 </a:t>
+            </a:r>
           </a:p>
         </p:txBody>
       </p:sp>
@@ -5395,6 +5445,18 @@
               </a:rPr>
               <a:t>소스코드 분석</a:t>
             </a:r>
+            <a:r>
+              <a:rPr lang="en-US" altLang="ko-KR" dirty="0">
+                <a:ea typeface="맑은 고딕"/>
+              </a:rPr>
+              <a:t> – TF Lite </a:t>
+            </a:r>
+            <a:r>
+              <a:rPr lang="ko-KR" altLang="en-US" dirty="0">
+                <a:ea typeface="맑은 고딕"/>
+              </a:rPr>
+              <a:t>모델 불러오기</a:t>
+            </a:r>
             <a:endParaRPr lang="ko-KR" altLang="en-US" dirty="0"/>
           </a:p>
         </p:txBody>
@@ -5421,10 +5483,32 @@
           <a:lstStyle/>
           <a:p>
             <a:r>
+              <a:rPr lang="en-US" altLang="ko-KR" dirty="0"/>
+              <a:t>TransLearningModelWrapper.java</a:t>
+            </a:r>
+          </a:p>
+          <a:p>
+            <a:pPr lvl="1"/>
+            <a:r>
               <a:rPr lang="en-US" altLang="ko-KR" dirty="0" err="1"/>
-              <a:t>TransLearningModelWrapper</a:t>
-            </a:r>
-            <a:endParaRPr lang="ko-KR" altLang="en-US" dirty="0"/>
+              <a:t>ModelWrapper</a:t>
+            </a:r>
+            <a:r>
+              <a:rPr lang="en-US" altLang="ko-KR" dirty="0"/>
+              <a:t> </a:t>
+            </a:r>
+            <a:r>
+              <a:rPr lang="ko-KR" altLang="en-US" dirty="0"/>
+              <a:t>에서 </a:t>
+            </a:r>
+            <a:r>
+              <a:rPr lang="en-US" altLang="ko-KR" dirty="0"/>
+              <a:t>Model </a:t>
+            </a:r>
+            <a:r>
+              <a:rPr lang="ko-KR" altLang="en-US" dirty="0"/>
+              <a:t>생성</a:t>
+            </a:r>
           </a:p>
         </p:txBody>
       </p:sp>
@@ -5510,13 +5594,13 @@
         </p:nvPicPr>
         <p:blipFill rotWithShape="1">
           <a:blip r:embed="rId3"/>
-          <a:srcRect t="4886"/>
+          <a:srcRect t="4886" b="6626"/>
           <a:stretch/>
         </p:blipFill>
         <p:spPr>
           <a:xfrm>
-            <a:off x="1277674" y="2167128"/>
-            <a:ext cx="9757720" cy="4015954"/>
+            <a:off x="1021365" y="2757342"/>
+            <a:ext cx="9757720" cy="3736188"/>
           </a:xfrm>
           <a:prstGeom prst="rect">
             <a:avLst/>
@@ -5537,7 +5621,7 @@
         </p:nvSpPr>
         <p:spPr>
           <a:xfrm>
-            <a:off x="1736538" y="2602906"/>
+            <a:off x="1480229" y="3193120"/>
             <a:ext cx="7297734" cy="487766"/>
           </a:xfrm>
           <a:prstGeom prst="rect">
@@ -5632,6 +5716,18 @@
               </a:rPr>
               <a:t>소스코드 분석</a:t>
             </a:r>
+            <a:r>
+              <a:rPr lang="en-US" altLang="ko-KR" dirty="0">
+                <a:ea typeface="맑은 고딕"/>
+              </a:rPr>
+              <a:t> – TF Lite </a:t>
+            </a:r>
+            <a:r>
+              <a:rPr lang="ko-KR" altLang="en-US" dirty="0">
+                <a:ea typeface="맑은 고딕"/>
+              </a:rPr>
+              <a:t>모델 불러오기</a:t>
+            </a:r>
             <a:endParaRPr lang="ko-KR" altLang="en-US" dirty="0"/>
           </a:p>
         </p:txBody>
@@ -5658,10 +5754,32 @@
           <a:lstStyle/>
           <a:p>
             <a:r>
+              <a:rPr lang="en-US" altLang="ko-KR" dirty="0"/>
+              <a:t>TransferLearningModel.java</a:t>
+            </a:r>
+          </a:p>
+          <a:p>
+            <a:pPr lvl="1"/>
+            <a:r>
               <a:rPr lang="en-US" altLang="ko-KR" dirty="0" err="1"/>
-              <a:t>TransferLearningModel</a:t>
-            </a:r>
-            <a:endParaRPr lang="ko-KR" altLang="en-US" dirty="0"/>
+              <a:t>ModelLoader</a:t>
+            </a:r>
+            <a:r>
+              <a:rPr lang="ko-KR" altLang="en-US" dirty="0"/>
+              <a:t>를 통해 </a:t>
+            </a:r>
+            <a:r>
+              <a:rPr lang="en-US" altLang="ko-KR" dirty="0" err="1"/>
+              <a:t>tflite</a:t>
+            </a:r>
+            <a:r>
+              <a:rPr lang="en-US" altLang="ko-KR" dirty="0"/>
+              <a:t> </a:t>
+            </a:r>
+            <a:r>
+              <a:rPr lang="ko-KR" altLang="en-US" dirty="0"/>
+              <a:t>모델 읽기</a:t>
+            </a:r>
           </a:p>
         </p:txBody>
       </p:sp>
@@ -5745,16 +5863,15 @@
           </p:cNvPicPr>
           <p:nvPr/>
         </p:nvPicPr>
-        <p:blipFill>
+        <p:blipFill rotWithShape="1">
           <a:blip r:embed="rId2"/>
-          <a:stretch>
-            <a:fillRect/>
-          </a:stretch>
+          <a:srcRect b="23732"/>
+          <a:stretch/>
         </p:blipFill>
         <p:spPr>
           <a:xfrm>
-            <a:off x="1275422" y="2173138"/>
-            <a:ext cx="9148738" cy="4028175"/>
+            <a:off x="1170127" y="3051510"/>
+            <a:ext cx="9148738" cy="3072200"/>
           </a:xfrm>
           <a:prstGeom prst="rect">
             <a:avLst/>
@@ -5775,7 +5892,7 @@
         </p:nvSpPr>
         <p:spPr>
           <a:xfrm>
-            <a:off x="1553658" y="2557186"/>
+            <a:off x="1448363" y="3409127"/>
             <a:ext cx="5862126" cy="634070"/>
           </a:xfrm>
           <a:prstGeom prst="rect">
@@ -5848,7 +5965,7 @@
           <p:cNvPr id="2" name="제목 1">
             <a:extLst>
               <a:ext uri="{FF2B5EF4-FFF2-40B4-BE49-F238E27FC236}">
-                <a16:creationId xmlns:a16="http://schemas.microsoft.com/office/drawing/2014/main" id="{2EB0A747-C32B-4851-BB32-DC3E152E8FB3}"/>
+                <a16:creationId xmlns:a16="http://schemas.microsoft.com/office/drawing/2014/main" id="{47F7BEB6-068A-4BAD-8249-8D987A4FF203}"/>
               </a:ext>
             </a:extLst>
           </p:cNvPr>
@@ -5865,12 +5982,17 @@
           <a:lstStyle/>
           <a:p>
             <a:r>
-              <a:rPr lang="ko-KR" altLang="en-US" dirty="0">
-                <a:ea typeface="맑은 고딕"/>
-              </a:rPr>
-              <a:t>소스코드 분석</a:t>
-            </a:r>
-            <a:endParaRPr lang="ko-KR" altLang="en-US" dirty="0"/>
+              <a:rPr lang="ko-KR" altLang="en-US" dirty="0"/>
+              <a:t>소스코드 분석 </a:t>
+            </a:r>
+            <a:r>
+              <a:rPr lang="en-US" altLang="ko-KR" dirty="0"/>
+              <a:t>– </a:t>
+            </a:r>
+            <a:r>
+              <a:rPr lang="ko-KR" altLang="en-US" dirty="0"/>
+              <a:t>샘플 추가</a:t>
+            </a:r>
           </a:p>
         </p:txBody>
       </p:sp>
@@ -5879,7 +6001,7 @@
           <p:cNvPr id="3" name="내용 개체 틀 2">
             <a:extLst>
               <a:ext uri="{FF2B5EF4-FFF2-40B4-BE49-F238E27FC236}">
-                <a16:creationId xmlns:a16="http://schemas.microsoft.com/office/drawing/2014/main" id="{996EFA0E-F84A-42A4-9A50-24D03F83E3EE}"/>
+                <a16:creationId xmlns:a16="http://schemas.microsoft.com/office/drawing/2014/main" id="{5B23A47A-7BB4-498D-86C9-FCFA2242C850}"/>
               </a:ext>
             </a:extLst>
           </p:cNvPr>
@@ -5896,10 +6018,15 @@
           <a:lstStyle/>
           <a:p>
             <a:r>
-              <a:rPr lang="en-US" altLang="ko-KR" dirty="0" err="1"/>
-              <a:t>TransferLearningModelWrapper</a:t>
-            </a:r>
-            <a:endParaRPr lang="ko-KR" altLang="en-US" dirty="0"/>
+              <a:rPr lang="en-US" altLang="ko-KR" dirty="0"/>
+              <a:t>CameraFragment.java </a:t>
+            </a:r>
+          </a:p>
+          <a:p>
+            <a:r>
+              <a:rPr lang="ko-KR" altLang="en-US" dirty="0"/>
+              <a:t>샘플을 추가하는 버튼을 눌렀을 때</a:t>
+            </a:r>
           </a:p>
         </p:txBody>
       </p:sp>
@@ -5908,7 +6035,7 @@
           <p:cNvPr id="4" name="날짜 개체 틀 3">
             <a:extLst>
               <a:ext uri="{FF2B5EF4-FFF2-40B4-BE49-F238E27FC236}">
-                <a16:creationId xmlns:a16="http://schemas.microsoft.com/office/drawing/2014/main" id="{8A90AC18-88BC-4BC0-86A7-89E5299D1624}"/>
+                <a16:creationId xmlns:a16="http://schemas.microsoft.com/office/drawing/2014/main" id="{6F509CAB-2ADF-4D5C-BB7A-3E414A3DA4A0}"/>
               </a:ext>
             </a:extLst>
           </p:cNvPr>
@@ -5944,7 +6071,7 @@
           <p:cNvPr id="5" name="슬라이드 번호 개체 틀 4">
             <a:extLst>
               <a:ext uri="{FF2B5EF4-FFF2-40B4-BE49-F238E27FC236}">
-                <a16:creationId xmlns:a16="http://schemas.microsoft.com/office/drawing/2014/main" id="{53A7A304-6F06-42E4-856D-960E7C27707D}"/>
+                <a16:creationId xmlns:a16="http://schemas.microsoft.com/office/drawing/2014/main" id="{5080FF07-B61E-4378-A28B-E7D534E774F8}"/>
               </a:ext>
             </a:extLst>
           </p:cNvPr>
@@ -5974,244 +6101,7 @@
           <p:cNvPr id="7" name="그림 6">
             <a:extLst>
               <a:ext uri="{FF2B5EF4-FFF2-40B4-BE49-F238E27FC236}">
-                <a16:creationId xmlns:a16="http://schemas.microsoft.com/office/drawing/2014/main" id="{91591F39-0DB4-4FD1-9E6A-5912F61D8005}"/>
-              </a:ext>
-            </a:extLst>
-          </p:cNvPr>
-          <p:cNvPicPr>
-            <a:picLocks noChangeAspect="1"/>
-          </p:cNvPicPr>
-          <p:nvPr/>
-        </p:nvPicPr>
-        <p:blipFill rotWithShape="1">
-          <a:blip r:embed="rId3"/>
-          <a:srcRect t="5752"/>
-          <a:stretch/>
-        </p:blipFill>
-        <p:spPr>
-          <a:xfrm>
-            <a:off x="1277674" y="2203704"/>
-            <a:ext cx="9757720" cy="3979378"/>
-          </a:xfrm>
-          <a:prstGeom prst="rect">
-            <a:avLst/>
-          </a:prstGeom>
-        </p:spPr>
-      </p:pic>
-      <p:sp>
-        <p:nvSpPr>
-          <p:cNvPr id="9" name="직사각형 8">
-            <a:extLst>
-              <a:ext uri="{FF2B5EF4-FFF2-40B4-BE49-F238E27FC236}">
-                <a16:creationId xmlns:a16="http://schemas.microsoft.com/office/drawing/2014/main" id="{8A79D4C5-455A-490A-B8EB-49356BF48B86}"/>
-              </a:ext>
-            </a:extLst>
-          </p:cNvPr>
-          <p:cNvSpPr/>
-          <p:nvPr/>
-        </p:nvSpPr>
-        <p:spPr>
-          <a:xfrm>
-            <a:off x="1847374" y="4114800"/>
-            <a:ext cx="9188020" cy="274320"/>
-          </a:xfrm>
-          <a:prstGeom prst="rect">
-            <a:avLst/>
-          </a:prstGeom>
-          <a:noFill/>
-          <a:ln w="38100">
-            <a:solidFill>
-              <a:srgbClr val="FF0000"/>
-            </a:solidFill>
-          </a:ln>
-        </p:spPr>
-        <p:style>
-          <a:lnRef idx="2">
-            <a:schemeClr val="accent1">
-              <a:shade val="50000"/>
-            </a:schemeClr>
-          </a:lnRef>
-          <a:fillRef idx="1">
-            <a:schemeClr val="accent1"/>
-          </a:fillRef>
-          <a:effectRef idx="0">
-            <a:schemeClr val="accent1"/>
-          </a:effectRef>
-          <a:fontRef idx="minor">
-            <a:schemeClr val="lt1"/>
-          </a:fontRef>
-        </p:style>
-        <p:txBody>
-          <a:bodyPr rtlCol="0" anchor="ctr"/>
-          <a:lstStyle/>
-          <a:p>
-            <a:pPr algn="ctr"/>
-            <a:endParaRPr lang="ko-KR" altLang="en-US"/>
-          </a:p>
-        </p:txBody>
-      </p:sp>
-    </p:spTree>
-    <p:extLst>
-      <p:ext uri="{BB962C8B-B14F-4D97-AF65-F5344CB8AC3E}">
-        <p14:creationId xmlns:p14="http://schemas.microsoft.com/office/powerpoint/2010/main" val="2371740800"/>
-      </p:ext>
-    </p:extLst>
-  </p:cSld>
-  <p:clrMapOvr>
-    <a:masterClrMapping/>
-  </p:clrMapOvr>
-</p:sld>
-</file>
-
-<file path=ppt/slides/slide17.xml><?xml version="1.0" encoding="utf-8"?>
-<p:sld xmlns:a="http://schemas.openxmlformats.org/drawingml/2006/main" xmlns:r="http://schemas.openxmlformats.org/officeDocument/2006/relationships" xmlns:p="http://schemas.openxmlformats.org/presentationml/2006/main">
-  <p:cSld>
-    <p:spTree>
-      <p:nvGrpSpPr>
-        <p:cNvPr id="1" name=""/>
-        <p:cNvGrpSpPr/>
-        <p:nvPr/>
-      </p:nvGrpSpPr>
-      <p:grpSpPr>
-        <a:xfrm>
-          <a:off x="0" y="0"/>
-          <a:ext cx="0" cy="0"/>
-          <a:chOff x="0" y="0"/>
-          <a:chExt cx="0" cy="0"/>
-        </a:xfrm>
-      </p:grpSpPr>
-      <p:sp>
-        <p:nvSpPr>
-          <p:cNvPr id="2" name="제목 1">
-            <a:extLst>
-              <a:ext uri="{FF2B5EF4-FFF2-40B4-BE49-F238E27FC236}">
-                <a16:creationId xmlns:a16="http://schemas.microsoft.com/office/drawing/2014/main" id="{2EB0A747-C32B-4851-BB32-DC3E152E8FB3}"/>
-              </a:ext>
-            </a:extLst>
-          </p:cNvPr>
-          <p:cNvSpPr>
-            <a:spLocks noGrp="1"/>
-          </p:cNvSpPr>
-          <p:nvPr>
-            <p:ph type="title"/>
-          </p:nvPr>
-        </p:nvSpPr>
-        <p:spPr/>
-        <p:txBody>
-          <a:bodyPr/>
-          <a:lstStyle/>
-          <a:p>
-            <a:r>
-              <a:rPr lang="ko-KR" altLang="en-US" dirty="0">
-                <a:ea typeface="맑은 고딕"/>
-              </a:rPr>
-              <a:t>소스코드 분석</a:t>
-            </a:r>
-            <a:endParaRPr lang="ko-KR" altLang="en-US" dirty="0"/>
-          </a:p>
-        </p:txBody>
-      </p:sp>
-      <p:sp>
-        <p:nvSpPr>
-          <p:cNvPr id="3" name="내용 개체 틀 2">
-            <a:extLst>
-              <a:ext uri="{FF2B5EF4-FFF2-40B4-BE49-F238E27FC236}">
-                <a16:creationId xmlns:a16="http://schemas.microsoft.com/office/drawing/2014/main" id="{996EFA0E-F84A-42A4-9A50-24D03F83E3EE}"/>
-              </a:ext>
-            </a:extLst>
-          </p:cNvPr>
-          <p:cNvSpPr>
-            <a:spLocks noGrp="1"/>
-          </p:cNvSpPr>
-          <p:nvPr>
-            <p:ph idx="1"/>
-          </p:nvPr>
-        </p:nvSpPr>
-        <p:spPr/>
-        <p:txBody>
-          <a:bodyPr/>
-          <a:lstStyle/>
-          <a:p>
-            <a:r>
-              <a:rPr lang="en-US" altLang="ko-KR" dirty="0" err="1"/>
-              <a:t>TransferLearningModelWrapper</a:t>
-            </a:r>
-            <a:endParaRPr lang="ko-KR" altLang="en-US" dirty="0"/>
-          </a:p>
-        </p:txBody>
-      </p:sp>
-      <p:sp>
-        <p:nvSpPr>
-          <p:cNvPr id="4" name="날짜 개체 틀 3">
-            <a:extLst>
-              <a:ext uri="{FF2B5EF4-FFF2-40B4-BE49-F238E27FC236}">
-                <a16:creationId xmlns:a16="http://schemas.microsoft.com/office/drawing/2014/main" id="{8A90AC18-88BC-4BC0-86A7-89E5299D1624}"/>
-              </a:ext>
-            </a:extLst>
-          </p:cNvPr>
-          <p:cNvSpPr>
-            <a:spLocks noGrp="1"/>
-          </p:cNvSpPr>
-          <p:nvPr>
-            <p:ph type="dt" sz="half" idx="10"/>
-          </p:nvPr>
-        </p:nvSpPr>
-        <p:spPr/>
-        <p:txBody>
-          <a:bodyPr/>
-          <a:lstStyle/>
-          <a:p>
-            <a:r>
-              <a:rPr lang="ko-KR" altLang="en-US"/>
-              <a:t>권철현</a:t>
-            </a:r>
-            <a:r>
-              <a:rPr lang="en-US" altLang="ko-KR"/>
-              <a:t>, </a:t>
-            </a:r>
-            <a:r>
-              <a:rPr lang="ko-KR" altLang="en-US"/>
-              <a:t>신재하</a:t>
-            </a:r>
-          </a:p>
-        </p:txBody>
-      </p:sp>
-      <p:sp>
-        <p:nvSpPr>
-          <p:cNvPr id="5" name="슬라이드 번호 개체 틀 4">
-            <a:extLst>
-              <a:ext uri="{FF2B5EF4-FFF2-40B4-BE49-F238E27FC236}">
-                <a16:creationId xmlns:a16="http://schemas.microsoft.com/office/drawing/2014/main" id="{53A7A304-6F06-42E4-856D-960E7C27707D}"/>
-              </a:ext>
-            </a:extLst>
-          </p:cNvPr>
-          <p:cNvSpPr>
-            <a:spLocks noGrp="1"/>
-          </p:cNvSpPr>
-          <p:nvPr>
-            <p:ph type="sldNum" sz="quarter" idx="12"/>
-          </p:nvPr>
-        </p:nvSpPr>
-        <p:spPr/>
-        <p:txBody>
-          <a:bodyPr/>
-          <a:lstStyle/>
-          <a:p>
-            <a:fld id="{5FF72CB3-86FB-4DBB-A7AC-E8F6F3DA156B}" type="slidenum">
-              <a:rPr lang="ko-KR" altLang="en-US" smtClean="0"/>
-              <a:pPr/>
-              <a:t>17</a:t>
-            </a:fld>
-            <a:endParaRPr lang="ko-KR" altLang="en-US"/>
-          </a:p>
-        </p:txBody>
-      </p:sp>
-      <p:pic>
-        <p:nvPicPr>
-          <p:cNvPr id="7" name="그림 6">
-            <a:extLst>
-              <a:ext uri="{FF2B5EF4-FFF2-40B4-BE49-F238E27FC236}">
-                <a16:creationId xmlns:a16="http://schemas.microsoft.com/office/drawing/2014/main" id="{362154CD-94A6-4944-A3D6-0C2840572274}"/>
+                <a16:creationId xmlns:a16="http://schemas.microsoft.com/office/drawing/2014/main" id="{546D5C0D-BC84-4974-9241-1ED7441241FB}"/>
               </a:ext>
             </a:extLst>
           </p:cNvPr>
@@ -6222,13 +6112,13 @@
         </p:nvPicPr>
         <p:blipFill rotWithShape="1">
           <a:blip r:embed="rId2"/>
-          <a:srcRect t="7800"/>
+          <a:srcRect r="27870"/>
           <a:stretch/>
         </p:blipFill>
         <p:spPr>
           <a:xfrm>
-            <a:off x="500151" y="2478023"/>
-            <a:ext cx="10286824" cy="3119213"/>
+            <a:off x="526540" y="2942276"/>
+            <a:ext cx="7708601" cy="1352550"/>
           </a:xfrm>
           <a:prstGeom prst="rect">
             <a:avLst/>
@@ -6240,7 +6130,7 @@
           <p:cNvPr id="8" name="직사각형 7">
             <a:extLst>
               <a:ext uri="{FF2B5EF4-FFF2-40B4-BE49-F238E27FC236}">
-                <a16:creationId xmlns:a16="http://schemas.microsoft.com/office/drawing/2014/main" id="{C8488027-4409-4158-B08A-28836FD94EC0}"/>
+                <a16:creationId xmlns:a16="http://schemas.microsoft.com/office/drawing/2014/main" id="{DE02A5BA-AA4C-46E2-845B-EAA57DD9F8C8}"/>
               </a:ext>
             </a:extLst>
           </p:cNvPr>
@@ -6249,428 +6139,7 @@
         </p:nvSpPr>
         <p:spPr>
           <a:xfrm>
-            <a:off x="794427" y="3079437"/>
-            <a:ext cx="4802808" cy="321853"/>
-          </a:xfrm>
-          <a:prstGeom prst="rect">
-            <a:avLst/>
-          </a:prstGeom>
-          <a:noFill/>
-          <a:ln w="38100">
-            <a:solidFill>
-              <a:srgbClr val="FF0000"/>
-            </a:solidFill>
-          </a:ln>
-        </p:spPr>
-        <p:style>
-          <a:lnRef idx="2">
-            <a:schemeClr val="accent1">
-              <a:shade val="50000"/>
-            </a:schemeClr>
-          </a:lnRef>
-          <a:fillRef idx="1">
-            <a:schemeClr val="accent1"/>
-          </a:fillRef>
-          <a:effectRef idx="0">
-            <a:schemeClr val="accent1"/>
-          </a:effectRef>
-          <a:fontRef idx="minor">
-            <a:schemeClr val="lt1"/>
-          </a:fontRef>
-        </p:style>
-        <p:txBody>
-          <a:bodyPr rtlCol="0" anchor="ctr"/>
-          <a:lstStyle/>
-          <a:p>
-            <a:pPr algn="ctr"/>
-            <a:endParaRPr lang="ko-KR" altLang="en-US"/>
-          </a:p>
-        </p:txBody>
-      </p:sp>
-    </p:spTree>
-    <p:extLst>
-      <p:ext uri="{BB962C8B-B14F-4D97-AF65-F5344CB8AC3E}">
-        <p14:creationId xmlns:p14="http://schemas.microsoft.com/office/powerpoint/2010/main" val="2791653274"/>
-      </p:ext>
-    </p:extLst>
-  </p:cSld>
-  <p:clrMapOvr>
-    <a:masterClrMapping/>
-  </p:clrMapOvr>
-</p:sld>
-</file>
-
-<file path=ppt/slides/slide18.xml><?xml version="1.0" encoding="utf-8"?>
-<p:sld xmlns:a="http://schemas.openxmlformats.org/drawingml/2006/main" xmlns:r="http://schemas.openxmlformats.org/officeDocument/2006/relationships" xmlns:p="http://schemas.openxmlformats.org/presentationml/2006/main">
-  <p:cSld>
-    <p:spTree>
-      <p:nvGrpSpPr>
-        <p:cNvPr id="1" name=""/>
-        <p:cNvGrpSpPr/>
-        <p:nvPr/>
-      </p:nvGrpSpPr>
-      <p:grpSpPr>
-        <a:xfrm>
-          <a:off x="0" y="0"/>
-          <a:ext cx="0" cy="0"/>
-          <a:chOff x="0" y="0"/>
-          <a:chExt cx="0" cy="0"/>
-        </a:xfrm>
-      </p:grpSpPr>
-      <p:sp>
-        <p:nvSpPr>
-          <p:cNvPr id="2" name="제목 1">
-            <a:extLst>
-              <a:ext uri="{FF2B5EF4-FFF2-40B4-BE49-F238E27FC236}">
-                <a16:creationId xmlns:a16="http://schemas.microsoft.com/office/drawing/2014/main" id="{2EB0A747-C32B-4851-BB32-DC3E152E8FB3}"/>
-              </a:ext>
-            </a:extLst>
-          </p:cNvPr>
-          <p:cNvSpPr>
-            <a:spLocks noGrp="1"/>
-          </p:cNvSpPr>
-          <p:nvPr>
-            <p:ph type="title"/>
-          </p:nvPr>
-        </p:nvSpPr>
-        <p:spPr/>
-        <p:txBody>
-          <a:bodyPr/>
-          <a:lstStyle/>
-          <a:p>
-            <a:r>
-              <a:rPr lang="ko-KR" altLang="en-US" dirty="0">
-                <a:ea typeface="맑은 고딕"/>
-              </a:rPr>
-              <a:t>소스코드 분석</a:t>
-            </a:r>
-            <a:endParaRPr lang="ko-KR" altLang="en-US" dirty="0"/>
-          </a:p>
-        </p:txBody>
-      </p:sp>
-      <p:sp>
-        <p:nvSpPr>
-          <p:cNvPr id="3" name="내용 개체 틀 2">
-            <a:extLst>
-              <a:ext uri="{FF2B5EF4-FFF2-40B4-BE49-F238E27FC236}">
-                <a16:creationId xmlns:a16="http://schemas.microsoft.com/office/drawing/2014/main" id="{996EFA0E-F84A-42A4-9A50-24D03F83E3EE}"/>
-              </a:ext>
-            </a:extLst>
-          </p:cNvPr>
-          <p:cNvSpPr>
-            <a:spLocks noGrp="1"/>
-          </p:cNvSpPr>
-          <p:nvPr>
-            <p:ph idx="1"/>
-          </p:nvPr>
-        </p:nvSpPr>
-        <p:spPr/>
-        <p:txBody>
-          <a:bodyPr/>
-          <a:lstStyle/>
-          <a:p>
-            <a:r>
-              <a:rPr lang="en-US" altLang="ko-KR" dirty="0" err="1"/>
-              <a:t>TransferLearningModel</a:t>
-            </a:r>
-            <a:endParaRPr lang="ko-KR" altLang="en-US" dirty="0"/>
-          </a:p>
-        </p:txBody>
-      </p:sp>
-      <p:sp>
-        <p:nvSpPr>
-          <p:cNvPr id="4" name="날짜 개체 틀 3">
-            <a:extLst>
-              <a:ext uri="{FF2B5EF4-FFF2-40B4-BE49-F238E27FC236}">
-                <a16:creationId xmlns:a16="http://schemas.microsoft.com/office/drawing/2014/main" id="{8A90AC18-88BC-4BC0-86A7-89E5299D1624}"/>
-              </a:ext>
-            </a:extLst>
-          </p:cNvPr>
-          <p:cNvSpPr>
-            <a:spLocks noGrp="1"/>
-          </p:cNvSpPr>
-          <p:nvPr>
-            <p:ph type="dt" sz="half" idx="10"/>
-          </p:nvPr>
-        </p:nvSpPr>
-        <p:spPr/>
-        <p:txBody>
-          <a:bodyPr/>
-          <a:lstStyle/>
-          <a:p>
-            <a:r>
-              <a:rPr lang="ko-KR" altLang="en-US"/>
-              <a:t>권철현</a:t>
-            </a:r>
-            <a:r>
-              <a:rPr lang="en-US" altLang="ko-KR"/>
-              <a:t>, </a:t>
-            </a:r>
-            <a:r>
-              <a:rPr lang="ko-KR" altLang="en-US"/>
-              <a:t>신재하</a:t>
-            </a:r>
-          </a:p>
-        </p:txBody>
-      </p:sp>
-      <p:sp>
-        <p:nvSpPr>
-          <p:cNvPr id="5" name="슬라이드 번호 개체 틀 4">
-            <a:extLst>
-              <a:ext uri="{FF2B5EF4-FFF2-40B4-BE49-F238E27FC236}">
-                <a16:creationId xmlns:a16="http://schemas.microsoft.com/office/drawing/2014/main" id="{53A7A304-6F06-42E4-856D-960E7C27707D}"/>
-              </a:ext>
-            </a:extLst>
-          </p:cNvPr>
-          <p:cNvSpPr>
-            <a:spLocks noGrp="1"/>
-          </p:cNvSpPr>
-          <p:nvPr>
-            <p:ph type="sldNum" sz="quarter" idx="12"/>
-          </p:nvPr>
-        </p:nvSpPr>
-        <p:spPr/>
-        <p:txBody>
-          <a:bodyPr/>
-          <a:lstStyle/>
-          <a:p>
-            <a:fld id="{5FF72CB3-86FB-4DBB-A7AC-E8F6F3DA156B}" type="slidenum">
-              <a:rPr lang="ko-KR" altLang="en-US" smtClean="0"/>
-              <a:pPr/>
-              <a:t>18</a:t>
-            </a:fld>
-            <a:endParaRPr lang="ko-KR" altLang="en-US"/>
-          </a:p>
-        </p:txBody>
-      </p:sp>
-      <p:pic>
-        <p:nvPicPr>
-          <p:cNvPr id="7" name="그림 6">
-            <a:extLst>
-              <a:ext uri="{FF2B5EF4-FFF2-40B4-BE49-F238E27FC236}">
-                <a16:creationId xmlns:a16="http://schemas.microsoft.com/office/drawing/2014/main" id="{E24F9B22-1763-4724-A8B8-66620DD3CA3C}"/>
-              </a:ext>
-            </a:extLst>
-          </p:cNvPr>
-          <p:cNvPicPr>
-            <a:picLocks noChangeAspect="1"/>
-          </p:cNvPicPr>
-          <p:nvPr/>
-        </p:nvPicPr>
-        <p:blipFill>
-          <a:blip r:embed="rId2"/>
-          <a:stretch>
-            <a:fillRect/>
-          </a:stretch>
-        </p:blipFill>
-        <p:spPr>
-          <a:xfrm>
-            <a:off x="666750" y="2628900"/>
-            <a:ext cx="10858500" cy="1600200"/>
-          </a:xfrm>
-          <a:prstGeom prst="rect">
-            <a:avLst/>
-          </a:prstGeom>
-        </p:spPr>
-      </p:pic>
-    </p:spTree>
-    <p:extLst>
-      <p:ext uri="{BB962C8B-B14F-4D97-AF65-F5344CB8AC3E}">
-        <p14:creationId xmlns:p14="http://schemas.microsoft.com/office/powerpoint/2010/main" val="3192884927"/>
-      </p:ext>
-    </p:extLst>
-  </p:cSld>
-  <p:clrMapOvr>
-    <a:masterClrMapping/>
-  </p:clrMapOvr>
-</p:sld>
-</file>
-
-<file path=ppt/slides/slide19.xml><?xml version="1.0" encoding="utf-8"?>
-<p:sld xmlns:a="http://schemas.openxmlformats.org/drawingml/2006/main" xmlns:r="http://schemas.openxmlformats.org/officeDocument/2006/relationships" xmlns:p="http://schemas.openxmlformats.org/presentationml/2006/main">
-  <p:cSld>
-    <p:spTree>
-      <p:nvGrpSpPr>
-        <p:cNvPr id="1" name=""/>
-        <p:cNvGrpSpPr/>
-        <p:nvPr/>
-      </p:nvGrpSpPr>
-      <p:grpSpPr>
-        <a:xfrm>
-          <a:off x="0" y="0"/>
-          <a:ext cx="0" cy="0"/>
-          <a:chOff x="0" y="0"/>
-          <a:chExt cx="0" cy="0"/>
-        </a:xfrm>
-      </p:grpSpPr>
-      <p:sp>
-        <p:nvSpPr>
-          <p:cNvPr id="2" name="제목 1">
-            <a:extLst>
-              <a:ext uri="{FF2B5EF4-FFF2-40B4-BE49-F238E27FC236}">
-                <a16:creationId xmlns:a16="http://schemas.microsoft.com/office/drawing/2014/main" id="{47F7BEB6-068A-4BAD-8249-8D987A4FF203}"/>
-              </a:ext>
-            </a:extLst>
-          </p:cNvPr>
-          <p:cNvSpPr>
-            <a:spLocks noGrp="1"/>
-          </p:cNvSpPr>
-          <p:nvPr>
-            <p:ph type="title"/>
-          </p:nvPr>
-        </p:nvSpPr>
-        <p:spPr/>
-        <p:txBody>
-          <a:bodyPr/>
-          <a:lstStyle/>
-          <a:p>
-            <a:r>
-              <a:rPr lang="ko-KR" altLang="en-US" dirty="0"/>
-              <a:t>소스코드 분석</a:t>
-            </a:r>
-          </a:p>
-        </p:txBody>
-      </p:sp>
-      <p:sp>
-        <p:nvSpPr>
-          <p:cNvPr id="3" name="내용 개체 틀 2">
-            <a:extLst>
-              <a:ext uri="{FF2B5EF4-FFF2-40B4-BE49-F238E27FC236}">
-                <a16:creationId xmlns:a16="http://schemas.microsoft.com/office/drawing/2014/main" id="{5B23A47A-7BB4-498D-86C9-FCFA2242C850}"/>
-              </a:ext>
-            </a:extLst>
-          </p:cNvPr>
-          <p:cNvSpPr>
-            <a:spLocks noGrp="1"/>
-          </p:cNvSpPr>
-          <p:nvPr>
-            <p:ph idx="1"/>
-          </p:nvPr>
-        </p:nvSpPr>
-        <p:spPr/>
-        <p:txBody>
-          <a:bodyPr/>
-          <a:lstStyle/>
-          <a:p>
-            <a:r>
-              <a:rPr lang="en-US" altLang="ko-KR" dirty="0" err="1"/>
-              <a:t>CameraFragment</a:t>
-            </a:r>
-            <a:endParaRPr lang="ko-KR" altLang="en-US" dirty="0"/>
-          </a:p>
-        </p:txBody>
-      </p:sp>
-      <p:sp>
-        <p:nvSpPr>
-          <p:cNvPr id="4" name="날짜 개체 틀 3">
-            <a:extLst>
-              <a:ext uri="{FF2B5EF4-FFF2-40B4-BE49-F238E27FC236}">
-                <a16:creationId xmlns:a16="http://schemas.microsoft.com/office/drawing/2014/main" id="{6F509CAB-2ADF-4D5C-BB7A-3E414A3DA4A0}"/>
-              </a:ext>
-            </a:extLst>
-          </p:cNvPr>
-          <p:cNvSpPr>
-            <a:spLocks noGrp="1"/>
-          </p:cNvSpPr>
-          <p:nvPr>
-            <p:ph type="dt" sz="half" idx="10"/>
-          </p:nvPr>
-        </p:nvSpPr>
-        <p:spPr/>
-        <p:txBody>
-          <a:bodyPr/>
-          <a:lstStyle/>
-          <a:p>
-            <a:r>
-              <a:rPr lang="ko-KR" altLang="en-US"/>
-              <a:t>권철현</a:t>
-            </a:r>
-            <a:r>
-              <a:rPr lang="en-US" altLang="ko-KR"/>
-              <a:t>, </a:t>
-            </a:r>
-            <a:r>
-              <a:rPr lang="ko-KR" altLang="en-US"/>
-              <a:t>신재하</a:t>
-            </a:r>
-          </a:p>
-        </p:txBody>
-      </p:sp>
-      <p:sp>
-        <p:nvSpPr>
-          <p:cNvPr id="5" name="슬라이드 번호 개체 틀 4">
-            <a:extLst>
-              <a:ext uri="{FF2B5EF4-FFF2-40B4-BE49-F238E27FC236}">
-                <a16:creationId xmlns:a16="http://schemas.microsoft.com/office/drawing/2014/main" id="{5080FF07-B61E-4378-A28B-E7D534E774F8}"/>
-              </a:ext>
-            </a:extLst>
-          </p:cNvPr>
-          <p:cNvSpPr>
-            <a:spLocks noGrp="1"/>
-          </p:cNvSpPr>
-          <p:nvPr>
-            <p:ph type="sldNum" sz="quarter" idx="12"/>
-          </p:nvPr>
-        </p:nvSpPr>
-        <p:spPr/>
-        <p:txBody>
-          <a:bodyPr/>
-          <a:lstStyle/>
-          <a:p>
-            <a:fld id="{5FF72CB3-86FB-4DBB-A7AC-E8F6F3DA156B}" type="slidenum">
-              <a:rPr lang="ko-KR" altLang="en-US" smtClean="0"/>
-              <a:pPr/>
-              <a:t>19</a:t>
-            </a:fld>
-            <a:endParaRPr lang="ko-KR" altLang="en-US"/>
-          </a:p>
-        </p:txBody>
-      </p:sp>
-      <p:pic>
-        <p:nvPicPr>
-          <p:cNvPr id="7" name="그림 6">
-            <a:extLst>
-              <a:ext uri="{FF2B5EF4-FFF2-40B4-BE49-F238E27FC236}">
-                <a16:creationId xmlns:a16="http://schemas.microsoft.com/office/drawing/2014/main" id="{546D5C0D-BC84-4974-9241-1ED7441241FB}"/>
-              </a:ext>
-            </a:extLst>
-          </p:cNvPr>
-          <p:cNvPicPr>
-            <a:picLocks noChangeAspect="1"/>
-          </p:cNvPicPr>
-          <p:nvPr/>
-        </p:nvPicPr>
-        <p:blipFill>
-          <a:blip r:embed="rId2"/>
-          <a:stretch>
-            <a:fillRect/>
-          </a:stretch>
-        </p:blipFill>
-        <p:spPr>
-          <a:xfrm>
-            <a:off x="766328" y="2986611"/>
-            <a:ext cx="10687050" cy="1352550"/>
-          </a:xfrm>
-          <a:prstGeom prst="rect">
-            <a:avLst/>
-          </a:prstGeom>
-        </p:spPr>
-      </p:pic>
-      <p:sp>
-        <p:nvSpPr>
-          <p:cNvPr id="8" name="직사각형 7">
-            <a:extLst>
-              <a:ext uri="{FF2B5EF4-FFF2-40B4-BE49-F238E27FC236}">
-                <a16:creationId xmlns:a16="http://schemas.microsoft.com/office/drawing/2014/main" id="{DE02A5BA-AA4C-46E2-845B-EAA57DD9F8C8}"/>
-              </a:ext>
-            </a:extLst>
-          </p:cNvPr>
-          <p:cNvSpPr/>
-          <p:nvPr/>
-        </p:nvSpPr>
-        <p:spPr>
-          <a:xfrm>
-            <a:off x="5879591" y="3502152"/>
+            <a:off x="5656219" y="3429000"/>
             <a:ext cx="2460843" cy="248701"/>
           </a:xfrm>
           <a:prstGeom prst="rect">
@@ -6708,10 +6177,1433 @@
           </a:p>
         </p:txBody>
       </p:sp>
+      <p:pic>
+        <p:nvPicPr>
+          <p:cNvPr id="9" name="그림 8">
+            <a:extLst>
+              <a:ext uri="{FF2B5EF4-FFF2-40B4-BE49-F238E27FC236}">
+                <a16:creationId xmlns:a16="http://schemas.microsoft.com/office/drawing/2014/main" id="{A1091C26-5637-454F-9D38-5649CEFD282A}"/>
+              </a:ext>
+            </a:extLst>
+          </p:cNvPr>
+          <p:cNvPicPr>
+            <a:picLocks noChangeAspect="1"/>
+          </p:cNvPicPr>
+          <p:nvPr/>
+        </p:nvPicPr>
+        <p:blipFill>
+          <a:blip r:embed="rId3"/>
+          <a:stretch>
+            <a:fillRect/>
+          </a:stretch>
+        </p:blipFill>
+        <p:spPr>
+          <a:xfrm>
+            <a:off x="8884706" y="616250"/>
+            <a:ext cx="2843772" cy="5771804"/>
+          </a:xfrm>
+          <a:prstGeom prst="rect">
+            <a:avLst/>
+          </a:prstGeom>
+        </p:spPr>
+      </p:pic>
+      <p:sp>
+        <p:nvSpPr>
+          <p:cNvPr id="12" name="직사각형 11">
+            <a:extLst>
+              <a:ext uri="{FF2B5EF4-FFF2-40B4-BE49-F238E27FC236}">
+                <a16:creationId xmlns:a16="http://schemas.microsoft.com/office/drawing/2014/main" id="{BAF2A62C-6F55-4FD1-A82F-338B36DDEB43}"/>
+              </a:ext>
+            </a:extLst>
+          </p:cNvPr>
+          <p:cNvSpPr/>
+          <p:nvPr/>
+        </p:nvSpPr>
+        <p:spPr>
+          <a:xfrm>
+            <a:off x="8884707" y="5646408"/>
+            <a:ext cx="674930" cy="736073"/>
+          </a:xfrm>
+          <a:prstGeom prst="rect">
+            <a:avLst/>
+          </a:prstGeom>
+          <a:noFill/>
+          <a:ln w="38100">
+            <a:solidFill>
+              <a:srgbClr val="FF0000"/>
+            </a:solidFill>
+          </a:ln>
+        </p:spPr>
+        <p:style>
+          <a:lnRef idx="2">
+            <a:schemeClr val="accent1">
+              <a:shade val="50000"/>
+            </a:schemeClr>
+          </a:lnRef>
+          <a:fillRef idx="1">
+            <a:schemeClr val="accent1"/>
+          </a:fillRef>
+          <a:effectRef idx="0">
+            <a:schemeClr val="accent1"/>
+          </a:effectRef>
+          <a:fontRef idx="minor">
+            <a:schemeClr val="lt1"/>
+          </a:fontRef>
+        </p:style>
+        <p:txBody>
+          <a:bodyPr rtlCol="0" anchor="ctr"/>
+          <a:lstStyle/>
+          <a:p>
+            <a:pPr algn="ctr"/>
+            <a:endParaRPr lang="ko-KR" altLang="en-US"/>
+          </a:p>
+        </p:txBody>
+      </p:sp>
     </p:spTree>
     <p:extLst>
       <p:ext uri="{BB962C8B-B14F-4D97-AF65-F5344CB8AC3E}">
-        <p14:creationId xmlns:p14="http://schemas.microsoft.com/office/powerpoint/2010/main" val="2393587513"/>
+        <p14:creationId xmlns:p14="http://schemas.microsoft.com/office/powerpoint/2010/main" val="240964961"/>
+      </p:ext>
+    </p:extLst>
+  </p:cSld>
+  <p:clrMapOvr>
+    <a:masterClrMapping/>
+  </p:clrMapOvr>
+</p:sld>
+</file>
+
+<file path=ppt/slides/slide17.xml><?xml version="1.0" encoding="utf-8"?>
+<p:sld xmlns:a="http://schemas.openxmlformats.org/drawingml/2006/main" xmlns:r="http://schemas.openxmlformats.org/officeDocument/2006/relationships" xmlns:p="http://schemas.openxmlformats.org/presentationml/2006/main">
+  <p:cSld>
+    <p:spTree>
+      <p:nvGrpSpPr>
+        <p:cNvPr id="1" name=""/>
+        <p:cNvGrpSpPr/>
+        <p:nvPr/>
+      </p:nvGrpSpPr>
+      <p:grpSpPr>
+        <a:xfrm>
+          <a:off x="0" y="0"/>
+          <a:ext cx="0" cy="0"/>
+          <a:chOff x="0" y="0"/>
+          <a:chExt cx="0" cy="0"/>
+        </a:xfrm>
+      </p:grpSpPr>
+      <p:sp>
+        <p:nvSpPr>
+          <p:cNvPr id="2" name="제목 1">
+            <a:extLst>
+              <a:ext uri="{FF2B5EF4-FFF2-40B4-BE49-F238E27FC236}">
+                <a16:creationId xmlns:a16="http://schemas.microsoft.com/office/drawing/2014/main" id="{47F7BEB6-068A-4BAD-8249-8D987A4FF203}"/>
+              </a:ext>
+            </a:extLst>
+          </p:cNvPr>
+          <p:cNvSpPr>
+            <a:spLocks noGrp="1"/>
+          </p:cNvSpPr>
+          <p:nvPr>
+            <p:ph type="title"/>
+          </p:nvPr>
+        </p:nvSpPr>
+        <p:spPr/>
+        <p:txBody>
+          <a:bodyPr/>
+          <a:lstStyle/>
+          <a:p>
+            <a:r>
+              <a:rPr lang="ko-KR" altLang="en-US" dirty="0"/>
+              <a:t>소스코드 분석</a:t>
+            </a:r>
+            <a:r>
+              <a:rPr lang="en-US" altLang="ko-KR" dirty="0"/>
+              <a:t> – </a:t>
+            </a:r>
+            <a:r>
+              <a:rPr lang="ko-KR" altLang="en-US" dirty="0"/>
+              <a:t>샘플 추가</a:t>
+            </a:r>
+          </a:p>
+        </p:txBody>
+      </p:sp>
+      <p:sp>
+        <p:nvSpPr>
+          <p:cNvPr id="3" name="내용 개체 틀 2">
+            <a:extLst>
+              <a:ext uri="{FF2B5EF4-FFF2-40B4-BE49-F238E27FC236}">
+                <a16:creationId xmlns:a16="http://schemas.microsoft.com/office/drawing/2014/main" id="{5B23A47A-7BB4-498D-86C9-FCFA2242C850}"/>
+              </a:ext>
+            </a:extLst>
+          </p:cNvPr>
+          <p:cNvSpPr>
+            <a:spLocks noGrp="1"/>
+          </p:cNvSpPr>
+          <p:nvPr>
+            <p:ph idx="1"/>
+          </p:nvPr>
+        </p:nvSpPr>
+        <p:spPr/>
+        <p:txBody>
+          <a:bodyPr/>
+          <a:lstStyle/>
+          <a:p>
+            <a:r>
+              <a:rPr lang="en-US" altLang="ko-KR" dirty="0"/>
+              <a:t>CameraFragment.java</a:t>
+            </a:r>
+          </a:p>
+          <a:p>
+            <a:pPr lvl="1"/>
+            <a:r>
+              <a:rPr lang="en-US" altLang="ko-KR" dirty="0" err="1"/>
+              <a:t>ConcurrentLinkedQueue</a:t>
+            </a:r>
+            <a:r>
+              <a:rPr lang="en-US" altLang="ko-KR" dirty="0"/>
+              <a:t>&lt;String&gt;</a:t>
+            </a:r>
+            <a:r>
+              <a:rPr lang="ko-KR" altLang="en-US" dirty="0"/>
+              <a:t>에 클래스 이름을 추가</a:t>
+            </a:r>
+            <a:endParaRPr lang="en-US" altLang="ko-KR" dirty="0"/>
+          </a:p>
+          <a:p>
+            <a:pPr lvl="1"/>
+            <a:r>
+              <a:rPr lang="ko-KR" altLang="en-US" dirty="0"/>
+              <a:t>클래스 이름은 버튼에 따라 </a:t>
+            </a:r>
+            <a:r>
+              <a:rPr lang="en-US" altLang="ko-KR" dirty="0"/>
+              <a:t>1, 2, 3, 4 </a:t>
+            </a:r>
+            <a:r>
+              <a:rPr lang="ko-KR" altLang="en-US" dirty="0"/>
+              <a:t>중 하나</a:t>
+            </a:r>
+            <a:endParaRPr lang="en-US" altLang="ko-KR" dirty="0"/>
+          </a:p>
+        </p:txBody>
+      </p:sp>
+      <p:sp>
+        <p:nvSpPr>
+          <p:cNvPr id="4" name="날짜 개체 틀 3">
+            <a:extLst>
+              <a:ext uri="{FF2B5EF4-FFF2-40B4-BE49-F238E27FC236}">
+                <a16:creationId xmlns:a16="http://schemas.microsoft.com/office/drawing/2014/main" id="{6F509CAB-2ADF-4D5C-BB7A-3E414A3DA4A0}"/>
+              </a:ext>
+            </a:extLst>
+          </p:cNvPr>
+          <p:cNvSpPr>
+            <a:spLocks noGrp="1"/>
+          </p:cNvSpPr>
+          <p:nvPr>
+            <p:ph type="dt" sz="half" idx="10"/>
+          </p:nvPr>
+        </p:nvSpPr>
+        <p:spPr/>
+        <p:txBody>
+          <a:bodyPr/>
+          <a:lstStyle/>
+          <a:p>
+            <a:r>
+              <a:rPr lang="ko-KR" altLang="en-US"/>
+              <a:t>권철현</a:t>
+            </a:r>
+            <a:r>
+              <a:rPr lang="en-US" altLang="ko-KR"/>
+              <a:t>, </a:t>
+            </a:r>
+            <a:r>
+              <a:rPr lang="ko-KR" altLang="en-US"/>
+              <a:t>신재하</a:t>
+            </a:r>
+          </a:p>
+        </p:txBody>
+      </p:sp>
+      <p:sp>
+        <p:nvSpPr>
+          <p:cNvPr id="5" name="슬라이드 번호 개체 틀 4">
+            <a:extLst>
+              <a:ext uri="{FF2B5EF4-FFF2-40B4-BE49-F238E27FC236}">
+                <a16:creationId xmlns:a16="http://schemas.microsoft.com/office/drawing/2014/main" id="{5080FF07-B61E-4378-A28B-E7D534E774F8}"/>
+              </a:ext>
+            </a:extLst>
+          </p:cNvPr>
+          <p:cNvSpPr>
+            <a:spLocks noGrp="1"/>
+          </p:cNvSpPr>
+          <p:nvPr>
+            <p:ph type="sldNum" sz="quarter" idx="12"/>
+          </p:nvPr>
+        </p:nvSpPr>
+        <p:spPr/>
+        <p:txBody>
+          <a:bodyPr/>
+          <a:lstStyle/>
+          <a:p>
+            <a:fld id="{5FF72CB3-86FB-4DBB-A7AC-E8F6F3DA156B}" type="slidenum">
+              <a:rPr lang="ko-KR" altLang="en-US" smtClean="0"/>
+              <a:pPr/>
+              <a:t>17</a:t>
+            </a:fld>
+            <a:endParaRPr lang="ko-KR" altLang="en-US"/>
+          </a:p>
+        </p:txBody>
+      </p:sp>
+      <p:pic>
+        <p:nvPicPr>
+          <p:cNvPr id="9" name="그림 8">
+            <a:extLst>
+              <a:ext uri="{FF2B5EF4-FFF2-40B4-BE49-F238E27FC236}">
+                <a16:creationId xmlns:a16="http://schemas.microsoft.com/office/drawing/2014/main" id="{F0636FF7-CD7D-4289-8E4C-3F04D084C7F3}"/>
+              </a:ext>
+            </a:extLst>
+          </p:cNvPr>
+          <p:cNvPicPr>
+            <a:picLocks noChangeAspect="1"/>
+          </p:cNvPicPr>
+          <p:nvPr/>
+        </p:nvPicPr>
+        <p:blipFill rotWithShape="1">
+          <a:blip r:embed="rId2"/>
+          <a:srcRect r="38662"/>
+          <a:stretch/>
+        </p:blipFill>
+        <p:spPr>
+          <a:xfrm>
+            <a:off x="303422" y="4548293"/>
+            <a:ext cx="6596062" cy="1419225"/>
+          </a:xfrm>
+          <a:prstGeom prst="rect">
+            <a:avLst/>
+          </a:prstGeom>
+        </p:spPr>
+      </p:pic>
+      <p:pic>
+        <p:nvPicPr>
+          <p:cNvPr id="11" name="그림 10">
+            <a:extLst>
+              <a:ext uri="{FF2B5EF4-FFF2-40B4-BE49-F238E27FC236}">
+                <a16:creationId xmlns:a16="http://schemas.microsoft.com/office/drawing/2014/main" id="{D34D8422-6F87-4079-86C2-C923CEEDEB80}"/>
+              </a:ext>
+            </a:extLst>
+          </p:cNvPr>
+          <p:cNvPicPr>
+            <a:picLocks noChangeAspect="1"/>
+          </p:cNvPicPr>
+          <p:nvPr/>
+        </p:nvPicPr>
+        <p:blipFill>
+          <a:blip r:embed="rId3"/>
+          <a:stretch>
+            <a:fillRect/>
+          </a:stretch>
+        </p:blipFill>
+        <p:spPr>
+          <a:xfrm>
+            <a:off x="6992846" y="3259448"/>
+            <a:ext cx="5104093" cy="2833652"/>
+          </a:xfrm>
+          <a:prstGeom prst="rect">
+            <a:avLst/>
+          </a:prstGeom>
+        </p:spPr>
+      </p:pic>
+      <p:sp>
+        <p:nvSpPr>
+          <p:cNvPr id="12" name="직사각형 11">
+            <a:extLst>
+              <a:ext uri="{FF2B5EF4-FFF2-40B4-BE49-F238E27FC236}">
+                <a16:creationId xmlns:a16="http://schemas.microsoft.com/office/drawing/2014/main" id="{081909E6-29FF-49A4-8E14-643DE18E52DC}"/>
+              </a:ext>
+            </a:extLst>
+          </p:cNvPr>
+          <p:cNvSpPr/>
+          <p:nvPr/>
+        </p:nvSpPr>
+        <p:spPr>
+          <a:xfrm>
+            <a:off x="834837" y="5380892"/>
+            <a:ext cx="3221774" cy="255137"/>
+          </a:xfrm>
+          <a:prstGeom prst="rect">
+            <a:avLst/>
+          </a:prstGeom>
+          <a:noFill/>
+          <a:ln w="38100">
+            <a:solidFill>
+              <a:srgbClr val="FF0000"/>
+            </a:solidFill>
+          </a:ln>
+        </p:spPr>
+        <p:style>
+          <a:lnRef idx="2">
+            <a:schemeClr val="accent1">
+              <a:shade val="50000"/>
+            </a:schemeClr>
+          </a:lnRef>
+          <a:fillRef idx="1">
+            <a:schemeClr val="accent1"/>
+          </a:fillRef>
+          <a:effectRef idx="0">
+            <a:schemeClr val="accent1"/>
+          </a:effectRef>
+          <a:fontRef idx="minor">
+            <a:schemeClr val="lt1"/>
+          </a:fontRef>
+        </p:style>
+        <p:txBody>
+          <a:bodyPr rtlCol="0" anchor="ctr"/>
+          <a:lstStyle/>
+          <a:p>
+            <a:pPr algn="ctr"/>
+            <a:endParaRPr lang="ko-KR" altLang="en-US"/>
+          </a:p>
+        </p:txBody>
+      </p:sp>
+    </p:spTree>
+    <p:extLst>
+      <p:ext uri="{BB962C8B-B14F-4D97-AF65-F5344CB8AC3E}">
+        <p14:creationId xmlns:p14="http://schemas.microsoft.com/office/powerpoint/2010/main" val="146477537"/>
+      </p:ext>
+    </p:extLst>
+  </p:cSld>
+  <p:clrMapOvr>
+    <a:masterClrMapping/>
+  </p:clrMapOvr>
+</p:sld>
+</file>
+
+<file path=ppt/slides/slide18.xml><?xml version="1.0" encoding="utf-8"?>
+<p:sld xmlns:a="http://schemas.openxmlformats.org/drawingml/2006/main" xmlns:r="http://schemas.openxmlformats.org/officeDocument/2006/relationships" xmlns:p="http://schemas.openxmlformats.org/presentationml/2006/main">
+  <p:cSld>
+    <p:spTree>
+      <p:nvGrpSpPr>
+        <p:cNvPr id="1" name=""/>
+        <p:cNvGrpSpPr/>
+        <p:nvPr/>
+      </p:nvGrpSpPr>
+      <p:grpSpPr>
+        <a:xfrm>
+          <a:off x="0" y="0"/>
+          <a:ext cx="0" cy="0"/>
+          <a:chOff x="0" y="0"/>
+          <a:chExt cx="0" cy="0"/>
+        </a:xfrm>
+      </p:grpSpPr>
+      <p:sp>
+        <p:nvSpPr>
+          <p:cNvPr id="2" name="제목 1">
+            <a:extLst>
+              <a:ext uri="{FF2B5EF4-FFF2-40B4-BE49-F238E27FC236}">
+                <a16:creationId xmlns:a16="http://schemas.microsoft.com/office/drawing/2014/main" id="{2EB0A747-C32B-4851-BB32-DC3E152E8FB3}"/>
+              </a:ext>
+            </a:extLst>
+          </p:cNvPr>
+          <p:cNvSpPr>
+            <a:spLocks noGrp="1"/>
+          </p:cNvSpPr>
+          <p:nvPr>
+            <p:ph type="title"/>
+          </p:nvPr>
+        </p:nvSpPr>
+        <p:spPr/>
+        <p:txBody>
+          <a:bodyPr/>
+          <a:lstStyle/>
+          <a:p>
+            <a:r>
+              <a:rPr lang="ko-KR" altLang="en-US" dirty="0">
+                <a:ea typeface="맑은 고딕"/>
+              </a:rPr>
+              <a:t>소스코드 분석</a:t>
+            </a:r>
+            <a:r>
+              <a:rPr lang="en-US" altLang="ko-KR" dirty="0"/>
+              <a:t> – </a:t>
+            </a:r>
+            <a:r>
+              <a:rPr lang="ko-KR" altLang="en-US" dirty="0"/>
+              <a:t>샘플 추가</a:t>
+            </a:r>
+          </a:p>
+        </p:txBody>
+      </p:sp>
+      <p:sp>
+        <p:nvSpPr>
+          <p:cNvPr id="3" name="내용 개체 틀 2">
+            <a:extLst>
+              <a:ext uri="{FF2B5EF4-FFF2-40B4-BE49-F238E27FC236}">
+                <a16:creationId xmlns:a16="http://schemas.microsoft.com/office/drawing/2014/main" id="{996EFA0E-F84A-42A4-9A50-24D03F83E3EE}"/>
+              </a:ext>
+            </a:extLst>
+          </p:cNvPr>
+          <p:cNvSpPr>
+            <a:spLocks noGrp="1"/>
+          </p:cNvSpPr>
+          <p:nvPr>
+            <p:ph idx="1"/>
+          </p:nvPr>
+        </p:nvSpPr>
+        <p:spPr/>
+        <p:txBody>
+          <a:bodyPr/>
+          <a:lstStyle/>
+          <a:p>
+            <a:r>
+              <a:rPr lang="en-US" altLang="ko-KR" dirty="0" err="1"/>
+              <a:t>ImageAnalysis.Analyzer</a:t>
+            </a:r>
+            <a:endParaRPr lang="en-US" altLang="ko-KR" dirty="0"/>
+          </a:p>
+          <a:p>
+            <a:pPr lvl="1"/>
+            <a:r>
+              <a:rPr lang="en-US" altLang="ko-KR" dirty="0" err="1"/>
+              <a:t>ConcurrentLinkedQueue</a:t>
+            </a:r>
+            <a:r>
+              <a:rPr lang="en-US" altLang="ko-KR" dirty="0"/>
+              <a:t> </a:t>
+            </a:r>
+            <a:r>
+              <a:rPr lang="ko-KR" altLang="en-US" dirty="0"/>
+              <a:t>에서 </a:t>
+            </a:r>
+            <a:r>
+              <a:rPr lang="en-US" altLang="ko-KR" dirty="0"/>
+              <a:t>poll() </a:t>
+            </a:r>
+            <a:r>
+              <a:rPr lang="ko-KR" altLang="en-US" dirty="0"/>
+              <a:t>호출 </a:t>
+            </a:r>
+          </a:p>
+        </p:txBody>
+      </p:sp>
+      <p:sp>
+        <p:nvSpPr>
+          <p:cNvPr id="4" name="날짜 개체 틀 3">
+            <a:extLst>
+              <a:ext uri="{FF2B5EF4-FFF2-40B4-BE49-F238E27FC236}">
+                <a16:creationId xmlns:a16="http://schemas.microsoft.com/office/drawing/2014/main" id="{8A90AC18-88BC-4BC0-86A7-89E5299D1624}"/>
+              </a:ext>
+            </a:extLst>
+          </p:cNvPr>
+          <p:cNvSpPr>
+            <a:spLocks noGrp="1"/>
+          </p:cNvSpPr>
+          <p:nvPr>
+            <p:ph type="dt" sz="half" idx="10"/>
+          </p:nvPr>
+        </p:nvSpPr>
+        <p:spPr/>
+        <p:txBody>
+          <a:bodyPr/>
+          <a:lstStyle/>
+          <a:p>
+            <a:r>
+              <a:rPr lang="ko-KR" altLang="en-US"/>
+              <a:t>권철현</a:t>
+            </a:r>
+            <a:r>
+              <a:rPr lang="en-US" altLang="ko-KR"/>
+              <a:t>, </a:t>
+            </a:r>
+            <a:r>
+              <a:rPr lang="ko-KR" altLang="en-US"/>
+              <a:t>신재하</a:t>
+            </a:r>
+          </a:p>
+        </p:txBody>
+      </p:sp>
+      <p:sp>
+        <p:nvSpPr>
+          <p:cNvPr id="5" name="슬라이드 번호 개체 틀 4">
+            <a:extLst>
+              <a:ext uri="{FF2B5EF4-FFF2-40B4-BE49-F238E27FC236}">
+                <a16:creationId xmlns:a16="http://schemas.microsoft.com/office/drawing/2014/main" id="{53A7A304-6F06-42E4-856D-960E7C27707D}"/>
+              </a:ext>
+            </a:extLst>
+          </p:cNvPr>
+          <p:cNvSpPr>
+            <a:spLocks noGrp="1"/>
+          </p:cNvSpPr>
+          <p:nvPr>
+            <p:ph type="sldNum" sz="quarter" idx="12"/>
+          </p:nvPr>
+        </p:nvSpPr>
+        <p:spPr/>
+        <p:txBody>
+          <a:bodyPr/>
+          <a:lstStyle/>
+          <a:p>
+            <a:fld id="{5FF72CB3-86FB-4DBB-A7AC-E8F6F3DA156B}" type="slidenum">
+              <a:rPr lang="ko-KR" altLang="en-US" smtClean="0"/>
+              <a:pPr/>
+              <a:t>18</a:t>
+            </a:fld>
+            <a:endParaRPr lang="ko-KR" altLang="en-US"/>
+          </a:p>
+        </p:txBody>
+      </p:sp>
+      <p:grpSp>
+        <p:nvGrpSpPr>
+          <p:cNvPr id="6" name="그룹 5">
+            <a:extLst>
+              <a:ext uri="{FF2B5EF4-FFF2-40B4-BE49-F238E27FC236}">
+                <a16:creationId xmlns:a16="http://schemas.microsoft.com/office/drawing/2014/main" id="{49B746EB-F869-45AB-BD5A-2963DEA7B01D}"/>
+              </a:ext>
+            </a:extLst>
+          </p:cNvPr>
+          <p:cNvGrpSpPr/>
+          <p:nvPr/>
+        </p:nvGrpSpPr>
+        <p:grpSpPr>
+          <a:xfrm>
+            <a:off x="2228642" y="2838891"/>
+            <a:ext cx="6943067" cy="3495406"/>
+            <a:chOff x="2633195" y="2369497"/>
+            <a:chExt cx="8089392" cy="4012984"/>
+          </a:xfrm>
+        </p:grpSpPr>
+        <p:pic>
+          <p:nvPicPr>
+            <p:cNvPr id="7" name="그림 6">
+              <a:extLst>
+                <a:ext uri="{FF2B5EF4-FFF2-40B4-BE49-F238E27FC236}">
+                  <a16:creationId xmlns:a16="http://schemas.microsoft.com/office/drawing/2014/main" id="{DBDA4BB2-7ABC-42BA-8A8E-2AAB7CA45465}"/>
+                </a:ext>
+              </a:extLst>
+            </p:cNvPr>
+            <p:cNvPicPr>
+              <a:picLocks noChangeAspect="1"/>
+            </p:cNvPicPr>
+            <p:nvPr/>
+          </p:nvPicPr>
+          <p:blipFill rotWithShape="1">
+            <a:blip r:embed="rId2"/>
+            <a:srcRect b="14266"/>
+            <a:stretch/>
+          </p:blipFill>
+          <p:spPr>
+            <a:xfrm>
+              <a:off x="2633195" y="2369497"/>
+              <a:ext cx="8089392" cy="4012984"/>
+            </a:xfrm>
+            <a:prstGeom prst="rect">
+              <a:avLst/>
+            </a:prstGeom>
+          </p:spPr>
+        </p:pic>
+        <p:sp>
+          <p:nvSpPr>
+            <p:cNvPr id="9" name="직사각형 8">
+              <a:extLst>
+                <a:ext uri="{FF2B5EF4-FFF2-40B4-BE49-F238E27FC236}">
+                  <a16:creationId xmlns:a16="http://schemas.microsoft.com/office/drawing/2014/main" id="{74C48D58-5CFB-4305-8208-A7020F8E47DB}"/>
+                </a:ext>
+              </a:extLst>
+            </p:cNvPr>
+            <p:cNvSpPr/>
+            <p:nvPr/>
+          </p:nvSpPr>
+          <p:spPr>
+            <a:xfrm>
+              <a:off x="3068191" y="4510613"/>
+              <a:ext cx="3221774" cy="255137"/>
+            </a:xfrm>
+            <a:prstGeom prst="rect">
+              <a:avLst/>
+            </a:prstGeom>
+            <a:noFill/>
+            <a:ln w="38100">
+              <a:solidFill>
+                <a:srgbClr val="FF0000"/>
+              </a:solidFill>
+            </a:ln>
+          </p:spPr>
+          <p:style>
+            <a:lnRef idx="2">
+              <a:schemeClr val="accent1">
+                <a:shade val="50000"/>
+              </a:schemeClr>
+            </a:lnRef>
+            <a:fillRef idx="1">
+              <a:schemeClr val="accent1"/>
+            </a:fillRef>
+            <a:effectRef idx="0">
+              <a:schemeClr val="accent1"/>
+            </a:effectRef>
+            <a:fontRef idx="minor">
+              <a:schemeClr val="lt1"/>
+            </a:fontRef>
+          </p:style>
+          <p:txBody>
+            <a:bodyPr rtlCol="0" anchor="ctr"/>
+            <a:lstStyle/>
+            <a:p>
+              <a:pPr algn="ctr"/>
+              <a:endParaRPr lang="ko-KR" altLang="en-US"/>
+            </a:p>
+          </p:txBody>
+        </p:sp>
+      </p:grpSp>
+    </p:spTree>
+    <p:extLst>
+      <p:ext uri="{BB962C8B-B14F-4D97-AF65-F5344CB8AC3E}">
+        <p14:creationId xmlns:p14="http://schemas.microsoft.com/office/powerpoint/2010/main" val="1735092863"/>
+      </p:ext>
+    </p:extLst>
+  </p:cSld>
+  <p:clrMapOvr>
+    <a:masterClrMapping/>
+  </p:clrMapOvr>
+</p:sld>
+</file>
+
+<file path=ppt/slides/slide19.xml><?xml version="1.0" encoding="utf-8"?>
+<p:sld xmlns:a="http://schemas.openxmlformats.org/drawingml/2006/main" xmlns:r="http://schemas.openxmlformats.org/officeDocument/2006/relationships" xmlns:p="http://schemas.openxmlformats.org/presentationml/2006/main">
+  <p:cSld>
+    <p:spTree>
+      <p:nvGrpSpPr>
+        <p:cNvPr id="1" name=""/>
+        <p:cNvGrpSpPr/>
+        <p:nvPr/>
+      </p:nvGrpSpPr>
+      <p:grpSpPr>
+        <a:xfrm>
+          <a:off x="0" y="0"/>
+          <a:ext cx="0" cy="0"/>
+          <a:chOff x="0" y="0"/>
+          <a:chExt cx="0" cy="0"/>
+        </a:xfrm>
+      </p:grpSpPr>
+      <p:sp>
+        <p:nvSpPr>
+          <p:cNvPr id="2" name="제목 1">
+            <a:extLst>
+              <a:ext uri="{FF2B5EF4-FFF2-40B4-BE49-F238E27FC236}">
+                <a16:creationId xmlns:a16="http://schemas.microsoft.com/office/drawing/2014/main" id="{2EB0A747-C32B-4851-BB32-DC3E152E8FB3}"/>
+              </a:ext>
+            </a:extLst>
+          </p:cNvPr>
+          <p:cNvSpPr>
+            <a:spLocks noGrp="1"/>
+          </p:cNvSpPr>
+          <p:nvPr>
+            <p:ph type="title"/>
+          </p:nvPr>
+        </p:nvSpPr>
+        <p:spPr/>
+        <p:txBody>
+          <a:bodyPr/>
+          <a:lstStyle/>
+          <a:p>
+            <a:r>
+              <a:rPr lang="ko-KR" altLang="en-US" dirty="0">
+                <a:ea typeface="맑은 고딕"/>
+              </a:rPr>
+              <a:t>소스코드 분석</a:t>
+            </a:r>
+            <a:r>
+              <a:rPr lang="en-US" altLang="ko-KR" dirty="0"/>
+              <a:t> – </a:t>
+            </a:r>
+            <a:r>
+              <a:rPr lang="ko-KR" altLang="en-US" dirty="0"/>
+              <a:t>샘플 추가</a:t>
+            </a:r>
+          </a:p>
+        </p:txBody>
+      </p:sp>
+      <p:sp>
+        <p:nvSpPr>
+          <p:cNvPr id="3" name="내용 개체 틀 2">
+            <a:extLst>
+              <a:ext uri="{FF2B5EF4-FFF2-40B4-BE49-F238E27FC236}">
+                <a16:creationId xmlns:a16="http://schemas.microsoft.com/office/drawing/2014/main" id="{996EFA0E-F84A-42A4-9A50-24D03F83E3EE}"/>
+              </a:ext>
+            </a:extLst>
+          </p:cNvPr>
+          <p:cNvSpPr>
+            <a:spLocks noGrp="1"/>
+          </p:cNvSpPr>
+          <p:nvPr>
+            <p:ph idx="1"/>
+          </p:nvPr>
+        </p:nvSpPr>
+        <p:spPr/>
+        <p:txBody>
+          <a:bodyPr/>
+          <a:lstStyle/>
+          <a:p>
+            <a:r>
+              <a:rPr lang="en-US" altLang="ko-KR" dirty="0" err="1"/>
+              <a:t>ImageAnalysis.Analyzer</a:t>
+            </a:r>
+            <a:endParaRPr lang="en-US" altLang="ko-KR" dirty="0"/>
+          </a:p>
+          <a:p>
+            <a:pPr lvl="1"/>
+            <a:r>
+              <a:rPr lang="en-US" altLang="ko-KR" dirty="0"/>
+              <a:t>Queue </a:t>
+            </a:r>
+            <a:r>
+              <a:rPr lang="ko-KR" altLang="en-US" dirty="0"/>
+              <a:t>에서 꺼낸 클래스</a:t>
+            </a:r>
+            <a:r>
+              <a:rPr lang="en-US" altLang="ko-KR" dirty="0"/>
+              <a:t> </a:t>
+            </a:r>
+            <a:r>
+              <a:rPr lang="ko-KR" altLang="en-US" dirty="0"/>
+              <a:t>이름과 이미지를 통해 샘플을 추가한다</a:t>
+            </a:r>
+            <a:r>
+              <a:rPr lang="en-US" altLang="ko-KR" dirty="0"/>
+              <a:t>.</a:t>
+            </a:r>
+            <a:endParaRPr lang="ko-KR" altLang="en-US" dirty="0"/>
+          </a:p>
+        </p:txBody>
+      </p:sp>
+      <p:sp>
+        <p:nvSpPr>
+          <p:cNvPr id="4" name="날짜 개체 틀 3">
+            <a:extLst>
+              <a:ext uri="{FF2B5EF4-FFF2-40B4-BE49-F238E27FC236}">
+                <a16:creationId xmlns:a16="http://schemas.microsoft.com/office/drawing/2014/main" id="{8A90AC18-88BC-4BC0-86A7-89E5299D1624}"/>
+              </a:ext>
+            </a:extLst>
+          </p:cNvPr>
+          <p:cNvSpPr>
+            <a:spLocks noGrp="1"/>
+          </p:cNvSpPr>
+          <p:nvPr>
+            <p:ph type="dt" sz="half" idx="10"/>
+          </p:nvPr>
+        </p:nvSpPr>
+        <p:spPr/>
+        <p:txBody>
+          <a:bodyPr/>
+          <a:lstStyle/>
+          <a:p>
+            <a:r>
+              <a:rPr lang="ko-KR" altLang="en-US"/>
+              <a:t>권철현</a:t>
+            </a:r>
+            <a:r>
+              <a:rPr lang="en-US" altLang="ko-KR"/>
+              <a:t>, </a:t>
+            </a:r>
+            <a:r>
+              <a:rPr lang="ko-KR" altLang="en-US"/>
+              <a:t>신재하</a:t>
+            </a:r>
+          </a:p>
+        </p:txBody>
+      </p:sp>
+      <p:sp>
+        <p:nvSpPr>
+          <p:cNvPr id="5" name="슬라이드 번호 개체 틀 4">
+            <a:extLst>
+              <a:ext uri="{FF2B5EF4-FFF2-40B4-BE49-F238E27FC236}">
+                <a16:creationId xmlns:a16="http://schemas.microsoft.com/office/drawing/2014/main" id="{53A7A304-6F06-42E4-856D-960E7C27707D}"/>
+              </a:ext>
+            </a:extLst>
+          </p:cNvPr>
+          <p:cNvSpPr>
+            <a:spLocks noGrp="1"/>
+          </p:cNvSpPr>
+          <p:nvPr>
+            <p:ph type="sldNum" sz="quarter" idx="12"/>
+          </p:nvPr>
+        </p:nvSpPr>
+        <p:spPr/>
+        <p:txBody>
+          <a:bodyPr/>
+          <a:lstStyle/>
+          <a:p>
+            <a:fld id="{5FF72CB3-86FB-4DBB-A7AC-E8F6F3DA156B}" type="slidenum">
+              <a:rPr lang="ko-KR" altLang="en-US" smtClean="0"/>
+              <a:pPr/>
+              <a:t>19</a:t>
+            </a:fld>
+            <a:endParaRPr lang="ko-KR" altLang="en-US"/>
+          </a:p>
+        </p:txBody>
+      </p:sp>
+      <p:grpSp>
+        <p:nvGrpSpPr>
+          <p:cNvPr id="6" name="그룹 5">
+            <a:extLst>
+              <a:ext uri="{FF2B5EF4-FFF2-40B4-BE49-F238E27FC236}">
+                <a16:creationId xmlns:a16="http://schemas.microsoft.com/office/drawing/2014/main" id="{49B746EB-F869-45AB-BD5A-2963DEA7B01D}"/>
+              </a:ext>
+            </a:extLst>
+          </p:cNvPr>
+          <p:cNvGrpSpPr/>
+          <p:nvPr/>
+        </p:nvGrpSpPr>
+        <p:grpSpPr>
+          <a:xfrm>
+            <a:off x="309492" y="2838891"/>
+            <a:ext cx="6943067" cy="3495406"/>
+            <a:chOff x="2633195" y="2369497"/>
+            <a:chExt cx="8089392" cy="4012984"/>
+          </a:xfrm>
+        </p:grpSpPr>
+        <p:pic>
+          <p:nvPicPr>
+            <p:cNvPr id="7" name="그림 6">
+              <a:extLst>
+                <a:ext uri="{FF2B5EF4-FFF2-40B4-BE49-F238E27FC236}">
+                  <a16:creationId xmlns:a16="http://schemas.microsoft.com/office/drawing/2014/main" id="{DBDA4BB2-7ABC-42BA-8A8E-2AAB7CA45465}"/>
+                </a:ext>
+              </a:extLst>
+            </p:cNvPr>
+            <p:cNvPicPr>
+              <a:picLocks noChangeAspect="1"/>
+            </p:cNvPicPr>
+            <p:nvPr/>
+          </p:nvPicPr>
+          <p:blipFill rotWithShape="1">
+            <a:blip r:embed="rId2"/>
+            <a:srcRect b="14266"/>
+            <a:stretch/>
+          </p:blipFill>
+          <p:spPr>
+            <a:xfrm>
+              <a:off x="2633195" y="2369497"/>
+              <a:ext cx="8089392" cy="4012984"/>
+            </a:xfrm>
+            <a:prstGeom prst="rect">
+              <a:avLst/>
+            </a:prstGeom>
+          </p:spPr>
+        </p:pic>
+        <p:sp>
+          <p:nvSpPr>
+            <p:cNvPr id="9" name="직사각형 8">
+              <a:extLst>
+                <a:ext uri="{FF2B5EF4-FFF2-40B4-BE49-F238E27FC236}">
+                  <a16:creationId xmlns:a16="http://schemas.microsoft.com/office/drawing/2014/main" id="{74C48D58-5CFB-4305-8208-A7020F8E47DB}"/>
+                </a:ext>
+              </a:extLst>
+            </p:cNvPr>
+            <p:cNvSpPr/>
+            <p:nvPr/>
+          </p:nvSpPr>
+          <p:spPr>
+            <a:xfrm>
+              <a:off x="3232708" y="5242291"/>
+              <a:ext cx="3460841" cy="243091"/>
+            </a:xfrm>
+            <a:prstGeom prst="rect">
+              <a:avLst/>
+            </a:prstGeom>
+            <a:noFill/>
+            <a:ln w="38100">
+              <a:solidFill>
+                <a:srgbClr val="FF0000"/>
+              </a:solidFill>
+            </a:ln>
+          </p:spPr>
+          <p:style>
+            <a:lnRef idx="2">
+              <a:schemeClr val="accent1">
+                <a:shade val="50000"/>
+              </a:schemeClr>
+            </a:lnRef>
+            <a:fillRef idx="1">
+              <a:schemeClr val="accent1"/>
+            </a:fillRef>
+            <a:effectRef idx="0">
+              <a:schemeClr val="accent1"/>
+            </a:effectRef>
+            <a:fontRef idx="minor">
+              <a:schemeClr val="lt1"/>
+            </a:fontRef>
+          </p:style>
+          <p:txBody>
+            <a:bodyPr rtlCol="0" anchor="ctr"/>
+            <a:lstStyle/>
+            <a:p>
+              <a:pPr algn="ctr"/>
+              <a:endParaRPr lang="ko-KR" altLang="en-US"/>
+            </a:p>
+          </p:txBody>
+        </p:sp>
+      </p:grpSp>
+      <p:sp>
+        <p:nvSpPr>
+          <p:cNvPr id="10" name="직사각형 9">
+            <a:extLst>
+              <a:ext uri="{FF2B5EF4-FFF2-40B4-BE49-F238E27FC236}">
+                <a16:creationId xmlns:a16="http://schemas.microsoft.com/office/drawing/2014/main" id="{A63D1729-A43F-412B-A474-39EC8B5C24A4}"/>
+              </a:ext>
+            </a:extLst>
+          </p:cNvPr>
+          <p:cNvSpPr/>
+          <p:nvPr/>
+        </p:nvSpPr>
+        <p:spPr>
+          <a:xfrm>
+            <a:off x="682733" y="3608409"/>
+            <a:ext cx="4763193" cy="376157"/>
+          </a:xfrm>
+          <a:prstGeom prst="rect">
+            <a:avLst/>
+          </a:prstGeom>
+          <a:noFill/>
+          <a:ln w="38100">
+            <a:solidFill>
+              <a:srgbClr val="FF0000"/>
+            </a:solidFill>
+          </a:ln>
+        </p:spPr>
+        <p:style>
+          <a:lnRef idx="2">
+            <a:schemeClr val="accent1">
+              <a:shade val="50000"/>
+            </a:schemeClr>
+          </a:lnRef>
+          <a:fillRef idx="1">
+            <a:schemeClr val="accent1"/>
+          </a:fillRef>
+          <a:effectRef idx="0">
+            <a:schemeClr val="accent1"/>
+          </a:effectRef>
+          <a:fontRef idx="minor">
+            <a:schemeClr val="lt1"/>
+          </a:fontRef>
+        </p:style>
+        <p:txBody>
+          <a:bodyPr rtlCol="0" anchor="ctr"/>
+          <a:lstStyle/>
+          <a:p>
+            <a:pPr algn="ctr"/>
+            <a:endParaRPr lang="ko-KR" altLang="en-US"/>
+          </a:p>
+        </p:txBody>
+      </p:sp>
+      <p:sp>
+        <p:nvSpPr>
+          <p:cNvPr id="16" name="평행 사변형 15">
+            <a:extLst>
+              <a:ext uri="{FF2B5EF4-FFF2-40B4-BE49-F238E27FC236}">
+                <a16:creationId xmlns:a16="http://schemas.microsoft.com/office/drawing/2014/main" id="{82525AF1-B9A2-4958-AFDC-B34017079DB9}"/>
+              </a:ext>
+            </a:extLst>
+          </p:cNvPr>
+          <p:cNvSpPr/>
+          <p:nvPr/>
+        </p:nvSpPr>
+        <p:spPr>
+          <a:xfrm>
+            <a:off x="9125454" y="4443836"/>
+            <a:ext cx="2793076" cy="1080655"/>
+          </a:xfrm>
+          <a:prstGeom prst="parallelogram">
+            <a:avLst>
+              <a:gd name="adj" fmla="val 47051"/>
+            </a:avLst>
+          </a:prstGeom>
+          <a:solidFill>
+            <a:srgbClr val="0070C0"/>
+          </a:solidFill>
+          <a:ln>
+            <a:solidFill>
+              <a:srgbClr val="0070C0"/>
+            </a:solidFill>
+          </a:ln>
+        </p:spPr>
+        <p:style>
+          <a:lnRef idx="2">
+            <a:schemeClr val="accent1">
+              <a:shade val="50000"/>
+            </a:schemeClr>
+          </a:lnRef>
+          <a:fillRef idx="1">
+            <a:schemeClr val="accent1"/>
+          </a:fillRef>
+          <a:effectRef idx="0">
+            <a:schemeClr val="accent1"/>
+          </a:effectRef>
+          <a:fontRef idx="minor">
+            <a:schemeClr val="lt1"/>
+          </a:fontRef>
+        </p:style>
+        <p:txBody>
+          <a:bodyPr rtlCol="0" anchor="ctr"/>
+          <a:lstStyle/>
+          <a:p>
+            <a:pPr algn="ctr"/>
+            <a:endParaRPr lang="ko-KR" altLang="en-US"/>
+          </a:p>
+        </p:txBody>
+      </p:sp>
+      <p:sp>
+        <p:nvSpPr>
+          <p:cNvPr id="17" name="평행 사변형 16">
+            <a:extLst>
+              <a:ext uri="{FF2B5EF4-FFF2-40B4-BE49-F238E27FC236}">
+                <a16:creationId xmlns:a16="http://schemas.microsoft.com/office/drawing/2014/main" id="{DBF983AE-3065-4256-AD52-855567FC04A2}"/>
+              </a:ext>
+            </a:extLst>
+          </p:cNvPr>
+          <p:cNvSpPr/>
+          <p:nvPr/>
+        </p:nvSpPr>
+        <p:spPr>
+          <a:xfrm>
+            <a:off x="9125454" y="3903508"/>
+            <a:ext cx="2793076" cy="1080655"/>
+          </a:xfrm>
+          <a:prstGeom prst="parallelogram">
+            <a:avLst>
+              <a:gd name="adj" fmla="val 47051"/>
+            </a:avLst>
+          </a:prstGeom>
+          <a:solidFill>
+            <a:srgbClr val="00B050"/>
+          </a:solidFill>
+          <a:ln>
+            <a:solidFill>
+              <a:srgbClr val="00B050"/>
+            </a:solidFill>
+          </a:ln>
+        </p:spPr>
+        <p:style>
+          <a:lnRef idx="2">
+            <a:schemeClr val="accent1">
+              <a:shade val="50000"/>
+            </a:schemeClr>
+          </a:lnRef>
+          <a:fillRef idx="1">
+            <a:schemeClr val="accent1"/>
+          </a:fillRef>
+          <a:effectRef idx="0">
+            <a:schemeClr val="accent1"/>
+          </a:effectRef>
+          <a:fontRef idx="minor">
+            <a:schemeClr val="lt1"/>
+          </a:fontRef>
+        </p:style>
+        <p:txBody>
+          <a:bodyPr rtlCol="0" anchor="ctr"/>
+          <a:lstStyle/>
+          <a:p>
+            <a:pPr algn="ctr"/>
+            <a:endParaRPr lang="ko-KR" altLang="en-US"/>
+          </a:p>
+        </p:txBody>
+      </p:sp>
+      <p:sp>
+        <p:nvSpPr>
+          <p:cNvPr id="18" name="평행 사변형 17">
+            <a:extLst>
+              <a:ext uri="{FF2B5EF4-FFF2-40B4-BE49-F238E27FC236}">
+                <a16:creationId xmlns:a16="http://schemas.microsoft.com/office/drawing/2014/main" id="{455B1096-D091-4DE7-A506-BBE21B699EFF}"/>
+              </a:ext>
+            </a:extLst>
+          </p:cNvPr>
+          <p:cNvSpPr/>
+          <p:nvPr/>
+        </p:nvSpPr>
+        <p:spPr>
+          <a:xfrm>
+            <a:off x="9125454" y="3329353"/>
+            <a:ext cx="2793076" cy="1080655"/>
+          </a:xfrm>
+          <a:prstGeom prst="parallelogram">
+            <a:avLst>
+              <a:gd name="adj" fmla="val 47051"/>
+            </a:avLst>
+          </a:prstGeom>
+          <a:solidFill>
+            <a:srgbClr val="FF0000"/>
+          </a:solidFill>
+          <a:ln>
+            <a:solidFill>
+              <a:srgbClr val="FF0000"/>
+            </a:solidFill>
+          </a:ln>
+        </p:spPr>
+        <p:style>
+          <a:lnRef idx="2">
+            <a:schemeClr val="accent1">
+              <a:shade val="50000"/>
+            </a:schemeClr>
+          </a:lnRef>
+          <a:fillRef idx="1">
+            <a:schemeClr val="accent1"/>
+          </a:fillRef>
+          <a:effectRef idx="0">
+            <a:schemeClr val="accent1"/>
+          </a:effectRef>
+          <a:fontRef idx="minor">
+            <a:schemeClr val="lt1"/>
+          </a:fontRef>
+        </p:style>
+        <p:txBody>
+          <a:bodyPr rtlCol="0" anchor="ctr"/>
+          <a:lstStyle/>
+          <a:p>
+            <a:pPr algn="ctr"/>
+            <a:endParaRPr lang="ko-KR" altLang="en-US">
+              <a:solidFill>
+                <a:srgbClr val="FF0000"/>
+              </a:solidFill>
+            </a:endParaRPr>
+          </a:p>
+        </p:txBody>
+      </p:sp>
+      <p:cxnSp>
+        <p:nvCxnSpPr>
+          <p:cNvPr id="20" name="직선 화살표 연결선 19">
+            <a:extLst>
+              <a:ext uri="{FF2B5EF4-FFF2-40B4-BE49-F238E27FC236}">
+                <a16:creationId xmlns:a16="http://schemas.microsoft.com/office/drawing/2014/main" id="{704010D4-2922-4914-9422-0C0229111ADB}"/>
+              </a:ext>
+            </a:extLst>
+          </p:cNvPr>
+          <p:cNvCxnSpPr>
+            <a:cxnSpLocks/>
+          </p:cNvCxnSpPr>
+          <p:nvPr/>
+        </p:nvCxnSpPr>
+        <p:spPr>
+          <a:xfrm flipV="1">
+            <a:off x="8444051" y="3607546"/>
+            <a:ext cx="950180" cy="2086550"/>
+          </a:xfrm>
+          <a:prstGeom prst="straightConnector1">
+            <a:avLst/>
+          </a:prstGeom>
+          <a:ln>
+            <a:tailEnd type="triangle"/>
+          </a:ln>
+        </p:spPr>
+        <p:style>
+          <a:lnRef idx="1">
+            <a:schemeClr val="dk1"/>
+          </a:lnRef>
+          <a:fillRef idx="0">
+            <a:schemeClr val="dk1"/>
+          </a:fillRef>
+          <a:effectRef idx="0">
+            <a:schemeClr val="dk1"/>
+          </a:effectRef>
+          <a:fontRef idx="minor">
+            <a:schemeClr val="tx1"/>
+          </a:fontRef>
+        </p:style>
+      </p:cxnSp>
+      <p:cxnSp>
+        <p:nvCxnSpPr>
+          <p:cNvPr id="22" name="직선 화살표 연결선 21">
+            <a:extLst>
+              <a:ext uri="{FF2B5EF4-FFF2-40B4-BE49-F238E27FC236}">
+                <a16:creationId xmlns:a16="http://schemas.microsoft.com/office/drawing/2014/main" id="{1371C84D-FCCC-48B8-86BC-B347D9A7BF66}"/>
+              </a:ext>
+            </a:extLst>
+          </p:cNvPr>
+          <p:cNvCxnSpPr>
+            <a:cxnSpLocks/>
+          </p:cNvCxnSpPr>
+          <p:nvPr/>
+        </p:nvCxnSpPr>
+        <p:spPr>
+          <a:xfrm>
+            <a:off x="8444051" y="5683724"/>
+            <a:ext cx="3266661" cy="0"/>
+          </a:xfrm>
+          <a:prstGeom prst="straightConnector1">
+            <a:avLst/>
+          </a:prstGeom>
+          <a:ln>
+            <a:tailEnd type="triangle"/>
+          </a:ln>
+        </p:spPr>
+        <p:style>
+          <a:lnRef idx="1">
+            <a:schemeClr val="dk1"/>
+          </a:lnRef>
+          <a:fillRef idx="0">
+            <a:schemeClr val="dk1"/>
+          </a:fillRef>
+          <a:effectRef idx="0">
+            <a:schemeClr val="dk1"/>
+          </a:effectRef>
+          <a:fontRef idx="minor">
+            <a:schemeClr val="tx1"/>
+          </a:fontRef>
+        </p:style>
+      </p:cxnSp>
+      <p:cxnSp>
+        <p:nvCxnSpPr>
+          <p:cNvPr id="30" name="직선 화살표 연결선 29">
+            <a:extLst>
+              <a:ext uri="{FF2B5EF4-FFF2-40B4-BE49-F238E27FC236}">
+                <a16:creationId xmlns:a16="http://schemas.microsoft.com/office/drawing/2014/main" id="{3AB8ED4C-A45B-4804-920C-DBA0BD319473}"/>
+              </a:ext>
+            </a:extLst>
+          </p:cNvPr>
+          <p:cNvCxnSpPr>
+            <a:cxnSpLocks/>
+          </p:cNvCxnSpPr>
+          <p:nvPr/>
+        </p:nvCxnSpPr>
+        <p:spPr>
+          <a:xfrm flipV="1">
+            <a:off x="8444051" y="3556572"/>
+            <a:ext cx="0" cy="2127152"/>
+          </a:xfrm>
+          <a:prstGeom prst="straightConnector1">
+            <a:avLst/>
+          </a:prstGeom>
+          <a:ln>
+            <a:tailEnd type="triangle"/>
+          </a:ln>
+        </p:spPr>
+        <p:style>
+          <a:lnRef idx="1">
+            <a:schemeClr val="dk1"/>
+          </a:lnRef>
+          <a:fillRef idx="0">
+            <a:schemeClr val="dk1"/>
+          </a:fillRef>
+          <a:effectRef idx="0">
+            <a:schemeClr val="dk1"/>
+          </a:effectRef>
+          <a:fontRef idx="minor">
+            <a:schemeClr val="tx1"/>
+          </a:fontRef>
+        </p:style>
+      </p:cxnSp>
+      <p:sp>
+        <p:nvSpPr>
+          <p:cNvPr id="34" name="TextBox 33">
+            <a:extLst>
+              <a:ext uri="{FF2B5EF4-FFF2-40B4-BE49-F238E27FC236}">
+                <a16:creationId xmlns:a16="http://schemas.microsoft.com/office/drawing/2014/main" id="{435AC922-3D2B-4A04-A4DC-4450EC6150FF}"/>
+              </a:ext>
+            </a:extLst>
+          </p:cNvPr>
+          <p:cNvSpPr txBox="1"/>
+          <p:nvPr/>
+        </p:nvSpPr>
+        <p:spPr>
+          <a:xfrm>
+            <a:off x="10340498" y="5703840"/>
+            <a:ext cx="1170708" cy="369332"/>
+          </a:xfrm>
+          <a:prstGeom prst="rect">
+            <a:avLst/>
+          </a:prstGeom>
+          <a:noFill/>
+        </p:spPr>
+        <p:txBody>
+          <a:bodyPr wrap="square" rtlCol="0">
+            <a:spAutoFit/>
+          </a:bodyPr>
+          <a:lstStyle/>
+          <a:p>
+            <a:r>
+              <a:rPr lang="en-US" altLang="ko-KR"/>
+              <a:t>x </a:t>
+            </a:r>
+            <a:r>
+              <a:rPr lang="ko-KR" altLang="en-US" dirty="0"/>
+              <a:t>좌표</a:t>
+            </a:r>
+          </a:p>
+        </p:txBody>
+      </p:sp>
+      <p:sp>
+        <p:nvSpPr>
+          <p:cNvPr id="35" name="TextBox 34">
+            <a:extLst>
+              <a:ext uri="{FF2B5EF4-FFF2-40B4-BE49-F238E27FC236}">
+                <a16:creationId xmlns:a16="http://schemas.microsoft.com/office/drawing/2014/main" id="{A0B919E2-A18D-4236-9AA4-827113892EA2}"/>
+              </a:ext>
+            </a:extLst>
+          </p:cNvPr>
+          <p:cNvSpPr txBox="1"/>
+          <p:nvPr/>
+        </p:nvSpPr>
+        <p:spPr>
+          <a:xfrm>
+            <a:off x="8779635" y="3187240"/>
+            <a:ext cx="1170708" cy="369332"/>
+          </a:xfrm>
+          <a:prstGeom prst="rect">
+            <a:avLst/>
+          </a:prstGeom>
+          <a:noFill/>
+        </p:spPr>
+        <p:txBody>
+          <a:bodyPr wrap="square" rtlCol="0">
+            <a:spAutoFit/>
+          </a:bodyPr>
+          <a:lstStyle/>
+          <a:p>
+            <a:r>
+              <a:rPr lang="en-US" altLang="ko-KR" dirty="0"/>
+              <a:t>y </a:t>
+            </a:r>
+            <a:r>
+              <a:rPr lang="ko-KR" altLang="en-US" dirty="0"/>
+              <a:t>좌표</a:t>
+            </a:r>
+          </a:p>
+        </p:txBody>
+      </p:sp>
+      <p:sp>
+        <p:nvSpPr>
+          <p:cNvPr id="36" name="TextBox 35">
+            <a:extLst>
+              <a:ext uri="{FF2B5EF4-FFF2-40B4-BE49-F238E27FC236}">
+                <a16:creationId xmlns:a16="http://schemas.microsoft.com/office/drawing/2014/main" id="{72487141-ADB0-4541-B4A7-4606116A0E06}"/>
+              </a:ext>
+            </a:extLst>
+          </p:cNvPr>
+          <p:cNvSpPr txBox="1"/>
+          <p:nvPr/>
+        </p:nvSpPr>
+        <p:spPr>
+          <a:xfrm>
+            <a:off x="7608927" y="4006739"/>
+            <a:ext cx="1170708" cy="369332"/>
+          </a:xfrm>
+          <a:prstGeom prst="rect">
+            <a:avLst/>
+          </a:prstGeom>
+          <a:noFill/>
+        </p:spPr>
+        <p:txBody>
+          <a:bodyPr wrap="square" rtlCol="0">
+            <a:spAutoFit/>
+          </a:bodyPr>
+          <a:lstStyle/>
+          <a:p>
+            <a:r>
+              <a:rPr lang="en-US" altLang="ko-KR" dirty="0"/>
+              <a:t>R, G, B</a:t>
+            </a:r>
+            <a:endParaRPr lang="ko-KR" altLang="en-US" dirty="0"/>
+          </a:p>
+        </p:txBody>
+      </p:sp>
+    </p:spTree>
+    <p:extLst>
+      <p:ext uri="{BB962C8B-B14F-4D97-AF65-F5344CB8AC3E}">
+        <p14:creationId xmlns:p14="http://schemas.microsoft.com/office/powerpoint/2010/main" val="1723540856"/>
       </p:ext>
     </p:extLst>
   </p:cSld>
@@ -6793,18 +7685,18 @@
           <a:lstStyle/>
           <a:p>
             <a:r>
-              <a:rPr lang="ko-KR" altLang="en-US">
+              <a:rPr lang="ko-KR" altLang="en-US" dirty="0">
                 <a:ea typeface="맑은 고딕"/>
               </a:rPr>
               <a:t>기존 실험 오류 및 변경사항</a:t>
             </a:r>
-            <a:endParaRPr lang="ko-KR" altLang="en-US">
+            <a:endParaRPr lang="ko-KR" altLang="en-US" dirty="0">
               <a:ea typeface="맑은 고딕" panose="020B0503020000020004" pitchFamily="34" charset="-127"/>
             </a:endParaRPr>
           </a:p>
           <a:p>
             <a:r>
-              <a:rPr lang="ko-KR" err="1">
+              <a:rPr lang="ko-KR" dirty="0" err="1">
                 <a:solidFill>
                   <a:srgbClr val="B8B8B8"/>
                 </a:solidFill>
@@ -6814,7 +7706,7 @@
               <a:t>On-Device</a:t>
             </a:r>
             <a:r>
-              <a:rPr lang="ko-KR">
+              <a:rPr lang="ko-KR" dirty="0">
                 <a:solidFill>
                   <a:srgbClr val="B8B8B8"/>
                 </a:solidFill>
@@ -6823,7 +7715,7 @@
               </a:rPr>
               <a:t> 학습</a:t>
             </a:r>
-            <a:endParaRPr lang="ko-KR" altLang="en-US">
+            <a:endParaRPr lang="ko-KR" altLang="en-US" dirty="0">
               <a:solidFill>
                 <a:srgbClr val="B8B8B8"/>
               </a:solidFill>
@@ -6832,7 +7724,7 @@
           </a:p>
           <a:p>
             <a:r>
-              <a:rPr lang="ko-KR" altLang="en-US">
+              <a:rPr lang="ko-KR" altLang="en-US" dirty="0">
                 <a:solidFill>
                   <a:srgbClr val="B8B8B8"/>
                 </a:solidFill>
@@ -6840,21 +7732,54 @@
               </a:rPr>
               <a:t>전이학습</a:t>
             </a:r>
-            <a:endParaRPr lang="ko-KR"/>
-          </a:p>
-          <a:p>
-            <a:r>
-              <a:rPr lang="ko-KR" altLang="en-US">
+            <a:endParaRPr lang="ko-KR" dirty="0"/>
+          </a:p>
+          <a:p>
+            <a:r>
+              <a:rPr lang="ko-KR" altLang="en-US" dirty="0">
                 <a:solidFill>
                   <a:srgbClr val="B8B8B8"/>
                 </a:solidFill>
                 <a:ea typeface="맑은 고딕"/>
               </a:rPr>
-              <a:t>소스코드 분석 및 수정 </a:t>
-            </a:r>
-          </a:p>
-          <a:p>
-            <a:endParaRPr lang="ko-KR" altLang="en-US">
+              <a:t>소스코드 분석 </a:t>
+            </a:r>
+            <a:endParaRPr lang="en-US" altLang="ko-KR" dirty="0">
+              <a:solidFill>
+                <a:srgbClr val="B8B8B8"/>
+              </a:solidFill>
+              <a:ea typeface="맑은 고딕"/>
+            </a:endParaRPr>
+          </a:p>
+          <a:p>
+            <a:r>
+              <a:rPr lang="ko-KR" altLang="en-US" dirty="0">
+                <a:solidFill>
+                  <a:schemeClr val="bg1">
+                    <a:lumMod val="75000"/>
+                  </a:schemeClr>
+                </a:solidFill>
+                <a:ea typeface="맑은 고딕"/>
+              </a:rPr>
+              <a:t>소스코드 수정 </a:t>
+            </a:r>
+          </a:p>
+          <a:p>
+            <a:pPr marL="0" indent="0">
+              <a:buNone/>
+            </a:pPr>
+            <a:r>
+              <a:rPr lang="ko-KR" altLang="en-US" dirty="0">
+                <a:solidFill>
+                  <a:srgbClr val="B8B8B8"/>
+                </a:solidFill>
+                <a:ea typeface="맑은 고딕"/>
+              </a:rPr>
+              <a:t> </a:t>
+            </a:r>
+          </a:p>
+          <a:p>
+            <a:endParaRPr lang="ko-KR" altLang="en-US" dirty="0">
               <a:solidFill>
                 <a:srgbClr val="B8B8B8"/>
               </a:solidFill>
@@ -6965,7 +7890,7 @@
           <p:cNvPr id="2" name="제목 1">
             <a:extLst>
               <a:ext uri="{FF2B5EF4-FFF2-40B4-BE49-F238E27FC236}">
-                <a16:creationId xmlns:a16="http://schemas.microsoft.com/office/drawing/2014/main" id="{47F7BEB6-068A-4BAD-8249-8D987A4FF203}"/>
+                <a16:creationId xmlns:a16="http://schemas.microsoft.com/office/drawing/2014/main" id="{4A6D08B8-37DA-4C59-AD71-093F31287EFA}"/>
               </a:ext>
             </a:extLst>
           </p:cNvPr>
@@ -6983,7 +7908,15 @@
           <a:p>
             <a:r>
               <a:rPr lang="ko-KR" altLang="en-US" dirty="0"/>
-              <a:t>소스코드 분석</a:t>
+              <a:t>소스코드 분석 </a:t>
+            </a:r>
+            <a:r>
+              <a:rPr lang="en-US" altLang="ko-KR" dirty="0"/>
+              <a:t>– </a:t>
+            </a:r>
+            <a:r>
+              <a:rPr lang="ko-KR" altLang="en-US" dirty="0"/>
+              <a:t>샘플 추가</a:t>
             </a:r>
           </a:p>
         </p:txBody>
@@ -6993,7 +7926,7 @@
           <p:cNvPr id="3" name="내용 개체 틀 2">
             <a:extLst>
               <a:ext uri="{FF2B5EF4-FFF2-40B4-BE49-F238E27FC236}">
-                <a16:creationId xmlns:a16="http://schemas.microsoft.com/office/drawing/2014/main" id="{5B23A47A-7BB4-498D-86C9-FCFA2242C850}"/>
+                <a16:creationId xmlns:a16="http://schemas.microsoft.com/office/drawing/2014/main" id="{B2C6E159-5DA4-4721-B48F-8A3406914F95}"/>
               </a:ext>
             </a:extLst>
           </p:cNvPr>
@@ -7010,8 +7943,59 @@
           <a:lstStyle/>
           <a:p>
             <a:r>
+              <a:rPr lang="en-US" altLang="ko-KR" dirty="0"/>
+              <a:t>TransferLearningModelWrapper.java</a:t>
+            </a:r>
+          </a:p>
+          <a:p>
+            <a:pPr lvl="1"/>
+            <a:r>
               <a:rPr lang="en-US" altLang="ko-KR" dirty="0" err="1"/>
-              <a:t>CameraFragment</a:t>
+              <a:t>modelwrapper</a:t>
+            </a:r>
+            <a:r>
+              <a:rPr lang="en-US" altLang="ko-KR" dirty="0"/>
+              <a:t> </a:t>
+            </a:r>
+            <a:r>
+              <a:rPr lang="ko-KR" altLang="en-US" dirty="0"/>
+              <a:t>의 </a:t>
+            </a:r>
+            <a:r>
+              <a:rPr lang="en-US" altLang="ko-KR" dirty="0" err="1"/>
+              <a:t>addSample</a:t>
+            </a:r>
+            <a:r>
+              <a:rPr lang="en-US" altLang="ko-KR" dirty="0"/>
+              <a:t> </a:t>
+            </a:r>
+            <a:r>
+              <a:rPr lang="ko-KR" altLang="en-US" dirty="0"/>
+              <a:t>메소드</a:t>
+            </a:r>
+            <a:endParaRPr lang="en-US" altLang="ko-KR" dirty="0"/>
+          </a:p>
+          <a:p>
+            <a:pPr lvl="1"/>
+            <a:r>
+              <a:rPr lang="en-US" altLang="ko-KR" dirty="0"/>
+              <a:t>Future&lt;&gt;</a:t>
+            </a:r>
+            <a:r>
+              <a:rPr lang="ko-KR" altLang="en-US" dirty="0"/>
+              <a:t>는 비동기식으로 동작하며</a:t>
+            </a:r>
+            <a:r>
+              <a:rPr lang="en-US" altLang="ko-KR" dirty="0"/>
+              <a:t>, get()</a:t>
+            </a:r>
+            <a:r>
+              <a:rPr lang="ko-KR" altLang="en-US" dirty="0"/>
+              <a:t> 을 통해 연산 완료 후의 결과를 가져올 수 있다</a:t>
+            </a:r>
+            <a:r>
+              <a:rPr lang="en-US" altLang="ko-KR" dirty="0"/>
+              <a:t>.</a:t>
             </a:r>
             <a:endParaRPr lang="ko-KR" altLang="en-US" dirty="0"/>
           </a:p>
@@ -7022,7 +8006,7 @@
           <p:cNvPr id="4" name="날짜 개체 틀 3">
             <a:extLst>
               <a:ext uri="{FF2B5EF4-FFF2-40B4-BE49-F238E27FC236}">
-                <a16:creationId xmlns:a16="http://schemas.microsoft.com/office/drawing/2014/main" id="{6F509CAB-2ADF-4D5C-BB7A-3E414A3DA4A0}"/>
+                <a16:creationId xmlns:a16="http://schemas.microsoft.com/office/drawing/2014/main" id="{44BD2A04-0247-430E-A531-AF808AF810E3}"/>
               </a:ext>
             </a:extLst>
           </p:cNvPr>
@@ -7058,7 +8042,7 @@
           <p:cNvPr id="5" name="슬라이드 번호 개체 틀 4">
             <a:extLst>
               <a:ext uri="{FF2B5EF4-FFF2-40B4-BE49-F238E27FC236}">
-                <a16:creationId xmlns:a16="http://schemas.microsoft.com/office/drawing/2014/main" id="{5080FF07-B61E-4378-A28B-E7D534E774F8}"/>
+                <a16:creationId xmlns:a16="http://schemas.microsoft.com/office/drawing/2014/main" id="{FD0BC582-DCD8-43EC-9A60-6D5816AED733}"/>
               </a:ext>
             </a:extLst>
           </p:cNvPr>
@@ -7085,10 +8069,10 @@
       </p:sp>
       <p:pic>
         <p:nvPicPr>
-          <p:cNvPr id="9" name="그림 8">
-            <a:extLst>
-              <a:ext uri="{FF2B5EF4-FFF2-40B4-BE49-F238E27FC236}">
-                <a16:creationId xmlns:a16="http://schemas.microsoft.com/office/drawing/2014/main" id="{F0636FF7-CD7D-4289-8E4C-3F04D084C7F3}"/>
+          <p:cNvPr id="7" name="그림 6">
+            <a:extLst>
+              <a:ext uri="{FF2B5EF4-FFF2-40B4-BE49-F238E27FC236}">
+                <a16:creationId xmlns:a16="http://schemas.microsoft.com/office/drawing/2014/main" id="{913E7A83-DE3D-498B-9973-F329EB69B494}"/>
               </a:ext>
             </a:extLst>
           </p:cNvPr>
@@ -7105,173 +8089,20 @@
         </p:blipFill>
         <p:spPr>
           <a:xfrm>
-            <a:off x="719137" y="2719387"/>
-            <a:ext cx="10753725" cy="1419225"/>
+            <a:off x="761073" y="4741586"/>
+            <a:ext cx="7967290" cy="1426243"/>
           </a:xfrm>
           <a:prstGeom prst="rect">
             <a:avLst/>
           </a:prstGeom>
         </p:spPr>
       </p:pic>
-    </p:spTree>
-    <p:extLst>
-      <p:ext uri="{BB962C8B-B14F-4D97-AF65-F5344CB8AC3E}">
-        <p14:creationId xmlns:p14="http://schemas.microsoft.com/office/powerpoint/2010/main" val="146477537"/>
-      </p:ext>
-    </p:extLst>
-  </p:cSld>
-  <p:clrMapOvr>
-    <a:masterClrMapping/>
-  </p:clrMapOvr>
-</p:sld>
-</file>
-
-<file path=ppt/slides/slide21.xml><?xml version="1.0" encoding="utf-8"?>
-<p:sld xmlns:a="http://schemas.openxmlformats.org/drawingml/2006/main" xmlns:r="http://schemas.openxmlformats.org/officeDocument/2006/relationships" xmlns:p="http://schemas.openxmlformats.org/presentationml/2006/main">
-  <p:cSld>
-    <p:spTree>
-      <p:nvGrpSpPr>
-        <p:cNvPr id="1" name=""/>
-        <p:cNvGrpSpPr/>
-        <p:nvPr/>
-      </p:nvGrpSpPr>
-      <p:grpSpPr>
-        <a:xfrm>
-          <a:off x="0" y="0"/>
-          <a:ext cx="0" cy="0"/>
-          <a:chOff x="0" y="0"/>
-          <a:chExt cx="0" cy="0"/>
-        </a:xfrm>
-      </p:grpSpPr>
-      <p:sp>
-        <p:nvSpPr>
-          <p:cNvPr id="2" name="제목 1">
-            <a:extLst>
-              <a:ext uri="{FF2B5EF4-FFF2-40B4-BE49-F238E27FC236}">
-                <a16:creationId xmlns:a16="http://schemas.microsoft.com/office/drawing/2014/main" id="{47F7BEB6-068A-4BAD-8249-8D987A4FF203}"/>
-              </a:ext>
-            </a:extLst>
-          </p:cNvPr>
-          <p:cNvSpPr>
-            <a:spLocks noGrp="1"/>
-          </p:cNvSpPr>
-          <p:nvPr>
-            <p:ph type="title"/>
-          </p:nvPr>
-        </p:nvSpPr>
-        <p:spPr/>
-        <p:txBody>
-          <a:bodyPr/>
-          <a:lstStyle/>
-          <a:p>
-            <a:r>
-              <a:rPr lang="ko-KR" altLang="en-US" dirty="0"/>
-              <a:t>소스코드 분석</a:t>
-            </a:r>
-          </a:p>
-        </p:txBody>
-      </p:sp>
-      <p:sp>
-        <p:nvSpPr>
-          <p:cNvPr id="3" name="내용 개체 틀 2">
-            <a:extLst>
-              <a:ext uri="{FF2B5EF4-FFF2-40B4-BE49-F238E27FC236}">
-                <a16:creationId xmlns:a16="http://schemas.microsoft.com/office/drawing/2014/main" id="{5B23A47A-7BB4-498D-86C9-FCFA2242C850}"/>
-              </a:ext>
-            </a:extLst>
-          </p:cNvPr>
-          <p:cNvSpPr>
-            <a:spLocks noGrp="1"/>
-          </p:cNvSpPr>
-          <p:nvPr>
-            <p:ph idx="1"/>
-          </p:nvPr>
-        </p:nvSpPr>
-        <p:spPr/>
-        <p:txBody>
-          <a:bodyPr/>
-          <a:lstStyle/>
-          <a:p>
-            <a:r>
-              <a:rPr lang="en-US" altLang="ko-KR" dirty="0" err="1"/>
-              <a:t>CameraFragment</a:t>
-            </a:r>
-            <a:endParaRPr lang="ko-KR" altLang="en-US" dirty="0"/>
-          </a:p>
-        </p:txBody>
-      </p:sp>
-      <p:sp>
-        <p:nvSpPr>
-          <p:cNvPr id="4" name="날짜 개체 틀 3">
-            <a:extLst>
-              <a:ext uri="{FF2B5EF4-FFF2-40B4-BE49-F238E27FC236}">
-                <a16:creationId xmlns:a16="http://schemas.microsoft.com/office/drawing/2014/main" id="{6F509CAB-2ADF-4D5C-BB7A-3E414A3DA4A0}"/>
-              </a:ext>
-            </a:extLst>
-          </p:cNvPr>
-          <p:cNvSpPr>
-            <a:spLocks noGrp="1"/>
-          </p:cNvSpPr>
-          <p:nvPr>
-            <p:ph type="dt" sz="half" idx="10"/>
-          </p:nvPr>
-        </p:nvSpPr>
-        <p:spPr/>
-        <p:txBody>
-          <a:bodyPr/>
-          <a:lstStyle/>
-          <a:p>
-            <a:r>
-              <a:rPr lang="ko-KR" altLang="en-US"/>
-              <a:t>권철현</a:t>
-            </a:r>
-            <a:r>
-              <a:rPr lang="en-US" altLang="ko-KR"/>
-              <a:t>, </a:t>
-            </a:r>
-            <a:r>
-              <a:rPr lang="ko-KR" altLang="en-US"/>
-              <a:t>신재하</a:t>
-            </a:r>
-          </a:p>
-        </p:txBody>
-      </p:sp>
-      <p:sp>
-        <p:nvSpPr>
-          <p:cNvPr id="5" name="슬라이드 번호 개체 틀 4">
-            <a:extLst>
-              <a:ext uri="{FF2B5EF4-FFF2-40B4-BE49-F238E27FC236}">
-                <a16:creationId xmlns:a16="http://schemas.microsoft.com/office/drawing/2014/main" id="{5080FF07-B61E-4378-A28B-E7D534E774F8}"/>
-              </a:ext>
-            </a:extLst>
-          </p:cNvPr>
-          <p:cNvSpPr>
-            <a:spLocks noGrp="1"/>
-          </p:cNvSpPr>
-          <p:nvPr>
-            <p:ph type="sldNum" sz="quarter" idx="12"/>
-          </p:nvPr>
-        </p:nvSpPr>
-        <p:spPr/>
-        <p:txBody>
-          <a:bodyPr/>
-          <a:lstStyle/>
-          <a:p>
-            <a:fld id="{5FF72CB3-86FB-4DBB-A7AC-E8F6F3DA156B}" type="slidenum">
-              <a:rPr lang="ko-KR" altLang="en-US" smtClean="0"/>
-              <a:pPr/>
-              <a:t>21</a:t>
-            </a:fld>
-            <a:endParaRPr lang="ko-KR" altLang="en-US"/>
-          </a:p>
-        </p:txBody>
-      </p:sp>
       <p:pic>
         <p:nvPicPr>
-          <p:cNvPr id="7" name="그림 6">
-            <a:extLst>
-              <a:ext uri="{FF2B5EF4-FFF2-40B4-BE49-F238E27FC236}">
-                <a16:creationId xmlns:a16="http://schemas.microsoft.com/office/drawing/2014/main" id="{546D5C0D-BC84-4974-9241-1ED7441241FB}"/>
+          <p:cNvPr id="10" name="그림 9">
+            <a:extLst>
+              <a:ext uri="{FF2B5EF4-FFF2-40B4-BE49-F238E27FC236}">
+                <a16:creationId xmlns:a16="http://schemas.microsoft.com/office/drawing/2014/main" id="{CE059F54-6210-4B0E-8063-BFB2114C137C}"/>
               </a:ext>
             </a:extLst>
           </p:cNvPr>
@@ -7281,15 +8112,15 @@
           <p:nvPr/>
         </p:nvPicPr>
         <p:blipFill>
-          <a:blip r:embed="rId2"/>
+          <a:blip r:embed="rId3"/>
           <a:stretch>
             <a:fillRect/>
           </a:stretch>
         </p:blipFill>
         <p:spPr>
           <a:xfrm>
-            <a:off x="766328" y="2986611"/>
-            <a:ext cx="10687050" cy="1352550"/>
+            <a:off x="761073" y="3437143"/>
+            <a:ext cx="6912161" cy="1145210"/>
           </a:xfrm>
           <a:prstGeom prst="rect">
             <a:avLst/>
@@ -7298,10 +8129,10 @@
       </p:pic>
       <p:sp>
         <p:nvSpPr>
-          <p:cNvPr id="8" name="직사각형 7">
-            <a:extLst>
-              <a:ext uri="{FF2B5EF4-FFF2-40B4-BE49-F238E27FC236}">
-                <a16:creationId xmlns:a16="http://schemas.microsoft.com/office/drawing/2014/main" id="{DE02A5BA-AA4C-46E2-845B-EAA57DD9F8C8}"/>
+          <p:cNvPr id="11" name="직사각형 10">
+            <a:extLst>
+              <a:ext uri="{FF2B5EF4-FFF2-40B4-BE49-F238E27FC236}">
+                <a16:creationId xmlns:a16="http://schemas.microsoft.com/office/drawing/2014/main" id="{631B0AD9-2A19-485C-BA49-05C8320FE516}"/>
               </a:ext>
             </a:extLst>
           </p:cNvPr>
@@ -7310,8 +8141,8 @@
         </p:nvSpPr>
         <p:spPr>
           <a:xfrm>
-            <a:off x="5907023" y="3781351"/>
-            <a:ext cx="2460843" cy="248701"/>
+            <a:off x="6645730" y="3876745"/>
+            <a:ext cx="852350" cy="362746"/>
           </a:xfrm>
           <a:prstGeom prst="rect">
             <a:avLst/>
@@ -7348,1095 +8179,22 @@
           </a:p>
         </p:txBody>
       </p:sp>
-    </p:spTree>
-    <p:extLst>
-      <p:ext uri="{BB962C8B-B14F-4D97-AF65-F5344CB8AC3E}">
-        <p14:creationId xmlns:p14="http://schemas.microsoft.com/office/powerpoint/2010/main" val="3345761083"/>
-      </p:ext>
-    </p:extLst>
-  </p:cSld>
-  <p:clrMapOvr>
-    <a:masterClrMapping/>
-  </p:clrMapOvr>
-</p:sld>
-</file>
-
-<file path=ppt/slides/slide22.xml><?xml version="1.0" encoding="utf-8"?>
-<p:sld xmlns:a="http://schemas.openxmlformats.org/drawingml/2006/main" xmlns:r="http://schemas.openxmlformats.org/officeDocument/2006/relationships" xmlns:p="http://schemas.openxmlformats.org/presentationml/2006/main">
-  <p:cSld>
-    <p:spTree>
-      <p:nvGrpSpPr>
-        <p:cNvPr id="1" name=""/>
-        <p:cNvGrpSpPr/>
-        <p:nvPr/>
-      </p:nvGrpSpPr>
-      <p:grpSpPr>
-        <a:xfrm>
-          <a:off x="0" y="0"/>
-          <a:ext cx="0" cy="0"/>
-          <a:chOff x="0" y="0"/>
-          <a:chExt cx="0" cy="0"/>
-        </a:xfrm>
-      </p:grpSpPr>
-      <p:sp>
-        <p:nvSpPr>
-          <p:cNvPr id="2" name="제목 1">
-            <a:extLst>
-              <a:ext uri="{FF2B5EF4-FFF2-40B4-BE49-F238E27FC236}">
-                <a16:creationId xmlns:a16="http://schemas.microsoft.com/office/drawing/2014/main" id="{2EB0A747-C32B-4851-BB32-DC3E152E8FB3}"/>
-              </a:ext>
-            </a:extLst>
-          </p:cNvPr>
-          <p:cNvSpPr>
-            <a:spLocks noGrp="1"/>
-          </p:cNvSpPr>
-          <p:nvPr>
-            <p:ph type="title"/>
-          </p:nvPr>
-        </p:nvSpPr>
-        <p:spPr/>
-        <p:txBody>
-          <a:bodyPr/>
-          <a:lstStyle/>
-          <a:p>
-            <a:r>
-              <a:rPr lang="ko-KR" altLang="en-US" dirty="0">
-                <a:ea typeface="맑은 고딕"/>
-              </a:rPr>
-              <a:t>소스코드 분석</a:t>
-            </a:r>
-            <a:endParaRPr lang="ko-KR" altLang="en-US" dirty="0"/>
-          </a:p>
-        </p:txBody>
-      </p:sp>
-      <p:sp>
-        <p:nvSpPr>
-          <p:cNvPr id="3" name="내용 개체 틀 2">
-            <a:extLst>
-              <a:ext uri="{FF2B5EF4-FFF2-40B4-BE49-F238E27FC236}">
-                <a16:creationId xmlns:a16="http://schemas.microsoft.com/office/drawing/2014/main" id="{996EFA0E-F84A-42A4-9A50-24D03F83E3EE}"/>
-              </a:ext>
-            </a:extLst>
-          </p:cNvPr>
-          <p:cNvSpPr>
-            <a:spLocks noGrp="1"/>
-          </p:cNvSpPr>
-          <p:nvPr>
-            <p:ph idx="1"/>
-          </p:nvPr>
-        </p:nvSpPr>
-        <p:spPr/>
-        <p:txBody>
-          <a:bodyPr/>
-          <a:lstStyle/>
-          <a:p>
-            <a:r>
-              <a:rPr lang="en-US" altLang="ko-KR" dirty="0" err="1"/>
-              <a:t>CameraFragment</a:t>
-            </a:r>
-            <a:endParaRPr lang="ko-KR" altLang="en-US" dirty="0"/>
-          </a:p>
-        </p:txBody>
-      </p:sp>
-      <p:sp>
-        <p:nvSpPr>
-          <p:cNvPr id="4" name="날짜 개체 틀 3">
-            <a:extLst>
-              <a:ext uri="{FF2B5EF4-FFF2-40B4-BE49-F238E27FC236}">
-                <a16:creationId xmlns:a16="http://schemas.microsoft.com/office/drawing/2014/main" id="{8A90AC18-88BC-4BC0-86A7-89E5299D1624}"/>
-              </a:ext>
-            </a:extLst>
-          </p:cNvPr>
-          <p:cNvSpPr>
-            <a:spLocks noGrp="1"/>
-          </p:cNvSpPr>
-          <p:nvPr>
-            <p:ph type="dt" sz="half" idx="10"/>
-          </p:nvPr>
-        </p:nvSpPr>
-        <p:spPr/>
-        <p:txBody>
-          <a:bodyPr/>
-          <a:lstStyle/>
-          <a:p>
-            <a:r>
-              <a:rPr lang="ko-KR" altLang="en-US"/>
-              <a:t>권철현</a:t>
-            </a:r>
-            <a:r>
-              <a:rPr lang="en-US" altLang="ko-KR"/>
-              <a:t>, </a:t>
-            </a:r>
-            <a:r>
-              <a:rPr lang="ko-KR" altLang="en-US"/>
-              <a:t>신재하</a:t>
-            </a:r>
-          </a:p>
-        </p:txBody>
-      </p:sp>
-      <p:sp>
-        <p:nvSpPr>
-          <p:cNvPr id="5" name="슬라이드 번호 개체 틀 4">
-            <a:extLst>
-              <a:ext uri="{FF2B5EF4-FFF2-40B4-BE49-F238E27FC236}">
-                <a16:creationId xmlns:a16="http://schemas.microsoft.com/office/drawing/2014/main" id="{53A7A304-6F06-42E4-856D-960E7C27707D}"/>
-              </a:ext>
-            </a:extLst>
-          </p:cNvPr>
-          <p:cNvSpPr>
-            <a:spLocks noGrp="1"/>
-          </p:cNvSpPr>
-          <p:nvPr>
-            <p:ph type="sldNum" sz="quarter" idx="12"/>
-          </p:nvPr>
-        </p:nvSpPr>
-        <p:spPr/>
-        <p:txBody>
-          <a:bodyPr/>
-          <a:lstStyle/>
-          <a:p>
-            <a:fld id="{5FF72CB3-86FB-4DBB-A7AC-E8F6F3DA156B}" type="slidenum">
-              <a:rPr lang="ko-KR" altLang="en-US" smtClean="0"/>
-              <a:pPr/>
-              <a:t>22</a:t>
-            </a:fld>
-            <a:endParaRPr lang="ko-KR" altLang="en-US"/>
-          </a:p>
-        </p:txBody>
-      </p:sp>
-      <p:pic>
-        <p:nvPicPr>
-          <p:cNvPr id="7" name="그림 6">
-            <a:extLst>
-              <a:ext uri="{FF2B5EF4-FFF2-40B4-BE49-F238E27FC236}">
-                <a16:creationId xmlns:a16="http://schemas.microsoft.com/office/drawing/2014/main" id="{D3A7894A-4E5C-4ED0-A098-1FCD71189314}"/>
-              </a:ext>
-            </a:extLst>
-          </p:cNvPr>
-          <p:cNvPicPr>
-            <a:picLocks noChangeAspect="1"/>
-          </p:cNvPicPr>
+      <p:sp>
+        <p:nvSpPr>
+          <p:cNvPr id="12" name="직사각형 11">
+            <a:extLst>
+              <a:ext uri="{FF2B5EF4-FFF2-40B4-BE49-F238E27FC236}">
+                <a16:creationId xmlns:a16="http://schemas.microsoft.com/office/drawing/2014/main" id="{C3F1C131-2420-4C6B-B34D-492CBF48331E}"/>
+              </a:ext>
+            </a:extLst>
+          </p:cNvPr>
+          <p:cNvSpPr/>
           <p:nvPr/>
-        </p:nvPicPr>
-        <p:blipFill>
-          <a:blip r:embed="rId2"/>
-          <a:stretch>
-            <a:fillRect/>
-          </a:stretch>
-        </p:blipFill>
+        </p:nvSpPr>
         <p:spPr>
           <a:xfrm>
-            <a:off x="2033016" y="2208124"/>
-            <a:ext cx="7622826" cy="4285405"/>
-          </a:xfrm>
-          <a:prstGeom prst="rect">
-            <a:avLst/>
-          </a:prstGeom>
-        </p:spPr>
-      </p:pic>
-    </p:spTree>
-    <p:extLst>
-      <p:ext uri="{BB962C8B-B14F-4D97-AF65-F5344CB8AC3E}">
-        <p14:creationId xmlns:p14="http://schemas.microsoft.com/office/powerpoint/2010/main" val="2461833008"/>
-      </p:ext>
-    </p:extLst>
-  </p:cSld>
-  <p:clrMapOvr>
-    <a:masterClrMapping/>
-  </p:clrMapOvr>
-</p:sld>
-</file>
-
-<file path=ppt/slides/slide23.xml><?xml version="1.0" encoding="utf-8"?>
-<p:sld xmlns:a="http://schemas.openxmlformats.org/drawingml/2006/main" xmlns:r="http://schemas.openxmlformats.org/officeDocument/2006/relationships" xmlns:p="http://schemas.openxmlformats.org/presentationml/2006/main">
-  <p:cSld>
-    <p:spTree>
-      <p:nvGrpSpPr>
-        <p:cNvPr id="1" name=""/>
-        <p:cNvGrpSpPr/>
-        <p:nvPr/>
-      </p:nvGrpSpPr>
-      <p:grpSpPr>
-        <a:xfrm>
-          <a:off x="0" y="0"/>
-          <a:ext cx="0" cy="0"/>
-          <a:chOff x="0" y="0"/>
-          <a:chExt cx="0" cy="0"/>
-        </a:xfrm>
-      </p:grpSpPr>
-      <p:sp>
-        <p:nvSpPr>
-          <p:cNvPr id="2" name="제목 1">
-            <a:extLst>
-              <a:ext uri="{FF2B5EF4-FFF2-40B4-BE49-F238E27FC236}">
-                <a16:creationId xmlns:a16="http://schemas.microsoft.com/office/drawing/2014/main" id="{2EB0A747-C32B-4851-BB32-DC3E152E8FB3}"/>
-              </a:ext>
-            </a:extLst>
-          </p:cNvPr>
-          <p:cNvSpPr>
-            <a:spLocks noGrp="1"/>
-          </p:cNvSpPr>
-          <p:nvPr>
-            <p:ph type="title"/>
-          </p:nvPr>
-        </p:nvSpPr>
-        <p:spPr/>
-        <p:txBody>
-          <a:bodyPr/>
-          <a:lstStyle/>
-          <a:p>
-            <a:r>
-              <a:rPr lang="ko-KR" altLang="en-US" dirty="0">
-                <a:ea typeface="맑은 고딕"/>
-              </a:rPr>
-              <a:t>소스코드 분석</a:t>
-            </a:r>
-            <a:endParaRPr lang="ko-KR" altLang="en-US" dirty="0"/>
-          </a:p>
-        </p:txBody>
-      </p:sp>
-      <p:sp>
-        <p:nvSpPr>
-          <p:cNvPr id="3" name="내용 개체 틀 2">
-            <a:extLst>
-              <a:ext uri="{FF2B5EF4-FFF2-40B4-BE49-F238E27FC236}">
-                <a16:creationId xmlns:a16="http://schemas.microsoft.com/office/drawing/2014/main" id="{996EFA0E-F84A-42A4-9A50-24D03F83E3EE}"/>
-              </a:ext>
-            </a:extLst>
-          </p:cNvPr>
-          <p:cNvSpPr>
-            <a:spLocks noGrp="1"/>
-          </p:cNvSpPr>
-          <p:nvPr>
-            <p:ph idx="1"/>
-          </p:nvPr>
-        </p:nvSpPr>
-        <p:spPr/>
-        <p:txBody>
-          <a:bodyPr/>
-          <a:lstStyle/>
-          <a:p>
-            <a:r>
-              <a:rPr lang="en-US" altLang="ko-KR" dirty="0" err="1"/>
-              <a:t>CameraFragment</a:t>
-            </a:r>
-            <a:endParaRPr lang="ko-KR" altLang="en-US" dirty="0"/>
-          </a:p>
-          <a:p>
-            <a:endParaRPr lang="ko-KR" altLang="en-US" dirty="0"/>
-          </a:p>
-        </p:txBody>
-      </p:sp>
-      <p:sp>
-        <p:nvSpPr>
-          <p:cNvPr id="4" name="날짜 개체 틀 3">
-            <a:extLst>
-              <a:ext uri="{FF2B5EF4-FFF2-40B4-BE49-F238E27FC236}">
-                <a16:creationId xmlns:a16="http://schemas.microsoft.com/office/drawing/2014/main" id="{8A90AC18-88BC-4BC0-86A7-89E5299D1624}"/>
-              </a:ext>
-            </a:extLst>
-          </p:cNvPr>
-          <p:cNvSpPr>
-            <a:spLocks noGrp="1"/>
-          </p:cNvSpPr>
-          <p:nvPr>
-            <p:ph type="dt" sz="half" idx="10"/>
-          </p:nvPr>
-        </p:nvSpPr>
-        <p:spPr/>
-        <p:txBody>
-          <a:bodyPr/>
-          <a:lstStyle/>
-          <a:p>
-            <a:r>
-              <a:rPr lang="ko-KR" altLang="en-US"/>
-              <a:t>권철현</a:t>
-            </a:r>
-            <a:r>
-              <a:rPr lang="en-US" altLang="ko-KR"/>
-              <a:t>, </a:t>
-            </a:r>
-            <a:r>
-              <a:rPr lang="ko-KR" altLang="en-US"/>
-              <a:t>신재하</a:t>
-            </a:r>
-          </a:p>
-        </p:txBody>
-      </p:sp>
-      <p:sp>
-        <p:nvSpPr>
-          <p:cNvPr id="5" name="슬라이드 번호 개체 틀 4">
-            <a:extLst>
-              <a:ext uri="{FF2B5EF4-FFF2-40B4-BE49-F238E27FC236}">
-                <a16:creationId xmlns:a16="http://schemas.microsoft.com/office/drawing/2014/main" id="{53A7A304-6F06-42E4-856D-960E7C27707D}"/>
-              </a:ext>
-            </a:extLst>
-          </p:cNvPr>
-          <p:cNvSpPr>
-            <a:spLocks noGrp="1"/>
-          </p:cNvSpPr>
-          <p:nvPr>
-            <p:ph type="sldNum" sz="quarter" idx="12"/>
-          </p:nvPr>
-        </p:nvSpPr>
-        <p:spPr/>
-        <p:txBody>
-          <a:bodyPr/>
-          <a:lstStyle/>
-          <a:p>
-            <a:fld id="{5FF72CB3-86FB-4DBB-A7AC-E8F6F3DA156B}" type="slidenum">
-              <a:rPr lang="ko-KR" altLang="en-US" smtClean="0"/>
-              <a:pPr/>
-              <a:t>23</a:t>
-            </a:fld>
-            <a:endParaRPr lang="ko-KR" altLang="en-US"/>
-          </a:p>
-        </p:txBody>
-      </p:sp>
-      <p:pic>
-        <p:nvPicPr>
-          <p:cNvPr id="7" name="그림 6">
-            <a:extLst>
-              <a:ext uri="{FF2B5EF4-FFF2-40B4-BE49-F238E27FC236}">
-                <a16:creationId xmlns:a16="http://schemas.microsoft.com/office/drawing/2014/main" id="{6F249C90-90A6-465E-B9BD-46ECB39EE5D1}"/>
-              </a:ext>
-            </a:extLst>
-          </p:cNvPr>
-          <p:cNvPicPr>
-            <a:picLocks noChangeAspect="1"/>
-          </p:cNvPicPr>
-          <p:nvPr/>
-        </p:nvPicPr>
-        <p:blipFill>
-          <a:blip r:embed="rId2"/>
-          <a:stretch>
-            <a:fillRect/>
-          </a:stretch>
-        </p:blipFill>
-        <p:spPr>
-          <a:xfrm>
-            <a:off x="1481137" y="2157412"/>
-            <a:ext cx="9229725" cy="2543175"/>
-          </a:xfrm>
-          <a:prstGeom prst="rect">
-            <a:avLst/>
-          </a:prstGeom>
-        </p:spPr>
-      </p:pic>
-    </p:spTree>
-    <p:extLst>
-      <p:ext uri="{BB962C8B-B14F-4D97-AF65-F5344CB8AC3E}">
-        <p14:creationId xmlns:p14="http://schemas.microsoft.com/office/powerpoint/2010/main" val="82362475"/>
-      </p:ext>
-    </p:extLst>
-  </p:cSld>
-  <p:clrMapOvr>
-    <a:masterClrMapping/>
-  </p:clrMapOvr>
-</p:sld>
-</file>
-
-<file path=ppt/slides/slide24.xml><?xml version="1.0" encoding="utf-8"?>
-<p:sld xmlns:a="http://schemas.openxmlformats.org/drawingml/2006/main" xmlns:r="http://schemas.openxmlformats.org/officeDocument/2006/relationships" xmlns:p="http://schemas.openxmlformats.org/presentationml/2006/main">
-  <p:cSld>
-    <p:spTree>
-      <p:nvGrpSpPr>
-        <p:cNvPr id="1" name=""/>
-        <p:cNvGrpSpPr/>
-        <p:nvPr/>
-      </p:nvGrpSpPr>
-      <p:grpSpPr>
-        <a:xfrm>
-          <a:off x="0" y="0"/>
-          <a:ext cx="0" cy="0"/>
-          <a:chOff x="0" y="0"/>
-          <a:chExt cx="0" cy="0"/>
-        </a:xfrm>
-      </p:grpSpPr>
-      <p:sp>
-        <p:nvSpPr>
-          <p:cNvPr id="2" name="제목 1">
-            <a:extLst>
-              <a:ext uri="{FF2B5EF4-FFF2-40B4-BE49-F238E27FC236}">
-                <a16:creationId xmlns:a16="http://schemas.microsoft.com/office/drawing/2014/main" id="{2EB0A747-C32B-4851-BB32-DC3E152E8FB3}"/>
-              </a:ext>
-            </a:extLst>
-          </p:cNvPr>
-          <p:cNvSpPr>
-            <a:spLocks noGrp="1"/>
-          </p:cNvSpPr>
-          <p:nvPr>
-            <p:ph type="title"/>
-          </p:nvPr>
-        </p:nvSpPr>
-        <p:spPr/>
-        <p:txBody>
-          <a:bodyPr/>
-          <a:lstStyle/>
-          <a:p>
-            <a:r>
-              <a:rPr lang="ko-KR" altLang="en-US" dirty="0">
-                <a:ea typeface="맑은 고딕"/>
-              </a:rPr>
-              <a:t>소스코드 분석</a:t>
-            </a:r>
-            <a:endParaRPr lang="ko-KR" altLang="en-US" dirty="0"/>
-          </a:p>
-        </p:txBody>
-      </p:sp>
-      <p:sp>
-        <p:nvSpPr>
-          <p:cNvPr id="3" name="내용 개체 틀 2">
-            <a:extLst>
-              <a:ext uri="{FF2B5EF4-FFF2-40B4-BE49-F238E27FC236}">
-                <a16:creationId xmlns:a16="http://schemas.microsoft.com/office/drawing/2014/main" id="{996EFA0E-F84A-42A4-9A50-24D03F83E3EE}"/>
-              </a:ext>
-            </a:extLst>
-          </p:cNvPr>
-          <p:cNvSpPr>
-            <a:spLocks noGrp="1"/>
-          </p:cNvSpPr>
-          <p:nvPr>
-            <p:ph idx="1"/>
-          </p:nvPr>
-        </p:nvSpPr>
-        <p:spPr/>
-        <p:txBody>
-          <a:bodyPr/>
-          <a:lstStyle/>
-          <a:p>
-            <a:endParaRPr lang="ko-KR" altLang="en-US" dirty="0"/>
-          </a:p>
-        </p:txBody>
-      </p:sp>
-      <p:sp>
-        <p:nvSpPr>
-          <p:cNvPr id="4" name="날짜 개체 틀 3">
-            <a:extLst>
-              <a:ext uri="{FF2B5EF4-FFF2-40B4-BE49-F238E27FC236}">
-                <a16:creationId xmlns:a16="http://schemas.microsoft.com/office/drawing/2014/main" id="{8A90AC18-88BC-4BC0-86A7-89E5299D1624}"/>
-              </a:ext>
-            </a:extLst>
-          </p:cNvPr>
-          <p:cNvSpPr>
-            <a:spLocks noGrp="1"/>
-          </p:cNvSpPr>
-          <p:nvPr>
-            <p:ph type="dt" sz="half" idx="10"/>
-          </p:nvPr>
-        </p:nvSpPr>
-        <p:spPr/>
-        <p:txBody>
-          <a:bodyPr/>
-          <a:lstStyle/>
-          <a:p>
-            <a:r>
-              <a:rPr lang="ko-KR" altLang="en-US"/>
-              <a:t>권철현</a:t>
-            </a:r>
-            <a:r>
-              <a:rPr lang="en-US" altLang="ko-KR"/>
-              <a:t>, </a:t>
-            </a:r>
-            <a:r>
-              <a:rPr lang="ko-KR" altLang="en-US"/>
-              <a:t>신재하</a:t>
-            </a:r>
-          </a:p>
-        </p:txBody>
-      </p:sp>
-      <p:sp>
-        <p:nvSpPr>
-          <p:cNvPr id="5" name="슬라이드 번호 개체 틀 4">
-            <a:extLst>
-              <a:ext uri="{FF2B5EF4-FFF2-40B4-BE49-F238E27FC236}">
-                <a16:creationId xmlns:a16="http://schemas.microsoft.com/office/drawing/2014/main" id="{53A7A304-6F06-42E4-856D-960E7C27707D}"/>
-              </a:ext>
-            </a:extLst>
-          </p:cNvPr>
-          <p:cNvSpPr>
-            <a:spLocks noGrp="1"/>
-          </p:cNvSpPr>
-          <p:nvPr>
-            <p:ph type="sldNum" sz="quarter" idx="12"/>
-          </p:nvPr>
-        </p:nvSpPr>
-        <p:spPr/>
-        <p:txBody>
-          <a:bodyPr/>
-          <a:lstStyle/>
-          <a:p>
-            <a:fld id="{5FF72CB3-86FB-4DBB-A7AC-E8F6F3DA156B}" type="slidenum">
-              <a:rPr lang="ko-KR" altLang="en-US" smtClean="0"/>
-              <a:pPr/>
-              <a:t>24</a:t>
-            </a:fld>
-            <a:endParaRPr lang="ko-KR" altLang="en-US"/>
-          </a:p>
-        </p:txBody>
-      </p:sp>
-    </p:spTree>
-    <p:extLst>
-      <p:ext uri="{BB962C8B-B14F-4D97-AF65-F5344CB8AC3E}">
-        <p14:creationId xmlns:p14="http://schemas.microsoft.com/office/powerpoint/2010/main" val="672917549"/>
-      </p:ext>
-    </p:extLst>
-  </p:cSld>
-  <p:clrMapOvr>
-    <a:masterClrMapping/>
-  </p:clrMapOvr>
-</p:sld>
-</file>
-
-<file path=ppt/slides/slide25.xml><?xml version="1.0" encoding="utf-8"?>
-<p:sld xmlns:a="http://schemas.openxmlformats.org/drawingml/2006/main" xmlns:r="http://schemas.openxmlformats.org/officeDocument/2006/relationships" xmlns:p="http://schemas.openxmlformats.org/presentationml/2006/main">
-  <p:cSld>
-    <p:spTree>
-      <p:nvGrpSpPr>
-        <p:cNvPr id="1" name=""/>
-        <p:cNvGrpSpPr/>
-        <p:nvPr/>
-      </p:nvGrpSpPr>
-      <p:grpSpPr>
-        <a:xfrm>
-          <a:off x="0" y="0"/>
-          <a:ext cx="0" cy="0"/>
-          <a:chOff x="0" y="0"/>
-          <a:chExt cx="0" cy="0"/>
-        </a:xfrm>
-      </p:grpSpPr>
-      <p:sp>
-        <p:nvSpPr>
-          <p:cNvPr id="2" name="제목 1">
-            <a:extLst>
-              <a:ext uri="{FF2B5EF4-FFF2-40B4-BE49-F238E27FC236}">
-                <a16:creationId xmlns:a16="http://schemas.microsoft.com/office/drawing/2014/main" id="{2EB0A747-C32B-4851-BB32-DC3E152E8FB3}"/>
-              </a:ext>
-            </a:extLst>
-          </p:cNvPr>
-          <p:cNvSpPr>
-            <a:spLocks noGrp="1"/>
-          </p:cNvSpPr>
-          <p:nvPr>
-            <p:ph type="title"/>
-          </p:nvPr>
-        </p:nvSpPr>
-        <p:spPr/>
-        <p:txBody>
-          <a:bodyPr/>
-          <a:lstStyle/>
-          <a:p>
-            <a:r>
-              <a:rPr lang="ko-KR" altLang="en-US" dirty="0">
-                <a:ea typeface="맑은 고딕"/>
-              </a:rPr>
-              <a:t>소스코드 분석</a:t>
-            </a:r>
-            <a:endParaRPr lang="ko-KR" altLang="en-US" dirty="0"/>
-          </a:p>
-        </p:txBody>
-      </p:sp>
-      <p:sp>
-        <p:nvSpPr>
-          <p:cNvPr id="3" name="내용 개체 틀 2">
-            <a:extLst>
-              <a:ext uri="{FF2B5EF4-FFF2-40B4-BE49-F238E27FC236}">
-                <a16:creationId xmlns:a16="http://schemas.microsoft.com/office/drawing/2014/main" id="{996EFA0E-F84A-42A4-9A50-24D03F83E3EE}"/>
-              </a:ext>
-            </a:extLst>
-          </p:cNvPr>
-          <p:cNvSpPr>
-            <a:spLocks noGrp="1"/>
-          </p:cNvSpPr>
-          <p:nvPr>
-            <p:ph idx="1"/>
-          </p:nvPr>
-        </p:nvSpPr>
-        <p:spPr/>
-        <p:txBody>
-          <a:bodyPr/>
-          <a:lstStyle/>
-          <a:p>
-            <a:endParaRPr lang="ko-KR" altLang="en-US" dirty="0"/>
-          </a:p>
-        </p:txBody>
-      </p:sp>
-      <p:sp>
-        <p:nvSpPr>
-          <p:cNvPr id="4" name="날짜 개체 틀 3">
-            <a:extLst>
-              <a:ext uri="{FF2B5EF4-FFF2-40B4-BE49-F238E27FC236}">
-                <a16:creationId xmlns:a16="http://schemas.microsoft.com/office/drawing/2014/main" id="{8A90AC18-88BC-4BC0-86A7-89E5299D1624}"/>
-              </a:ext>
-            </a:extLst>
-          </p:cNvPr>
-          <p:cNvSpPr>
-            <a:spLocks noGrp="1"/>
-          </p:cNvSpPr>
-          <p:nvPr>
-            <p:ph type="dt" sz="half" idx="10"/>
-          </p:nvPr>
-        </p:nvSpPr>
-        <p:spPr/>
-        <p:txBody>
-          <a:bodyPr/>
-          <a:lstStyle/>
-          <a:p>
-            <a:r>
-              <a:rPr lang="ko-KR" altLang="en-US"/>
-              <a:t>권철현</a:t>
-            </a:r>
-            <a:r>
-              <a:rPr lang="en-US" altLang="ko-KR"/>
-              <a:t>, </a:t>
-            </a:r>
-            <a:r>
-              <a:rPr lang="ko-KR" altLang="en-US"/>
-              <a:t>신재하</a:t>
-            </a:r>
-          </a:p>
-        </p:txBody>
-      </p:sp>
-      <p:sp>
-        <p:nvSpPr>
-          <p:cNvPr id="5" name="슬라이드 번호 개체 틀 4">
-            <a:extLst>
-              <a:ext uri="{FF2B5EF4-FFF2-40B4-BE49-F238E27FC236}">
-                <a16:creationId xmlns:a16="http://schemas.microsoft.com/office/drawing/2014/main" id="{53A7A304-6F06-42E4-856D-960E7C27707D}"/>
-              </a:ext>
-            </a:extLst>
-          </p:cNvPr>
-          <p:cNvSpPr>
-            <a:spLocks noGrp="1"/>
-          </p:cNvSpPr>
-          <p:nvPr>
-            <p:ph type="sldNum" sz="quarter" idx="12"/>
-          </p:nvPr>
-        </p:nvSpPr>
-        <p:spPr/>
-        <p:txBody>
-          <a:bodyPr/>
-          <a:lstStyle/>
-          <a:p>
-            <a:fld id="{5FF72CB3-86FB-4DBB-A7AC-E8F6F3DA156B}" type="slidenum">
-              <a:rPr lang="ko-KR" altLang="en-US" smtClean="0"/>
-              <a:pPr/>
-              <a:t>25</a:t>
-            </a:fld>
-            <a:endParaRPr lang="ko-KR" altLang="en-US"/>
-          </a:p>
-        </p:txBody>
-      </p:sp>
-      <p:pic>
-        <p:nvPicPr>
-          <p:cNvPr id="7" name="그림 6">
-            <a:extLst>
-              <a:ext uri="{FF2B5EF4-FFF2-40B4-BE49-F238E27FC236}">
-                <a16:creationId xmlns:a16="http://schemas.microsoft.com/office/drawing/2014/main" id="{72516365-641B-43BB-AE56-BBF3A4D12148}"/>
-              </a:ext>
-            </a:extLst>
-          </p:cNvPr>
-          <p:cNvPicPr>
-            <a:picLocks noChangeAspect="1"/>
-          </p:cNvPicPr>
-          <p:nvPr/>
-        </p:nvPicPr>
-        <p:blipFill>
-          <a:blip r:embed="rId2"/>
-          <a:stretch>
-            <a:fillRect/>
-          </a:stretch>
-        </p:blipFill>
-        <p:spPr>
-          <a:xfrm>
-            <a:off x="1620982" y="1699819"/>
-            <a:ext cx="8950036" cy="4411766"/>
-          </a:xfrm>
-          <a:prstGeom prst="rect">
-            <a:avLst/>
-          </a:prstGeom>
-        </p:spPr>
-      </p:pic>
-    </p:spTree>
-    <p:extLst>
-      <p:ext uri="{BB962C8B-B14F-4D97-AF65-F5344CB8AC3E}">
-        <p14:creationId xmlns:p14="http://schemas.microsoft.com/office/powerpoint/2010/main" val="475297399"/>
-      </p:ext>
-    </p:extLst>
-  </p:cSld>
-  <p:clrMapOvr>
-    <a:masterClrMapping/>
-  </p:clrMapOvr>
-</p:sld>
-</file>
-
-<file path=ppt/slides/slide26.xml><?xml version="1.0" encoding="utf-8"?>
-<p:sld xmlns:a="http://schemas.openxmlformats.org/drawingml/2006/main" xmlns:r="http://schemas.openxmlformats.org/officeDocument/2006/relationships" xmlns:p="http://schemas.openxmlformats.org/presentationml/2006/main">
-  <p:cSld>
-    <p:spTree>
-      <p:nvGrpSpPr>
-        <p:cNvPr id="1" name=""/>
-        <p:cNvGrpSpPr/>
-        <p:nvPr/>
-      </p:nvGrpSpPr>
-      <p:grpSpPr>
-        <a:xfrm>
-          <a:off x="0" y="0"/>
-          <a:ext cx="0" cy="0"/>
-          <a:chOff x="0" y="0"/>
-          <a:chExt cx="0" cy="0"/>
-        </a:xfrm>
-      </p:grpSpPr>
-      <p:sp>
-        <p:nvSpPr>
-          <p:cNvPr id="2" name="제목 1">
-            <a:extLst>
-              <a:ext uri="{FF2B5EF4-FFF2-40B4-BE49-F238E27FC236}">
-                <a16:creationId xmlns:a16="http://schemas.microsoft.com/office/drawing/2014/main" id="{2EB0A747-C32B-4851-BB32-DC3E152E8FB3}"/>
-              </a:ext>
-            </a:extLst>
-          </p:cNvPr>
-          <p:cNvSpPr>
-            <a:spLocks noGrp="1"/>
-          </p:cNvSpPr>
-          <p:nvPr>
-            <p:ph type="title"/>
-          </p:nvPr>
-        </p:nvSpPr>
-        <p:spPr/>
-        <p:txBody>
-          <a:bodyPr/>
-          <a:lstStyle/>
-          <a:p>
-            <a:r>
-              <a:rPr lang="ko-KR" altLang="en-US" dirty="0">
-                <a:ea typeface="맑은 고딕"/>
-              </a:rPr>
-              <a:t>소스코드 분석</a:t>
-            </a:r>
-            <a:endParaRPr lang="ko-KR" altLang="en-US" dirty="0"/>
-          </a:p>
-        </p:txBody>
-      </p:sp>
-      <p:sp>
-        <p:nvSpPr>
-          <p:cNvPr id="3" name="내용 개체 틀 2">
-            <a:extLst>
-              <a:ext uri="{FF2B5EF4-FFF2-40B4-BE49-F238E27FC236}">
-                <a16:creationId xmlns:a16="http://schemas.microsoft.com/office/drawing/2014/main" id="{996EFA0E-F84A-42A4-9A50-24D03F83E3EE}"/>
-              </a:ext>
-            </a:extLst>
-          </p:cNvPr>
-          <p:cNvSpPr>
-            <a:spLocks noGrp="1"/>
-          </p:cNvSpPr>
-          <p:nvPr>
-            <p:ph idx="1"/>
-          </p:nvPr>
-        </p:nvSpPr>
-        <p:spPr/>
-        <p:txBody>
-          <a:bodyPr/>
-          <a:lstStyle/>
-          <a:p>
-            <a:endParaRPr lang="ko-KR" altLang="en-US" dirty="0"/>
-          </a:p>
-        </p:txBody>
-      </p:sp>
-      <p:sp>
-        <p:nvSpPr>
-          <p:cNvPr id="4" name="날짜 개체 틀 3">
-            <a:extLst>
-              <a:ext uri="{FF2B5EF4-FFF2-40B4-BE49-F238E27FC236}">
-                <a16:creationId xmlns:a16="http://schemas.microsoft.com/office/drawing/2014/main" id="{8A90AC18-88BC-4BC0-86A7-89E5299D1624}"/>
-              </a:ext>
-            </a:extLst>
-          </p:cNvPr>
-          <p:cNvSpPr>
-            <a:spLocks noGrp="1"/>
-          </p:cNvSpPr>
-          <p:nvPr>
-            <p:ph type="dt" sz="half" idx="10"/>
-          </p:nvPr>
-        </p:nvSpPr>
-        <p:spPr/>
-        <p:txBody>
-          <a:bodyPr/>
-          <a:lstStyle/>
-          <a:p>
-            <a:r>
-              <a:rPr lang="ko-KR" altLang="en-US"/>
-              <a:t>권철현</a:t>
-            </a:r>
-            <a:r>
-              <a:rPr lang="en-US" altLang="ko-KR"/>
-              <a:t>, </a:t>
-            </a:r>
-            <a:r>
-              <a:rPr lang="ko-KR" altLang="en-US"/>
-              <a:t>신재하</a:t>
-            </a:r>
-          </a:p>
-        </p:txBody>
-      </p:sp>
-      <p:sp>
-        <p:nvSpPr>
-          <p:cNvPr id="5" name="슬라이드 번호 개체 틀 4">
-            <a:extLst>
-              <a:ext uri="{FF2B5EF4-FFF2-40B4-BE49-F238E27FC236}">
-                <a16:creationId xmlns:a16="http://schemas.microsoft.com/office/drawing/2014/main" id="{53A7A304-6F06-42E4-856D-960E7C27707D}"/>
-              </a:ext>
-            </a:extLst>
-          </p:cNvPr>
-          <p:cNvSpPr>
-            <a:spLocks noGrp="1"/>
-          </p:cNvSpPr>
-          <p:nvPr>
-            <p:ph type="sldNum" sz="quarter" idx="12"/>
-          </p:nvPr>
-        </p:nvSpPr>
-        <p:spPr/>
-        <p:txBody>
-          <a:bodyPr/>
-          <a:lstStyle/>
-          <a:p>
-            <a:fld id="{5FF72CB3-86FB-4DBB-A7AC-E8F6F3DA156B}" type="slidenum">
-              <a:rPr lang="ko-KR" altLang="en-US" smtClean="0"/>
-              <a:pPr/>
-              <a:t>26</a:t>
-            </a:fld>
-            <a:endParaRPr lang="ko-KR" altLang="en-US"/>
-          </a:p>
-        </p:txBody>
-      </p:sp>
-      <p:pic>
-        <p:nvPicPr>
-          <p:cNvPr id="7" name="그림 6">
-            <a:extLst>
-              <a:ext uri="{FF2B5EF4-FFF2-40B4-BE49-F238E27FC236}">
-                <a16:creationId xmlns:a16="http://schemas.microsoft.com/office/drawing/2014/main" id="{DBDA4BB2-7ABC-42BA-8A8E-2AAB7CA45465}"/>
-              </a:ext>
-            </a:extLst>
-          </p:cNvPr>
-          <p:cNvPicPr>
-            <a:picLocks noChangeAspect="1"/>
-          </p:cNvPicPr>
-          <p:nvPr/>
-        </p:nvPicPr>
-        <p:blipFill>
-          <a:blip r:embed="rId2"/>
-          <a:stretch>
-            <a:fillRect/>
-          </a:stretch>
-        </p:blipFill>
-        <p:spPr>
-          <a:xfrm>
-            <a:off x="1914144" y="1578526"/>
-            <a:ext cx="8089392" cy="4680784"/>
-          </a:xfrm>
-          <a:prstGeom prst="rect">
-            <a:avLst/>
-          </a:prstGeom>
-        </p:spPr>
-      </p:pic>
-    </p:spTree>
-    <p:extLst>
-      <p:ext uri="{BB962C8B-B14F-4D97-AF65-F5344CB8AC3E}">
-        <p14:creationId xmlns:p14="http://schemas.microsoft.com/office/powerpoint/2010/main" val="1735092863"/>
-      </p:ext>
-    </p:extLst>
-  </p:cSld>
-  <p:clrMapOvr>
-    <a:masterClrMapping/>
-  </p:clrMapOvr>
-</p:sld>
-</file>
-
-<file path=ppt/slides/slide27.xml><?xml version="1.0" encoding="utf-8"?>
-<p:sld xmlns:a="http://schemas.openxmlformats.org/drawingml/2006/main" xmlns:r="http://schemas.openxmlformats.org/officeDocument/2006/relationships" xmlns:p="http://schemas.openxmlformats.org/presentationml/2006/main">
-  <p:cSld>
-    <p:spTree>
-      <p:nvGrpSpPr>
-        <p:cNvPr id="1" name=""/>
-        <p:cNvGrpSpPr/>
-        <p:nvPr/>
-      </p:nvGrpSpPr>
-      <p:grpSpPr>
-        <a:xfrm>
-          <a:off x="0" y="0"/>
-          <a:ext cx="0" cy="0"/>
-          <a:chOff x="0" y="0"/>
-          <a:chExt cx="0" cy="0"/>
-        </a:xfrm>
-      </p:grpSpPr>
-      <p:sp>
-        <p:nvSpPr>
-          <p:cNvPr id="2" name="제목 1">
-            <a:extLst>
-              <a:ext uri="{FF2B5EF4-FFF2-40B4-BE49-F238E27FC236}">
-                <a16:creationId xmlns:a16="http://schemas.microsoft.com/office/drawing/2014/main" id="{2EB0A747-C32B-4851-BB32-DC3E152E8FB3}"/>
-              </a:ext>
-            </a:extLst>
-          </p:cNvPr>
-          <p:cNvSpPr>
-            <a:spLocks noGrp="1"/>
-          </p:cNvSpPr>
-          <p:nvPr>
-            <p:ph type="title"/>
-          </p:nvPr>
-        </p:nvSpPr>
-        <p:spPr/>
-        <p:txBody>
-          <a:bodyPr/>
-          <a:lstStyle/>
-          <a:p>
-            <a:r>
-              <a:rPr lang="ko-KR" altLang="en-US" dirty="0">
-                <a:ea typeface="맑은 고딕"/>
-              </a:rPr>
-              <a:t>소스코드 분석</a:t>
-            </a:r>
-            <a:endParaRPr lang="ko-KR" altLang="en-US" dirty="0"/>
-          </a:p>
-        </p:txBody>
-      </p:sp>
-      <p:sp>
-        <p:nvSpPr>
-          <p:cNvPr id="3" name="내용 개체 틀 2">
-            <a:extLst>
-              <a:ext uri="{FF2B5EF4-FFF2-40B4-BE49-F238E27FC236}">
-                <a16:creationId xmlns:a16="http://schemas.microsoft.com/office/drawing/2014/main" id="{996EFA0E-F84A-42A4-9A50-24D03F83E3EE}"/>
-              </a:ext>
-            </a:extLst>
-          </p:cNvPr>
-          <p:cNvSpPr>
-            <a:spLocks noGrp="1"/>
-          </p:cNvSpPr>
-          <p:nvPr>
-            <p:ph idx="1"/>
-          </p:nvPr>
-        </p:nvSpPr>
-        <p:spPr/>
-        <p:txBody>
-          <a:bodyPr/>
-          <a:lstStyle/>
-          <a:p>
-            <a:endParaRPr lang="ko-KR" altLang="en-US" dirty="0"/>
-          </a:p>
-        </p:txBody>
-      </p:sp>
-      <p:sp>
-        <p:nvSpPr>
-          <p:cNvPr id="4" name="날짜 개체 틀 3">
-            <a:extLst>
-              <a:ext uri="{FF2B5EF4-FFF2-40B4-BE49-F238E27FC236}">
-                <a16:creationId xmlns:a16="http://schemas.microsoft.com/office/drawing/2014/main" id="{8A90AC18-88BC-4BC0-86A7-89E5299D1624}"/>
-              </a:ext>
-            </a:extLst>
-          </p:cNvPr>
-          <p:cNvSpPr>
-            <a:spLocks noGrp="1"/>
-          </p:cNvSpPr>
-          <p:nvPr>
-            <p:ph type="dt" sz="half" idx="10"/>
-          </p:nvPr>
-        </p:nvSpPr>
-        <p:spPr/>
-        <p:txBody>
-          <a:bodyPr/>
-          <a:lstStyle/>
-          <a:p>
-            <a:r>
-              <a:rPr lang="ko-KR" altLang="en-US"/>
-              <a:t>권철현</a:t>
-            </a:r>
-            <a:r>
-              <a:rPr lang="en-US" altLang="ko-KR"/>
-              <a:t>, </a:t>
-            </a:r>
-            <a:r>
-              <a:rPr lang="ko-KR" altLang="en-US"/>
-              <a:t>신재하</a:t>
-            </a:r>
-          </a:p>
-        </p:txBody>
-      </p:sp>
-      <p:sp>
-        <p:nvSpPr>
-          <p:cNvPr id="5" name="슬라이드 번호 개체 틀 4">
-            <a:extLst>
-              <a:ext uri="{FF2B5EF4-FFF2-40B4-BE49-F238E27FC236}">
-                <a16:creationId xmlns:a16="http://schemas.microsoft.com/office/drawing/2014/main" id="{53A7A304-6F06-42E4-856D-960E7C27707D}"/>
-              </a:ext>
-            </a:extLst>
-          </p:cNvPr>
-          <p:cNvSpPr>
-            <a:spLocks noGrp="1"/>
-          </p:cNvSpPr>
-          <p:nvPr>
-            <p:ph type="sldNum" sz="quarter" idx="12"/>
-          </p:nvPr>
-        </p:nvSpPr>
-        <p:spPr/>
-        <p:txBody>
-          <a:bodyPr/>
-          <a:lstStyle/>
-          <a:p>
-            <a:fld id="{5FF72CB3-86FB-4DBB-A7AC-E8F6F3DA156B}" type="slidenum">
-              <a:rPr lang="ko-KR" altLang="en-US" smtClean="0"/>
-              <a:pPr/>
-              <a:t>27</a:t>
-            </a:fld>
-            <a:endParaRPr lang="ko-KR" altLang="en-US"/>
-          </a:p>
-        </p:txBody>
-      </p:sp>
-      <p:pic>
-        <p:nvPicPr>
-          <p:cNvPr id="7" name="그림 6">
-            <a:extLst>
-              <a:ext uri="{FF2B5EF4-FFF2-40B4-BE49-F238E27FC236}">
-                <a16:creationId xmlns:a16="http://schemas.microsoft.com/office/drawing/2014/main" id="{B4809957-8EC6-48A8-A8D1-EA5664E42667}"/>
-              </a:ext>
-            </a:extLst>
-          </p:cNvPr>
-          <p:cNvPicPr>
-            <a:picLocks noChangeAspect="1"/>
-          </p:cNvPicPr>
-          <p:nvPr/>
-        </p:nvPicPr>
-        <p:blipFill>
-          <a:blip r:embed="rId2"/>
-          <a:stretch>
-            <a:fillRect/>
-          </a:stretch>
-        </p:blipFill>
-        <p:spPr>
-          <a:xfrm>
-            <a:off x="981075" y="2862714"/>
-            <a:ext cx="9839325" cy="2085975"/>
-          </a:xfrm>
-          <a:prstGeom prst="rect">
-            <a:avLst/>
-          </a:prstGeom>
-        </p:spPr>
-      </p:pic>
-      <p:sp>
-        <p:nvSpPr>
-          <p:cNvPr id="8" name="직사각형 7">
-            <a:extLst>
-              <a:ext uri="{FF2B5EF4-FFF2-40B4-BE49-F238E27FC236}">
-                <a16:creationId xmlns:a16="http://schemas.microsoft.com/office/drawing/2014/main" id="{F6AAFC46-DCCB-4EA0-96AD-D27C8D6BB1F8}"/>
-              </a:ext>
-            </a:extLst>
-          </p:cNvPr>
-          <p:cNvSpPr/>
-          <p:nvPr/>
-        </p:nvSpPr>
-        <p:spPr>
-          <a:xfrm>
-            <a:off x="1151042" y="3859981"/>
-            <a:ext cx="5642949" cy="283464"/>
+            <a:off x="1719054" y="5519652"/>
+            <a:ext cx="4033353" cy="343591"/>
           </a:xfrm>
           <a:prstGeom prst="rect">
             <a:avLst/>
@@ -8476,7 +8234,7 @@
     </p:spTree>
     <p:extLst>
       <p:ext uri="{BB962C8B-B14F-4D97-AF65-F5344CB8AC3E}">
-        <p14:creationId xmlns:p14="http://schemas.microsoft.com/office/powerpoint/2010/main" val="1879953902"/>
+        <p14:creationId xmlns:p14="http://schemas.microsoft.com/office/powerpoint/2010/main" val="4040562375"/>
       </p:ext>
     </p:extLst>
   </p:cSld>
@@ -8486,7 +8244,7 @@
 </p:sld>
 </file>
 
-<file path=ppt/slides/slide28.xml><?xml version="1.0" encoding="utf-8"?>
+<file path=ppt/slides/slide21.xml><?xml version="1.0" encoding="utf-8"?>
 <p:sld xmlns:a="http://schemas.openxmlformats.org/drawingml/2006/main" xmlns:r="http://schemas.openxmlformats.org/officeDocument/2006/relationships" xmlns:p="http://schemas.openxmlformats.org/presentationml/2006/main">
   <p:cSld>
     <p:spTree>
@@ -8508,7 +8266,7 @@
           <p:cNvPr id="2" name="제목 1">
             <a:extLst>
               <a:ext uri="{FF2B5EF4-FFF2-40B4-BE49-F238E27FC236}">
-                <a16:creationId xmlns:a16="http://schemas.microsoft.com/office/drawing/2014/main" id="{2EB0A747-C32B-4851-BB32-DC3E152E8FB3}"/>
+                <a16:creationId xmlns:a16="http://schemas.microsoft.com/office/drawing/2014/main" id="{146CFFF0-9FE9-4FF8-8490-5D1D4A02B7BC}"/>
               </a:ext>
             </a:extLst>
           </p:cNvPr>
@@ -8525,37 +8283,17 @@
           <a:lstStyle/>
           <a:p>
             <a:r>
-              <a:rPr lang="ko-KR" altLang="en-US" dirty="0">
-                <a:ea typeface="맑은 고딕"/>
-              </a:rPr>
-              <a:t>소스코드 분석</a:t>
-            </a:r>
-            <a:endParaRPr lang="ko-KR" altLang="en-US" dirty="0"/>
-          </a:p>
-        </p:txBody>
-      </p:sp>
-      <p:sp>
-        <p:nvSpPr>
-          <p:cNvPr id="3" name="내용 개체 틀 2">
-            <a:extLst>
-              <a:ext uri="{FF2B5EF4-FFF2-40B4-BE49-F238E27FC236}">
-                <a16:creationId xmlns:a16="http://schemas.microsoft.com/office/drawing/2014/main" id="{996EFA0E-F84A-42A4-9A50-24D03F83E3EE}"/>
-              </a:ext>
-            </a:extLst>
-          </p:cNvPr>
-          <p:cNvSpPr>
-            <a:spLocks noGrp="1"/>
-          </p:cNvSpPr>
-          <p:nvPr>
-            <p:ph idx="1"/>
-          </p:nvPr>
-        </p:nvSpPr>
-        <p:spPr/>
-        <p:txBody>
-          <a:bodyPr/>
-          <a:lstStyle/>
-          <a:p>
-            <a:endParaRPr lang="ko-KR" altLang="en-US" dirty="0"/>
+              <a:rPr lang="ko-KR" altLang="en-US" dirty="0"/>
+              <a:t>소스코드 분석 </a:t>
+            </a:r>
+            <a:r>
+              <a:rPr lang="en-US" altLang="ko-KR" dirty="0"/>
+              <a:t>– </a:t>
+            </a:r>
+            <a:r>
+              <a:rPr lang="ko-KR" altLang="en-US" dirty="0"/>
+              <a:t>샘플 추가</a:t>
+            </a:r>
           </a:p>
         </p:txBody>
       </p:sp>
@@ -8564,7 +8302,7 @@
           <p:cNvPr id="4" name="날짜 개체 틀 3">
             <a:extLst>
               <a:ext uri="{FF2B5EF4-FFF2-40B4-BE49-F238E27FC236}">
-                <a16:creationId xmlns:a16="http://schemas.microsoft.com/office/drawing/2014/main" id="{8A90AC18-88BC-4BC0-86A7-89E5299D1624}"/>
+                <a16:creationId xmlns:a16="http://schemas.microsoft.com/office/drawing/2014/main" id="{F66A8221-07CE-4772-A4DB-5C73F98A93F5}"/>
               </a:ext>
             </a:extLst>
           </p:cNvPr>
@@ -8600,7 +8338,7 @@
           <p:cNvPr id="5" name="슬라이드 번호 개체 틀 4">
             <a:extLst>
               <a:ext uri="{FF2B5EF4-FFF2-40B4-BE49-F238E27FC236}">
-                <a16:creationId xmlns:a16="http://schemas.microsoft.com/office/drawing/2014/main" id="{53A7A304-6F06-42E4-856D-960E7C27707D}"/>
+                <a16:creationId xmlns:a16="http://schemas.microsoft.com/office/drawing/2014/main" id="{A60E187B-42C4-4147-9170-CBA2F6884B4B}"/>
               </a:ext>
             </a:extLst>
           </p:cNvPr>
@@ -8619,7 +8357,7 @@
             <a:fld id="{5FF72CB3-86FB-4DBB-A7AC-E8F6F3DA156B}" type="slidenum">
               <a:rPr lang="ko-KR" altLang="en-US" smtClean="0"/>
               <a:pPr/>
-              <a:t>28</a:t>
+              <a:t>21</a:t>
             </a:fld>
             <a:endParaRPr lang="ko-KR" altLang="en-US"/>
           </a:p>
@@ -8627,17 +8365,19 @@
       </p:sp>
       <p:pic>
         <p:nvPicPr>
-          <p:cNvPr id="7" name="그림 6">
-            <a:extLst>
-              <a:ext uri="{FF2B5EF4-FFF2-40B4-BE49-F238E27FC236}">
-                <a16:creationId xmlns:a16="http://schemas.microsoft.com/office/drawing/2014/main" id="{9830E00E-D7C7-4B5E-BBDD-5DF030AD2C9B}"/>
+          <p:cNvPr id="9" name="내용 개체 틀 8">
+            <a:extLst>
+              <a:ext uri="{FF2B5EF4-FFF2-40B4-BE49-F238E27FC236}">
+                <a16:creationId xmlns:a16="http://schemas.microsoft.com/office/drawing/2014/main" id="{CE829692-956A-494D-8AD2-3BB3F500D166}"/>
               </a:ext>
             </a:extLst>
           </p:cNvPr>
           <p:cNvPicPr>
-            <a:picLocks noChangeAspect="1"/>
+            <a:picLocks noGrp="1" noChangeAspect="1"/>
           </p:cNvPicPr>
-          <p:nvPr/>
+          <p:nvPr>
+            <p:ph idx="1"/>
+          </p:nvPr>
         </p:nvPicPr>
         <p:blipFill>
           <a:blip r:embed="rId2"/>
@@ -8647,212 +8387,30 @@
         </p:blipFill>
         <p:spPr>
           <a:xfrm>
-            <a:off x="961789" y="2114899"/>
-            <a:ext cx="10065875" cy="4150788"/>
+            <a:off x="1557251" y="1317875"/>
+            <a:ext cx="7709465" cy="5184700"/>
           </a:xfrm>
           <a:prstGeom prst="rect">
             <a:avLst/>
           </a:prstGeom>
         </p:spPr>
       </p:pic>
-    </p:spTree>
-    <p:extLst>
-      <p:ext uri="{BB962C8B-B14F-4D97-AF65-F5344CB8AC3E}">
-        <p14:creationId xmlns:p14="http://schemas.microsoft.com/office/powerpoint/2010/main" val="93619173"/>
-      </p:ext>
-    </p:extLst>
-  </p:cSld>
-  <p:clrMapOvr>
-    <a:masterClrMapping/>
-  </p:clrMapOvr>
-</p:sld>
-</file>
-
-<file path=ppt/slides/slide29.xml><?xml version="1.0" encoding="utf-8"?>
-<p:sld xmlns:a="http://schemas.openxmlformats.org/drawingml/2006/main" xmlns:r="http://schemas.openxmlformats.org/officeDocument/2006/relationships" xmlns:p="http://schemas.openxmlformats.org/presentationml/2006/main">
-  <p:cSld>
-    <p:spTree>
-      <p:nvGrpSpPr>
-        <p:cNvPr id="1" name=""/>
-        <p:cNvGrpSpPr/>
-        <p:nvPr/>
-      </p:nvGrpSpPr>
-      <p:grpSpPr>
-        <a:xfrm>
-          <a:off x="0" y="0"/>
-          <a:ext cx="0" cy="0"/>
-          <a:chOff x="0" y="0"/>
-          <a:chExt cx="0" cy="0"/>
-        </a:xfrm>
-      </p:grpSpPr>
-      <p:sp>
-        <p:nvSpPr>
-          <p:cNvPr id="2" name="제목 1">
-            <a:extLst>
-              <a:ext uri="{FF2B5EF4-FFF2-40B4-BE49-F238E27FC236}">
-                <a16:creationId xmlns:a16="http://schemas.microsoft.com/office/drawing/2014/main" id="{2EB0A747-C32B-4851-BB32-DC3E152E8FB3}"/>
-              </a:ext>
-            </a:extLst>
-          </p:cNvPr>
-          <p:cNvSpPr>
-            <a:spLocks noGrp="1"/>
-          </p:cNvSpPr>
-          <p:nvPr>
-            <p:ph type="title"/>
-          </p:nvPr>
-        </p:nvSpPr>
-        <p:spPr/>
-        <p:txBody>
-          <a:bodyPr/>
-          <a:lstStyle/>
-          <a:p>
-            <a:r>
-              <a:rPr lang="ko-KR" altLang="en-US" dirty="0">
-                <a:ea typeface="맑은 고딕"/>
-              </a:rPr>
-              <a:t>소스코드 분석</a:t>
-            </a:r>
-            <a:endParaRPr lang="ko-KR" altLang="en-US" dirty="0"/>
-          </a:p>
-        </p:txBody>
-      </p:sp>
-      <p:sp>
-        <p:nvSpPr>
-          <p:cNvPr id="3" name="내용 개체 틀 2">
-            <a:extLst>
-              <a:ext uri="{FF2B5EF4-FFF2-40B4-BE49-F238E27FC236}">
-                <a16:creationId xmlns:a16="http://schemas.microsoft.com/office/drawing/2014/main" id="{996EFA0E-F84A-42A4-9A50-24D03F83E3EE}"/>
-              </a:ext>
-            </a:extLst>
-          </p:cNvPr>
-          <p:cNvSpPr>
-            <a:spLocks noGrp="1"/>
-          </p:cNvSpPr>
-          <p:nvPr>
-            <p:ph idx="1"/>
-          </p:nvPr>
-        </p:nvSpPr>
-        <p:spPr/>
-        <p:txBody>
-          <a:bodyPr/>
-          <a:lstStyle/>
-          <a:p>
-            <a:endParaRPr lang="ko-KR" altLang="en-US" dirty="0"/>
-          </a:p>
-        </p:txBody>
-      </p:sp>
-      <p:sp>
-        <p:nvSpPr>
-          <p:cNvPr id="4" name="날짜 개체 틀 3">
-            <a:extLst>
-              <a:ext uri="{FF2B5EF4-FFF2-40B4-BE49-F238E27FC236}">
-                <a16:creationId xmlns:a16="http://schemas.microsoft.com/office/drawing/2014/main" id="{8A90AC18-88BC-4BC0-86A7-89E5299D1624}"/>
-              </a:ext>
-            </a:extLst>
-          </p:cNvPr>
-          <p:cNvSpPr>
-            <a:spLocks noGrp="1"/>
-          </p:cNvSpPr>
-          <p:nvPr>
-            <p:ph type="dt" sz="half" idx="10"/>
-          </p:nvPr>
-        </p:nvSpPr>
-        <p:spPr/>
-        <p:txBody>
-          <a:bodyPr/>
-          <a:lstStyle/>
-          <a:p>
-            <a:r>
-              <a:rPr lang="ko-KR" altLang="en-US"/>
-              <a:t>권철현</a:t>
-            </a:r>
-            <a:r>
-              <a:rPr lang="en-US" altLang="ko-KR"/>
-              <a:t>, </a:t>
-            </a:r>
-            <a:r>
-              <a:rPr lang="ko-KR" altLang="en-US"/>
-              <a:t>신재하</a:t>
-            </a:r>
-          </a:p>
-        </p:txBody>
-      </p:sp>
-      <p:sp>
-        <p:nvSpPr>
-          <p:cNvPr id="5" name="슬라이드 번호 개체 틀 4">
-            <a:extLst>
-              <a:ext uri="{FF2B5EF4-FFF2-40B4-BE49-F238E27FC236}">
-                <a16:creationId xmlns:a16="http://schemas.microsoft.com/office/drawing/2014/main" id="{53A7A304-6F06-42E4-856D-960E7C27707D}"/>
-              </a:ext>
-            </a:extLst>
-          </p:cNvPr>
-          <p:cNvSpPr>
-            <a:spLocks noGrp="1"/>
-          </p:cNvSpPr>
-          <p:nvPr>
-            <p:ph type="sldNum" sz="quarter" idx="12"/>
-          </p:nvPr>
-        </p:nvSpPr>
-        <p:spPr/>
-        <p:txBody>
-          <a:bodyPr/>
-          <a:lstStyle/>
-          <a:p>
-            <a:fld id="{5FF72CB3-86FB-4DBB-A7AC-E8F6F3DA156B}" type="slidenum">
-              <a:rPr lang="ko-KR" altLang="en-US" smtClean="0"/>
-              <a:pPr/>
-              <a:t>29</a:t>
-            </a:fld>
-            <a:endParaRPr lang="ko-KR" altLang="en-US"/>
-          </a:p>
-        </p:txBody>
-      </p:sp>
-      <p:pic>
-        <p:nvPicPr>
-          <p:cNvPr id="7" name="그림 6">
-            <a:extLst>
-              <a:ext uri="{FF2B5EF4-FFF2-40B4-BE49-F238E27FC236}">
-                <a16:creationId xmlns:a16="http://schemas.microsoft.com/office/drawing/2014/main" id="{B4809957-8EC6-48A8-A8D1-EA5664E42667}"/>
-              </a:ext>
-            </a:extLst>
-          </p:cNvPr>
-          <p:cNvPicPr>
-            <a:picLocks noChangeAspect="1"/>
-          </p:cNvPicPr>
+      <p:sp>
+        <p:nvSpPr>
+          <p:cNvPr id="11" name="직사각형 10">
+            <a:extLst>
+              <a:ext uri="{FF2B5EF4-FFF2-40B4-BE49-F238E27FC236}">
+                <a16:creationId xmlns:a16="http://schemas.microsoft.com/office/drawing/2014/main" id="{F380A171-FC7B-47F6-8768-83DD387A261B}"/>
+              </a:ext>
+            </a:extLst>
+          </p:cNvPr>
+          <p:cNvSpPr/>
           <p:nvPr/>
-        </p:nvPicPr>
-        <p:blipFill>
-          <a:blip r:embed="rId2"/>
-          <a:stretch>
-            <a:fillRect/>
-          </a:stretch>
-        </p:blipFill>
+        </p:nvSpPr>
         <p:spPr>
           <a:xfrm>
-            <a:off x="981075" y="2862714"/>
-            <a:ext cx="9839325" cy="2085975"/>
-          </a:xfrm>
-          <a:prstGeom prst="rect">
-            <a:avLst/>
-          </a:prstGeom>
-        </p:spPr>
-      </p:pic>
-      <p:sp>
-        <p:nvSpPr>
-          <p:cNvPr id="8" name="직사각형 7">
-            <a:extLst>
-              <a:ext uri="{FF2B5EF4-FFF2-40B4-BE49-F238E27FC236}">
-                <a16:creationId xmlns:a16="http://schemas.microsoft.com/office/drawing/2014/main" id="{F6AAFC46-DCCB-4EA0-96AD-D27C8D6BB1F8}"/>
-              </a:ext>
-            </a:extLst>
-          </p:cNvPr>
-          <p:cNvSpPr/>
-          <p:nvPr/>
-        </p:nvSpPr>
-        <p:spPr>
-          <a:xfrm>
-            <a:off x="1151042" y="4353757"/>
-            <a:ext cx="5642949" cy="283464"/>
+            <a:off x="2195650" y="3956857"/>
+            <a:ext cx="7071066" cy="2050473"/>
           </a:xfrm>
           <a:prstGeom prst="rect">
             <a:avLst/>
@@ -8892,7 +8450,2528 @@
     </p:spTree>
     <p:extLst>
       <p:ext uri="{BB962C8B-B14F-4D97-AF65-F5344CB8AC3E}">
-        <p14:creationId xmlns:p14="http://schemas.microsoft.com/office/powerpoint/2010/main" val="708707801"/>
+        <p14:creationId xmlns:p14="http://schemas.microsoft.com/office/powerpoint/2010/main" val="427987169"/>
+      </p:ext>
+    </p:extLst>
+  </p:cSld>
+  <p:clrMapOvr>
+    <a:masterClrMapping/>
+  </p:clrMapOvr>
+</p:sld>
+</file>
+
+<file path=ppt/slides/slide22.xml><?xml version="1.0" encoding="utf-8"?>
+<p:sld xmlns:a="http://schemas.openxmlformats.org/drawingml/2006/main" xmlns:r="http://schemas.openxmlformats.org/officeDocument/2006/relationships" xmlns:p="http://schemas.openxmlformats.org/presentationml/2006/main">
+  <p:cSld>
+    <p:spTree>
+      <p:nvGrpSpPr>
+        <p:cNvPr id="1" name=""/>
+        <p:cNvGrpSpPr/>
+        <p:nvPr/>
+      </p:nvGrpSpPr>
+      <p:grpSpPr>
+        <a:xfrm>
+          <a:off x="0" y="0"/>
+          <a:ext cx="0" cy="0"/>
+          <a:chOff x="0" y="0"/>
+          <a:chExt cx="0" cy="0"/>
+        </a:xfrm>
+      </p:grpSpPr>
+      <p:sp>
+        <p:nvSpPr>
+          <p:cNvPr id="2" name="제목 1">
+            <a:extLst>
+              <a:ext uri="{FF2B5EF4-FFF2-40B4-BE49-F238E27FC236}">
+                <a16:creationId xmlns:a16="http://schemas.microsoft.com/office/drawing/2014/main" id="{146CFFF0-9FE9-4FF8-8490-5D1D4A02B7BC}"/>
+              </a:ext>
+            </a:extLst>
+          </p:cNvPr>
+          <p:cNvSpPr>
+            <a:spLocks noGrp="1"/>
+          </p:cNvSpPr>
+          <p:nvPr>
+            <p:ph type="title"/>
+          </p:nvPr>
+        </p:nvSpPr>
+        <p:spPr/>
+        <p:txBody>
+          <a:bodyPr/>
+          <a:lstStyle/>
+          <a:p>
+            <a:r>
+              <a:rPr lang="ko-KR" altLang="en-US" dirty="0"/>
+              <a:t>소스코드 분석 </a:t>
+            </a:r>
+            <a:r>
+              <a:rPr lang="en-US" altLang="ko-KR" dirty="0"/>
+              <a:t>– </a:t>
+            </a:r>
+            <a:r>
+              <a:rPr lang="ko-KR" altLang="en-US" dirty="0"/>
+              <a:t>샘플 추가</a:t>
+            </a:r>
+          </a:p>
+        </p:txBody>
+      </p:sp>
+      <p:sp>
+        <p:nvSpPr>
+          <p:cNvPr id="3" name="내용 개체 틀 2">
+            <a:extLst>
+              <a:ext uri="{FF2B5EF4-FFF2-40B4-BE49-F238E27FC236}">
+                <a16:creationId xmlns:a16="http://schemas.microsoft.com/office/drawing/2014/main" id="{3E83A9B3-F04A-492D-ABCC-DE77D2199B60}"/>
+              </a:ext>
+            </a:extLst>
+          </p:cNvPr>
+          <p:cNvSpPr>
+            <a:spLocks noGrp="1"/>
+          </p:cNvSpPr>
+          <p:nvPr>
+            <p:ph idx="1"/>
+          </p:nvPr>
+        </p:nvSpPr>
+        <p:spPr/>
+        <p:txBody>
+          <a:bodyPr/>
+          <a:lstStyle/>
+          <a:p>
+            <a:r>
+              <a:rPr lang="en-US" altLang="ko-KR" dirty="0"/>
+              <a:t>LiteMultipleSignatureModel.java </a:t>
+            </a:r>
+          </a:p>
+          <a:p>
+            <a:pPr lvl="1"/>
+            <a:r>
+              <a:rPr lang="ko-KR" altLang="en-US" dirty="0"/>
+              <a:t>이미지를 분석해서 </a:t>
+            </a:r>
+            <a:r>
+              <a:rPr lang="en-US" altLang="ko-KR" dirty="0"/>
+              <a:t>bottleneck</a:t>
+            </a:r>
+            <a:r>
+              <a:rPr lang="ko-KR" altLang="en-US" dirty="0"/>
+              <a:t>을 추출</a:t>
+            </a:r>
+            <a:r>
+              <a:rPr lang="en-US" altLang="ko-KR" dirty="0"/>
+              <a:t>, 1</a:t>
+            </a:r>
+            <a:r>
+              <a:rPr lang="ko-KR" altLang="en-US" dirty="0"/>
+              <a:t>차원 배열로 변경 </a:t>
+            </a:r>
+          </a:p>
+        </p:txBody>
+      </p:sp>
+      <p:sp>
+        <p:nvSpPr>
+          <p:cNvPr id="4" name="날짜 개체 틀 3">
+            <a:extLst>
+              <a:ext uri="{FF2B5EF4-FFF2-40B4-BE49-F238E27FC236}">
+                <a16:creationId xmlns:a16="http://schemas.microsoft.com/office/drawing/2014/main" id="{F66A8221-07CE-4772-A4DB-5C73F98A93F5}"/>
+              </a:ext>
+            </a:extLst>
+          </p:cNvPr>
+          <p:cNvSpPr>
+            <a:spLocks noGrp="1"/>
+          </p:cNvSpPr>
+          <p:nvPr>
+            <p:ph type="dt" sz="half" idx="10"/>
+          </p:nvPr>
+        </p:nvSpPr>
+        <p:spPr/>
+        <p:txBody>
+          <a:bodyPr/>
+          <a:lstStyle/>
+          <a:p>
+            <a:r>
+              <a:rPr lang="ko-KR" altLang="en-US"/>
+              <a:t>권철현</a:t>
+            </a:r>
+            <a:r>
+              <a:rPr lang="en-US" altLang="ko-KR"/>
+              <a:t>, </a:t>
+            </a:r>
+            <a:r>
+              <a:rPr lang="ko-KR" altLang="en-US"/>
+              <a:t>신재하</a:t>
+            </a:r>
+          </a:p>
+        </p:txBody>
+      </p:sp>
+      <p:sp>
+        <p:nvSpPr>
+          <p:cNvPr id="5" name="슬라이드 번호 개체 틀 4">
+            <a:extLst>
+              <a:ext uri="{FF2B5EF4-FFF2-40B4-BE49-F238E27FC236}">
+                <a16:creationId xmlns:a16="http://schemas.microsoft.com/office/drawing/2014/main" id="{A60E187B-42C4-4147-9170-CBA2F6884B4B}"/>
+              </a:ext>
+            </a:extLst>
+          </p:cNvPr>
+          <p:cNvSpPr>
+            <a:spLocks noGrp="1"/>
+          </p:cNvSpPr>
+          <p:nvPr>
+            <p:ph type="sldNum" sz="quarter" idx="12"/>
+          </p:nvPr>
+        </p:nvSpPr>
+        <p:spPr/>
+        <p:txBody>
+          <a:bodyPr/>
+          <a:lstStyle/>
+          <a:p>
+            <a:fld id="{5FF72CB3-86FB-4DBB-A7AC-E8F6F3DA156B}" type="slidenum">
+              <a:rPr lang="ko-KR" altLang="en-US" smtClean="0"/>
+              <a:pPr/>
+              <a:t>22</a:t>
+            </a:fld>
+            <a:endParaRPr lang="ko-KR" altLang="en-US"/>
+          </a:p>
+        </p:txBody>
+      </p:sp>
+      <p:pic>
+        <p:nvPicPr>
+          <p:cNvPr id="7" name="그림 6">
+            <a:extLst>
+              <a:ext uri="{FF2B5EF4-FFF2-40B4-BE49-F238E27FC236}">
+                <a16:creationId xmlns:a16="http://schemas.microsoft.com/office/drawing/2014/main" id="{A21893E5-6E30-4C13-B388-C34EC6466BB0}"/>
+              </a:ext>
+            </a:extLst>
+          </p:cNvPr>
+          <p:cNvPicPr>
+            <a:picLocks noChangeAspect="1"/>
+          </p:cNvPicPr>
+          <p:nvPr/>
+        </p:nvPicPr>
+        <p:blipFill rotWithShape="1">
+          <a:blip r:embed="rId2"/>
+          <a:srcRect t="50147" b="9043"/>
+          <a:stretch/>
+        </p:blipFill>
+        <p:spPr>
+          <a:xfrm>
+            <a:off x="583278" y="2726227"/>
+            <a:ext cx="9390530" cy="2577292"/>
+          </a:xfrm>
+          <a:prstGeom prst="rect">
+            <a:avLst/>
+          </a:prstGeom>
+        </p:spPr>
+      </p:pic>
+      <p:sp>
+        <p:nvSpPr>
+          <p:cNvPr id="9" name="직사각형 8">
+            <a:extLst>
+              <a:ext uri="{FF2B5EF4-FFF2-40B4-BE49-F238E27FC236}">
+                <a16:creationId xmlns:a16="http://schemas.microsoft.com/office/drawing/2014/main" id="{63A96310-A660-45A4-923F-EA3A2D970741}"/>
+              </a:ext>
+            </a:extLst>
+          </p:cNvPr>
+          <p:cNvSpPr/>
+          <p:nvPr/>
+        </p:nvSpPr>
+        <p:spPr>
+          <a:xfrm>
+            <a:off x="1596043" y="3276926"/>
+            <a:ext cx="8305721" cy="288174"/>
+          </a:xfrm>
+          <a:prstGeom prst="rect">
+            <a:avLst/>
+          </a:prstGeom>
+          <a:noFill/>
+          <a:ln w="38100">
+            <a:solidFill>
+              <a:srgbClr val="FF0000"/>
+            </a:solidFill>
+          </a:ln>
+        </p:spPr>
+        <p:style>
+          <a:lnRef idx="2">
+            <a:schemeClr val="accent1">
+              <a:shade val="50000"/>
+            </a:schemeClr>
+          </a:lnRef>
+          <a:fillRef idx="1">
+            <a:schemeClr val="accent1"/>
+          </a:fillRef>
+          <a:effectRef idx="0">
+            <a:schemeClr val="accent1"/>
+          </a:effectRef>
+          <a:fontRef idx="minor">
+            <a:schemeClr val="lt1"/>
+          </a:fontRef>
+        </p:style>
+        <p:txBody>
+          <a:bodyPr rtlCol="0" anchor="ctr"/>
+          <a:lstStyle/>
+          <a:p>
+            <a:pPr algn="ctr"/>
+            <a:endParaRPr lang="ko-KR" altLang="en-US"/>
+          </a:p>
+        </p:txBody>
+      </p:sp>
+    </p:spTree>
+    <p:extLst>
+      <p:ext uri="{BB962C8B-B14F-4D97-AF65-F5344CB8AC3E}">
+        <p14:creationId xmlns:p14="http://schemas.microsoft.com/office/powerpoint/2010/main" val="1159918286"/>
+      </p:ext>
+    </p:extLst>
+  </p:cSld>
+  <p:clrMapOvr>
+    <a:masterClrMapping/>
+  </p:clrMapOvr>
+</p:sld>
+</file>
+
+<file path=ppt/slides/slide23.xml><?xml version="1.0" encoding="utf-8"?>
+<p:sld xmlns:a="http://schemas.openxmlformats.org/drawingml/2006/main" xmlns:r="http://schemas.openxmlformats.org/officeDocument/2006/relationships" xmlns:p="http://schemas.openxmlformats.org/presentationml/2006/main">
+  <p:cSld>
+    <p:spTree>
+      <p:nvGrpSpPr>
+        <p:cNvPr id="1" name=""/>
+        <p:cNvGrpSpPr/>
+        <p:nvPr/>
+      </p:nvGrpSpPr>
+      <p:grpSpPr>
+        <a:xfrm>
+          <a:off x="0" y="0"/>
+          <a:ext cx="0" cy="0"/>
+          <a:chOff x="0" y="0"/>
+          <a:chExt cx="0" cy="0"/>
+        </a:xfrm>
+      </p:grpSpPr>
+      <p:sp>
+        <p:nvSpPr>
+          <p:cNvPr id="2" name="제목 1">
+            <a:extLst>
+              <a:ext uri="{FF2B5EF4-FFF2-40B4-BE49-F238E27FC236}">
+                <a16:creationId xmlns:a16="http://schemas.microsoft.com/office/drawing/2014/main" id="{ABA61CA3-B093-4BCD-8FDE-37352F808819}"/>
+              </a:ext>
+            </a:extLst>
+          </p:cNvPr>
+          <p:cNvSpPr>
+            <a:spLocks noGrp="1"/>
+          </p:cNvSpPr>
+          <p:nvPr>
+            <p:ph type="title"/>
+          </p:nvPr>
+        </p:nvSpPr>
+        <p:spPr/>
+        <p:txBody>
+          <a:bodyPr/>
+          <a:lstStyle/>
+          <a:p>
+            <a:r>
+              <a:rPr lang="ko-KR" altLang="en-US" dirty="0"/>
+              <a:t>소스코드 분석 </a:t>
+            </a:r>
+            <a:r>
+              <a:rPr lang="en-US" altLang="ko-KR" dirty="0"/>
+              <a:t>– </a:t>
+            </a:r>
+            <a:r>
+              <a:rPr lang="ko-KR" altLang="en-US" dirty="0"/>
+              <a:t>샘플 추가</a:t>
+            </a:r>
+          </a:p>
+        </p:txBody>
+      </p:sp>
+      <p:sp>
+        <p:nvSpPr>
+          <p:cNvPr id="3" name="내용 개체 틀 2">
+            <a:extLst>
+              <a:ext uri="{FF2B5EF4-FFF2-40B4-BE49-F238E27FC236}">
+                <a16:creationId xmlns:a16="http://schemas.microsoft.com/office/drawing/2014/main" id="{DFCB2E3C-3709-489F-BF1A-6CB449C06D11}"/>
+              </a:ext>
+            </a:extLst>
+          </p:cNvPr>
+          <p:cNvSpPr>
+            <a:spLocks noGrp="1"/>
+          </p:cNvSpPr>
+          <p:nvPr>
+            <p:ph idx="1"/>
+          </p:nvPr>
+        </p:nvSpPr>
+        <p:spPr/>
+        <p:txBody>
+          <a:bodyPr/>
+          <a:lstStyle/>
+          <a:p>
+            <a:r>
+              <a:rPr lang="en-US" altLang="ko-KR" dirty="0"/>
+              <a:t>TransferLearningModel.java</a:t>
+            </a:r>
+          </a:p>
+          <a:p>
+            <a:pPr lvl="1"/>
+            <a:r>
+              <a:rPr lang="en-US" altLang="ko-KR" dirty="0" err="1"/>
+              <a:t>Interpreter.runSignature</a:t>
+            </a:r>
+            <a:r>
+              <a:rPr lang="en-US" altLang="ko-KR" dirty="0"/>
+              <a:t> </a:t>
+            </a:r>
+            <a:r>
+              <a:rPr lang="ko-KR" altLang="en-US" dirty="0"/>
+              <a:t>을 통해 </a:t>
+            </a:r>
+            <a:r>
+              <a:rPr lang="en-US" altLang="ko-KR" dirty="0" err="1"/>
+              <a:t>model.tflite</a:t>
+            </a:r>
+            <a:r>
+              <a:rPr lang="ko-KR" altLang="en-US" dirty="0"/>
+              <a:t>의 </a:t>
+            </a:r>
+            <a:r>
+              <a:rPr lang="en-US" altLang="ko-KR" dirty="0"/>
+              <a:t>load </a:t>
+            </a:r>
+            <a:r>
+              <a:rPr lang="ko-KR" altLang="en-US" dirty="0"/>
+              <a:t>함수 실행 </a:t>
+            </a:r>
+            <a:endParaRPr lang="en-US" altLang="ko-KR" dirty="0"/>
+          </a:p>
+          <a:p>
+            <a:pPr lvl="1"/>
+            <a:endParaRPr lang="ko-KR" altLang="en-US" dirty="0"/>
+          </a:p>
+        </p:txBody>
+      </p:sp>
+      <p:sp>
+        <p:nvSpPr>
+          <p:cNvPr id="4" name="날짜 개체 틀 3">
+            <a:extLst>
+              <a:ext uri="{FF2B5EF4-FFF2-40B4-BE49-F238E27FC236}">
+                <a16:creationId xmlns:a16="http://schemas.microsoft.com/office/drawing/2014/main" id="{D4CE880D-E23C-440A-8325-9DE2AD6C3708}"/>
+              </a:ext>
+            </a:extLst>
+          </p:cNvPr>
+          <p:cNvSpPr>
+            <a:spLocks noGrp="1"/>
+          </p:cNvSpPr>
+          <p:nvPr>
+            <p:ph type="dt" sz="half" idx="10"/>
+          </p:nvPr>
+        </p:nvSpPr>
+        <p:spPr/>
+        <p:txBody>
+          <a:bodyPr/>
+          <a:lstStyle/>
+          <a:p>
+            <a:r>
+              <a:rPr lang="ko-KR" altLang="en-US"/>
+              <a:t>권철현</a:t>
+            </a:r>
+            <a:r>
+              <a:rPr lang="en-US" altLang="ko-KR"/>
+              <a:t>, </a:t>
+            </a:r>
+            <a:r>
+              <a:rPr lang="ko-KR" altLang="en-US"/>
+              <a:t>신재하</a:t>
+            </a:r>
+          </a:p>
+        </p:txBody>
+      </p:sp>
+      <p:sp>
+        <p:nvSpPr>
+          <p:cNvPr id="5" name="슬라이드 번호 개체 틀 4">
+            <a:extLst>
+              <a:ext uri="{FF2B5EF4-FFF2-40B4-BE49-F238E27FC236}">
+                <a16:creationId xmlns:a16="http://schemas.microsoft.com/office/drawing/2014/main" id="{3998E528-75AA-458C-A4E4-783206817BCE}"/>
+              </a:ext>
+            </a:extLst>
+          </p:cNvPr>
+          <p:cNvSpPr>
+            <a:spLocks noGrp="1"/>
+          </p:cNvSpPr>
+          <p:nvPr>
+            <p:ph type="sldNum" sz="quarter" idx="12"/>
+          </p:nvPr>
+        </p:nvSpPr>
+        <p:spPr/>
+        <p:txBody>
+          <a:bodyPr/>
+          <a:lstStyle/>
+          <a:p>
+            <a:fld id="{5FF72CB3-86FB-4DBB-A7AC-E8F6F3DA156B}" type="slidenum">
+              <a:rPr lang="ko-KR" altLang="en-US" smtClean="0"/>
+              <a:pPr/>
+              <a:t>23</a:t>
+            </a:fld>
+            <a:endParaRPr lang="ko-KR" altLang="en-US"/>
+          </a:p>
+        </p:txBody>
+      </p:sp>
+      <p:pic>
+        <p:nvPicPr>
+          <p:cNvPr id="7" name="그림 6">
+            <a:extLst>
+              <a:ext uri="{FF2B5EF4-FFF2-40B4-BE49-F238E27FC236}">
+                <a16:creationId xmlns:a16="http://schemas.microsoft.com/office/drawing/2014/main" id="{8579435B-AAFB-460D-ADD3-185A7E5FB7D5}"/>
+              </a:ext>
+            </a:extLst>
+          </p:cNvPr>
+          <p:cNvPicPr>
+            <a:picLocks noChangeAspect="1"/>
+          </p:cNvPicPr>
+          <p:nvPr/>
+        </p:nvPicPr>
+        <p:blipFill>
+          <a:blip r:embed="rId2"/>
+          <a:stretch>
+            <a:fillRect/>
+          </a:stretch>
+        </p:blipFill>
+        <p:spPr>
+          <a:xfrm>
+            <a:off x="393469" y="2786150"/>
+            <a:ext cx="11405061" cy="2787903"/>
+          </a:xfrm>
+          <a:prstGeom prst="rect">
+            <a:avLst/>
+          </a:prstGeom>
+        </p:spPr>
+      </p:pic>
+      <p:sp>
+        <p:nvSpPr>
+          <p:cNvPr id="8" name="직사각형 7">
+            <a:extLst>
+              <a:ext uri="{FF2B5EF4-FFF2-40B4-BE49-F238E27FC236}">
+                <a16:creationId xmlns:a16="http://schemas.microsoft.com/office/drawing/2014/main" id="{41BE671F-39C6-491E-958F-CA33C695BBA5}"/>
+              </a:ext>
+            </a:extLst>
+          </p:cNvPr>
+          <p:cNvSpPr/>
+          <p:nvPr/>
+        </p:nvSpPr>
+        <p:spPr>
+          <a:xfrm>
+            <a:off x="609600" y="4473235"/>
+            <a:ext cx="6993775" cy="310340"/>
+          </a:xfrm>
+          <a:prstGeom prst="rect">
+            <a:avLst/>
+          </a:prstGeom>
+          <a:noFill/>
+          <a:ln w="38100">
+            <a:solidFill>
+              <a:srgbClr val="FF0000"/>
+            </a:solidFill>
+          </a:ln>
+        </p:spPr>
+        <p:style>
+          <a:lnRef idx="2">
+            <a:schemeClr val="accent1">
+              <a:shade val="50000"/>
+            </a:schemeClr>
+          </a:lnRef>
+          <a:fillRef idx="1">
+            <a:schemeClr val="accent1"/>
+          </a:fillRef>
+          <a:effectRef idx="0">
+            <a:schemeClr val="accent1"/>
+          </a:effectRef>
+          <a:fontRef idx="minor">
+            <a:schemeClr val="lt1"/>
+          </a:fontRef>
+        </p:style>
+        <p:txBody>
+          <a:bodyPr rtlCol="0" anchor="ctr"/>
+          <a:lstStyle/>
+          <a:p>
+            <a:pPr algn="ctr"/>
+            <a:endParaRPr lang="ko-KR" altLang="en-US"/>
+          </a:p>
+        </p:txBody>
+      </p:sp>
+    </p:spTree>
+    <p:extLst>
+      <p:ext uri="{BB962C8B-B14F-4D97-AF65-F5344CB8AC3E}">
+        <p14:creationId xmlns:p14="http://schemas.microsoft.com/office/powerpoint/2010/main" val="1732872602"/>
+      </p:ext>
+    </p:extLst>
+  </p:cSld>
+  <p:clrMapOvr>
+    <a:masterClrMapping/>
+  </p:clrMapOvr>
+</p:sld>
+</file>
+
+<file path=ppt/slides/slide24.xml><?xml version="1.0" encoding="utf-8"?>
+<p:sld xmlns:a="http://schemas.openxmlformats.org/drawingml/2006/main" xmlns:r="http://schemas.openxmlformats.org/officeDocument/2006/relationships" xmlns:p="http://schemas.openxmlformats.org/presentationml/2006/main">
+  <p:cSld>
+    <p:spTree>
+      <p:nvGrpSpPr>
+        <p:cNvPr id="1" name=""/>
+        <p:cNvGrpSpPr/>
+        <p:nvPr/>
+      </p:nvGrpSpPr>
+      <p:grpSpPr>
+        <a:xfrm>
+          <a:off x="0" y="0"/>
+          <a:ext cx="0" cy="0"/>
+          <a:chOff x="0" y="0"/>
+          <a:chExt cx="0" cy="0"/>
+        </a:xfrm>
+      </p:grpSpPr>
+      <p:sp>
+        <p:nvSpPr>
+          <p:cNvPr id="2" name="제목 1">
+            <a:extLst>
+              <a:ext uri="{FF2B5EF4-FFF2-40B4-BE49-F238E27FC236}">
+                <a16:creationId xmlns:a16="http://schemas.microsoft.com/office/drawing/2014/main" id="{54EABF71-FC86-4F80-B722-C053B00CC928}"/>
+              </a:ext>
+            </a:extLst>
+          </p:cNvPr>
+          <p:cNvSpPr>
+            <a:spLocks noGrp="1"/>
+          </p:cNvSpPr>
+          <p:nvPr>
+            <p:ph type="title"/>
+          </p:nvPr>
+        </p:nvSpPr>
+        <p:spPr/>
+        <p:txBody>
+          <a:bodyPr/>
+          <a:lstStyle/>
+          <a:p>
+            <a:r>
+              <a:rPr lang="ko-KR" altLang="en-US" dirty="0"/>
+              <a:t>소스코드 분석 </a:t>
+            </a:r>
+            <a:r>
+              <a:rPr lang="en-US" altLang="ko-KR" dirty="0"/>
+              <a:t>– </a:t>
+            </a:r>
+            <a:r>
+              <a:rPr lang="ko-KR" altLang="en-US" dirty="0"/>
+              <a:t>샘플 추가</a:t>
+            </a:r>
+          </a:p>
+        </p:txBody>
+      </p:sp>
+      <p:sp>
+        <p:nvSpPr>
+          <p:cNvPr id="3" name="내용 개체 틀 2">
+            <a:extLst>
+              <a:ext uri="{FF2B5EF4-FFF2-40B4-BE49-F238E27FC236}">
+                <a16:creationId xmlns:a16="http://schemas.microsoft.com/office/drawing/2014/main" id="{94C1E8C4-B8D2-44EB-BCEC-64976B405973}"/>
+              </a:ext>
+            </a:extLst>
+          </p:cNvPr>
+          <p:cNvSpPr>
+            <a:spLocks noGrp="1"/>
+          </p:cNvSpPr>
+          <p:nvPr>
+            <p:ph idx="1"/>
+          </p:nvPr>
+        </p:nvSpPr>
+        <p:spPr/>
+        <p:txBody>
+          <a:bodyPr/>
+          <a:lstStyle/>
+          <a:p>
+            <a:r>
+              <a:rPr lang="en-US" altLang="ko-KR" dirty="0"/>
+              <a:t> python </a:t>
+            </a:r>
+            <a:r>
+              <a:rPr lang="ko-KR" altLang="en-US" dirty="0"/>
+              <a:t>으로 작성된 </a:t>
+            </a:r>
+            <a:r>
+              <a:rPr lang="en-US" altLang="ko-KR" dirty="0" err="1"/>
+              <a:t>TFLite</a:t>
+            </a:r>
+            <a:r>
+              <a:rPr lang="en-US" altLang="ko-KR" dirty="0"/>
+              <a:t> </a:t>
+            </a:r>
+            <a:r>
+              <a:rPr lang="ko-KR" altLang="en-US" dirty="0"/>
+              <a:t>모델 생성기의</a:t>
+            </a:r>
+            <a:r>
+              <a:rPr lang="en-US" altLang="ko-KR" dirty="0"/>
+              <a:t> load </a:t>
+            </a:r>
+            <a:r>
+              <a:rPr lang="ko-KR" altLang="en-US" dirty="0"/>
+              <a:t>함수 </a:t>
+            </a:r>
+          </a:p>
+        </p:txBody>
+      </p:sp>
+      <p:sp>
+        <p:nvSpPr>
+          <p:cNvPr id="4" name="날짜 개체 틀 3">
+            <a:extLst>
+              <a:ext uri="{FF2B5EF4-FFF2-40B4-BE49-F238E27FC236}">
+                <a16:creationId xmlns:a16="http://schemas.microsoft.com/office/drawing/2014/main" id="{6C2E290E-33E4-468D-BBBC-EF4A8A09585D}"/>
+              </a:ext>
+            </a:extLst>
+          </p:cNvPr>
+          <p:cNvSpPr>
+            <a:spLocks noGrp="1"/>
+          </p:cNvSpPr>
+          <p:nvPr>
+            <p:ph type="dt" sz="half" idx="10"/>
+          </p:nvPr>
+        </p:nvSpPr>
+        <p:spPr/>
+        <p:txBody>
+          <a:bodyPr/>
+          <a:lstStyle/>
+          <a:p>
+            <a:r>
+              <a:rPr lang="ko-KR" altLang="en-US"/>
+              <a:t>권철현</a:t>
+            </a:r>
+            <a:r>
+              <a:rPr lang="en-US" altLang="ko-KR"/>
+              <a:t>, </a:t>
+            </a:r>
+            <a:r>
+              <a:rPr lang="ko-KR" altLang="en-US"/>
+              <a:t>신재하</a:t>
+            </a:r>
+          </a:p>
+        </p:txBody>
+      </p:sp>
+      <p:sp>
+        <p:nvSpPr>
+          <p:cNvPr id="5" name="슬라이드 번호 개체 틀 4">
+            <a:extLst>
+              <a:ext uri="{FF2B5EF4-FFF2-40B4-BE49-F238E27FC236}">
+                <a16:creationId xmlns:a16="http://schemas.microsoft.com/office/drawing/2014/main" id="{D03EC657-A84D-4876-BDB4-8570FAAEA771}"/>
+              </a:ext>
+            </a:extLst>
+          </p:cNvPr>
+          <p:cNvSpPr>
+            <a:spLocks noGrp="1"/>
+          </p:cNvSpPr>
+          <p:nvPr>
+            <p:ph type="sldNum" sz="quarter" idx="12"/>
+          </p:nvPr>
+        </p:nvSpPr>
+        <p:spPr/>
+        <p:txBody>
+          <a:bodyPr/>
+          <a:lstStyle/>
+          <a:p>
+            <a:fld id="{5FF72CB3-86FB-4DBB-A7AC-E8F6F3DA156B}" type="slidenum">
+              <a:rPr lang="ko-KR" altLang="en-US" smtClean="0"/>
+              <a:pPr/>
+              <a:t>24</a:t>
+            </a:fld>
+            <a:endParaRPr lang="ko-KR" altLang="en-US"/>
+          </a:p>
+        </p:txBody>
+      </p:sp>
+      <p:pic>
+        <p:nvPicPr>
+          <p:cNvPr id="7" name="그림 6">
+            <a:extLst>
+              <a:ext uri="{FF2B5EF4-FFF2-40B4-BE49-F238E27FC236}">
+                <a16:creationId xmlns:a16="http://schemas.microsoft.com/office/drawing/2014/main" id="{D18568B6-EE3E-42F5-A203-00BBB053E4E9}"/>
+              </a:ext>
+            </a:extLst>
+          </p:cNvPr>
+          <p:cNvPicPr>
+            <a:picLocks noChangeAspect="1"/>
+          </p:cNvPicPr>
+          <p:nvPr/>
+        </p:nvPicPr>
+        <p:blipFill>
+          <a:blip r:embed="rId2"/>
+          <a:stretch>
+            <a:fillRect/>
+          </a:stretch>
+        </p:blipFill>
+        <p:spPr>
+          <a:xfrm>
+            <a:off x="520931" y="2348615"/>
+            <a:ext cx="7223395" cy="3985682"/>
+          </a:xfrm>
+          <a:prstGeom prst="rect">
+            <a:avLst/>
+          </a:prstGeom>
+        </p:spPr>
+      </p:pic>
+      <p:sp>
+        <p:nvSpPr>
+          <p:cNvPr id="8" name="직사각형 7">
+            <a:extLst>
+              <a:ext uri="{FF2B5EF4-FFF2-40B4-BE49-F238E27FC236}">
+                <a16:creationId xmlns:a16="http://schemas.microsoft.com/office/drawing/2014/main" id="{835B600C-7840-44FB-A0AF-E08244D36AC3}"/>
+              </a:ext>
+            </a:extLst>
+          </p:cNvPr>
+          <p:cNvSpPr/>
+          <p:nvPr/>
+        </p:nvSpPr>
+        <p:spPr>
+          <a:xfrm>
+            <a:off x="520931" y="3059084"/>
+            <a:ext cx="2222269" cy="250366"/>
+          </a:xfrm>
+          <a:prstGeom prst="rect">
+            <a:avLst/>
+          </a:prstGeom>
+          <a:noFill/>
+          <a:ln w="38100">
+            <a:solidFill>
+              <a:srgbClr val="FF0000"/>
+            </a:solidFill>
+          </a:ln>
+        </p:spPr>
+        <p:style>
+          <a:lnRef idx="2">
+            <a:schemeClr val="accent1">
+              <a:shade val="50000"/>
+            </a:schemeClr>
+          </a:lnRef>
+          <a:fillRef idx="1">
+            <a:schemeClr val="accent1"/>
+          </a:fillRef>
+          <a:effectRef idx="0">
+            <a:schemeClr val="accent1"/>
+          </a:effectRef>
+          <a:fontRef idx="minor">
+            <a:schemeClr val="lt1"/>
+          </a:fontRef>
+        </p:style>
+        <p:txBody>
+          <a:bodyPr rtlCol="0" anchor="ctr"/>
+          <a:lstStyle/>
+          <a:p>
+            <a:pPr algn="ctr"/>
+            <a:endParaRPr lang="ko-KR" altLang="en-US"/>
+          </a:p>
+        </p:txBody>
+      </p:sp>
+      <p:sp>
+        <p:nvSpPr>
+          <p:cNvPr id="9" name="직사각형 8">
+            <a:extLst>
+              <a:ext uri="{FF2B5EF4-FFF2-40B4-BE49-F238E27FC236}">
+                <a16:creationId xmlns:a16="http://schemas.microsoft.com/office/drawing/2014/main" id="{F5A680EC-DB78-4D42-9A25-48C0A178CC15}"/>
+              </a:ext>
+            </a:extLst>
+          </p:cNvPr>
+          <p:cNvSpPr/>
+          <p:nvPr/>
+        </p:nvSpPr>
+        <p:spPr>
+          <a:xfrm>
+            <a:off x="725978" y="6051580"/>
+            <a:ext cx="3020291" cy="250366"/>
+          </a:xfrm>
+          <a:prstGeom prst="rect">
+            <a:avLst/>
+          </a:prstGeom>
+          <a:noFill/>
+          <a:ln w="38100">
+            <a:solidFill>
+              <a:srgbClr val="FF0000"/>
+            </a:solidFill>
+          </a:ln>
+        </p:spPr>
+        <p:style>
+          <a:lnRef idx="2">
+            <a:schemeClr val="accent1">
+              <a:shade val="50000"/>
+            </a:schemeClr>
+          </a:lnRef>
+          <a:fillRef idx="1">
+            <a:schemeClr val="accent1"/>
+          </a:fillRef>
+          <a:effectRef idx="0">
+            <a:schemeClr val="accent1"/>
+          </a:effectRef>
+          <a:fontRef idx="minor">
+            <a:schemeClr val="lt1"/>
+          </a:fontRef>
+        </p:style>
+        <p:txBody>
+          <a:bodyPr rtlCol="0" anchor="ctr"/>
+          <a:lstStyle/>
+          <a:p>
+            <a:pPr algn="ctr"/>
+            <a:endParaRPr lang="ko-KR" altLang="en-US"/>
+          </a:p>
+        </p:txBody>
+      </p:sp>
+    </p:spTree>
+    <p:extLst>
+      <p:ext uri="{BB962C8B-B14F-4D97-AF65-F5344CB8AC3E}">
+        <p14:creationId xmlns:p14="http://schemas.microsoft.com/office/powerpoint/2010/main" val="4217320846"/>
+      </p:ext>
+    </p:extLst>
+  </p:cSld>
+  <p:clrMapOvr>
+    <a:masterClrMapping/>
+  </p:clrMapOvr>
+</p:sld>
+</file>
+
+<file path=ppt/slides/slide25.xml><?xml version="1.0" encoding="utf-8"?>
+<p:sld xmlns:a="http://schemas.openxmlformats.org/drawingml/2006/main" xmlns:r="http://schemas.openxmlformats.org/officeDocument/2006/relationships" xmlns:p="http://schemas.openxmlformats.org/presentationml/2006/main">
+  <p:cSld>
+    <p:spTree>
+      <p:nvGrpSpPr>
+        <p:cNvPr id="1" name=""/>
+        <p:cNvGrpSpPr/>
+        <p:nvPr/>
+      </p:nvGrpSpPr>
+      <p:grpSpPr>
+        <a:xfrm>
+          <a:off x="0" y="0"/>
+          <a:ext cx="0" cy="0"/>
+          <a:chOff x="0" y="0"/>
+          <a:chExt cx="0" cy="0"/>
+        </a:xfrm>
+      </p:grpSpPr>
+      <p:sp>
+        <p:nvSpPr>
+          <p:cNvPr id="2" name="제목 1">
+            <a:extLst>
+              <a:ext uri="{FF2B5EF4-FFF2-40B4-BE49-F238E27FC236}">
+                <a16:creationId xmlns:a16="http://schemas.microsoft.com/office/drawing/2014/main" id="{146CFFF0-9FE9-4FF8-8490-5D1D4A02B7BC}"/>
+              </a:ext>
+            </a:extLst>
+          </p:cNvPr>
+          <p:cNvSpPr>
+            <a:spLocks noGrp="1"/>
+          </p:cNvSpPr>
+          <p:nvPr>
+            <p:ph type="title"/>
+          </p:nvPr>
+        </p:nvSpPr>
+        <p:spPr/>
+        <p:txBody>
+          <a:bodyPr/>
+          <a:lstStyle/>
+          <a:p>
+            <a:r>
+              <a:rPr lang="ko-KR" altLang="en-US" dirty="0"/>
+              <a:t>소스코드 분석 </a:t>
+            </a:r>
+            <a:r>
+              <a:rPr lang="en-US" altLang="ko-KR" dirty="0"/>
+              <a:t>– </a:t>
+            </a:r>
+            <a:r>
+              <a:rPr lang="ko-KR" altLang="en-US" dirty="0"/>
+              <a:t>샘플 추가</a:t>
+            </a:r>
+          </a:p>
+        </p:txBody>
+      </p:sp>
+      <p:sp>
+        <p:nvSpPr>
+          <p:cNvPr id="3" name="내용 개체 틀 2">
+            <a:extLst>
+              <a:ext uri="{FF2B5EF4-FFF2-40B4-BE49-F238E27FC236}">
+                <a16:creationId xmlns:a16="http://schemas.microsoft.com/office/drawing/2014/main" id="{3E83A9B3-F04A-492D-ABCC-DE77D2199B60}"/>
+              </a:ext>
+            </a:extLst>
+          </p:cNvPr>
+          <p:cNvSpPr>
+            <a:spLocks noGrp="1"/>
+          </p:cNvSpPr>
+          <p:nvPr>
+            <p:ph idx="1"/>
+          </p:nvPr>
+        </p:nvSpPr>
+        <p:spPr/>
+        <p:txBody>
+          <a:bodyPr/>
+          <a:lstStyle/>
+          <a:p>
+            <a:r>
+              <a:rPr lang="en-US" altLang="ko-KR" dirty="0"/>
+              <a:t>LiteMultipleSignatureModel.java </a:t>
+            </a:r>
+          </a:p>
+          <a:p>
+            <a:pPr lvl="1"/>
+            <a:r>
+              <a:rPr lang="en-US" altLang="ko-KR" dirty="0" err="1"/>
+              <a:t>ArrayList</a:t>
+            </a:r>
+            <a:r>
+              <a:rPr lang="ko-KR" altLang="en-US" dirty="0"/>
+              <a:t>에 </a:t>
+            </a:r>
+            <a:r>
+              <a:rPr lang="en-US" altLang="ko-KR" dirty="0"/>
+              <a:t>bottleneck</a:t>
+            </a:r>
+            <a:r>
+              <a:rPr lang="ko-KR" altLang="en-US" dirty="0"/>
+              <a:t>과 </a:t>
+            </a:r>
+            <a:r>
+              <a:rPr lang="en-US" altLang="ko-KR" dirty="0" err="1"/>
+              <a:t>OneHotEncoding</a:t>
+            </a:r>
+            <a:r>
+              <a:rPr lang="en-US" altLang="ko-KR" dirty="0"/>
+              <a:t> </a:t>
+            </a:r>
+            <a:r>
+              <a:rPr lang="ko-KR" altLang="en-US" dirty="0"/>
+              <a:t>기법을 적용한 클래스 이름을 저장한다</a:t>
+            </a:r>
+            <a:r>
+              <a:rPr lang="en-US" altLang="ko-KR" dirty="0"/>
+              <a:t>.</a:t>
+            </a:r>
+          </a:p>
+          <a:p>
+            <a:pPr lvl="1"/>
+            <a:endParaRPr lang="en-US" altLang="ko-KR" dirty="0"/>
+          </a:p>
+          <a:p>
+            <a:pPr lvl="1"/>
+            <a:endParaRPr lang="en-US" altLang="ko-KR" dirty="0"/>
+          </a:p>
+          <a:p>
+            <a:pPr lvl="1"/>
+            <a:endParaRPr lang="en-US" altLang="ko-KR" dirty="0"/>
+          </a:p>
+          <a:p>
+            <a:pPr lvl="1"/>
+            <a:endParaRPr lang="en-US" altLang="ko-KR" dirty="0"/>
+          </a:p>
+          <a:p>
+            <a:pPr lvl="1"/>
+            <a:r>
+              <a:rPr lang="en-US" altLang="ko-KR" dirty="0" err="1"/>
+              <a:t>OneHotEncoding</a:t>
+            </a:r>
+            <a:r>
+              <a:rPr lang="en-US" altLang="ko-KR" dirty="0"/>
+              <a:t> </a:t>
+            </a:r>
+            <a:r>
+              <a:rPr lang="ko-KR" altLang="en-US" dirty="0"/>
+              <a:t>은 하나의 값만 </a:t>
+            </a:r>
+            <a:r>
+              <a:rPr lang="en-US" altLang="ko-KR" dirty="0"/>
+              <a:t>True </a:t>
+            </a:r>
+            <a:r>
+              <a:rPr lang="ko-KR" altLang="en-US" dirty="0"/>
+              <a:t>이고 나머지는 </a:t>
+            </a:r>
+            <a:r>
+              <a:rPr lang="en-US" altLang="ko-KR" dirty="0"/>
+              <a:t>false</a:t>
+            </a:r>
+            <a:r>
+              <a:rPr lang="ko-KR" altLang="en-US" dirty="0"/>
+              <a:t>인 인코딩 기법</a:t>
+            </a:r>
+            <a:endParaRPr lang="en-US" altLang="ko-KR" dirty="0"/>
+          </a:p>
+          <a:p>
+            <a:pPr lvl="1"/>
+            <a:r>
+              <a:rPr lang="en-US" altLang="ko-KR" dirty="0"/>
+              <a:t>ex: [1, 0, 0, 0] , [0, 0, 1, 0] </a:t>
+            </a:r>
+            <a:r>
+              <a:rPr lang="ko-KR" altLang="en-US" dirty="0"/>
+              <a:t>등</a:t>
+            </a:r>
+            <a:endParaRPr lang="en-US" altLang="ko-KR" dirty="0"/>
+          </a:p>
+          <a:p>
+            <a:r>
+              <a:rPr lang="ko-KR" altLang="en-US" dirty="0"/>
+              <a:t>해당 </a:t>
+            </a:r>
+            <a:r>
+              <a:rPr lang="en-US" altLang="ko-KR" dirty="0" err="1"/>
+              <a:t>trainingSamples</a:t>
+            </a:r>
+            <a:r>
+              <a:rPr lang="en-US" altLang="ko-KR" dirty="0"/>
+              <a:t> </a:t>
+            </a:r>
+            <a:r>
+              <a:rPr lang="ko-KR" altLang="en-US" dirty="0"/>
+              <a:t>가 </a:t>
+            </a:r>
+            <a:r>
+              <a:rPr lang="ko-KR" altLang="en-US" dirty="0">
+                <a:solidFill>
+                  <a:srgbClr val="FF0000"/>
+                </a:solidFill>
+              </a:rPr>
+              <a:t>메모리 부족</a:t>
+            </a:r>
+            <a:r>
+              <a:rPr lang="ko-KR" altLang="en-US" dirty="0"/>
+              <a:t>을 일으키는 원인</a:t>
+            </a:r>
+            <a:endParaRPr lang="en-US" altLang="ko-KR" dirty="0"/>
+          </a:p>
+        </p:txBody>
+      </p:sp>
+      <p:sp>
+        <p:nvSpPr>
+          <p:cNvPr id="4" name="날짜 개체 틀 3">
+            <a:extLst>
+              <a:ext uri="{FF2B5EF4-FFF2-40B4-BE49-F238E27FC236}">
+                <a16:creationId xmlns:a16="http://schemas.microsoft.com/office/drawing/2014/main" id="{F66A8221-07CE-4772-A4DB-5C73F98A93F5}"/>
+              </a:ext>
+            </a:extLst>
+          </p:cNvPr>
+          <p:cNvSpPr>
+            <a:spLocks noGrp="1"/>
+          </p:cNvSpPr>
+          <p:nvPr>
+            <p:ph type="dt" sz="half" idx="10"/>
+          </p:nvPr>
+        </p:nvSpPr>
+        <p:spPr/>
+        <p:txBody>
+          <a:bodyPr/>
+          <a:lstStyle/>
+          <a:p>
+            <a:r>
+              <a:rPr lang="ko-KR" altLang="en-US"/>
+              <a:t>권철현</a:t>
+            </a:r>
+            <a:r>
+              <a:rPr lang="en-US" altLang="ko-KR"/>
+              <a:t>, </a:t>
+            </a:r>
+            <a:r>
+              <a:rPr lang="ko-KR" altLang="en-US"/>
+              <a:t>신재하</a:t>
+            </a:r>
+          </a:p>
+        </p:txBody>
+      </p:sp>
+      <p:sp>
+        <p:nvSpPr>
+          <p:cNvPr id="5" name="슬라이드 번호 개체 틀 4">
+            <a:extLst>
+              <a:ext uri="{FF2B5EF4-FFF2-40B4-BE49-F238E27FC236}">
+                <a16:creationId xmlns:a16="http://schemas.microsoft.com/office/drawing/2014/main" id="{A60E187B-42C4-4147-9170-CBA2F6884B4B}"/>
+              </a:ext>
+            </a:extLst>
+          </p:cNvPr>
+          <p:cNvSpPr>
+            <a:spLocks noGrp="1"/>
+          </p:cNvSpPr>
+          <p:nvPr>
+            <p:ph type="sldNum" sz="quarter" idx="12"/>
+          </p:nvPr>
+        </p:nvSpPr>
+        <p:spPr/>
+        <p:txBody>
+          <a:bodyPr/>
+          <a:lstStyle/>
+          <a:p>
+            <a:fld id="{5FF72CB3-86FB-4DBB-A7AC-E8F6F3DA156B}" type="slidenum">
+              <a:rPr lang="ko-KR" altLang="en-US" smtClean="0"/>
+              <a:pPr/>
+              <a:t>25</a:t>
+            </a:fld>
+            <a:endParaRPr lang="ko-KR" altLang="en-US"/>
+          </a:p>
+        </p:txBody>
+      </p:sp>
+      <p:pic>
+        <p:nvPicPr>
+          <p:cNvPr id="7" name="그림 6">
+            <a:extLst>
+              <a:ext uri="{FF2B5EF4-FFF2-40B4-BE49-F238E27FC236}">
+                <a16:creationId xmlns:a16="http://schemas.microsoft.com/office/drawing/2014/main" id="{A21893E5-6E30-4C13-B388-C34EC6466BB0}"/>
+              </a:ext>
+            </a:extLst>
+          </p:cNvPr>
+          <p:cNvPicPr>
+            <a:picLocks noChangeAspect="1"/>
+          </p:cNvPicPr>
+          <p:nvPr/>
+        </p:nvPicPr>
+        <p:blipFill rotWithShape="1">
+          <a:blip r:embed="rId2"/>
+          <a:srcRect t="50147" b="29050"/>
+          <a:stretch/>
+        </p:blipFill>
+        <p:spPr>
+          <a:xfrm>
+            <a:off x="644238" y="3039688"/>
+            <a:ext cx="9390530" cy="1313759"/>
+          </a:xfrm>
+          <a:prstGeom prst="rect">
+            <a:avLst/>
+          </a:prstGeom>
+        </p:spPr>
+      </p:pic>
+      <p:pic>
+        <p:nvPicPr>
+          <p:cNvPr id="8" name="그림 7">
+            <a:extLst>
+              <a:ext uri="{FF2B5EF4-FFF2-40B4-BE49-F238E27FC236}">
+                <a16:creationId xmlns:a16="http://schemas.microsoft.com/office/drawing/2014/main" id="{EAAC1D62-8CA1-4225-B38D-7F67CE101EAA}"/>
+              </a:ext>
+            </a:extLst>
+          </p:cNvPr>
+          <p:cNvPicPr>
+            <a:picLocks noChangeAspect="1"/>
+          </p:cNvPicPr>
+          <p:nvPr/>
+        </p:nvPicPr>
+        <p:blipFill>
+          <a:blip r:embed="rId3"/>
+          <a:stretch>
+            <a:fillRect/>
+          </a:stretch>
+        </p:blipFill>
+        <p:spPr>
+          <a:xfrm>
+            <a:off x="644238" y="2656109"/>
+            <a:ext cx="7191893" cy="350674"/>
+          </a:xfrm>
+          <a:prstGeom prst="rect">
+            <a:avLst/>
+          </a:prstGeom>
+        </p:spPr>
+      </p:pic>
+      <p:sp>
+        <p:nvSpPr>
+          <p:cNvPr id="9" name="직사각형 8">
+            <a:extLst>
+              <a:ext uri="{FF2B5EF4-FFF2-40B4-BE49-F238E27FC236}">
+                <a16:creationId xmlns:a16="http://schemas.microsoft.com/office/drawing/2014/main" id="{63A96310-A660-45A4-923F-EA3A2D970741}"/>
+              </a:ext>
+            </a:extLst>
+          </p:cNvPr>
+          <p:cNvSpPr/>
+          <p:nvPr/>
+        </p:nvSpPr>
+        <p:spPr>
+          <a:xfrm>
+            <a:off x="1729047" y="3849143"/>
+            <a:ext cx="8305721" cy="288174"/>
+          </a:xfrm>
+          <a:prstGeom prst="rect">
+            <a:avLst/>
+          </a:prstGeom>
+          <a:noFill/>
+          <a:ln w="38100">
+            <a:solidFill>
+              <a:srgbClr val="FF0000"/>
+            </a:solidFill>
+          </a:ln>
+        </p:spPr>
+        <p:style>
+          <a:lnRef idx="2">
+            <a:schemeClr val="accent1">
+              <a:shade val="50000"/>
+            </a:schemeClr>
+          </a:lnRef>
+          <a:fillRef idx="1">
+            <a:schemeClr val="accent1"/>
+          </a:fillRef>
+          <a:effectRef idx="0">
+            <a:schemeClr val="accent1"/>
+          </a:effectRef>
+          <a:fontRef idx="minor">
+            <a:schemeClr val="lt1"/>
+          </a:fontRef>
+        </p:style>
+        <p:txBody>
+          <a:bodyPr rtlCol="0" anchor="ctr"/>
+          <a:lstStyle/>
+          <a:p>
+            <a:pPr algn="ctr"/>
+            <a:endParaRPr lang="ko-KR" altLang="en-US"/>
+          </a:p>
+        </p:txBody>
+      </p:sp>
+    </p:spTree>
+    <p:extLst>
+      <p:ext uri="{BB962C8B-B14F-4D97-AF65-F5344CB8AC3E}">
+        <p14:creationId xmlns:p14="http://schemas.microsoft.com/office/powerpoint/2010/main" val="1083367022"/>
+      </p:ext>
+    </p:extLst>
+  </p:cSld>
+  <p:clrMapOvr>
+    <a:masterClrMapping/>
+  </p:clrMapOvr>
+</p:sld>
+</file>
+
+<file path=ppt/slides/slide26.xml><?xml version="1.0" encoding="utf-8"?>
+<p:sld xmlns:a="http://schemas.openxmlformats.org/drawingml/2006/main" xmlns:r="http://schemas.openxmlformats.org/officeDocument/2006/relationships" xmlns:p="http://schemas.openxmlformats.org/presentationml/2006/main">
+  <p:cSld>
+    <p:spTree>
+      <p:nvGrpSpPr>
+        <p:cNvPr id="1" name=""/>
+        <p:cNvGrpSpPr/>
+        <p:nvPr/>
+      </p:nvGrpSpPr>
+      <p:grpSpPr>
+        <a:xfrm>
+          <a:off x="0" y="0"/>
+          <a:ext cx="0" cy="0"/>
+          <a:chOff x="0" y="0"/>
+          <a:chExt cx="0" cy="0"/>
+        </a:xfrm>
+      </p:grpSpPr>
+      <p:sp>
+        <p:nvSpPr>
+          <p:cNvPr id="2" name="제목 1">
+            <a:extLst>
+              <a:ext uri="{FF2B5EF4-FFF2-40B4-BE49-F238E27FC236}">
+                <a16:creationId xmlns:a16="http://schemas.microsoft.com/office/drawing/2014/main" id="{11F83E43-441A-4CAB-9B42-23E94B6D4FA7}"/>
+              </a:ext>
+            </a:extLst>
+          </p:cNvPr>
+          <p:cNvSpPr>
+            <a:spLocks noGrp="1"/>
+          </p:cNvSpPr>
+          <p:nvPr>
+            <p:ph type="title"/>
+          </p:nvPr>
+        </p:nvSpPr>
+        <p:spPr/>
+        <p:txBody>
+          <a:bodyPr/>
+          <a:lstStyle/>
+          <a:p>
+            <a:r>
+              <a:rPr lang="ko-KR" altLang="en-US" err="1">
+                <a:ea typeface="맑은 고딕"/>
+              </a:rPr>
+              <a:t>Contents</a:t>
+            </a:r>
+            <a:endParaRPr lang="ko-KR" err="1"/>
+          </a:p>
+        </p:txBody>
+      </p:sp>
+      <p:sp>
+        <p:nvSpPr>
+          <p:cNvPr id="3" name="내용 개체 틀 2">
+            <a:extLst>
+              <a:ext uri="{FF2B5EF4-FFF2-40B4-BE49-F238E27FC236}">
+                <a16:creationId xmlns:a16="http://schemas.microsoft.com/office/drawing/2014/main" id="{EB3BC60C-77C1-4385-BA7D-A25E0086EA85}"/>
+              </a:ext>
+            </a:extLst>
+          </p:cNvPr>
+          <p:cNvSpPr>
+            <a:spLocks noGrp="1"/>
+          </p:cNvSpPr>
+          <p:nvPr>
+            <p:ph idx="1"/>
+          </p:nvPr>
+        </p:nvSpPr>
+        <p:spPr/>
+        <p:txBody>
+          <a:bodyPr vert="horz" lIns="91440" tIns="45720" rIns="91440" bIns="45720" rtlCol="0" anchor="t">
+            <a:normAutofit/>
+          </a:bodyPr>
+          <a:lstStyle/>
+          <a:p>
+            <a:r>
+              <a:rPr lang="ko-KR" altLang="en-US" dirty="0">
+                <a:solidFill>
+                  <a:srgbClr val="B8B8B8"/>
+                </a:solidFill>
+                <a:ea typeface="맑은 고딕"/>
+              </a:rPr>
+              <a:t>기존 실험 오류 및 변경사항</a:t>
+            </a:r>
+            <a:endParaRPr lang="ko-KR" altLang="en-US" dirty="0">
+              <a:solidFill>
+                <a:srgbClr val="B8B8B8"/>
+              </a:solidFill>
+              <a:ea typeface="맑은 고딕" panose="020B0503020000020004" pitchFamily="34" charset="-127"/>
+            </a:endParaRPr>
+          </a:p>
+          <a:p>
+            <a:r>
+              <a:rPr lang="ko-KR" dirty="0" err="1">
+                <a:solidFill>
+                  <a:srgbClr val="B8B8B8"/>
+                </a:solidFill>
+                <a:ea typeface="+mn-lt"/>
+                <a:cs typeface="+mn-lt"/>
+              </a:rPr>
+              <a:t>On-Device</a:t>
+            </a:r>
+            <a:r>
+              <a:rPr lang="ko-KR" dirty="0">
+                <a:solidFill>
+                  <a:srgbClr val="B8B8B8"/>
+                </a:solidFill>
+                <a:ea typeface="+mn-lt"/>
+                <a:cs typeface="+mn-lt"/>
+              </a:rPr>
+              <a:t> 학습</a:t>
+            </a:r>
+            <a:endParaRPr lang="ko-KR" altLang="en-US" dirty="0">
+              <a:solidFill>
+                <a:srgbClr val="B8B8B8"/>
+              </a:solidFill>
+              <a:ea typeface="+mn-lt"/>
+              <a:cs typeface="+mn-lt"/>
+            </a:endParaRPr>
+          </a:p>
+          <a:p>
+            <a:r>
+              <a:rPr lang="ko-KR" altLang="en-US" dirty="0">
+                <a:solidFill>
+                  <a:srgbClr val="B8B8B8"/>
+                </a:solidFill>
+                <a:ea typeface="맑은 고딕"/>
+              </a:rPr>
+              <a:t>전이학습</a:t>
+            </a:r>
+            <a:endParaRPr lang="ko-KR" dirty="0"/>
+          </a:p>
+          <a:p>
+            <a:r>
+              <a:rPr lang="ko-KR" altLang="en-US" dirty="0">
+                <a:solidFill>
+                  <a:schemeClr val="bg1">
+                    <a:lumMod val="75000"/>
+                  </a:schemeClr>
+                </a:solidFill>
+                <a:ea typeface="맑은 고딕"/>
+              </a:rPr>
+              <a:t>소스코드 분석 </a:t>
+            </a:r>
+            <a:endParaRPr lang="en-US" altLang="ko-KR" dirty="0">
+              <a:solidFill>
+                <a:schemeClr val="bg1">
+                  <a:lumMod val="75000"/>
+                </a:schemeClr>
+              </a:solidFill>
+              <a:ea typeface="맑은 고딕"/>
+            </a:endParaRPr>
+          </a:p>
+          <a:p>
+            <a:r>
+              <a:rPr lang="ko-KR" altLang="en-US" dirty="0">
+                <a:ea typeface="맑은 고딕"/>
+              </a:rPr>
+              <a:t>소스코드 수정 </a:t>
+            </a:r>
+          </a:p>
+          <a:p>
+            <a:endParaRPr lang="ko-KR" altLang="en-US" dirty="0">
+              <a:solidFill>
+                <a:srgbClr val="B8B8B8"/>
+              </a:solidFill>
+              <a:ea typeface="맑은 고딕"/>
+            </a:endParaRPr>
+          </a:p>
+        </p:txBody>
+      </p:sp>
+      <p:sp>
+        <p:nvSpPr>
+          <p:cNvPr id="4" name="날짜 개체 틀 3">
+            <a:extLst>
+              <a:ext uri="{FF2B5EF4-FFF2-40B4-BE49-F238E27FC236}">
+                <a16:creationId xmlns:a16="http://schemas.microsoft.com/office/drawing/2014/main" id="{39336E6A-855E-4512-A92A-DCF2AC9BC911}"/>
+              </a:ext>
+            </a:extLst>
+          </p:cNvPr>
+          <p:cNvSpPr>
+            <a:spLocks noGrp="1"/>
+          </p:cNvSpPr>
+          <p:nvPr>
+            <p:ph type="dt" sz="half" idx="10"/>
+          </p:nvPr>
+        </p:nvSpPr>
+        <p:spPr/>
+        <p:txBody>
+          <a:bodyPr/>
+          <a:lstStyle/>
+          <a:p>
+            <a:r>
+              <a:rPr lang="ko-KR" altLang="en-US"/>
+              <a:t>권철현</a:t>
+            </a:r>
+            <a:r>
+              <a:rPr lang="en-US" altLang="ko-KR"/>
+              <a:t>, </a:t>
+            </a:r>
+            <a:r>
+              <a:rPr lang="ko-KR" altLang="en-US" err="1"/>
+              <a:t>신재하</a:t>
+            </a:r>
+            <a:endParaRPr lang="ko-KR" altLang="en-US"/>
+          </a:p>
+        </p:txBody>
+      </p:sp>
+      <p:sp>
+        <p:nvSpPr>
+          <p:cNvPr id="5" name="슬라이드 번호 개체 틀 4">
+            <a:extLst>
+              <a:ext uri="{FF2B5EF4-FFF2-40B4-BE49-F238E27FC236}">
+                <a16:creationId xmlns:a16="http://schemas.microsoft.com/office/drawing/2014/main" id="{D00B90F8-6D44-4A78-8C2E-5C6E628A2BFB}"/>
+              </a:ext>
+            </a:extLst>
+          </p:cNvPr>
+          <p:cNvSpPr>
+            <a:spLocks noGrp="1"/>
+          </p:cNvSpPr>
+          <p:nvPr>
+            <p:ph type="sldNum" sz="quarter" idx="12"/>
+          </p:nvPr>
+        </p:nvSpPr>
+        <p:spPr/>
+        <p:txBody>
+          <a:bodyPr/>
+          <a:lstStyle/>
+          <a:p>
+            <a:fld id="{5FF72CB3-86FB-4DBB-A7AC-E8F6F3DA156B}" type="slidenum">
+              <a:rPr lang="ko-KR" altLang="en-US" smtClean="0"/>
+              <a:pPr/>
+              <a:t>26</a:t>
+            </a:fld>
+            <a:endParaRPr lang="ko-KR" altLang="en-US"/>
+          </a:p>
+        </p:txBody>
+      </p:sp>
+    </p:spTree>
+    <p:extLst>
+      <p:ext uri="{BB962C8B-B14F-4D97-AF65-F5344CB8AC3E}">
+        <p14:creationId xmlns:p14="http://schemas.microsoft.com/office/powerpoint/2010/main" val="1009608792"/>
+      </p:ext>
+    </p:extLst>
+  </p:cSld>
+  <p:clrMapOvr>
+    <a:masterClrMapping/>
+  </p:clrMapOvr>
+</p:sld>
+</file>
+
+<file path=ppt/slides/slide27.xml><?xml version="1.0" encoding="utf-8"?>
+<p:sld xmlns:a="http://schemas.openxmlformats.org/drawingml/2006/main" xmlns:r="http://schemas.openxmlformats.org/officeDocument/2006/relationships" xmlns:p="http://schemas.openxmlformats.org/presentationml/2006/main">
+  <p:cSld>
+    <p:spTree>
+      <p:nvGrpSpPr>
+        <p:cNvPr id="1" name=""/>
+        <p:cNvGrpSpPr/>
+        <p:nvPr/>
+      </p:nvGrpSpPr>
+      <p:grpSpPr>
+        <a:xfrm>
+          <a:off x="0" y="0"/>
+          <a:ext cx="0" cy="0"/>
+          <a:chOff x="0" y="0"/>
+          <a:chExt cx="0" cy="0"/>
+        </a:xfrm>
+      </p:grpSpPr>
+      <p:sp>
+        <p:nvSpPr>
+          <p:cNvPr id="2" name="제목 1">
+            <a:extLst>
+              <a:ext uri="{FF2B5EF4-FFF2-40B4-BE49-F238E27FC236}">
+                <a16:creationId xmlns:a16="http://schemas.microsoft.com/office/drawing/2014/main" id="{F3DBE455-52A5-4CC6-956A-B7FFFAC6A491}"/>
+              </a:ext>
+            </a:extLst>
+          </p:cNvPr>
+          <p:cNvSpPr>
+            <a:spLocks noGrp="1"/>
+          </p:cNvSpPr>
+          <p:nvPr>
+            <p:ph type="title"/>
+          </p:nvPr>
+        </p:nvSpPr>
+        <p:spPr/>
+        <p:txBody>
+          <a:bodyPr/>
+          <a:lstStyle/>
+          <a:p>
+            <a:r>
+              <a:rPr lang="ko-KR" altLang="en-US">
+                <a:ea typeface="맑은 고딕"/>
+              </a:rPr>
+              <a:t>소스코드 수정</a:t>
+            </a:r>
+          </a:p>
+        </p:txBody>
+      </p:sp>
+      <p:sp>
+        <p:nvSpPr>
+          <p:cNvPr id="3" name="내용 개체 틀 2">
+            <a:extLst>
+              <a:ext uri="{FF2B5EF4-FFF2-40B4-BE49-F238E27FC236}">
+                <a16:creationId xmlns:a16="http://schemas.microsoft.com/office/drawing/2014/main" id="{EFF64CD6-D5EB-4719-88CB-103B9C22C93D}"/>
+              </a:ext>
+            </a:extLst>
+          </p:cNvPr>
+          <p:cNvSpPr>
+            <a:spLocks noGrp="1"/>
+          </p:cNvSpPr>
+          <p:nvPr>
+            <p:ph idx="1"/>
+          </p:nvPr>
+        </p:nvSpPr>
+        <p:spPr/>
+        <p:txBody>
+          <a:bodyPr vert="horz" lIns="91440" tIns="45720" rIns="91440" bIns="45720" rtlCol="0" anchor="t">
+            <a:normAutofit/>
+          </a:bodyPr>
+          <a:lstStyle/>
+          <a:p>
+            <a:r>
+              <a:rPr lang="ko-KR" altLang="en-US" dirty="0">
+                <a:ea typeface="맑은 고딕"/>
+              </a:rPr>
+              <a:t>파일 입출력을 통해 진행하려 했으나 </a:t>
+            </a:r>
+            <a:r>
+              <a:rPr lang="ko-KR" altLang="en-US" dirty="0" err="1">
+                <a:ea typeface="맑은 고딕"/>
+              </a:rPr>
+              <a:t>Real</a:t>
+            </a:r>
+            <a:r>
+              <a:rPr lang="ko-KR" altLang="en-US" dirty="0">
+                <a:ea typeface="맑은 고딕"/>
+              </a:rPr>
+              <a:t> </a:t>
+            </a:r>
+            <a:r>
+              <a:rPr lang="ko-KR" altLang="en-US" dirty="0" err="1">
+                <a:ea typeface="맑은 고딕"/>
+              </a:rPr>
+              <a:t>Device</a:t>
+            </a:r>
+            <a:r>
+              <a:rPr lang="ko-KR" altLang="en-US" dirty="0">
+                <a:ea typeface="맑은 고딕"/>
+              </a:rPr>
+              <a:t> 에서 실패</a:t>
+            </a:r>
+            <a:endParaRPr lang="ko-KR" dirty="0"/>
+          </a:p>
+          <a:p>
+            <a:pPr marL="539750" lvl="1"/>
+            <a:r>
+              <a:rPr lang="ko-KR" altLang="en-US" dirty="0">
+                <a:ea typeface="맑은 고딕"/>
+              </a:rPr>
+              <a:t>파일 경로 설정의 문제</a:t>
+            </a:r>
+            <a:endParaRPr lang="en-US" altLang="ko-KR" dirty="0">
+              <a:ea typeface="맑은 고딕"/>
+            </a:endParaRPr>
+          </a:p>
+          <a:p>
+            <a:pPr marL="539750" lvl="1"/>
+            <a:endParaRPr lang="en-US" altLang="ko-KR" dirty="0">
+              <a:ea typeface="맑은 고딕"/>
+            </a:endParaRPr>
+          </a:p>
+          <a:p>
+            <a:pPr marL="539750" lvl="1"/>
+            <a:endParaRPr lang="en-US" altLang="ko-KR" dirty="0">
+              <a:ea typeface="맑은 고딕"/>
+            </a:endParaRPr>
+          </a:p>
+          <a:p>
+            <a:pPr marL="539750" lvl="1"/>
+            <a:endParaRPr lang="en-US" altLang="ko-KR" dirty="0">
+              <a:ea typeface="맑은 고딕"/>
+            </a:endParaRPr>
+          </a:p>
+          <a:p>
+            <a:pPr marL="539750" lvl="1"/>
+            <a:r>
+              <a:rPr lang="ko-KR" altLang="ko-KR" dirty="0" err="1">
+                <a:latin typeface="Consolas"/>
+                <a:ea typeface="맑은 고딕"/>
+              </a:rPr>
+              <a:t>Environment.getExternalStorageDirectory</a:t>
+            </a:r>
+            <a:r>
+              <a:rPr lang="ko-KR" altLang="ko-KR" dirty="0">
+                <a:latin typeface="Consolas"/>
+                <a:ea typeface="맑은 고딕"/>
+              </a:rPr>
+              <a:t>().</a:t>
+            </a:r>
+            <a:r>
+              <a:rPr lang="ko-KR" altLang="ko-KR" dirty="0" err="1">
+                <a:latin typeface="Consolas"/>
+                <a:ea typeface="맑은 고딕"/>
+              </a:rPr>
+              <a:t>getAbsolutePath</a:t>
+            </a:r>
+            <a:r>
+              <a:rPr lang="ko-KR" altLang="ko-KR" dirty="0">
+                <a:latin typeface="Consolas"/>
+                <a:ea typeface="맑은 고딕"/>
+              </a:rPr>
+              <a:t>()</a:t>
+            </a:r>
+            <a:endParaRPr lang="ko-KR" altLang="en-US" dirty="0">
+              <a:ea typeface="맑은 고딕"/>
+            </a:endParaRPr>
+          </a:p>
+          <a:p>
+            <a:pPr marL="539750" lvl="1"/>
+            <a:endParaRPr lang="ko-KR" altLang="en-US" dirty="0">
+              <a:ea typeface="맑은 고딕"/>
+            </a:endParaRPr>
+          </a:p>
+        </p:txBody>
+      </p:sp>
+      <p:sp>
+        <p:nvSpPr>
+          <p:cNvPr id="4" name="날짜 개체 틀 3">
+            <a:extLst>
+              <a:ext uri="{FF2B5EF4-FFF2-40B4-BE49-F238E27FC236}">
+                <a16:creationId xmlns:a16="http://schemas.microsoft.com/office/drawing/2014/main" id="{5F3B185E-51C8-41AE-AFF0-396C1D6EB2D1}"/>
+              </a:ext>
+            </a:extLst>
+          </p:cNvPr>
+          <p:cNvSpPr>
+            <a:spLocks noGrp="1"/>
+          </p:cNvSpPr>
+          <p:nvPr>
+            <p:ph type="dt" sz="half" idx="10"/>
+          </p:nvPr>
+        </p:nvSpPr>
+        <p:spPr/>
+        <p:txBody>
+          <a:bodyPr/>
+          <a:lstStyle/>
+          <a:p>
+            <a:r>
+              <a:rPr lang="ko-KR" altLang="en-US"/>
+              <a:t>권철현</a:t>
+            </a:r>
+            <a:r>
+              <a:rPr lang="en-US" altLang="ko-KR"/>
+              <a:t>, </a:t>
+            </a:r>
+            <a:r>
+              <a:rPr lang="ko-KR" altLang="en-US" err="1"/>
+              <a:t>신재하</a:t>
+            </a:r>
+            <a:endParaRPr lang="ko-KR" altLang="en-US"/>
+          </a:p>
+        </p:txBody>
+      </p:sp>
+      <p:sp>
+        <p:nvSpPr>
+          <p:cNvPr id="5" name="슬라이드 번호 개체 틀 4">
+            <a:extLst>
+              <a:ext uri="{FF2B5EF4-FFF2-40B4-BE49-F238E27FC236}">
+                <a16:creationId xmlns:a16="http://schemas.microsoft.com/office/drawing/2014/main" id="{955B40E1-A6A3-40A0-B7AD-6C9A925961B7}"/>
+              </a:ext>
+            </a:extLst>
+          </p:cNvPr>
+          <p:cNvSpPr>
+            <a:spLocks noGrp="1"/>
+          </p:cNvSpPr>
+          <p:nvPr>
+            <p:ph type="sldNum" sz="quarter" idx="12"/>
+          </p:nvPr>
+        </p:nvSpPr>
+        <p:spPr/>
+        <p:txBody>
+          <a:bodyPr/>
+          <a:lstStyle/>
+          <a:p>
+            <a:fld id="{5FF72CB3-86FB-4DBB-A7AC-E8F6F3DA156B}" type="slidenum">
+              <a:rPr lang="ko-KR" altLang="en-US" smtClean="0"/>
+              <a:pPr/>
+              <a:t>27</a:t>
+            </a:fld>
+            <a:endParaRPr lang="ko-KR" altLang="en-US"/>
+          </a:p>
+        </p:txBody>
+      </p:sp>
+      <p:pic>
+        <p:nvPicPr>
+          <p:cNvPr id="7" name="그림 7" descr="텍스트이(가) 표시된 사진&#10;&#10;자동 생성된 설명">
+            <a:extLst>
+              <a:ext uri="{FF2B5EF4-FFF2-40B4-BE49-F238E27FC236}">
+                <a16:creationId xmlns:a16="http://schemas.microsoft.com/office/drawing/2014/main" id="{49BCA0D6-EA8D-427F-AB14-75E0129E702F}"/>
+              </a:ext>
+            </a:extLst>
+          </p:cNvPr>
+          <p:cNvPicPr>
+            <a:picLocks noChangeAspect="1"/>
+          </p:cNvPicPr>
+          <p:nvPr/>
+        </p:nvPicPr>
+        <p:blipFill>
+          <a:blip r:embed="rId2"/>
+          <a:stretch>
+            <a:fillRect/>
+          </a:stretch>
+        </p:blipFill>
+        <p:spPr>
+          <a:xfrm>
+            <a:off x="538140" y="4452747"/>
+            <a:ext cx="8410686" cy="1856289"/>
+          </a:xfrm>
+          <a:prstGeom prst="rect">
+            <a:avLst/>
+          </a:prstGeom>
+        </p:spPr>
+      </p:pic>
+      <p:pic>
+        <p:nvPicPr>
+          <p:cNvPr id="8" name="그림 8" descr="텍스트이(가) 표시된 사진&#10;&#10;자동 생성된 설명">
+            <a:extLst>
+              <a:ext uri="{FF2B5EF4-FFF2-40B4-BE49-F238E27FC236}">
+                <a16:creationId xmlns:a16="http://schemas.microsoft.com/office/drawing/2014/main" id="{A092BF68-2E99-4D85-A4C4-AC9DD1E9B0D2}"/>
+              </a:ext>
+            </a:extLst>
+          </p:cNvPr>
+          <p:cNvPicPr>
+            <a:picLocks noChangeAspect="1"/>
+          </p:cNvPicPr>
+          <p:nvPr/>
+        </p:nvPicPr>
+        <p:blipFill>
+          <a:blip r:embed="rId3"/>
+          <a:stretch>
+            <a:fillRect/>
+          </a:stretch>
+        </p:blipFill>
+        <p:spPr>
+          <a:xfrm>
+            <a:off x="538140" y="2643076"/>
+            <a:ext cx="8410686" cy="1262626"/>
+          </a:xfrm>
+          <a:prstGeom prst="rect">
+            <a:avLst/>
+          </a:prstGeom>
+        </p:spPr>
+      </p:pic>
+    </p:spTree>
+    <p:extLst>
+      <p:ext uri="{BB962C8B-B14F-4D97-AF65-F5344CB8AC3E}">
+        <p14:creationId xmlns:p14="http://schemas.microsoft.com/office/powerpoint/2010/main" val="31020173"/>
+      </p:ext>
+    </p:extLst>
+  </p:cSld>
+  <p:clrMapOvr>
+    <a:masterClrMapping/>
+  </p:clrMapOvr>
+</p:sld>
+</file>
+
+<file path=ppt/slides/slide28.xml><?xml version="1.0" encoding="utf-8"?>
+<p:sld xmlns:a="http://schemas.openxmlformats.org/drawingml/2006/main" xmlns:r="http://schemas.openxmlformats.org/officeDocument/2006/relationships" xmlns:p="http://schemas.openxmlformats.org/presentationml/2006/main">
+  <p:cSld>
+    <p:spTree>
+      <p:nvGrpSpPr>
+        <p:cNvPr id="1" name=""/>
+        <p:cNvGrpSpPr/>
+        <p:nvPr/>
+      </p:nvGrpSpPr>
+      <p:grpSpPr>
+        <a:xfrm>
+          <a:off x="0" y="0"/>
+          <a:ext cx="0" cy="0"/>
+          <a:chOff x="0" y="0"/>
+          <a:chExt cx="0" cy="0"/>
+        </a:xfrm>
+      </p:grpSpPr>
+      <p:sp>
+        <p:nvSpPr>
+          <p:cNvPr id="2" name="제목 1">
+            <a:extLst>
+              <a:ext uri="{FF2B5EF4-FFF2-40B4-BE49-F238E27FC236}">
+                <a16:creationId xmlns:a16="http://schemas.microsoft.com/office/drawing/2014/main" id="{F3DBE455-52A5-4CC6-956A-B7FFFAC6A491}"/>
+              </a:ext>
+            </a:extLst>
+          </p:cNvPr>
+          <p:cNvSpPr>
+            <a:spLocks noGrp="1"/>
+          </p:cNvSpPr>
+          <p:nvPr>
+            <p:ph type="title"/>
+          </p:nvPr>
+        </p:nvSpPr>
+        <p:spPr/>
+        <p:txBody>
+          <a:bodyPr/>
+          <a:lstStyle/>
+          <a:p>
+            <a:r>
+              <a:rPr lang="ko-KR" altLang="en-US">
+                <a:ea typeface="맑은 고딕"/>
+              </a:rPr>
+              <a:t>소스코드 수정</a:t>
+            </a:r>
+          </a:p>
+        </p:txBody>
+      </p:sp>
+      <p:sp>
+        <p:nvSpPr>
+          <p:cNvPr id="3" name="내용 개체 틀 2">
+            <a:extLst>
+              <a:ext uri="{FF2B5EF4-FFF2-40B4-BE49-F238E27FC236}">
+                <a16:creationId xmlns:a16="http://schemas.microsoft.com/office/drawing/2014/main" id="{EFF64CD6-D5EB-4719-88CB-103B9C22C93D}"/>
+              </a:ext>
+            </a:extLst>
+          </p:cNvPr>
+          <p:cNvSpPr>
+            <a:spLocks noGrp="1"/>
+          </p:cNvSpPr>
+          <p:nvPr>
+            <p:ph idx="1"/>
+          </p:nvPr>
+        </p:nvSpPr>
+        <p:spPr/>
+        <p:txBody>
+          <a:bodyPr vert="horz" lIns="91440" tIns="45720" rIns="91440" bIns="45720" rtlCol="0" anchor="t">
+            <a:normAutofit/>
+          </a:bodyPr>
+          <a:lstStyle/>
+          <a:p>
+            <a:r>
+              <a:rPr lang="ko-KR" altLang="en-US" dirty="0" err="1">
+                <a:ea typeface="맑은 고딕"/>
+              </a:rPr>
+              <a:t>AVD에서는</a:t>
+            </a:r>
+            <a:r>
+              <a:rPr lang="ko-KR" altLang="en-US" dirty="0">
+                <a:ea typeface="맑은 고딕"/>
+              </a:rPr>
+              <a:t> 동작 </a:t>
+            </a:r>
+            <a:endParaRPr lang="ko-KR" dirty="0"/>
+          </a:p>
+          <a:p>
+            <a:pPr marL="539750" lvl="1">
+              <a:buFont typeface="Arial" panose="05000000000000000000" pitchFamily="2" charset="2"/>
+              <a:buChar char="•"/>
+            </a:pPr>
+            <a:r>
+              <a:rPr lang="ko-KR" altLang="en-US" dirty="0">
+                <a:ea typeface="맑은 고딕"/>
+              </a:rPr>
+              <a:t>저장 시, </a:t>
+            </a:r>
+            <a:r>
+              <a:rPr lang="ko-KR" altLang="en-US" dirty="0" err="1">
+                <a:ea typeface="맑은 고딕"/>
+              </a:rPr>
+              <a:t>Float</a:t>
+            </a:r>
+            <a:r>
+              <a:rPr lang="ko-KR" altLang="en-US" dirty="0">
+                <a:ea typeface="맑은 고딕"/>
+              </a:rPr>
+              <a:t>[62720] 배열을 </a:t>
+            </a:r>
+            <a:r>
+              <a:rPr lang="ko-KR" altLang="en-US" dirty="0" err="1">
+                <a:ea typeface="맑은 고딕"/>
+              </a:rPr>
+              <a:t>String으로</a:t>
+            </a:r>
+            <a:r>
+              <a:rPr lang="ko-KR" altLang="en-US" dirty="0">
+                <a:ea typeface="맑은 고딕"/>
+              </a:rPr>
+              <a:t> 저장하고, 파일을 읽을 때 </a:t>
+            </a:r>
+            <a:r>
+              <a:rPr lang="ko-KR" altLang="en-US" dirty="0" err="1">
+                <a:ea typeface="맑은 고딕"/>
+              </a:rPr>
+              <a:t>String</a:t>
+            </a:r>
+            <a:r>
+              <a:rPr lang="ko-KR" altLang="en-US" dirty="0">
+                <a:ea typeface="맑은 고딕"/>
+              </a:rPr>
+              <a:t> 을 </a:t>
+            </a:r>
+            <a:r>
+              <a:rPr lang="ko-KR" altLang="en-US" dirty="0" err="1">
+                <a:ea typeface="맑은 고딕"/>
+              </a:rPr>
+              <a:t>Float</a:t>
+            </a:r>
+            <a:r>
+              <a:rPr lang="ko-KR" altLang="en-US" dirty="0">
+                <a:ea typeface="맑은 고딕"/>
+              </a:rPr>
+              <a:t> 배열로 복구</a:t>
+            </a:r>
+            <a:endParaRPr lang="ko-KR" dirty="0">
+              <a:ea typeface="맑은 고딕" panose="020B0503020000020004" pitchFamily="34" charset="-127"/>
+            </a:endParaRPr>
+          </a:p>
+          <a:p>
+            <a:pPr marL="539750" lvl="1">
+              <a:buFont typeface="Arial" panose="05000000000000000000" pitchFamily="2" charset="2"/>
+              <a:buChar char="•"/>
+            </a:pPr>
+            <a:r>
+              <a:rPr lang="ko-KR" altLang="en-US" dirty="0">
+                <a:ea typeface="맑은 고딕"/>
+              </a:rPr>
+              <a:t> 따라서 불필요한 연산 다수 발생 </a:t>
+            </a:r>
+            <a:endParaRPr lang="ko-KR" dirty="0">
+              <a:ea typeface="맑은 고딕" panose="020B0503020000020004" pitchFamily="34" charset="-127"/>
+            </a:endParaRPr>
+          </a:p>
+          <a:p>
+            <a:pPr marL="0" indent="0">
+              <a:buNone/>
+            </a:pPr>
+            <a:endParaRPr lang="ko-KR" altLang="en-US" dirty="0">
+              <a:ea typeface="맑은 고딕"/>
+            </a:endParaRPr>
+          </a:p>
+          <a:p>
+            <a:endParaRPr lang="ko-KR" altLang="en-US" dirty="0">
+              <a:ea typeface="맑은 고딕"/>
+            </a:endParaRPr>
+          </a:p>
+        </p:txBody>
+      </p:sp>
+      <p:sp>
+        <p:nvSpPr>
+          <p:cNvPr id="4" name="날짜 개체 틀 3">
+            <a:extLst>
+              <a:ext uri="{FF2B5EF4-FFF2-40B4-BE49-F238E27FC236}">
+                <a16:creationId xmlns:a16="http://schemas.microsoft.com/office/drawing/2014/main" id="{5F3B185E-51C8-41AE-AFF0-396C1D6EB2D1}"/>
+              </a:ext>
+            </a:extLst>
+          </p:cNvPr>
+          <p:cNvSpPr>
+            <a:spLocks noGrp="1"/>
+          </p:cNvSpPr>
+          <p:nvPr>
+            <p:ph type="dt" sz="half" idx="10"/>
+          </p:nvPr>
+        </p:nvSpPr>
+        <p:spPr/>
+        <p:txBody>
+          <a:bodyPr/>
+          <a:lstStyle/>
+          <a:p>
+            <a:r>
+              <a:rPr lang="ko-KR" altLang="en-US"/>
+              <a:t>권철현</a:t>
+            </a:r>
+            <a:r>
+              <a:rPr lang="en-US" altLang="ko-KR"/>
+              <a:t>, </a:t>
+            </a:r>
+            <a:r>
+              <a:rPr lang="ko-KR" altLang="en-US" err="1"/>
+              <a:t>신재하</a:t>
+            </a:r>
+            <a:endParaRPr lang="ko-KR" altLang="en-US"/>
+          </a:p>
+        </p:txBody>
+      </p:sp>
+      <p:sp>
+        <p:nvSpPr>
+          <p:cNvPr id="5" name="슬라이드 번호 개체 틀 4">
+            <a:extLst>
+              <a:ext uri="{FF2B5EF4-FFF2-40B4-BE49-F238E27FC236}">
+                <a16:creationId xmlns:a16="http://schemas.microsoft.com/office/drawing/2014/main" id="{955B40E1-A6A3-40A0-B7AD-6C9A925961B7}"/>
+              </a:ext>
+            </a:extLst>
+          </p:cNvPr>
+          <p:cNvSpPr>
+            <a:spLocks noGrp="1"/>
+          </p:cNvSpPr>
+          <p:nvPr>
+            <p:ph type="sldNum" sz="quarter" idx="12"/>
+          </p:nvPr>
+        </p:nvSpPr>
+        <p:spPr/>
+        <p:txBody>
+          <a:bodyPr/>
+          <a:lstStyle/>
+          <a:p>
+            <a:fld id="{5FF72CB3-86FB-4DBB-A7AC-E8F6F3DA156B}" type="slidenum">
+              <a:rPr lang="ko-KR" altLang="en-US" smtClean="0"/>
+              <a:pPr/>
+              <a:t>28</a:t>
+            </a:fld>
+            <a:endParaRPr lang="ko-KR" altLang="en-US"/>
+          </a:p>
+        </p:txBody>
+      </p:sp>
+      <p:pic>
+        <p:nvPicPr>
+          <p:cNvPr id="9" name="그림 9" descr="텍스트이(가) 표시된 사진&#10;&#10;자동 생성된 설명">
+            <a:extLst>
+              <a:ext uri="{FF2B5EF4-FFF2-40B4-BE49-F238E27FC236}">
+                <a16:creationId xmlns:a16="http://schemas.microsoft.com/office/drawing/2014/main" id="{97632BA6-979B-428C-91EA-6FBB626F7D12}"/>
+              </a:ext>
+            </a:extLst>
+          </p:cNvPr>
+          <p:cNvPicPr>
+            <a:picLocks noChangeAspect="1"/>
+          </p:cNvPicPr>
+          <p:nvPr/>
+        </p:nvPicPr>
+        <p:blipFill rotWithShape="1">
+          <a:blip r:embed="rId2"/>
+          <a:srcRect t="36209" b="32162"/>
+          <a:stretch/>
+        </p:blipFill>
+        <p:spPr>
+          <a:xfrm>
+            <a:off x="859119" y="3555182"/>
+            <a:ext cx="10066271" cy="2357390"/>
+          </a:xfrm>
+          <a:prstGeom prst="rect">
+            <a:avLst/>
+          </a:prstGeom>
+        </p:spPr>
+      </p:pic>
+    </p:spTree>
+    <p:extLst>
+      <p:ext uri="{BB962C8B-B14F-4D97-AF65-F5344CB8AC3E}">
+        <p14:creationId xmlns:p14="http://schemas.microsoft.com/office/powerpoint/2010/main" val="308887021"/>
+      </p:ext>
+    </p:extLst>
+  </p:cSld>
+  <p:clrMapOvr>
+    <a:masterClrMapping/>
+  </p:clrMapOvr>
+</p:sld>
+</file>
+
+<file path=ppt/slides/slide29.xml><?xml version="1.0" encoding="utf-8"?>
+<p:sld xmlns:a="http://schemas.openxmlformats.org/drawingml/2006/main" xmlns:r="http://schemas.openxmlformats.org/officeDocument/2006/relationships" xmlns:p="http://schemas.openxmlformats.org/presentationml/2006/main">
+  <p:cSld>
+    <p:spTree>
+      <p:nvGrpSpPr>
+        <p:cNvPr id="1" name=""/>
+        <p:cNvGrpSpPr/>
+        <p:nvPr/>
+      </p:nvGrpSpPr>
+      <p:grpSpPr>
+        <a:xfrm>
+          <a:off x="0" y="0"/>
+          <a:ext cx="0" cy="0"/>
+          <a:chOff x="0" y="0"/>
+          <a:chExt cx="0" cy="0"/>
+        </a:xfrm>
+      </p:grpSpPr>
+      <p:sp>
+        <p:nvSpPr>
+          <p:cNvPr id="2" name="제목 1">
+            <a:extLst>
+              <a:ext uri="{FF2B5EF4-FFF2-40B4-BE49-F238E27FC236}">
+                <a16:creationId xmlns:a16="http://schemas.microsoft.com/office/drawing/2014/main" id="{F3DBE455-52A5-4CC6-956A-B7FFFAC6A491}"/>
+              </a:ext>
+            </a:extLst>
+          </p:cNvPr>
+          <p:cNvSpPr>
+            <a:spLocks noGrp="1"/>
+          </p:cNvSpPr>
+          <p:nvPr>
+            <p:ph type="title"/>
+          </p:nvPr>
+        </p:nvSpPr>
+        <p:spPr/>
+        <p:txBody>
+          <a:bodyPr/>
+          <a:lstStyle/>
+          <a:p>
+            <a:r>
+              <a:rPr lang="ko-KR" altLang="en-US">
+                <a:ea typeface="맑은 고딕"/>
+              </a:rPr>
+              <a:t>소스코드 수정</a:t>
+            </a:r>
+          </a:p>
+        </p:txBody>
+      </p:sp>
+      <p:sp>
+        <p:nvSpPr>
+          <p:cNvPr id="3" name="내용 개체 틀 2">
+            <a:extLst>
+              <a:ext uri="{FF2B5EF4-FFF2-40B4-BE49-F238E27FC236}">
+                <a16:creationId xmlns:a16="http://schemas.microsoft.com/office/drawing/2014/main" id="{EFF64CD6-D5EB-4719-88CB-103B9C22C93D}"/>
+              </a:ext>
+            </a:extLst>
+          </p:cNvPr>
+          <p:cNvSpPr>
+            <a:spLocks noGrp="1"/>
+          </p:cNvSpPr>
+          <p:nvPr>
+            <p:ph idx="1"/>
+          </p:nvPr>
+        </p:nvSpPr>
+        <p:spPr>
+          <a:xfrm>
+            <a:off x="202276" y="1490323"/>
+            <a:ext cx="11787447" cy="4857189"/>
+          </a:xfrm>
+        </p:spPr>
+        <p:txBody>
+          <a:bodyPr vert="horz" lIns="91440" tIns="45720" rIns="91440" bIns="45720" rtlCol="0" anchor="t">
+            <a:normAutofit/>
+          </a:bodyPr>
+          <a:lstStyle/>
+          <a:p>
+            <a:r>
+              <a:rPr lang="ko-KR" altLang="en-US" dirty="0">
+                <a:ea typeface="맑은 고딕"/>
+              </a:rPr>
+              <a:t>파일 입출력 방식을 포기하고 </a:t>
+            </a:r>
+            <a:r>
+              <a:rPr lang="ko-KR" altLang="en-US" dirty="0" err="1">
+                <a:ea typeface="맑은 고딕"/>
+              </a:rPr>
+              <a:t>DB를</a:t>
+            </a:r>
+            <a:r>
+              <a:rPr lang="ko-KR" altLang="en-US" dirty="0">
+                <a:ea typeface="맑은 고딕"/>
+              </a:rPr>
+              <a:t> 사용할 예정</a:t>
+            </a:r>
+          </a:p>
+          <a:p>
+            <a:endParaRPr lang="ko-KR" altLang="en-US" dirty="0">
+              <a:ea typeface="맑은 고딕"/>
+            </a:endParaRPr>
+          </a:p>
+        </p:txBody>
+      </p:sp>
+      <p:sp>
+        <p:nvSpPr>
+          <p:cNvPr id="4" name="날짜 개체 틀 3">
+            <a:extLst>
+              <a:ext uri="{FF2B5EF4-FFF2-40B4-BE49-F238E27FC236}">
+                <a16:creationId xmlns:a16="http://schemas.microsoft.com/office/drawing/2014/main" id="{5F3B185E-51C8-41AE-AFF0-396C1D6EB2D1}"/>
+              </a:ext>
+            </a:extLst>
+          </p:cNvPr>
+          <p:cNvSpPr>
+            <a:spLocks noGrp="1"/>
+          </p:cNvSpPr>
+          <p:nvPr>
+            <p:ph type="dt" sz="half" idx="10"/>
+          </p:nvPr>
+        </p:nvSpPr>
+        <p:spPr/>
+        <p:txBody>
+          <a:bodyPr/>
+          <a:lstStyle/>
+          <a:p>
+            <a:r>
+              <a:rPr lang="ko-KR" altLang="en-US"/>
+              <a:t>권철현</a:t>
+            </a:r>
+            <a:r>
+              <a:rPr lang="en-US" altLang="ko-KR"/>
+              <a:t>, </a:t>
+            </a:r>
+            <a:r>
+              <a:rPr lang="ko-KR" altLang="en-US" err="1"/>
+              <a:t>신재하</a:t>
+            </a:r>
+            <a:endParaRPr lang="ko-KR" altLang="en-US"/>
+          </a:p>
+        </p:txBody>
+      </p:sp>
+      <p:sp>
+        <p:nvSpPr>
+          <p:cNvPr id="5" name="슬라이드 번호 개체 틀 4">
+            <a:extLst>
+              <a:ext uri="{FF2B5EF4-FFF2-40B4-BE49-F238E27FC236}">
+                <a16:creationId xmlns:a16="http://schemas.microsoft.com/office/drawing/2014/main" id="{955B40E1-A6A3-40A0-B7AD-6C9A925961B7}"/>
+              </a:ext>
+            </a:extLst>
+          </p:cNvPr>
+          <p:cNvSpPr>
+            <a:spLocks noGrp="1"/>
+          </p:cNvSpPr>
+          <p:nvPr>
+            <p:ph type="sldNum" sz="quarter" idx="12"/>
+          </p:nvPr>
+        </p:nvSpPr>
+        <p:spPr/>
+        <p:txBody>
+          <a:bodyPr/>
+          <a:lstStyle/>
+          <a:p>
+            <a:fld id="{5FF72CB3-86FB-4DBB-A7AC-E8F6F3DA156B}" type="slidenum">
+              <a:rPr lang="ko-KR" altLang="en-US" smtClean="0"/>
+              <a:pPr/>
+              <a:t>29</a:t>
+            </a:fld>
+            <a:endParaRPr lang="ko-KR" altLang="en-US"/>
+          </a:p>
+        </p:txBody>
+      </p:sp>
+      <p:sp>
+        <p:nvSpPr>
+          <p:cNvPr id="6" name="원통형 5">
+            <a:extLst>
+              <a:ext uri="{FF2B5EF4-FFF2-40B4-BE49-F238E27FC236}">
+                <a16:creationId xmlns:a16="http://schemas.microsoft.com/office/drawing/2014/main" id="{769924E4-44E2-4034-A135-A1AF3050EBE9}"/>
+              </a:ext>
+            </a:extLst>
+          </p:cNvPr>
+          <p:cNvSpPr/>
+          <p:nvPr/>
+        </p:nvSpPr>
+        <p:spPr>
+          <a:xfrm>
+            <a:off x="1360092" y="3473225"/>
+            <a:ext cx="2189018" cy="1356895"/>
+          </a:xfrm>
+          <a:prstGeom prst="can">
+            <a:avLst/>
+          </a:prstGeom>
+          <a:solidFill>
+            <a:schemeClr val="accent2">
+              <a:lumMod val="60000"/>
+              <a:lumOff val="40000"/>
+            </a:schemeClr>
+          </a:solidFill>
+        </p:spPr>
+        <p:style>
+          <a:lnRef idx="2">
+            <a:schemeClr val="dk1">
+              <a:shade val="50000"/>
+            </a:schemeClr>
+          </a:lnRef>
+          <a:fillRef idx="1">
+            <a:schemeClr val="dk1"/>
+          </a:fillRef>
+          <a:effectRef idx="0">
+            <a:schemeClr val="dk1"/>
+          </a:effectRef>
+          <a:fontRef idx="minor">
+            <a:schemeClr val="lt1"/>
+          </a:fontRef>
+        </p:style>
+        <p:txBody>
+          <a:bodyPr rtlCol="0" anchor="ctr"/>
+          <a:lstStyle/>
+          <a:p>
+            <a:pPr algn="ctr"/>
+            <a:r>
+              <a:rPr lang="en-US" altLang="ko-KR" dirty="0"/>
+              <a:t>Database</a:t>
+            </a:r>
+            <a:endParaRPr lang="ko-KR" altLang="en-US" dirty="0"/>
+          </a:p>
+        </p:txBody>
+      </p:sp>
+      <p:sp>
+        <p:nvSpPr>
+          <p:cNvPr id="8" name="직사각형 7">
+            <a:extLst>
+              <a:ext uri="{FF2B5EF4-FFF2-40B4-BE49-F238E27FC236}">
+                <a16:creationId xmlns:a16="http://schemas.microsoft.com/office/drawing/2014/main" id="{2A6F60FE-04C9-46B7-A571-6CE5F6471A94}"/>
+              </a:ext>
+            </a:extLst>
+          </p:cNvPr>
+          <p:cNvSpPr/>
+          <p:nvPr/>
+        </p:nvSpPr>
+        <p:spPr>
+          <a:xfrm>
+            <a:off x="7583127" y="3473225"/>
+            <a:ext cx="2477193" cy="1356895"/>
+          </a:xfrm>
+          <a:prstGeom prst="rect">
+            <a:avLst/>
+          </a:prstGeom>
+          <a:solidFill>
+            <a:srgbClr val="FFC000"/>
+          </a:solidFill>
+          <a:ln>
+            <a:solidFill>
+              <a:schemeClr val="tx1"/>
+            </a:solidFill>
+          </a:ln>
+        </p:spPr>
+        <p:style>
+          <a:lnRef idx="2">
+            <a:schemeClr val="dk1">
+              <a:shade val="50000"/>
+            </a:schemeClr>
+          </a:lnRef>
+          <a:fillRef idx="1">
+            <a:schemeClr val="dk1"/>
+          </a:fillRef>
+          <a:effectRef idx="0">
+            <a:schemeClr val="dk1"/>
+          </a:effectRef>
+          <a:fontRef idx="minor">
+            <a:schemeClr val="lt1"/>
+          </a:fontRef>
+        </p:style>
+        <p:txBody>
+          <a:bodyPr rtlCol="0" anchor="ctr"/>
+          <a:lstStyle/>
+          <a:p>
+            <a:pPr algn="ctr"/>
+            <a:r>
+              <a:rPr lang="en-US" altLang="ko-KR" dirty="0"/>
+              <a:t>Memory</a:t>
+            </a:r>
+            <a:endParaRPr lang="ko-KR" altLang="en-US" dirty="0"/>
+          </a:p>
+        </p:txBody>
+      </p:sp>
+      <p:sp>
+        <p:nvSpPr>
+          <p:cNvPr id="13" name="화살표: 왼쪽 12">
+            <a:extLst>
+              <a:ext uri="{FF2B5EF4-FFF2-40B4-BE49-F238E27FC236}">
+                <a16:creationId xmlns:a16="http://schemas.microsoft.com/office/drawing/2014/main" id="{BAC7B88C-BADD-432F-AF1A-1C428AA0CA85}"/>
+              </a:ext>
+            </a:extLst>
+          </p:cNvPr>
+          <p:cNvSpPr/>
+          <p:nvPr/>
+        </p:nvSpPr>
+        <p:spPr>
+          <a:xfrm>
+            <a:off x="4236293" y="3240469"/>
+            <a:ext cx="2754284" cy="769845"/>
+          </a:xfrm>
+          <a:prstGeom prst="leftArrow">
+            <a:avLst/>
+          </a:prstGeom>
+          <a:solidFill>
+            <a:schemeClr val="accent5">
+              <a:lumMod val="75000"/>
+            </a:schemeClr>
+          </a:solidFill>
+          <a:ln>
+            <a:solidFill>
+              <a:schemeClr val="accent5">
+                <a:lumMod val="75000"/>
+              </a:schemeClr>
+            </a:solidFill>
+          </a:ln>
+        </p:spPr>
+        <p:style>
+          <a:lnRef idx="2">
+            <a:schemeClr val="accent1">
+              <a:shade val="50000"/>
+            </a:schemeClr>
+          </a:lnRef>
+          <a:fillRef idx="1">
+            <a:schemeClr val="accent1"/>
+          </a:fillRef>
+          <a:effectRef idx="0">
+            <a:schemeClr val="accent1"/>
+          </a:effectRef>
+          <a:fontRef idx="minor">
+            <a:schemeClr val="lt1"/>
+          </a:fontRef>
+        </p:style>
+        <p:txBody>
+          <a:bodyPr rtlCol="0" anchor="ctr"/>
+          <a:lstStyle/>
+          <a:p>
+            <a:pPr algn="ctr"/>
+            <a:r>
+              <a:rPr lang="ko-KR" altLang="en-US" dirty="0"/>
+              <a:t>전체 데이터</a:t>
+            </a:r>
+          </a:p>
+        </p:txBody>
+      </p:sp>
+      <p:sp>
+        <p:nvSpPr>
+          <p:cNvPr id="14" name="화살표: 오른쪽 13">
+            <a:extLst>
+              <a:ext uri="{FF2B5EF4-FFF2-40B4-BE49-F238E27FC236}">
+                <a16:creationId xmlns:a16="http://schemas.microsoft.com/office/drawing/2014/main" id="{870FDCC8-5148-4A77-B76F-5E2A5FF5AAC3}"/>
+              </a:ext>
+            </a:extLst>
+          </p:cNvPr>
+          <p:cNvSpPr/>
+          <p:nvPr/>
+        </p:nvSpPr>
+        <p:spPr>
+          <a:xfrm>
+            <a:off x="4380808" y="4104733"/>
+            <a:ext cx="2754284" cy="769845"/>
+          </a:xfrm>
+          <a:prstGeom prst="rightArrow">
+            <a:avLst/>
+          </a:prstGeom>
+          <a:solidFill>
+            <a:schemeClr val="accent5">
+              <a:lumMod val="75000"/>
+            </a:schemeClr>
+          </a:solidFill>
+          <a:ln>
+            <a:solidFill>
+              <a:schemeClr val="accent5">
+                <a:lumMod val="75000"/>
+              </a:schemeClr>
+            </a:solidFill>
+          </a:ln>
+        </p:spPr>
+        <p:style>
+          <a:lnRef idx="2">
+            <a:schemeClr val="accent1">
+              <a:shade val="50000"/>
+            </a:schemeClr>
+          </a:lnRef>
+          <a:fillRef idx="1">
+            <a:schemeClr val="accent1"/>
+          </a:fillRef>
+          <a:effectRef idx="0">
+            <a:schemeClr val="accent1"/>
+          </a:effectRef>
+          <a:fontRef idx="minor">
+            <a:schemeClr val="lt1"/>
+          </a:fontRef>
+        </p:style>
+        <p:txBody>
+          <a:bodyPr rtlCol="0" anchor="ctr"/>
+          <a:lstStyle/>
+          <a:p>
+            <a:pPr algn="ctr"/>
+            <a:r>
+              <a:rPr lang="ko-KR" altLang="en-US" dirty="0"/>
+              <a:t>학습에 필요한 데이터</a:t>
+            </a:r>
+          </a:p>
+        </p:txBody>
+      </p:sp>
+    </p:spTree>
+    <p:extLst>
+      <p:ext uri="{BB962C8B-B14F-4D97-AF65-F5344CB8AC3E}">
+        <p14:creationId xmlns:p14="http://schemas.microsoft.com/office/powerpoint/2010/main" val="1537860103"/>
       </p:ext>
     </p:extLst>
   </p:cSld>
@@ -9083,7 +11162,7 @@
           <p:cNvPr id="2" name="제목 1">
             <a:extLst>
               <a:ext uri="{FF2B5EF4-FFF2-40B4-BE49-F238E27FC236}">
-                <a16:creationId xmlns:a16="http://schemas.microsoft.com/office/drawing/2014/main" id="{2EB0A747-C32B-4851-BB32-DC3E152E8FB3}"/>
+                <a16:creationId xmlns:a16="http://schemas.microsoft.com/office/drawing/2014/main" id="{1BDB700E-9012-4669-A960-C4F5FC4CE822}"/>
               </a:ext>
             </a:extLst>
           </p:cNvPr>
@@ -9100,12 +11179,9 @@
           <a:lstStyle/>
           <a:p>
             <a:r>
-              <a:rPr lang="ko-KR" altLang="en-US" dirty="0">
-                <a:ea typeface="맑은 고딕"/>
-              </a:rPr>
-              <a:t>소스코드 분석</a:t>
-            </a:r>
-            <a:endParaRPr lang="ko-KR" altLang="en-US" dirty="0"/>
+              <a:rPr lang="ko-KR" altLang="en-US" dirty="0"/>
+              <a:t>소스코드 수정</a:t>
+            </a:r>
           </a:p>
         </p:txBody>
       </p:sp>
@@ -9114,7 +11190,7 @@
           <p:cNvPr id="3" name="내용 개체 틀 2">
             <a:extLst>
               <a:ext uri="{FF2B5EF4-FFF2-40B4-BE49-F238E27FC236}">
-                <a16:creationId xmlns:a16="http://schemas.microsoft.com/office/drawing/2014/main" id="{996EFA0E-F84A-42A4-9A50-24D03F83E3EE}"/>
+                <a16:creationId xmlns:a16="http://schemas.microsoft.com/office/drawing/2014/main" id="{96A4FA7C-E79C-4105-9EBC-FEE21F125EDB}"/>
               </a:ext>
             </a:extLst>
           </p:cNvPr>
@@ -9125,12 +11201,20 @@
             <p:ph idx="1"/>
           </p:nvPr>
         </p:nvSpPr>
-        <p:spPr/>
+        <p:spPr>
+          <a:xfrm>
+            <a:off x="216129" y="1460483"/>
+            <a:ext cx="11787447" cy="4857189"/>
+          </a:xfrm>
+        </p:spPr>
         <p:txBody>
           <a:bodyPr/>
           <a:lstStyle/>
           <a:p>
-            <a:endParaRPr lang="ko-KR" altLang="en-US" dirty="0"/>
+            <a:r>
+              <a:rPr lang="ko-KR" altLang="en-US" dirty="0"/>
+              <a:t>데이터베이스 구조 생성</a:t>
+            </a:r>
           </a:p>
         </p:txBody>
       </p:sp>
@@ -9139,7 +11223,7 @@
           <p:cNvPr id="4" name="날짜 개체 틀 3">
             <a:extLst>
               <a:ext uri="{FF2B5EF4-FFF2-40B4-BE49-F238E27FC236}">
-                <a16:creationId xmlns:a16="http://schemas.microsoft.com/office/drawing/2014/main" id="{8A90AC18-88BC-4BC0-86A7-89E5299D1624}"/>
+                <a16:creationId xmlns:a16="http://schemas.microsoft.com/office/drawing/2014/main" id="{B65FFFD1-7867-4405-80CF-C2BF2A5BE57D}"/>
               </a:ext>
             </a:extLst>
           </p:cNvPr>
@@ -9175,7 +11259,7 @@
           <p:cNvPr id="5" name="슬라이드 번호 개체 틀 4">
             <a:extLst>
               <a:ext uri="{FF2B5EF4-FFF2-40B4-BE49-F238E27FC236}">
-                <a16:creationId xmlns:a16="http://schemas.microsoft.com/office/drawing/2014/main" id="{53A7A304-6F06-42E4-856D-960E7C27707D}"/>
+                <a16:creationId xmlns:a16="http://schemas.microsoft.com/office/drawing/2014/main" id="{C610BBE4-F638-48B1-84DE-99E75838010A}"/>
               </a:ext>
             </a:extLst>
           </p:cNvPr>
@@ -9200,965 +11284,12 @@
           </a:p>
         </p:txBody>
       </p:sp>
-    </p:spTree>
-    <p:extLst>
-      <p:ext uri="{BB962C8B-B14F-4D97-AF65-F5344CB8AC3E}">
-        <p14:creationId xmlns:p14="http://schemas.microsoft.com/office/powerpoint/2010/main" val="1182302909"/>
-      </p:ext>
-    </p:extLst>
-  </p:cSld>
-  <p:clrMapOvr>
-    <a:masterClrMapping/>
-  </p:clrMapOvr>
-</p:sld>
-</file>
-
-<file path=ppt/slides/slide31.xml><?xml version="1.0" encoding="utf-8"?>
-<p:sld xmlns:a="http://schemas.openxmlformats.org/drawingml/2006/main" xmlns:r="http://schemas.openxmlformats.org/officeDocument/2006/relationships" xmlns:p="http://schemas.openxmlformats.org/presentationml/2006/main">
-  <p:cSld>
-    <p:spTree>
-      <p:nvGrpSpPr>
-        <p:cNvPr id="1" name=""/>
-        <p:cNvGrpSpPr/>
-        <p:nvPr/>
-      </p:nvGrpSpPr>
-      <p:grpSpPr>
-        <a:xfrm>
-          <a:off x="0" y="0"/>
-          <a:ext cx="0" cy="0"/>
-          <a:chOff x="0" y="0"/>
-          <a:chExt cx="0" cy="0"/>
-        </a:xfrm>
-      </p:grpSpPr>
-      <p:sp>
-        <p:nvSpPr>
-          <p:cNvPr id="2" name="제목 1">
-            <a:extLst>
-              <a:ext uri="{FF2B5EF4-FFF2-40B4-BE49-F238E27FC236}">
-                <a16:creationId xmlns:a16="http://schemas.microsoft.com/office/drawing/2014/main" id="{2EB0A747-C32B-4851-BB32-DC3E152E8FB3}"/>
-              </a:ext>
-            </a:extLst>
-          </p:cNvPr>
-          <p:cNvSpPr>
-            <a:spLocks noGrp="1"/>
-          </p:cNvSpPr>
-          <p:nvPr>
-            <p:ph type="title"/>
-          </p:nvPr>
-        </p:nvSpPr>
-        <p:spPr/>
-        <p:txBody>
-          <a:bodyPr/>
-          <a:lstStyle/>
-          <a:p>
-            <a:r>
-              <a:rPr lang="ko-KR" altLang="en-US" dirty="0">
-                <a:ea typeface="맑은 고딕"/>
-              </a:rPr>
-              <a:t>소스코드 분석</a:t>
-            </a:r>
-            <a:endParaRPr lang="ko-KR" altLang="en-US" dirty="0"/>
-          </a:p>
-        </p:txBody>
-      </p:sp>
-      <p:sp>
-        <p:nvSpPr>
-          <p:cNvPr id="3" name="내용 개체 틀 2">
-            <a:extLst>
-              <a:ext uri="{FF2B5EF4-FFF2-40B4-BE49-F238E27FC236}">
-                <a16:creationId xmlns:a16="http://schemas.microsoft.com/office/drawing/2014/main" id="{996EFA0E-F84A-42A4-9A50-24D03F83E3EE}"/>
-              </a:ext>
-            </a:extLst>
-          </p:cNvPr>
-          <p:cNvSpPr>
-            <a:spLocks noGrp="1"/>
-          </p:cNvSpPr>
-          <p:nvPr>
-            <p:ph idx="1"/>
-          </p:nvPr>
-        </p:nvSpPr>
-        <p:spPr/>
-        <p:txBody>
-          <a:bodyPr/>
-          <a:lstStyle/>
-          <a:p>
-            <a:endParaRPr lang="ko-KR" altLang="en-US" dirty="0"/>
-          </a:p>
-        </p:txBody>
-      </p:sp>
-      <p:sp>
-        <p:nvSpPr>
-          <p:cNvPr id="4" name="날짜 개체 틀 3">
-            <a:extLst>
-              <a:ext uri="{FF2B5EF4-FFF2-40B4-BE49-F238E27FC236}">
-                <a16:creationId xmlns:a16="http://schemas.microsoft.com/office/drawing/2014/main" id="{8A90AC18-88BC-4BC0-86A7-89E5299D1624}"/>
-              </a:ext>
-            </a:extLst>
-          </p:cNvPr>
-          <p:cNvSpPr>
-            <a:spLocks noGrp="1"/>
-          </p:cNvSpPr>
-          <p:nvPr>
-            <p:ph type="dt" sz="half" idx="10"/>
-          </p:nvPr>
-        </p:nvSpPr>
-        <p:spPr/>
-        <p:txBody>
-          <a:bodyPr/>
-          <a:lstStyle/>
-          <a:p>
-            <a:r>
-              <a:rPr lang="ko-KR" altLang="en-US"/>
-              <a:t>권철현</a:t>
-            </a:r>
-            <a:r>
-              <a:rPr lang="en-US" altLang="ko-KR"/>
-              <a:t>, </a:t>
-            </a:r>
-            <a:r>
-              <a:rPr lang="ko-KR" altLang="en-US"/>
-              <a:t>신재하</a:t>
-            </a:r>
-          </a:p>
-        </p:txBody>
-      </p:sp>
-      <p:sp>
-        <p:nvSpPr>
-          <p:cNvPr id="5" name="슬라이드 번호 개체 틀 4">
-            <a:extLst>
-              <a:ext uri="{FF2B5EF4-FFF2-40B4-BE49-F238E27FC236}">
-                <a16:creationId xmlns:a16="http://schemas.microsoft.com/office/drawing/2014/main" id="{53A7A304-6F06-42E4-856D-960E7C27707D}"/>
-              </a:ext>
-            </a:extLst>
-          </p:cNvPr>
-          <p:cNvSpPr>
-            <a:spLocks noGrp="1"/>
-          </p:cNvSpPr>
-          <p:nvPr>
-            <p:ph type="sldNum" sz="quarter" idx="12"/>
-          </p:nvPr>
-        </p:nvSpPr>
-        <p:spPr/>
-        <p:txBody>
-          <a:bodyPr/>
-          <a:lstStyle/>
-          <a:p>
-            <a:fld id="{5FF72CB3-86FB-4DBB-A7AC-E8F6F3DA156B}" type="slidenum">
-              <a:rPr lang="ko-KR" altLang="en-US" smtClean="0"/>
-              <a:pPr/>
-              <a:t>31</a:t>
-            </a:fld>
-            <a:endParaRPr lang="ko-KR" altLang="en-US"/>
-          </a:p>
-        </p:txBody>
-      </p:sp>
-    </p:spTree>
-    <p:extLst>
-      <p:ext uri="{BB962C8B-B14F-4D97-AF65-F5344CB8AC3E}">
-        <p14:creationId xmlns:p14="http://schemas.microsoft.com/office/powerpoint/2010/main" val="2444577897"/>
-      </p:ext>
-    </p:extLst>
-  </p:cSld>
-  <p:clrMapOvr>
-    <a:masterClrMapping/>
-  </p:clrMapOvr>
-</p:sld>
-</file>
-
-<file path=ppt/slides/slide32.xml><?xml version="1.0" encoding="utf-8"?>
-<p:sld xmlns:a="http://schemas.openxmlformats.org/drawingml/2006/main" xmlns:r="http://schemas.openxmlformats.org/officeDocument/2006/relationships" xmlns:p="http://schemas.openxmlformats.org/presentationml/2006/main">
-  <p:cSld>
-    <p:spTree>
-      <p:nvGrpSpPr>
-        <p:cNvPr id="1" name=""/>
-        <p:cNvGrpSpPr/>
-        <p:nvPr/>
-      </p:nvGrpSpPr>
-      <p:grpSpPr>
-        <a:xfrm>
-          <a:off x="0" y="0"/>
-          <a:ext cx="0" cy="0"/>
-          <a:chOff x="0" y="0"/>
-          <a:chExt cx="0" cy="0"/>
-        </a:xfrm>
-      </p:grpSpPr>
-      <p:sp>
-        <p:nvSpPr>
-          <p:cNvPr id="2" name="제목 1">
-            <a:extLst>
-              <a:ext uri="{FF2B5EF4-FFF2-40B4-BE49-F238E27FC236}">
-                <a16:creationId xmlns:a16="http://schemas.microsoft.com/office/drawing/2014/main" id="{2EB0A747-C32B-4851-BB32-DC3E152E8FB3}"/>
-              </a:ext>
-            </a:extLst>
-          </p:cNvPr>
-          <p:cNvSpPr>
-            <a:spLocks noGrp="1"/>
-          </p:cNvSpPr>
-          <p:nvPr>
-            <p:ph type="title"/>
-          </p:nvPr>
-        </p:nvSpPr>
-        <p:spPr/>
-        <p:txBody>
-          <a:bodyPr/>
-          <a:lstStyle/>
-          <a:p>
-            <a:r>
-              <a:rPr lang="ko-KR" altLang="en-US" dirty="0">
-                <a:ea typeface="맑은 고딕"/>
-              </a:rPr>
-              <a:t>소스코드 분석</a:t>
-            </a:r>
-            <a:endParaRPr lang="ko-KR" altLang="en-US" dirty="0"/>
-          </a:p>
-        </p:txBody>
-      </p:sp>
-      <p:sp>
-        <p:nvSpPr>
-          <p:cNvPr id="3" name="내용 개체 틀 2">
-            <a:extLst>
-              <a:ext uri="{FF2B5EF4-FFF2-40B4-BE49-F238E27FC236}">
-                <a16:creationId xmlns:a16="http://schemas.microsoft.com/office/drawing/2014/main" id="{996EFA0E-F84A-42A4-9A50-24D03F83E3EE}"/>
-              </a:ext>
-            </a:extLst>
-          </p:cNvPr>
-          <p:cNvSpPr>
-            <a:spLocks noGrp="1"/>
-          </p:cNvSpPr>
-          <p:nvPr>
-            <p:ph idx="1"/>
-          </p:nvPr>
-        </p:nvSpPr>
-        <p:spPr/>
-        <p:txBody>
-          <a:bodyPr/>
-          <a:lstStyle/>
-          <a:p>
-            <a:endParaRPr lang="ko-KR" altLang="en-US" dirty="0"/>
-          </a:p>
-        </p:txBody>
-      </p:sp>
-      <p:sp>
-        <p:nvSpPr>
-          <p:cNvPr id="4" name="날짜 개체 틀 3">
-            <a:extLst>
-              <a:ext uri="{FF2B5EF4-FFF2-40B4-BE49-F238E27FC236}">
-                <a16:creationId xmlns:a16="http://schemas.microsoft.com/office/drawing/2014/main" id="{8A90AC18-88BC-4BC0-86A7-89E5299D1624}"/>
-              </a:ext>
-            </a:extLst>
-          </p:cNvPr>
-          <p:cNvSpPr>
-            <a:spLocks noGrp="1"/>
-          </p:cNvSpPr>
-          <p:nvPr>
-            <p:ph type="dt" sz="half" idx="10"/>
-          </p:nvPr>
-        </p:nvSpPr>
-        <p:spPr/>
-        <p:txBody>
-          <a:bodyPr/>
-          <a:lstStyle/>
-          <a:p>
-            <a:r>
-              <a:rPr lang="ko-KR" altLang="en-US"/>
-              <a:t>권철현</a:t>
-            </a:r>
-            <a:r>
-              <a:rPr lang="en-US" altLang="ko-KR"/>
-              <a:t>, </a:t>
-            </a:r>
-            <a:r>
-              <a:rPr lang="ko-KR" altLang="en-US"/>
-              <a:t>신재하</a:t>
-            </a:r>
-          </a:p>
-        </p:txBody>
-      </p:sp>
-      <p:sp>
-        <p:nvSpPr>
-          <p:cNvPr id="5" name="슬라이드 번호 개체 틀 4">
-            <a:extLst>
-              <a:ext uri="{FF2B5EF4-FFF2-40B4-BE49-F238E27FC236}">
-                <a16:creationId xmlns:a16="http://schemas.microsoft.com/office/drawing/2014/main" id="{53A7A304-6F06-42E4-856D-960E7C27707D}"/>
-              </a:ext>
-            </a:extLst>
-          </p:cNvPr>
-          <p:cNvSpPr>
-            <a:spLocks noGrp="1"/>
-          </p:cNvSpPr>
-          <p:nvPr>
-            <p:ph type="sldNum" sz="quarter" idx="12"/>
-          </p:nvPr>
-        </p:nvSpPr>
-        <p:spPr/>
-        <p:txBody>
-          <a:bodyPr/>
-          <a:lstStyle/>
-          <a:p>
-            <a:fld id="{5FF72CB3-86FB-4DBB-A7AC-E8F6F3DA156B}" type="slidenum">
-              <a:rPr lang="ko-KR" altLang="en-US" smtClean="0"/>
-              <a:pPr/>
-              <a:t>32</a:t>
-            </a:fld>
-            <a:endParaRPr lang="ko-KR" altLang="en-US"/>
-          </a:p>
-        </p:txBody>
-      </p:sp>
-    </p:spTree>
-    <p:extLst>
-      <p:ext uri="{BB962C8B-B14F-4D97-AF65-F5344CB8AC3E}">
-        <p14:creationId xmlns:p14="http://schemas.microsoft.com/office/powerpoint/2010/main" val="1238394557"/>
-      </p:ext>
-    </p:extLst>
-  </p:cSld>
-  <p:clrMapOvr>
-    <a:masterClrMapping/>
-  </p:clrMapOvr>
-</p:sld>
-</file>
-
-<file path=ppt/slides/slide33.xml><?xml version="1.0" encoding="utf-8"?>
-<p:sld xmlns:a="http://schemas.openxmlformats.org/drawingml/2006/main" xmlns:r="http://schemas.openxmlformats.org/officeDocument/2006/relationships" xmlns:p="http://schemas.openxmlformats.org/presentationml/2006/main">
-  <p:cSld>
-    <p:spTree>
-      <p:nvGrpSpPr>
-        <p:cNvPr id="1" name=""/>
-        <p:cNvGrpSpPr/>
-        <p:nvPr/>
-      </p:nvGrpSpPr>
-      <p:grpSpPr>
-        <a:xfrm>
-          <a:off x="0" y="0"/>
-          <a:ext cx="0" cy="0"/>
-          <a:chOff x="0" y="0"/>
-          <a:chExt cx="0" cy="0"/>
-        </a:xfrm>
-      </p:grpSpPr>
-      <p:sp>
-        <p:nvSpPr>
-          <p:cNvPr id="2" name="제목 1">
-            <a:extLst>
-              <a:ext uri="{FF2B5EF4-FFF2-40B4-BE49-F238E27FC236}">
-                <a16:creationId xmlns:a16="http://schemas.microsoft.com/office/drawing/2014/main" id="{2EB0A747-C32B-4851-BB32-DC3E152E8FB3}"/>
-              </a:ext>
-            </a:extLst>
-          </p:cNvPr>
-          <p:cNvSpPr>
-            <a:spLocks noGrp="1"/>
-          </p:cNvSpPr>
-          <p:nvPr>
-            <p:ph type="title"/>
-          </p:nvPr>
-        </p:nvSpPr>
-        <p:spPr/>
-        <p:txBody>
-          <a:bodyPr/>
-          <a:lstStyle/>
-          <a:p>
-            <a:r>
-              <a:rPr lang="ko-KR" altLang="en-US" dirty="0">
-                <a:ea typeface="맑은 고딕"/>
-              </a:rPr>
-              <a:t>소스코드 분석</a:t>
-            </a:r>
-            <a:endParaRPr lang="ko-KR" altLang="en-US" dirty="0"/>
-          </a:p>
-        </p:txBody>
-      </p:sp>
-      <p:sp>
-        <p:nvSpPr>
-          <p:cNvPr id="3" name="내용 개체 틀 2">
-            <a:extLst>
-              <a:ext uri="{FF2B5EF4-FFF2-40B4-BE49-F238E27FC236}">
-                <a16:creationId xmlns:a16="http://schemas.microsoft.com/office/drawing/2014/main" id="{996EFA0E-F84A-42A4-9A50-24D03F83E3EE}"/>
-              </a:ext>
-            </a:extLst>
-          </p:cNvPr>
-          <p:cNvSpPr>
-            <a:spLocks noGrp="1"/>
-          </p:cNvSpPr>
-          <p:nvPr>
-            <p:ph idx="1"/>
-          </p:nvPr>
-        </p:nvSpPr>
-        <p:spPr/>
-        <p:txBody>
-          <a:bodyPr/>
-          <a:lstStyle/>
-          <a:p>
-            <a:endParaRPr lang="ko-KR" altLang="en-US" dirty="0"/>
-          </a:p>
-        </p:txBody>
-      </p:sp>
-      <p:sp>
-        <p:nvSpPr>
-          <p:cNvPr id="4" name="날짜 개체 틀 3">
-            <a:extLst>
-              <a:ext uri="{FF2B5EF4-FFF2-40B4-BE49-F238E27FC236}">
-                <a16:creationId xmlns:a16="http://schemas.microsoft.com/office/drawing/2014/main" id="{8A90AC18-88BC-4BC0-86A7-89E5299D1624}"/>
-              </a:ext>
-            </a:extLst>
-          </p:cNvPr>
-          <p:cNvSpPr>
-            <a:spLocks noGrp="1"/>
-          </p:cNvSpPr>
-          <p:nvPr>
-            <p:ph type="dt" sz="half" idx="10"/>
-          </p:nvPr>
-        </p:nvSpPr>
-        <p:spPr/>
-        <p:txBody>
-          <a:bodyPr/>
-          <a:lstStyle/>
-          <a:p>
-            <a:r>
-              <a:rPr lang="ko-KR" altLang="en-US"/>
-              <a:t>권철현</a:t>
-            </a:r>
-            <a:r>
-              <a:rPr lang="en-US" altLang="ko-KR"/>
-              <a:t>, </a:t>
-            </a:r>
-            <a:r>
-              <a:rPr lang="ko-KR" altLang="en-US"/>
-              <a:t>신재하</a:t>
-            </a:r>
-          </a:p>
-        </p:txBody>
-      </p:sp>
-      <p:sp>
-        <p:nvSpPr>
-          <p:cNvPr id="5" name="슬라이드 번호 개체 틀 4">
-            <a:extLst>
-              <a:ext uri="{FF2B5EF4-FFF2-40B4-BE49-F238E27FC236}">
-                <a16:creationId xmlns:a16="http://schemas.microsoft.com/office/drawing/2014/main" id="{53A7A304-6F06-42E4-856D-960E7C27707D}"/>
-              </a:ext>
-            </a:extLst>
-          </p:cNvPr>
-          <p:cNvSpPr>
-            <a:spLocks noGrp="1"/>
-          </p:cNvSpPr>
-          <p:nvPr>
-            <p:ph type="sldNum" sz="quarter" idx="12"/>
-          </p:nvPr>
-        </p:nvSpPr>
-        <p:spPr/>
-        <p:txBody>
-          <a:bodyPr/>
-          <a:lstStyle/>
-          <a:p>
-            <a:fld id="{5FF72CB3-86FB-4DBB-A7AC-E8F6F3DA156B}" type="slidenum">
-              <a:rPr lang="ko-KR" altLang="en-US" smtClean="0"/>
-              <a:pPr/>
-              <a:t>33</a:t>
-            </a:fld>
-            <a:endParaRPr lang="ko-KR" altLang="en-US"/>
-          </a:p>
-        </p:txBody>
-      </p:sp>
-    </p:spTree>
-    <p:extLst>
-      <p:ext uri="{BB962C8B-B14F-4D97-AF65-F5344CB8AC3E}">
-        <p14:creationId xmlns:p14="http://schemas.microsoft.com/office/powerpoint/2010/main" val="473432429"/>
-      </p:ext>
-    </p:extLst>
-  </p:cSld>
-  <p:clrMapOvr>
-    <a:masterClrMapping/>
-  </p:clrMapOvr>
-</p:sld>
-</file>
-
-<file path=ppt/slides/slide34.xml><?xml version="1.0" encoding="utf-8"?>
-<p:sld xmlns:a="http://schemas.openxmlformats.org/drawingml/2006/main" xmlns:r="http://schemas.openxmlformats.org/officeDocument/2006/relationships" xmlns:p="http://schemas.openxmlformats.org/presentationml/2006/main">
-  <p:cSld>
-    <p:spTree>
-      <p:nvGrpSpPr>
-        <p:cNvPr id="1" name=""/>
-        <p:cNvGrpSpPr/>
-        <p:nvPr/>
-      </p:nvGrpSpPr>
-      <p:grpSpPr>
-        <a:xfrm>
-          <a:off x="0" y="0"/>
-          <a:ext cx="0" cy="0"/>
-          <a:chOff x="0" y="0"/>
-          <a:chExt cx="0" cy="0"/>
-        </a:xfrm>
-      </p:grpSpPr>
-      <p:sp>
-        <p:nvSpPr>
-          <p:cNvPr id="2" name="제목 1">
-            <a:extLst>
-              <a:ext uri="{FF2B5EF4-FFF2-40B4-BE49-F238E27FC236}">
-                <a16:creationId xmlns:a16="http://schemas.microsoft.com/office/drawing/2014/main" id="{2EB0A747-C32B-4851-BB32-DC3E152E8FB3}"/>
-              </a:ext>
-            </a:extLst>
-          </p:cNvPr>
-          <p:cNvSpPr>
-            <a:spLocks noGrp="1"/>
-          </p:cNvSpPr>
-          <p:nvPr>
-            <p:ph type="title"/>
-          </p:nvPr>
-        </p:nvSpPr>
-        <p:spPr/>
-        <p:txBody>
-          <a:bodyPr/>
-          <a:lstStyle/>
-          <a:p>
-            <a:r>
-              <a:rPr lang="ko-KR" altLang="en-US" dirty="0">
-                <a:ea typeface="맑은 고딕"/>
-              </a:rPr>
-              <a:t>소스코드 분석</a:t>
-            </a:r>
-            <a:endParaRPr lang="ko-KR" altLang="en-US" dirty="0"/>
-          </a:p>
-        </p:txBody>
-      </p:sp>
-      <p:sp>
-        <p:nvSpPr>
-          <p:cNvPr id="3" name="내용 개체 틀 2">
-            <a:extLst>
-              <a:ext uri="{FF2B5EF4-FFF2-40B4-BE49-F238E27FC236}">
-                <a16:creationId xmlns:a16="http://schemas.microsoft.com/office/drawing/2014/main" id="{996EFA0E-F84A-42A4-9A50-24D03F83E3EE}"/>
-              </a:ext>
-            </a:extLst>
-          </p:cNvPr>
-          <p:cNvSpPr>
-            <a:spLocks noGrp="1"/>
-          </p:cNvSpPr>
-          <p:nvPr>
-            <p:ph idx="1"/>
-          </p:nvPr>
-        </p:nvSpPr>
-        <p:spPr/>
-        <p:txBody>
-          <a:bodyPr/>
-          <a:lstStyle/>
-          <a:p>
-            <a:endParaRPr lang="ko-KR" altLang="en-US" dirty="0"/>
-          </a:p>
-        </p:txBody>
-      </p:sp>
-      <p:sp>
-        <p:nvSpPr>
-          <p:cNvPr id="4" name="날짜 개체 틀 3">
-            <a:extLst>
-              <a:ext uri="{FF2B5EF4-FFF2-40B4-BE49-F238E27FC236}">
-                <a16:creationId xmlns:a16="http://schemas.microsoft.com/office/drawing/2014/main" id="{8A90AC18-88BC-4BC0-86A7-89E5299D1624}"/>
-              </a:ext>
-            </a:extLst>
-          </p:cNvPr>
-          <p:cNvSpPr>
-            <a:spLocks noGrp="1"/>
-          </p:cNvSpPr>
-          <p:nvPr>
-            <p:ph type="dt" sz="half" idx="10"/>
-          </p:nvPr>
-        </p:nvSpPr>
-        <p:spPr/>
-        <p:txBody>
-          <a:bodyPr/>
-          <a:lstStyle/>
-          <a:p>
-            <a:r>
-              <a:rPr lang="ko-KR" altLang="en-US"/>
-              <a:t>권철현</a:t>
-            </a:r>
-            <a:r>
-              <a:rPr lang="en-US" altLang="ko-KR"/>
-              <a:t>, </a:t>
-            </a:r>
-            <a:r>
-              <a:rPr lang="ko-KR" altLang="en-US"/>
-              <a:t>신재하</a:t>
-            </a:r>
-          </a:p>
-        </p:txBody>
-      </p:sp>
-      <p:sp>
-        <p:nvSpPr>
-          <p:cNvPr id="5" name="슬라이드 번호 개체 틀 4">
-            <a:extLst>
-              <a:ext uri="{FF2B5EF4-FFF2-40B4-BE49-F238E27FC236}">
-                <a16:creationId xmlns:a16="http://schemas.microsoft.com/office/drawing/2014/main" id="{53A7A304-6F06-42E4-856D-960E7C27707D}"/>
-              </a:ext>
-            </a:extLst>
-          </p:cNvPr>
-          <p:cNvSpPr>
-            <a:spLocks noGrp="1"/>
-          </p:cNvSpPr>
-          <p:nvPr>
-            <p:ph type="sldNum" sz="quarter" idx="12"/>
-          </p:nvPr>
-        </p:nvSpPr>
-        <p:spPr/>
-        <p:txBody>
-          <a:bodyPr/>
-          <a:lstStyle/>
-          <a:p>
-            <a:fld id="{5FF72CB3-86FB-4DBB-A7AC-E8F6F3DA156B}" type="slidenum">
-              <a:rPr lang="ko-KR" altLang="en-US" smtClean="0"/>
-              <a:pPr/>
-              <a:t>34</a:t>
-            </a:fld>
-            <a:endParaRPr lang="ko-KR" altLang="en-US"/>
-          </a:p>
-        </p:txBody>
-      </p:sp>
-    </p:spTree>
-    <p:extLst>
-      <p:ext uri="{BB962C8B-B14F-4D97-AF65-F5344CB8AC3E}">
-        <p14:creationId xmlns:p14="http://schemas.microsoft.com/office/powerpoint/2010/main" val="2438199801"/>
-      </p:ext>
-    </p:extLst>
-  </p:cSld>
-  <p:clrMapOvr>
-    <a:masterClrMapping/>
-  </p:clrMapOvr>
-</p:sld>
-</file>
-
-<file path=ppt/slides/slide35.xml><?xml version="1.0" encoding="utf-8"?>
-<p:sld xmlns:a="http://schemas.openxmlformats.org/drawingml/2006/main" xmlns:r="http://schemas.openxmlformats.org/officeDocument/2006/relationships" xmlns:p="http://schemas.openxmlformats.org/presentationml/2006/main">
-  <p:cSld>
-    <p:spTree>
-      <p:nvGrpSpPr>
-        <p:cNvPr id="1" name=""/>
-        <p:cNvGrpSpPr/>
-        <p:nvPr/>
-      </p:nvGrpSpPr>
-      <p:grpSpPr>
-        <a:xfrm>
-          <a:off x="0" y="0"/>
-          <a:ext cx="0" cy="0"/>
-          <a:chOff x="0" y="0"/>
-          <a:chExt cx="0" cy="0"/>
-        </a:xfrm>
-      </p:grpSpPr>
-      <p:sp>
-        <p:nvSpPr>
-          <p:cNvPr id="2" name="제목 1">
-            <a:extLst>
-              <a:ext uri="{FF2B5EF4-FFF2-40B4-BE49-F238E27FC236}">
-                <a16:creationId xmlns:a16="http://schemas.microsoft.com/office/drawing/2014/main" id="{2EB0A747-C32B-4851-BB32-DC3E152E8FB3}"/>
-              </a:ext>
-            </a:extLst>
-          </p:cNvPr>
-          <p:cNvSpPr>
-            <a:spLocks noGrp="1"/>
-          </p:cNvSpPr>
-          <p:nvPr>
-            <p:ph type="title"/>
-          </p:nvPr>
-        </p:nvSpPr>
-        <p:spPr/>
-        <p:txBody>
-          <a:bodyPr/>
-          <a:lstStyle/>
-          <a:p>
-            <a:r>
-              <a:rPr lang="ko-KR" altLang="en-US" dirty="0">
-                <a:ea typeface="맑은 고딕"/>
-              </a:rPr>
-              <a:t>소스코드 분석</a:t>
-            </a:r>
-            <a:endParaRPr lang="ko-KR" altLang="en-US" dirty="0"/>
-          </a:p>
-        </p:txBody>
-      </p:sp>
-      <p:sp>
-        <p:nvSpPr>
-          <p:cNvPr id="3" name="내용 개체 틀 2">
-            <a:extLst>
-              <a:ext uri="{FF2B5EF4-FFF2-40B4-BE49-F238E27FC236}">
-                <a16:creationId xmlns:a16="http://schemas.microsoft.com/office/drawing/2014/main" id="{996EFA0E-F84A-42A4-9A50-24D03F83E3EE}"/>
-              </a:ext>
-            </a:extLst>
-          </p:cNvPr>
-          <p:cNvSpPr>
-            <a:spLocks noGrp="1"/>
-          </p:cNvSpPr>
-          <p:nvPr>
-            <p:ph idx="1"/>
-          </p:nvPr>
-        </p:nvSpPr>
-        <p:spPr/>
-        <p:txBody>
-          <a:bodyPr/>
-          <a:lstStyle/>
-          <a:p>
-            <a:endParaRPr lang="ko-KR" altLang="en-US" dirty="0"/>
-          </a:p>
-        </p:txBody>
-      </p:sp>
-      <p:sp>
-        <p:nvSpPr>
-          <p:cNvPr id="4" name="날짜 개체 틀 3">
-            <a:extLst>
-              <a:ext uri="{FF2B5EF4-FFF2-40B4-BE49-F238E27FC236}">
-                <a16:creationId xmlns:a16="http://schemas.microsoft.com/office/drawing/2014/main" id="{8A90AC18-88BC-4BC0-86A7-89E5299D1624}"/>
-              </a:ext>
-            </a:extLst>
-          </p:cNvPr>
-          <p:cNvSpPr>
-            <a:spLocks noGrp="1"/>
-          </p:cNvSpPr>
-          <p:nvPr>
-            <p:ph type="dt" sz="half" idx="10"/>
-          </p:nvPr>
-        </p:nvSpPr>
-        <p:spPr/>
-        <p:txBody>
-          <a:bodyPr/>
-          <a:lstStyle/>
-          <a:p>
-            <a:r>
-              <a:rPr lang="ko-KR" altLang="en-US"/>
-              <a:t>권철현</a:t>
-            </a:r>
-            <a:r>
-              <a:rPr lang="en-US" altLang="ko-KR"/>
-              <a:t>, </a:t>
-            </a:r>
-            <a:r>
-              <a:rPr lang="ko-KR" altLang="en-US"/>
-              <a:t>신재하</a:t>
-            </a:r>
-          </a:p>
-        </p:txBody>
-      </p:sp>
-      <p:sp>
-        <p:nvSpPr>
-          <p:cNvPr id="5" name="슬라이드 번호 개체 틀 4">
-            <a:extLst>
-              <a:ext uri="{FF2B5EF4-FFF2-40B4-BE49-F238E27FC236}">
-                <a16:creationId xmlns:a16="http://schemas.microsoft.com/office/drawing/2014/main" id="{53A7A304-6F06-42E4-856D-960E7C27707D}"/>
-              </a:ext>
-            </a:extLst>
-          </p:cNvPr>
-          <p:cNvSpPr>
-            <a:spLocks noGrp="1"/>
-          </p:cNvSpPr>
-          <p:nvPr>
-            <p:ph type="sldNum" sz="quarter" idx="12"/>
-          </p:nvPr>
-        </p:nvSpPr>
-        <p:spPr/>
-        <p:txBody>
-          <a:bodyPr/>
-          <a:lstStyle/>
-          <a:p>
-            <a:fld id="{5FF72CB3-86FB-4DBB-A7AC-E8F6F3DA156B}" type="slidenum">
-              <a:rPr lang="ko-KR" altLang="en-US" smtClean="0"/>
-              <a:pPr/>
-              <a:t>35</a:t>
-            </a:fld>
-            <a:endParaRPr lang="ko-KR" altLang="en-US"/>
-          </a:p>
-        </p:txBody>
-      </p:sp>
-    </p:spTree>
-    <p:extLst>
-      <p:ext uri="{BB962C8B-B14F-4D97-AF65-F5344CB8AC3E}">
-        <p14:creationId xmlns:p14="http://schemas.microsoft.com/office/powerpoint/2010/main" val="1075493075"/>
-      </p:ext>
-    </p:extLst>
-  </p:cSld>
-  <p:clrMapOvr>
-    <a:masterClrMapping/>
-  </p:clrMapOvr>
-</p:sld>
-</file>
-
-<file path=ppt/slides/slide36.xml><?xml version="1.0" encoding="utf-8"?>
-<p:sld xmlns:a="http://schemas.openxmlformats.org/drawingml/2006/main" xmlns:r="http://schemas.openxmlformats.org/officeDocument/2006/relationships" xmlns:p="http://schemas.openxmlformats.org/presentationml/2006/main">
-  <p:cSld>
-    <p:spTree>
-      <p:nvGrpSpPr>
-        <p:cNvPr id="1" name=""/>
-        <p:cNvGrpSpPr/>
-        <p:nvPr/>
-      </p:nvGrpSpPr>
-      <p:grpSpPr>
-        <a:xfrm>
-          <a:off x="0" y="0"/>
-          <a:ext cx="0" cy="0"/>
-          <a:chOff x="0" y="0"/>
-          <a:chExt cx="0" cy="0"/>
-        </a:xfrm>
-      </p:grpSpPr>
-      <p:sp>
-        <p:nvSpPr>
-          <p:cNvPr id="2" name="제목 1">
-            <a:extLst>
-              <a:ext uri="{FF2B5EF4-FFF2-40B4-BE49-F238E27FC236}">
-                <a16:creationId xmlns:a16="http://schemas.microsoft.com/office/drawing/2014/main" id="{F3DBE455-52A5-4CC6-956A-B7FFFAC6A491}"/>
-              </a:ext>
-            </a:extLst>
-          </p:cNvPr>
-          <p:cNvSpPr>
-            <a:spLocks noGrp="1"/>
-          </p:cNvSpPr>
-          <p:nvPr>
-            <p:ph type="title"/>
-          </p:nvPr>
-        </p:nvSpPr>
-        <p:spPr/>
-        <p:txBody>
-          <a:bodyPr/>
-          <a:lstStyle/>
-          <a:p>
-            <a:r>
-              <a:rPr lang="ko-KR" altLang="en-US">
-                <a:ea typeface="맑은 고딕"/>
-              </a:rPr>
-              <a:t>소스코드 수정</a:t>
-            </a:r>
-          </a:p>
-        </p:txBody>
-      </p:sp>
-      <p:sp>
-        <p:nvSpPr>
-          <p:cNvPr id="3" name="내용 개체 틀 2">
-            <a:extLst>
-              <a:ext uri="{FF2B5EF4-FFF2-40B4-BE49-F238E27FC236}">
-                <a16:creationId xmlns:a16="http://schemas.microsoft.com/office/drawing/2014/main" id="{EFF64CD6-D5EB-4719-88CB-103B9C22C93D}"/>
-              </a:ext>
-            </a:extLst>
-          </p:cNvPr>
-          <p:cNvSpPr>
-            <a:spLocks noGrp="1"/>
-          </p:cNvSpPr>
-          <p:nvPr>
-            <p:ph idx="1"/>
-          </p:nvPr>
-        </p:nvSpPr>
-        <p:spPr/>
-        <p:txBody>
-          <a:bodyPr vert="horz" lIns="91440" tIns="45720" rIns="91440" bIns="45720" rtlCol="0" anchor="t">
-            <a:normAutofit/>
-          </a:bodyPr>
-          <a:lstStyle/>
-          <a:p>
-            <a:r>
-              <a:rPr lang="ko-KR" altLang="en-US">
-                <a:ea typeface="맑은 고딕"/>
-              </a:rPr>
-              <a:t>파일 입출력을 통해 진행하려 했으나 </a:t>
-            </a:r>
-            <a:r>
-              <a:rPr lang="ko-KR" altLang="en-US" err="1">
-                <a:ea typeface="맑은 고딕"/>
-              </a:rPr>
-              <a:t>Real</a:t>
-            </a:r>
-            <a:r>
-              <a:rPr lang="ko-KR" altLang="en-US">
-                <a:ea typeface="맑은 고딕"/>
-              </a:rPr>
-              <a:t> </a:t>
-            </a:r>
-            <a:r>
-              <a:rPr lang="ko-KR" altLang="en-US" err="1">
-                <a:ea typeface="맑은 고딕"/>
-              </a:rPr>
-              <a:t>Device</a:t>
-            </a:r>
-            <a:r>
-              <a:rPr lang="ko-KR" altLang="en-US">
-                <a:ea typeface="맑은 고딕"/>
-              </a:rPr>
-              <a:t> 에서 실패</a:t>
-            </a:r>
-            <a:endParaRPr lang="ko-KR"/>
-          </a:p>
-          <a:p>
-            <a:pPr marL="539750" lvl="1"/>
-            <a:r>
-              <a:rPr lang="ko-KR" altLang="en-US">
-                <a:ea typeface="맑은 고딕"/>
-              </a:rPr>
-              <a:t>파일 경로 설정의 문제</a:t>
-            </a:r>
-          </a:p>
-        </p:txBody>
-      </p:sp>
-      <p:sp>
-        <p:nvSpPr>
-          <p:cNvPr id="4" name="날짜 개체 틀 3">
-            <a:extLst>
-              <a:ext uri="{FF2B5EF4-FFF2-40B4-BE49-F238E27FC236}">
-                <a16:creationId xmlns:a16="http://schemas.microsoft.com/office/drawing/2014/main" id="{5F3B185E-51C8-41AE-AFF0-396C1D6EB2D1}"/>
-              </a:ext>
-            </a:extLst>
-          </p:cNvPr>
-          <p:cNvSpPr>
-            <a:spLocks noGrp="1"/>
-          </p:cNvSpPr>
-          <p:nvPr>
-            <p:ph type="dt" sz="half" idx="10"/>
-          </p:nvPr>
-        </p:nvSpPr>
-        <p:spPr/>
-        <p:txBody>
-          <a:bodyPr/>
-          <a:lstStyle/>
-          <a:p>
-            <a:r>
-              <a:rPr lang="ko-KR" altLang="en-US"/>
-              <a:t>권철현</a:t>
-            </a:r>
-            <a:r>
-              <a:rPr lang="en-US" altLang="ko-KR"/>
-              <a:t>, </a:t>
-            </a:r>
-            <a:r>
-              <a:rPr lang="ko-KR" altLang="en-US" err="1"/>
-              <a:t>신재하</a:t>
-            </a:r>
-            <a:endParaRPr lang="ko-KR" altLang="en-US"/>
-          </a:p>
-        </p:txBody>
-      </p:sp>
-      <p:sp>
-        <p:nvSpPr>
-          <p:cNvPr id="5" name="슬라이드 번호 개체 틀 4">
-            <a:extLst>
-              <a:ext uri="{FF2B5EF4-FFF2-40B4-BE49-F238E27FC236}">
-                <a16:creationId xmlns:a16="http://schemas.microsoft.com/office/drawing/2014/main" id="{955B40E1-A6A3-40A0-B7AD-6C9A925961B7}"/>
-              </a:ext>
-            </a:extLst>
-          </p:cNvPr>
-          <p:cNvSpPr>
-            <a:spLocks noGrp="1"/>
-          </p:cNvSpPr>
-          <p:nvPr>
-            <p:ph type="sldNum" sz="quarter" idx="12"/>
-          </p:nvPr>
-        </p:nvSpPr>
-        <p:spPr/>
-        <p:txBody>
-          <a:bodyPr/>
-          <a:lstStyle/>
-          <a:p>
-            <a:fld id="{5FF72CB3-86FB-4DBB-A7AC-E8F6F3DA156B}" type="slidenum">
-              <a:rPr lang="ko-KR" altLang="en-US" smtClean="0"/>
-              <a:pPr/>
-              <a:t>36</a:t>
-            </a:fld>
-            <a:endParaRPr lang="ko-KR" altLang="en-US"/>
-          </a:p>
-        </p:txBody>
-      </p:sp>
       <p:pic>
         <p:nvPicPr>
-          <p:cNvPr id="7" name="그림 7" descr="텍스트이(가) 표시된 사진&#10;&#10;자동 생성된 설명">
-            <a:extLst>
-              <a:ext uri="{FF2B5EF4-FFF2-40B4-BE49-F238E27FC236}">
-                <a16:creationId xmlns:a16="http://schemas.microsoft.com/office/drawing/2014/main" id="{49BCA0D6-EA8D-427F-AB14-75E0129E702F}"/>
+          <p:cNvPr id="8" name="그림 7">
+            <a:extLst>
+              <a:ext uri="{FF2B5EF4-FFF2-40B4-BE49-F238E27FC236}">
+                <a16:creationId xmlns:a16="http://schemas.microsoft.com/office/drawing/2014/main" id="{2A2F9693-C69F-4087-8516-2CC3DCB51474}"/>
               </a:ext>
             </a:extLst>
           </p:cNvPr>
@@ -10175,48 +11306,70 @@
         </p:blipFill>
         <p:spPr>
           <a:xfrm>
-            <a:off x="388511" y="4474933"/>
-            <a:ext cx="8410686" cy="1856289"/>
+            <a:off x="222459" y="2331547"/>
+            <a:ext cx="11868150" cy="1809750"/>
           </a:xfrm>
           <a:prstGeom prst="rect">
             <a:avLst/>
           </a:prstGeom>
         </p:spPr>
       </p:pic>
-      <p:pic>
-        <p:nvPicPr>
-          <p:cNvPr id="8" name="그림 8" descr="텍스트이(가) 표시된 사진&#10;&#10;자동 생성된 설명">
-            <a:extLst>
-              <a:ext uri="{FF2B5EF4-FFF2-40B4-BE49-F238E27FC236}">
-                <a16:creationId xmlns:a16="http://schemas.microsoft.com/office/drawing/2014/main" id="{A092BF68-2E99-4D85-A4C4-AC9DD1E9B0D2}"/>
-              </a:ext>
-            </a:extLst>
-          </p:cNvPr>
-          <p:cNvPicPr>
-            <a:picLocks noChangeAspect="1"/>
-          </p:cNvPicPr>
+      <p:sp>
+        <p:nvSpPr>
+          <p:cNvPr id="12" name="직사각형 11">
+            <a:extLst>
+              <a:ext uri="{FF2B5EF4-FFF2-40B4-BE49-F238E27FC236}">
+                <a16:creationId xmlns:a16="http://schemas.microsoft.com/office/drawing/2014/main" id="{BB03E994-EB94-4C31-95BE-C0BB366CBA10}"/>
+              </a:ext>
+            </a:extLst>
+          </p:cNvPr>
+          <p:cNvSpPr/>
           <p:nvPr/>
-        </p:nvPicPr>
-        <p:blipFill>
-          <a:blip r:embed="rId3"/>
-          <a:stretch>
-            <a:fillRect/>
-          </a:stretch>
-        </p:blipFill>
+        </p:nvSpPr>
         <p:spPr>
           <a:xfrm>
-            <a:off x="388512" y="2781308"/>
-            <a:ext cx="9558270" cy="1434903"/>
+            <a:off x="678874" y="3318164"/>
+            <a:ext cx="1551708" cy="802352"/>
           </a:xfrm>
           <a:prstGeom prst="rect">
             <a:avLst/>
           </a:prstGeom>
+          <a:noFill/>
+          <a:ln w="38100">
+            <a:solidFill>
+              <a:srgbClr val="FF0000"/>
+            </a:solidFill>
+          </a:ln>
         </p:spPr>
-      </p:pic>
+        <p:style>
+          <a:lnRef idx="2">
+            <a:schemeClr val="accent1">
+              <a:shade val="50000"/>
+            </a:schemeClr>
+          </a:lnRef>
+          <a:fillRef idx="1">
+            <a:schemeClr val="accent1"/>
+          </a:fillRef>
+          <a:effectRef idx="0">
+            <a:schemeClr val="accent1"/>
+          </a:effectRef>
+          <a:fontRef idx="minor">
+            <a:schemeClr val="lt1"/>
+          </a:fontRef>
+        </p:style>
+        <p:txBody>
+          <a:bodyPr rtlCol="0" anchor="ctr"/>
+          <a:lstStyle/>
+          <a:p>
+            <a:pPr algn="ctr"/>
+            <a:endParaRPr lang="ko-KR" altLang="en-US"/>
+          </a:p>
+        </p:txBody>
+      </p:sp>
     </p:spTree>
     <p:extLst>
       <p:ext uri="{BB962C8B-B14F-4D97-AF65-F5344CB8AC3E}">
-        <p14:creationId xmlns:p14="http://schemas.microsoft.com/office/powerpoint/2010/main" val="31020173"/>
+        <p14:creationId xmlns:p14="http://schemas.microsoft.com/office/powerpoint/2010/main" val="428635218"/>
       </p:ext>
     </p:extLst>
   </p:cSld>
@@ -10226,521 +11379,7 @@
 </p:sld>
 </file>
 
-<file path=ppt/slides/slide37.xml><?xml version="1.0" encoding="utf-8"?>
-<p:sld xmlns:a="http://schemas.openxmlformats.org/drawingml/2006/main" xmlns:r="http://schemas.openxmlformats.org/officeDocument/2006/relationships" xmlns:p="http://schemas.openxmlformats.org/presentationml/2006/main">
-  <p:cSld>
-    <p:spTree>
-      <p:nvGrpSpPr>
-        <p:cNvPr id="1" name=""/>
-        <p:cNvGrpSpPr/>
-        <p:nvPr/>
-      </p:nvGrpSpPr>
-      <p:grpSpPr>
-        <a:xfrm>
-          <a:off x="0" y="0"/>
-          <a:ext cx="0" cy="0"/>
-          <a:chOff x="0" y="0"/>
-          <a:chExt cx="0" cy="0"/>
-        </a:xfrm>
-      </p:grpSpPr>
-      <p:sp>
-        <p:nvSpPr>
-          <p:cNvPr id="2" name="제목 1">
-            <a:extLst>
-              <a:ext uri="{FF2B5EF4-FFF2-40B4-BE49-F238E27FC236}">
-                <a16:creationId xmlns:a16="http://schemas.microsoft.com/office/drawing/2014/main" id="{F3DBE455-52A5-4CC6-956A-B7FFFAC6A491}"/>
-              </a:ext>
-            </a:extLst>
-          </p:cNvPr>
-          <p:cNvSpPr>
-            <a:spLocks noGrp="1"/>
-          </p:cNvSpPr>
-          <p:nvPr>
-            <p:ph type="title"/>
-          </p:nvPr>
-        </p:nvSpPr>
-        <p:spPr/>
-        <p:txBody>
-          <a:bodyPr/>
-          <a:lstStyle/>
-          <a:p>
-            <a:r>
-              <a:rPr lang="ko-KR" altLang="en-US">
-                <a:ea typeface="맑은 고딕"/>
-              </a:rPr>
-              <a:t>소스코드 수정</a:t>
-            </a:r>
-          </a:p>
-        </p:txBody>
-      </p:sp>
-      <p:sp>
-        <p:nvSpPr>
-          <p:cNvPr id="3" name="내용 개체 틀 2">
-            <a:extLst>
-              <a:ext uri="{FF2B5EF4-FFF2-40B4-BE49-F238E27FC236}">
-                <a16:creationId xmlns:a16="http://schemas.microsoft.com/office/drawing/2014/main" id="{EFF64CD6-D5EB-4719-88CB-103B9C22C93D}"/>
-              </a:ext>
-            </a:extLst>
-          </p:cNvPr>
-          <p:cNvSpPr>
-            <a:spLocks noGrp="1"/>
-          </p:cNvSpPr>
-          <p:nvPr>
-            <p:ph idx="1"/>
-          </p:nvPr>
-        </p:nvSpPr>
-        <p:spPr/>
-        <p:txBody>
-          <a:bodyPr vert="horz" lIns="91440" tIns="45720" rIns="91440" bIns="45720" rtlCol="0" anchor="t">
-            <a:normAutofit/>
-          </a:bodyPr>
-          <a:lstStyle/>
-          <a:p>
-            <a:r>
-              <a:rPr lang="ko-KR" altLang="en-US" dirty="0" err="1">
-                <a:ea typeface="맑은 고딕"/>
-              </a:rPr>
-              <a:t>AVD에서는</a:t>
-            </a:r>
-            <a:r>
-              <a:rPr lang="ko-KR" altLang="en-US" dirty="0">
-                <a:ea typeface="맑은 고딕"/>
-              </a:rPr>
-              <a:t> 동작 </a:t>
-            </a:r>
-            <a:endParaRPr lang="ko-KR" dirty="0"/>
-          </a:p>
-          <a:p>
-            <a:pPr marL="539750" lvl="1"/>
-            <a:r>
-              <a:rPr lang="ko-KR" dirty="0" err="1">
-                <a:latin typeface="Consolas"/>
-                <a:ea typeface="맑은 고딕"/>
-              </a:rPr>
-              <a:t>Environment.getExternalStorageDirectory</a:t>
-            </a:r>
-            <a:r>
-              <a:rPr lang="ko-KR" dirty="0">
-                <a:latin typeface="Consolas"/>
-                <a:ea typeface="맑은 고딕"/>
-              </a:rPr>
-              <a:t>().</a:t>
-            </a:r>
-            <a:r>
-              <a:rPr lang="ko-KR" dirty="0" err="1">
-                <a:latin typeface="Consolas"/>
-                <a:ea typeface="맑은 고딕"/>
-              </a:rPr>
-              <a:t>getAbsolutePath</a:t>
-            </a:r>
-            <a:r>
-              <a:rPr lang="ko-KR" dirty="0">
-                <a:latin typeface="Consolas"/>
-                <a:ea typeface="맑은 고딕"/>
-              </a:rPr>
-              <a:t>();</a:t>
-            </a:r>
-            <a:endParaRPr lang="ko-KR" altLang="en-US" dirty="0">
-              <a:ea typeface="맑은 고딕"/>
-            </a:endParaRPr>
-          </a:p>
-          <a:p>
-            <a:pPr marL="539750" lvl="1">
-              <a:buFont typeface="Arial" panose="05000000000000000000" pitchFamily="2" charset="2"/>
-              <a:buChar char="•"/>
-            </a:pPr>
-            <a:r>
-              <a:rPr lang="ko-KR" altLang="en-US" dirty="0">
-                <a:ea typeface="맑은 고딕"/>
-              </a:rPr>
-              <a:t>저장 시, </a:t>
-            </a:r>
-            <a:r>
-              <a:rPr lang="ko-KR" altLang="en-US" dirty="0" err="1">
-                <a:ea typeface="맑은 고딕"/>
-              </a:rPr>
-              <a:t>Float</a:t>
-            </a:r>
-            <a:r>
-              <a:rPr lang="ko-KR" altLang="en-US" dirty="0">
-                <a:ea typeface="맑은 고딕"/>
-              </a:rPr>
-              <a:t>[62720] 배열을 </a:t>
-            </a:r>
-            <a:r>
-              <a:rPr lang="ko-KR" altLang="en-US" dirty="0" err="1">
-                <a:ea typeface="맑은 고딕"/>
-              </a:rPr>
-              <a:t>String</a:t>
-            </a:r>
-            <a:r>
-              <a:rPr lang="ko-KR" altLang="en-US" dirty="0">
-                <a:ea typeface="맑은 고딕"/>
-              </a:rPr>
-              <a:t> </a:t>
-            </a:r>
-            <a:r>
-              <a:rPr lang="ko-KR" altLang="en-US" dirty="0" err="1">
-                <a:ea typeface="맑은 고딕"/>
-              </a:rPr>
-              <a:t>으로</a:t>
-            </a:r>
-            <a:r>
-              <a:rPr lang="ko-KR" altLang="en-US" dirty="0">
-                <a:ea typeface="맑은 고딕"/>
-              </a:rPr>
-              <a:t> 저장하고, 파일을 읽을 때 </a:t>
-            </a:r>
-            <a:r>
-              <a:rPr lang="ko-KR" altLang="en-US" dirty="0" err="1">
-                <a:ea typeface="맑은 고딕"/>
-              </a:rPr>
-              <a:t>String</a:t>
-            </a:r>
-            <a:r>
-              <a:rPr lang="ko-KR" altLang="en-US" dirty="0">
-                <a:ea typeface="맑은 고딕"/>
-              </a:rPr>
-              <a:t> 을 </a:t>
-            </a:r>
-            <a:r>
-              <a:rPr lang="ko-KR" altLang="en-US" dirty="0" err="1">
-                <a:ea typeface="맑은 고딕"/>
-              </a:rPr>
-              <a:t>Float</a:t>
-            </a:r>
-            <a:r>
-              <a:rPr lang="ko-KR" altLang="en-US" dirty="0">
-                <a:ea typeface="맑은 고딕"/>
-              </a:rPr>
-              <a:t> 배열로 복구</a:t>
-            </a:r>
-            <a:endParaRPr lang="ko-KR" dirty="0">
-              <a:ea typeface="맑은 고딕" panose="020B0503020000020004" pitchFamily="34" charset="-127"/>
-            </a:endParaRPr>
-          </a:p>
-          <a:p>
-            <a:pPr marL="539750" lvl="1">
-              <a:buFont typeface="Arial" panose="05000000000000000000" pitchFamily="2" charset="2"/>
-              <a:buChar char="•"/>
-            </a:pPr>
-            <a:r>
-              <a:rPr lang="ko-KR" altLang="en-US" dirty="0">
-                <a:ea typeface="맑은 고딕"/>
-              </a:rPr>
-              <a:t> 따라서 불필요한 연산 다수 발생 </a:t>
-            </a:r>
-            <a:endParaRPr lang="ko-KR" dirty="0">
-              <a:ea typeface="맑은 고딕" panose="020B0503020000020004" pitchFamily="34" charset="-127"/>
-            </a:endParaRPr>
-          </a:p>
-          <a:p>
-            <a:pPr marL="0" indent="0">
-              <a:buNone/>
-            </a:pPr>
-            <a:endParaRPr lang="ko-KR" altLang="en-US" dirty="0">
-              <a:ea typeface="맑은 고딕"/>
-            </a:endParaRPr>
-          </a:p>
-          <a:p>
-            <a:endParaRPr lang="ko-KR" altLang="en-US" dirty="0">
-              <a:ea typeface="맑은 고딕"/>
-            </a:endParaRPr>
-          </a:p>
-        </p:txBody>
-      </p:sp>
-      <p:sp>
-        <p:nvSpPr>
-          <p:cNvPr id="4" name="날짜 개체 틀 3">
-            <a:extLst>
-              <a:ext uri="{FF2B5EF4-FFF2-40B4-BE49-F238E27FC236}">
-                <a16:creationId xmlns:a16="http://schemas.microsoft.com/office/drawing/2014/main" id="{5F3B185E-51C8-41AE-AFF0-396C1D6EB2D1}"/>
-              </a:ext>
-            </a:extLst>
-          </p:cNvPr>
-          <p:cNvSpPr>
-            <a:spLocks noGrp="1"/>
-          </p:cNvSpPr>
-          <p:nvPr>
-            <p:ph type="dt" sz="half" idx="10"/>
-          </p:nvPr>
-        </p:nvSpPr>
-        <p:spPr/>
-        <p:txBody>
-          <a:bodyPr/>
-          <a:lstStyle/>
-          <a:p>
-            <a:r>
-              <a:rPr lang="ko-KR" altLang="en-US"/>
-              <a:t>권철현</a:t>
-            </a:r>
-            <a:r>
-              <a:rPr lang="en-US" altLang="ko-KR"/>
-              <a:t>, </a:t>
-            </a:r>
-            <a:r>
-              <a:rPr lang="ko-KR" altLang="en-US" err="1"/>
-              <a:t>신재하</a:t>
-            </a:r>
-            <a:endParaRPr lang="ko-KR" altLang="en-US"/>
-          </a:p>
-        </p:txBody>
-      </p:sp>
-      <p:sp>
-        <p:nvSpPr>
-          <p:cNvPr id="5" name="슬라이드 번호 개체 틀 4">
-            <a:extLst>
-              <a:ext uri="{FF2B5EF4-FFF2-40B4-BE49-F238E27FC236}">
-                <a16:creationId xmlns:a16="http://schemas.microsoft.com/office/drawing/2014/main" id="{955B40E1-A6A3-40A0-B7AD-6C9A925961B7}"/>
-              </a:ext>
-            </a:extLst>
-          </p:cNvPr>
-          <p:cNvSpPr>
-            <a:spLocks noGrp="1"/>
-          </p:cNvSpPr>
-          <p:nvPr>
-            <p:ph type="sldNum" sz="quarter" idx="12"/>
-          </p:nvPr>
-        </p:nvSpPr>
-        <p:spPr/>
-        <p:txBody>
-          <a:bodyPr/>
-          <a:lstStyle/>
-          <a:p>
-            <a:fld id="{5FF72CB3-86FB-4DBB-A7AC-E8F6F3DA156B}" type="slidenum">
-              <a:rPr lang="ko-KR" altLang="en-US" smtClean="0"/>
-              <a:pPr/>
-              <a:t>37</a:t>
-            </a:fld>
-            <a:endParaRPr lang="ko-KR" altLang="en-US"/>
-          </a:p>
-        </p:txBody>
-      </p:sp>
-      <p:pic>
-        <p:nvPicPr>
-          <p:cNvPr id="9" name="그림 9" descr="텍스트이(가) 표시된 사진&#10;&#10;자동 생성된 설명">
-            <a:extLst>
-              <a:ext uri="{FF2B5EF4-FFF2-40B4-BE49-F238E27FC236}">
-                <a16:creationId xmlns:a16="http://schemas.microsoft.com/office/drawing/2014/main" id="{97632BA6-979B-428C-91EA-6FBB626F7D12}"/>
-              </a:ext>
-            </a:extLst>
-          </p:cNvPr>
-          <p:cNvPicPr>
-            <a:picLocks noChangeAspect="1"/>
-          </p:cNvPicPr>
-          <p:nvPr/>
-        </p:nvPicPr>
-        <p:blipFill rotWithShape="1">
-          <a:blip r:embed="rId2"/>
-          <a:srcRect t="36209" b="32162"/>
-          <a:stretch/>
-        </p:blipFill>
-        <p:spPr>
-          <a:xfrm>
-            <a:off x="1003206" y="3732520"/>
-            <a:ext cx="10066271" cy="2357390"/>
-          </a:xfrm>
-          <a:prstGeom prst="rect">
-            <a:avLst/>
-          </a:prstGeom>
-        </p:spPr>
-      </p:pic>
-    </p:spTree>
-    <p:extLst>
-      <p:ext uri="{BB962C8B-B14F-4D97-AF65-F5344CB8AC3E}">
-        <p14:creationId xmlns:p14="http://schemas.microsoft.com/office/powerpoint/2010/main" val="308887021"/>
-      </p:ext>
-    </p:extLst>
-  </p:cSld>
-  <p:clrMapOvr>
-    <a:masterClrMapping/>
-  </p:clrMapOvr>
-</p:sld>
-</file>
-
-<file path=ppt/slides/slide38.xml><?xml version="1.0" encoding="utf-8"?>
-<p:sld xmlns:a="http://schemas.openxmlformats.org/drawingml/2006/main" xmlns:r="http://schemas.openxmlformats.org/officeDocument/2006/relationships" xmlns:p="http://schemas.openxmlformats.org/presentationml/2006/main">
-  <p:cSld>
-    <p:spTree>
-      <p:nvGrpSpPr>
-        <p:cNvPr id="1" name=""/>
-        <p:cNvGrpSpPr/>
-        <p:nvPr/>
-      </p:nvGrpSpPr>
-      <p:grpSpPr>
-        <a:xfrm>
-          <a:off x="0" y="0"/>
-          <a:ext cx="0" cy="0"/>
-          <a:chOff x="0" y="0"/>
-          <a:chExt cx="0" cy="0"/>
-        </a:xfrm>
-      </p:grpSpPr>
-      <p:sp>
-        <p:nvSpPr>
-          <p:cNvPr id="2" name="제목 1">
-            <a:extLst>
-              <a:ext uri="{FF2B5EF4-FFF2-40B4-BE49-F238E27FC236}">
-                <a16:creationId xmlns:a16="http://schemas.microsoft.com/office/drawing/2014/main" id="{F3DBE455-52A5-4CC6-956A-B7FFFAC6A491}"/>
-              </a:ext>
-            </a:extLst>
-          </p:cNvPr>
-          <p:cNvSpPr>
-            <a:spLocks noGrp="1"/>
-          </p:cNvSpPr>
-          <p:nvPr>
-            <p:ph type="title"/>
-          </p:nvPr>
-        </p:nvSpPr>
-        <p:spPr/>
-        <p:txBody>
-          <a:bodyPr/>
-          <a:lstStyle/>
-          <a:p>
-            <a:r>
-              <a:rPr lang="ko-KR" altLang="en-US">
-                <a:ea typeface="맑은 고딕"/>
-              </a:rPr>
-              <a:t>소스코드 수정</a:t>
-            </a:r>
-          </a:p>
-        </p:txBody>
-      </p:sp>
-      <p:sp>
-        <p:nvSpPr>
-          <p:cNvPr id="3" name="내용 개체 틀 2">
-            <a:extLst>
-              <a:ext uri="{FF2B5EF4-FFF2-40B4-BE49-F238E27FC236}">
-                <a16:creationId xmlns:a16="http://schemas.microsoft.com/office/drawing/2014/main" id="{EFF64CD6-D5EB-4719-88CB-103B9C22C93D}"/>
-              </a:ext>
-            </a:extLst>
-          </p:cNvPr>
-          <p:cNvSpPr>
-            <a:spLocks noGrp="1"/>
-          </p:cNvSpPr>
-          <p:nvPr>
-            <p:ph idx="1"/>
-          </p:nvPr>
-        </p:nvSpPr>
-        <p:spPr/>
-        <p:txBody>
-          <a:bodyPr vert="horz" lIns="91440" tIns="45720" rIns="91440" bIns="45720" rtlCol="0" anchor="t">
-            <a:normAutofit/>
-          </a:bodyPr>
-          <a:lstStyle/>
-          <a:p>
-            <a:r>
-              <a:rPr lang="ko-KR" altLang="en-US" dirty="0" err="1">
-                <a:ea typeface="맑은 고딕"/>
-              </a:rPr>
-              <a:t>파일입출력</a:t>
-            </a:r>
-            <a:r>
-              <a:rPr lang="ko-KR" altLang="en-US" dirty="0">
-                <a:ea typeface="맑은 고딕"/>
-              </a:rPr>
-              <a:t> 방식을 포기하고 </a:t>
-            </a:r>
-            <a:r>
-              <a:rPr lang="ko-KR" altLang="en-US" dirty="0" err="1">
-                <a:ea typeface="맑은 고딕"/>
-              </a:rPr>
-              <a:t>DB를</a:t>
-            </a:r>
-            <a:r>
-              <a:rPr lang="ko-KR" altLang="en-US" dirty="0">
-                <a:ea typeface="맑은 고딕"/>
-              </a:rPr>
-              <a:t> 사용할 예정</a:t>
-            </a:r>
-          </a:p>
-          <a:p>
-            <a:endParaRPr lang="ko-KR" altLang="en-US" dirty="0">
-              <a:ea typeface="맑은 고딕"/>
-            </a:endParaRPr>
-          </a:p>
-        </p:txBody>
-      </p:sp>
-      <p:sp>
-        <p:nvSpPr>
-          <p:cNvPr id="4" name="날짜 개체 틀 3">
-            <a:extLst>
-              <a:ext uri="{FF2B5EF4-FFF2-40B4-BE49-F238E27FC236}">
-                <a16:creationId xmlns:a16="http://schemas.microsoft.com/office/drawing/2014/main" id="{5F3B185E-51C8-41AE-AFF0-396C1D6EB2D1}"/>
-              </a:ext>
-            </a:extLst>
-          </p:cNvPr>
-          <p:cNvSpPr>
-            <a:spLocks noGrp="1"/>
-          </p:cNvSpPr>
-          <p:nvPr>
-            <p:ph type="dt" sz="half" idx="10"/>
-          </p:nvPr>
-        </p:nvSpPr>
-        <p:spPr/>
-        <p:txBody>
-          <a:bodyPr/>
-          <a:lstStyle/>
-          <a:p>
-            <a:r>
-              <a:rPr lang="ko-KR" altLang="en-US"/>
-              <a:t>권철현</a:t>
-            </a:r>
-            <a:r>
-              <a:rPr lang="en-US" altLang="ko-KR"/>
-              <a:t>, </a:t>
-            </a:r>
-            <a:r>
-              <a:rPr lang="ko-KR" altLang="en-US" err="1"/>
-              <a:t>신재하</a:t>
-            </a:r>
-            <a:endParaRPr lang="ko-KR" altLang="en-US"/>
-          </a:p>
-        </p:txBody>
-      </p:sp>
-      <p:sp>
-        <p:nvSpPr>
-          <p:cNvPr id="5" name="슬라이드 번호 개체 틀 4">
-            <a:extLst>
-              <a:ext uri="{FF2B5EF4-FFF2-40B4-BE49-F238E27FC236}">
-                <a16:creationId xmlns:a16="http://schemas.microsoft.com/office/drawing/2014/main" id="{955B40E1-A6A3-40A0-B7AD-6C9A925961B7}"/>
-              </a:ext>
-            </a:extLst>
-          </p:cNvPr>
-          <p:cNvSpPr>
-            <a:spLocks noGrp="1"/>
-          </p:cNvSpPr>
-          <p:nvPr>
-            <p:ph type="sldNum" sz="quarter" idx="12"/>
-          </p:nvPr>
-        </p:nvSpPr>
-        <p:spPr/>
-        <p:txBody>
-          <a:bodyPr/>
-          <a:lstStyle/>
-          <a:p>
-            <a:fld id="{5FF72CB3-86FB-4DBB-A7AC-E8F6F3DA156B}" type="slidenum">
-              <a:rPr lang="ko-KR" altLang="en-US" smtClean="0"/>
-              <a:pPr/>
-              <a:t>38</a:t>
-            </a:fld>
-            <a:endParaRPr lang="ko-KR" altLang="en-US"/>
-          </a:p>
-        </p:txBody>
-      </p:sp>
-    </p:spTree>
-    <p:extLst>
-      <p:ext uri="{BB962C8B-B14F-4D97-AF65-F5344CB8AC3E}">
-        <p14:creationId xmlns:p14="http://schemas.microsoft.com/office/powerpoint/2010/main" val="1537860103"/>
-      </p:ext>
-    </p:extLst>
-  </p:cSld>
-  <p:clrMapOvr>
-    <a:masterClrMapping/>
-  </p:clrMapOvr>
-</p:sld>
-</file>
-
-<file path=ppt/slides/slide39.xml><?xml version="1.0" encoding="utf-8"?>
+<file path=ppt/slides/slide31.xml><?xml version="1.0" encoding="utf-8"?>
 <p:sld xmlns:a="http://schemas.openxmlformats.org/drawingml/2006/main" xmlns:r="http://schemas.openxmlformats.org/officeDocument/2006/relationships" xmlns:p="http://schemas.openxmlformats.org/presentationml/2006/main">
   <p:cSld>
     <p:spTree>
@@ -11308,7 +11947,7 @@
           <a:lstStyle/>
           <a:p>
             <a:r>
-              <a:rPr lang="ko-KR" altLang="en-US">
+              <a:rPr lang="ko-KR" altLang="en-US" dirty="0">
                 <a:solidFill>
                   <a:srgbClr val="B8B8B8"/>
                 </a:solidFill>
@@ -11316,7 +11955,7 @@
               </a:rPr>
               <a:t>기존 실험 오류 및 변경사항</a:t>
             </a:r>
-            <a:endParaRPr lang="ko-KR" altLang="en-US">
+            <a:endParaRPr lang="ko-KR" altLang="en-US" dirty="0">
               <a:solidFill>
                 <a:srgbClr val="B8B8B8"/>
               </a:solidFill>
@@ -11325,20 +11964,20 @@
           </a:p>
           <a:p>
             <a:r>
-              <a:rPr lang="ko-KR" err="1">
+              <a:rPr lang="ko-KR" dirty="0" err="1">
                 <a:ea typeface="+mn-lt"/>
                 <a:cs typeface="+mn-lt"/>
               </a:rPr>
               <a:t>On-Device</a:t>
             </a:r>
             <a:r>
-              <a:rPr lang="ko-KR">
+              <a:rPr lang="ko-KR" dirty="0">
                 <a:ea typeface="+mn-lt"/>
                 <a:cs typeface="+mn-lt"/>
               </a:rPr>
               <a:t> 학습</a:t>
             </a:r>
-            <a:endParaRPr lang="ko-KR" altLang="en-US">
+            <a:endParaRPr lang="ko-KR" altLang="en-US" dirty="0">
               <a:solidFill>
                 <a:srgbClr val="B8B8B8"/>
               </a:solidFill>
@@ -11347,7 +11986,7 @@
           </a:p>
           <a:p>
             <a:r>
-              <a:rPr lang="ko-KR" altLang="en-US">
+              <a:rPr lang="ko-KR" altLang="en-US" dirty="0">
                 <a:solidFill>
                   <a:srgbClr val="B8B8B8"/>
                 </a:solidFill>
@@ -11355,21 +11994,48 @@
               </a:rPr>
               <a:t>전이학습</a:t>
             </a:r>
-            <a:endParaRPr lang="ko-KR"/>
-          </a:p>
-          <a:p>
-            <a:r>
-              <a:rPr lang="ko-KR" altLang="en-US">
+            <a:endParaRPr lang="ko-KR" dirty="0"/>
+          </a:p>
+          <a:p>
+            <a:r>
+              <a:rPr lang="ko-KR" altLang="en-US" dirty="0">
                 <a:solidFill>
                   <a:srgbClr val="B8B8B8"/>
                 </a:solidFill>
                 <a:ea typeface="맑은 고딕"/>
               </a:rPr>
-              <a:t>소스코드 분석 및 수정 </a:t>
-            </a:r>
-          </a:p>
-          <a:p>
-            <a:endParaRPr lang="ko-KR" altLang="en-US">
+              <a:t>소스코드 분석 </a:t>
+            </a:r>
+            <a:endParaRPr lang="en-US" altLang="ko-KR" dirty="0">
+              <a:solidFill>
+                <a:srgbClr val="B8B8B8"/>
+              </a:solidFill>
+              <a:ea typeface="맑은 고딕"/>
+            </a:endParaRPr>
+          </a:p>
+          <a:p>
+            <a:r>
+              <a:rPr lang="ko-KR" altLang="en-US" dirty="0">
+                <a:solidFill>
+                  <a:schemeClr val="bg1">
+                    <a:lumMod val="75000"/>
+                  </a:schemeClr>
+                </a:solidFill>
+                <a:ea typeface="맑은 고딕"/>
+              </a:rPr>
+              <a:t>소스코드 수정 </a:t>
+            </a:r>
+          </a:p>
+          <a:p>
+            <a:endParaRPr lang="ko-KR" altLang="en-US" dirty="0">
+              <a:solidFill>
+                <a:srgbClr val="B8B8B8"/>
+              </a:solidFill>
+              <a:ea typeface="맑은 고딕"/>
+            </a:endParaRPr>
+          </a:p>
+          <a:p>
+            <a:endParaRPr lang="ko-KR" altLang="en-US" dirty="0">
               <a:solidFill>
                 <a:srgbClr val="B8B8B8"/>
               </a:solidFill>
@@ -12009,7 +12675,7 @@
           <a:lstStyle/>
           <a:p>
             <a:r>
-              <a:rPr lang="ko-KR" altLang="en-US">
+              <a:rPr lang="ko-KR" altLang="en-US" dirty="0">
                 <a:solidFill>
                   <a:srgbClr val="B8B8B8"/>
                 </a:solidFill>
@@ -12017,7 +12683,7 @@
               </a:rPr>
               <a:t>기존 실험 오류 및 변경사항</a:t>
             </a:r>
-            <a:endParaRPr lang="ko-KR" altLang="en-US">
+            <a:endParaRPr lang="ko-KR" altLang="en-US" dirty="0">
               <a:solidFill>
                 <a:srgbClr val="B8B8B8"/>
               </a:solidFill>
@@ -12026,7 +12692,7 @@
           </a:p>
           <a:p>
             <a:r>
-              <a:rPr lang="ko-KR" err="1">
+              <a:rPr lang="ko-KR" dirty="0" err="1">
                 <a:solidFill>
                   <a:srgbClr val="B8B8B8"/>
                 </a:solidFill>
@@ -12036,7 +12702,7 @@
               <a:t>On-Device</a:t>
             </a:r>
             <a:r>
-              <a:rPr lang="ko-KR">
+              <a:rPr lang="ko-KR" dirty="0">
                 <a:solidFill>
                   <a:srgbClr val="B8B8B8"/>
                 </a:solidFill>
@@ -12045,33 +12711,60 @@
               </a:rPr>
               <a:t> 학습</a:t>
             </a:r>
-            <a:endParaRPr lang="ko-KR" altLang="en-US">
+            <a:endParaRPr lang="ko-KR" altLang="en-US" dirty="0">
               <a:ea typeface="+mn-lt"/>
               <a:cs typeface="+mn-lt"/>
             </a:endParaRPr>
           </a:p>
           <a:p>
             <a:r>
-              <a:rPr lang="ko-KR" altLang="en-US">
+              <a:rPr lang="ko-KR" altLang="en-US" dirty="0">
                 <a:ea typeface="맑은 고딕"/>
               </a:rPr>
               <a:t>전이학습</a:t>
             </a:r>
-            <a:endParaRPr lang="ko-KR"/>
-          </a:p>
-          <a:p>
-            <a:r>
-              <a:rPr lang="ko-KR" altLang="en-US">
+            <a:endParaRPr lang="ko-KR" dirty="0"/>
+          </a:p>
+          <a:p>
+            <a:r>
+              <a:rPr lang="ko-KR" altLang="en-US" dirty="0">
                 <a:solidFill>
                   <a:srgbClr val="B8B8B8"/>
                 </a:solidFill>
                 <a:ea typeface="맑은 고딕"/>
               </a:rPr>
-              <a:t>소스코드 분석 및 수정 </a:t>
-            </a:r>
-          </a:p>
-          <a:p>
-            <a:endParaRPr lang="ko-KR" altLang="en-US">
+              <a:t>소스코드 분석 </a:t>
+            </a:r>
+            <a:endParaRPr lang="en-US" altLang="ko-KR" dirty="0">
+              <a:solidFill>
+                <a:srgbClr val="B8B8B8"/>
+              </a:solidFill>
+              <a:ea typeface="맑은 고딕"/>
+            </a:endParaRPr>
+          </a:p>
+          <a:p>
+            <a:r>
+              <a:rPr lang="ko-KR" altLang="en-US" dirty="0">
+                <a:solidFill>
+                  <a:schemeClr val="bg1">
+                    <a:lumMod val="75000"/>
+                  </a:schemeClr>
+                </a:solidFill>
+                <a:ea typeface="맑은 고딕"/>
+              </a:rPr>
+              <a:t>소스코드 수정 </a:t>
+            </a:r>
+          </a:p>
+          <a:p>
+            <a:endParaRPr lang="ko-KR" altLang="en-US" dirty="0">
+              <a:solidFill>
+                <a:srgbClr val="B8B8B8"/>
+              </a:solidFill>
+              <a:ea typeface="맑은 고딕"/>
+            </a:endParaRPr>
+          </a:p>
+          <a:p>
+            <a:endParaRPr lang="ko-KR" altLang="en-US" dirty="0">
               <a:solidFill>
                 <a:srgbClr val="B8B8B8"/>
               </a:solidFill>

--- a/2022.01.21/On-Device Training.pptx
+++ b/2022.01.21/On-Device Training.pptx
@@ -5,7 +5,7 @@
     <p:sldMasterId id="2147483648" r:id="rId1"/>
   </p:sldMasterIdLst>
   <p:notesMasterIdLst>
-    <p:notesMasterId r:id="rId33"/>
+    <p:notesMasterId r:id="rId34"/>
   </p:notesMasterIdLst>
   <p:sldIdLst>
     <p:sldId id="259" r:id="rId2"/>
@@ -38,7 +38,8 @@
     <p:sldId id="288" r:id="rId29"/>
     <p:sldId id="289" r:id="rId30"/>
     <p:sldId id="316" r:id="rId31"/>
-    <p:sldId id="273" r:id="rId32"/>
+    <p:sldId id="325" r:id="rId32"/>
+    <p:sldId id="273" r:id="rId33"/>
   </p:sldIdLst>
   <p:sldSz cx="12192000" cy="6858000"/>
   <p:notesSz cx="6858000" cy="9144000"/>
@@ -11215,6 +11216,34 @@
               <a:rPr lang="ko-KR" altLang="en-US" dirty="0"/>
               <a:t>데이터베이스 구조 생성</a:t>
             </a:r>
+            <a:endParaRPr lang="en-US" altLang="ko-KR" dirty="0"/>
+          </a:p>
+          <a:p>
+            <a:endParaRPr lang="en-US" altLang="ko-KR" dirty="0"/>
+          </a:p>
+          <a:p>
+            <a:endParaRPr lang="en-US" altLang="ko-KR" dirty="0"/>
+          </a:p>
+          <a:p>
+            <a:endParaRPr lang="en-US" altLang="ko-KR" dirty="0"/>
+          </a:p>
+          <a:p>
+            <a:r>
+              <a:rPr lang="en-US" altLang="ko-KR" dirty="0"/>
+              <a:t>float </a:t>
+            </a:r>
+            <a:r>
+              <a:rPr lang="ko-KR" altLang="en-US" dirty="0"/>
+              <a:t>배열 자체를 </a:t>
+            </a:r>
+            <a:r>
+              <a:rPr lang="en-US" altLang="ko-KR" dirty="0"/>
+              <a:t>SQLite</a:t>
+            </a:r>
+            <a:r>
+              <a:rPr lang="ko-KR" altLang="en-US" dirty="0"/>
+              <a:t>에 삽입 불가능 </a:t>
+            </a:r>
           </a:p>
         </p:txBody>
       </p:sp>
@@ -11298,16 +11327,15 @@
           </p:cNvPicPr>
           <p:nvPr/>
         </p:nvPicPr>
-        <p:blipFill>
+        <p:blipFill rotWithShape="1">
           <a:blip r:embed="rId2"/>
-          <a:stretch>
-            <a:fillRect/>
-          </a:stretch>
+          <a:srcRect r="20367"/>
+          <a:stretch/>
         </p:blipFill>
         <p:spPr>
           <a:xfrm>
-            <a:off x="222459" y="2331547"/>
-            <a:ext cx="11868150" cy="1809750"/>
+            <a:off x="576348" y="2134917"/>
+            <a:ext cx="9160628" cy="1754160"/>
           </a:xfrm>
           <a:prstGeom prst="rect">
             <a:avLst/>
@@ -11328,7 +11356,7 @@
         </p:nvSpPr>
         <p:spPr>
           <a:xfrm>
-            <a:off x="678874" y="3318164"/>
+            <a:off x="961507" y="3086725"/>
             <a:ext cx="1551708" cy="802352"/>
           </a:xfrm>
           <a:prstGeom prst="rect">
@@ -11366,6 +11394,36 @@
           </a:p>
         </p:txBody>
       </p:sp>
+      <p:pic>
+        <p:nvPicPr>
+          <p:cNvPr id="7" name="그림 6">
+            <a:extLst>
+              <a:ext uri="{FF2B5EF4-FFF2-40B4-BE49-F238E27FC236}">
+                <a16:creationId xmlns:a16="http://schemas.microsoft.com/office/drawing/2014/main" id="{20A91CCB-C1EF-417E-B7AE-106D0B05F5F0}"/>
+              </a:ext>
+            </a:extLst>
+          </p:cNvPr>
+          <p:cNvPicPr>
+            <a:picLocks noChangeAspect="1"/>
+          </p:cNvPicPr>
+          <p:nvPr/>
+        </p:nvPicPr>
+        <p:blipFill>
+          <a:blip r:embed="rId3"/>
+          <a:stretch>
+            <a:fillRect/>
+          </a:stretch>
+        </p:blipFill>
+        <p:spPr>
+          <a:xfrm>
+            <a:off x="576348" y="4688630"/>
+            <a:ext cx="7572375" cy="1771650"/>
+          </a:xfrm>
+          <a:prstGeom prst="rect">
+            <a:avLst/>
+          </a:prstGeom>
+        </p:spPr>
+      </p:pic>
     </p:spTree>
     <p:extLst>
       <p:ext uri="{BB962C8B-B14F-4D97-AF65-F5344CB8AC3E}">
@@ -11380,6 +11438,225 @@
 </file>
 
 <file path=ppt/slides/slide31.xml><?xml version="1.0" encoding="utf-8"?>
+<p:sld xmlns:a="http://schemas.openxmlformats.org/drawingml/2006/main" xmlns:r="http://schemas.openxmlformats.org/officeDocument/2006/relationships" xmlns:p="http://schemas.openxmlformats.org/presentationml/2006/main">
+  <p:cSld>
+    <p:spTree>
+      <p:nvGrpSpPr>
+        <p:cNvPr id="1" name=""/>
+        <p:cNvGrpSpPr/>
+        <p:nvPr/>
+      </p:nvGrpSpPr>
+      <p:grpSpPr>
+        <a:xfrm>
+          <a:off x="0" y="0"/>
+          <a:ext cx="0" cy="0"/>
+          <a:chOff x="0" y="0"/>
+          <a:chExt cx="0" cy="0"/>
+        </a:xfrm>
+      </p:grpSpPr>
+      <p:sp>
+        <p:nvSpPr>
+          <p:cNvPr id="2" name="제목 1">
+            <a:extLst>
+              <a:ext uri="{FF2B5EF4-FFF2-40B4-BE49-F238E27FC236}">
+                <a16:creationId xmlns:a16="http://schemas.microsoft.com/office/drawing/2014/main" id="{04303157-B2A5-4856-B70C-3C7649184101}"/>
+              </a:ext>
+            </a:extLst>
+          </p:cNvPr>
+          <p:cNvSpPr>
+            <a:spLocks noGrp="1"/>
+          </p:cNvSpPr>
+          <p:nvPr>
+            <p:ph type="title"/>
+          </p:nvPr>
+        </p:nvSpPr>
+        <p:spPr/>
+        <p:txBody>
+          <a:bodyPr/>
+          <a:lstStyle/>
+          <a:p>
+            <a:r>
+              <a:rPr lang="ko-KR" altLang="en-US" dirty="0"/>
+              <a:t>소스코드 수정</a:t>
+            </a:r>
+          </a:p>
+        </p:txBody>
+      </p:sp>
+      <p:sp>
+        <p:nvSpPr>
+          <p:cNvPr id="3" name="내용 개체 틀 2">
+            <a:extLst>
+              <a:ext uri="{FF2B5EF4-FFF2-40B4-BE49-F238E27FC236}">
+                <a16:creationId xmlns:a16="http://schemas.microsoft.com/office/drawing/2014/main" id="{E5E54B2B-4FBE-47CE-8492-3A95828B40D7}"/>
+              </a:ext>
+            </a:extLst>
+          </p:cNvPr>
+          <p:cNvSpPr>
+            <a:spLocks noGrp="1"/>
+          </p:cNvSpPr>
+          <p:nvPr>
+            <p:ph idx="1"/>
+          </p:nvPr>
+        </p:nvSpPr>
+        <p:spPr/>
+        <p:txBody>
+          <a:bodyPr/>
+          <a:lstStyle/>
+          <a:p>
+            <a:r>
+              <a:rPr lang="en-US" altLang="ko-KR" dirty="0"/>
+              <a:t>float </a:t>
+            </a:r>
+            <a:r>
+              <a:rPr lang="ko-KR" altLang="en-US" dirty="0"/>
+              <a:t>배열을 </a:t>
+            </a:r>
+            <a:r>
+              <a:rPr lang="en-US" altLang="ko-KR" dirty="0"/>
+              <a:t>Json String </a:t>
+            </a:r>
+            <a:r>
+              <a:rPr lang="ko-KR" altLang="en-US" dirty="0"/>
+              <a:t>으로 </a:t>
+            </a:r>
+            <a:r>
+              <a:rPr lang="en-US" altLang="ko-KR" dirty="0"/>
+              <a:t>converting </a:t>
+            </a:r>
+            <a:r>
+              <a:rPr lang="ko-KR" altLang="en-US" dirty="0"/>
+              <a:t>가능 </a:t>
+            </a:r>
+            <a:endParaRPr lang="en-US" altLang="ko-KR" dirty="0"/>
+          </a:p>
+          <a:p>
+            <a:pPr lvl="1"/>
+            <a:r>
+              <a:rPr lang="ko-KR" altLang="en-US" dirty="0"/>
+              <a:t>파일 입출력과 동일한 오버헤드 발생 할 것이라는 예측</a:t>
+            </a:r>
+            <a:endParaRPr lang="en-US" altLang="ko-KR" dirty="0"/>
+          </a:p>
+          <a:p>
+            <a:endParaRPr lang="en-US" altLang="ko-KR" dirty="0"/>
+          </a:p>
+          <a:p>
+            <a:r>
+              <a:rPr lang="en-US" altLang="ko-KR" dirty="0"/>
+              <a:t>foreign key</a:t>
+            </a:r>
+            <a:r>
+              <a:rPr lang="ko-KR" altLang="en-US" dirty="0"/>
+              <a:t>를 사용해서 저장하는 방법 고려 중 </a:t>
+            </a:r>
+            <a:endParaRPr lang="en-US" altLang="ko-KR" dirty="0"/>
+          </a:p>
+          <a:p>
+            <a:pPr lvl="1"/>
+            <a:r>
+              <a:rPr lang="en-US" altLang="ko-KR" dirty="0"/>
+              <a:t>Android Room</a:t>
+            </a:r>
+            <a:r>
+              <a:rPr lang="ko-KR" altLang="en-US" dirty="0"/>
+              <a:t>에서 여러 </a:t>
+            </a:r>
+            <a:r>
+              <a:rPr lang="en-US" altLang="ko-KR" dirty="0"/>
+              <a:t>table</a:t>
+            </a:r>
+            <a:r>
+              <a:rPr lang="ko-KR" altLang="en-US" dirty="0"/>
+              <a:t>을 사용하는 방법 탐색 중</a:t>
+            </a:r>
+            <a:endParaRPr lang="en-US" altLang="ko-KR" dirty="0"/>
+          </a:p>
+          <a:p>
+            <a:pPr lvl="1"/>
+            <a:endParaRPr lang="ko-KR" altLang="en-US" dirty="0"/>
+          </a:p>
+        </p:txBody>
+      </p:sp>
+      <p:sp>
+        <p:nvSpPr>
+          <p:cNvPr id="4" name="날짜 개체 틀 3">
+            <a:extLst>
+              <a:ext uri="{FF2B5EF4-FFF2-40B4-BE49-F238E27FC236}">
+                <a16:creationId xmlns:a16="http://schemas.microsoft.com/office/drawing/2014/main" id="{03F204CC-644A-4A23-B51A-5197BC25264A}"/>
+              </a:ext>
+            </a:extLst>
+          </p:cNvPr>
+          <p:cNvSpPr>
+            <a:spLocks noGrp="1"/>
+          </p:cNvSpPr>
+          <p:nvPr>
+            <p:ph type="dt" sz="half" idx="10"/>
+          </p:nvPr>
+        </p:nvSpPr>
+        <p:spPr/>
+        <p:txBody>
+          <a:bodyPr/>
+          <a:lstStyle/>
+          <a:p>
+            <a:r>
+              <a:rPr lang="ko-KR" altLang="en-US"/>
+              <a:t>권철현</a:t>
+            </a:r>
+            <a:r>
+              <a:rPr lang="en-US" altLang="ko-KR"/>
+              <a:t>, </a:t>
+            </a:r>
+            <a:r>
+              <a:rPr lang="ko-KR" altLang="en-US"/>
+              <a:t>신재하</a:t>
+            </a:r>
+          </a:p>
+        </p:txBody>
+      </p:sp>
+      <p:sp>
+        <p:nvSpPr>
+          <p:cNvPr id="5" name="슬라이드 번호 개체 틀 4">
+            <a:extLst>
+              <a:ext uri="{FF2B5EF4-FFF2-40B4-BE49-F238E27FC236}">
+                <a16:creationId xmlns:a16="http://schemas.microsoft.com/office/drawing/2014/main" id="{B8EDC241-069A-4F99-941B-4E0EE3561FAD}"/>
+              </a:ext>
+            </a:extLst>
+          </p:cNvPr>
+          <p:cNvSpPr>
+            <a:spLocks noGrp="1"/>
+          </p:cNvSpPr>
+          <p:nvPr>
+            <p:ph type="sldNum" sz="quarter" idx="12"/>
+          </p:nvPr>
+        </p:nvSpPr>
+        <p:spPr/>
+        <p:txBody>
+          <a:bodyPr/>
+          <a:lstStyle/>
+          <a:p>
+            <a:fld id="{5FF72CB3-86FB-4DBB-A7AC-E8F6F3DA156B}" type="slidenum">
+              <a:rPr lang="ko-KR" altLang="en-US" smtClean="0"/>
+              <a:pPr/>
+              <a:t>31</a:t>
+            </a:fld>
+            <a:endParaRPr lang="ko-KR" altLang="en-US"/>
+          </a:p>
+        </p:txBody>
+      </p:sp>
+    </p:spTree>
+    <p:extLst>
+      <p:ext uri="{BB962C8B-B14F-4D97-AF65-F5344CB8AC3E}">
+        <p14:creationId xmlns:p14="http://schemas.microsoft.com/office/powerpoint/2010/main" val="2056259027"/>
+      </p:ext>
+    </p:extLst>
+  </p:cSld>
+  <p:clrMapOvr>
+    <a:masterClrMapping/>
+  </p:clrMapOvr>
+</p:sld>
+</file>
+
+<file path=ppt/slides/slide32.xml><?xml version="1.0" encoding="utf-8"?>
 <p:sld xmlns:a="http://schemas.openxmlformats.org/drawingml/2006/main" xmlns:r="http://schemas.openxmlformats.org/officeDocument/2006/relationships" xmlns:p="http://schemas.openxmlformats.org/presentationml/2006/main">
   <p:cSld>
     <p:spTree>
@@ -12446,25 +12723,32 @@
               <a:buFont typeface="Wingdings,Sans-Serif" panose="05000000000000000000" pitchFamily="2" charset="2"/>
             </a:pPr>
             <a:r>
-              <a:rPr lang="ko-KR">
+              <a:rPr lang="ko-KR" dirty="0">
                 <a:ea typeface="+mn-lt"/>
                 <a:cs typeface="+mn-lt"/>
               </a:rPr>
               <a:t>현재 공식적으로는 </a:t>
             </a:r>
             <a:r>
-              <a:rPr lang="ko-KR" err="1">
+              <a:rPr lang="ko-KR" dirty="0" err="1">
                 <a:ea typeface="+mn-lt"/>
                 <a:cs typeface="+mn-lt"/>
               </a:rPr>
-              <a:t>TensorFlow는</a:t>
-            </a:r>
-            <a:r>
-              <a:rPr lang="ko-KR">
+              <a:t>TensorFlow</a:t>
+            </a:r>
+            <a:r>
+              <a:rPr lang="en-US" altLang="ko-KR" dirty="0">
                 <a:ea typeface="+mn-lt"/>
                 <a:cs typeface="+mn-lt"/>
               </a:rPr>
-              <a:t> 모바일 환경에서 추론만 지원한다.</a:t>
+              <a:t> Lite</a:t>
+            </a:r>
+            <a:r>
+              <a:rPr lang="ko-KR" dirty="0">
+                <a:ea typeface="+mn-lt"/>
+                <a:cs typeface="+mn-lt"/>
+              </a:rPr>
+              <a:t>는 모바일 환경에서 추론만 지원한다.</a:t>
             </a:r>
           </a:p>
           <a:p>
@@ -12473,7 +12757,7 @@
               <a:buChar char="•"/>
             </a:pPr>
             <a:r>
-              <a:rPr lang="ko-KR" altLang="en-US">
+              <a:rPr lang="ko-KR" altLang="en-US" dirty="0">
                 <a:ea typeface="+mn-lt"/>
                 <a:cs typeface="+mn-lt"/>
               </a:rPr>
@@ -12485,7 +12769,7 @@
               <a:buFont typeface="Arial"/>
               <a:buChar char="•"/>
             </a:pPr>
-            <a:endParaRPr lang="ko-KR" altLang="en-US">
+            <a:endParaRPr lang="ko-KR" altLang="en-US" dirty="0">
               <a:ea typeface="+mn-lt"/>
               <a:cs typeface="+mn-lt"/>
             </a:endParaRPr>
@@ -12495,13 +12779,13 @@
               <a:buFont typeface="Wingdings,Sans-Serif" panose="05000000000000000000" pitchFamily="2" charset="2"/>
             </a:pPr>
             <a:r>
-              <a:rPr lang="ko-KR">
+              <a:rPr lang="ko-KR" dirty="0">
                 <a:ea typeface="+mn-lt"/>
                 <a:cs typeface="+mn-lt"/>
               </a:rPr>
               <a:t>실험적인 단계로 전이 학습 메소드를 지원한다. </a:t>
             </a:r>
-            <a:endParaRPr lang="en-US" altLang="ko-KR">
+            <a:endParaRPr lang="en-US" altLang="ko-KR" dirty="0">
               <a:ea typeface="+mn-lt"/>
               <a:cs typeface="+mn-lt"/>
             </a:endParaRPr>
@@ -12511,13 +12795,13 @@
               <a:buFont typeface="Wingdings,Sans-Serif" panose="05000000000000000000" pitchFamily="2" charset="2"/>
               <a:buChar char="§"/>
             </a:pPr>
-            <a:endParaRPr lang="ko-KR">
+            <a:endParaRPr lang="ko-KR" dirty="0">
               <a:ea typeface="+mn-lt"/>
               <a:cs typeface="+mn-lt"/>
             </a:endParaRPr>
           </a:p>
           <a:p>
-            <a:endParaRPr lang="ko-KR" altLang="en-US">
+            <a:endParaRPr lang="ko-KR" altLang="en-US" dirty="0">
               <a:ea typeface="맑은 고딕"/>
             </a:endParaRPr>
           </a:p>
